--- a/Funanaプレゼン.pptx
+++ b/Funanaプレゼン.pptx
@@ -5,7 +5,7 @@
     <p:sldMasterId id="2147483660" r:id="rId1"/>
   </p:sldMasterIdLst>
   <p:notesMasterIdLst>
-    <p:notesMasterId r:id="rId18"/>
+    <p:notesMasterId r:id="rId23"/>
   </p:notesMasterIdLst>
   <p:sldIdLst>
     <p:sldId id="256" r:id="rId2"/>
@@ -19,11 +19,16 @@
     <p:sldId id="274" r:id="rId10"/>
     <p:sldId id="268" r:id="rId11"/>
     <p:sldId id="270" r:id="rId12"/>
-    <p:sldId id="269" r:id="rId13"/>
-    <p:sldId id="271" r:id="rId14"/>
-    <p:sldId id="272" r:id="rId15"/>
-    <p:sldId id="273" r:id="rId16"/>
-    <p:sldId id="261" r:id="rId17"/>
+    <p:sldId id="275" r:id="rId13"/>
+    <p:sldId id="276" r:id="rId14"/>
+    <p:sldId id="277" r:id="rId15"/>
+    <p:sldId id="278" r:id="rId16"/>
+    <p:sldId id="279" r:id="rId17"/>
+    <p:sldId id="269" r:id="rId18"/>
+    <p:sldId id="271" r:id="rId19"/>
+    <p:sldId id="272" r:id="rId20"/>
+    <p:sldId id="273" r:id="rId21"/>
+    <p:sldId id="261" r:id="rId22"/>
   </p:sldIdLst>
   <p:sldSz cx="10691813" cy="7559675"/>
   <p:notesSz cx="6858000" cy="9144000"/>
@@ -130,6 +135,4217 @@
 </p:presentation>
 </file>
 
+<file path=ppt/diagrams/colors1.xml><?xml version="1.0" encoding="utf-8"?>
+<dgm:colorsDef xmlns:dgm="http://schemas.openxmlformats.org/drawingml/2006/diagram" xmlns:a="http://schemas.openxmlformats.org/drawingml/2006/main" uniqueId="urn:microsoft.com/office/officeart/2005/8/colors/accent1_2">
+  <dgm:title val=""/>
+  <dgm:desc val=""/>
+  <dgm:catLst>
+    <dgm:cat type="accent1" pri="11200"/>
+  </dgm:catLst>
+  <dgm:styleLbl name="node0">
+    <dgm:fillClrLst meth="repeat">
+      <a:schemeClr val="accent1"/>
+    </dgm:fillClrLst>
+    <dgm:linClrLst meth="repeat">
+      <a:schemeClr val="lt1"/>
+    </dgm:linClrLst>
+    <dgm:effectClrLst/>
+    <dgm:txLinClrLst/>
+    <dgm:txFillClrLst/>
+    <dgm:txEffectClrLst/>
+  </dgm:styleLbl>
+  <dgm:styleLbl name="alignNode1">
+    <dgm:fillClrLst meth="repeat">
+      <a:schemeClr val="accent1"/>
+    </dgm:fillClrLst>
+    <dgm:linClrLst meth="repeat">
+      <a:schemeClr val="accent1"/>
+    </dgm:linClrLst>
+    <dgm:effectClrLst/>
+    <dgm:txLinClrLst/>
+    <dgm:txFillClrLst/>
+    <dgm:txEffectClrLst/>
+  </dgm:styleLbl>
+  <dgm:styleLbl name="node1">
+    <dgm:fillClrLst meth="repeat">
+      <a:schemeClr val="accent1"/>
+    </dgm:fillClrLst>
+    <dgm:linClrLst meth="repeat">
+      <a:schemeClr val="lt1"/>
+    </dgm:linClrLst>
+    <dgm:effectClrLst/>
+    <dgm:txLinClrLst/>
+    <dgm:txFillClrLst/>
+    <dgm:txEffectClrLst/>
+  </dgm:styleLbl>
+  <dgm:styleLbl name="lnNode1">
+    <dgm:fillClrLst meth="repeat">
+      <a:schemeClr val="accent1"/>
+    </dgm:fillClrLst>
+    <dgm:linClrLst meth="repeat">
+      <a:schemeClr val="lt1"/>
+    </dgm:linClrLst>
+    <dgm:effectClrLst/>
+    <dgm:txLinClrLst/>
+    <dgm:txFillClrLst/>
+    <dgm:txEffectClrLst/>
+  </dgm:styleLbl>
+  <dgm:styleLbl name="vennNode1">
+    <dgm:fillClrLst meth="repeat">
+      <a:schemeClr val="accent1">
+        <a:alpha val="50000"/>
+      </a:schemeClr>
+    </dgm:fillClrLst>
+    <dgm:linClrLst meth="repeat">
+      <a:schemeClr val="lt1"/>
+    </dgm:linClrLst>
+    <dgm:effectClrLst/>
+    <dgm:txLinClrLst/>
+    <dgm:txFillClrLst/>
+    <dgm:txEffectClrLst/>
+  </dgm:styleLbl>
+  <dgm:styleLbl name="node2">
+    <dgm:fillClrLst meth="repeat">
+      <a:schemeClr val="accent1"/>
+    </dgm:fillClrLst>
+    <dgm:linClrLst meth="repeat">
+      <a:schemeClr val="lt1"/>
+    </dgm:linClrLst>
+    <dgm:effectClrLst/>
+    <dgm:txLinClrLst/>
+    <dgm:txFillClrLst/>
+    <dgm:txEffectClrLst/>
+  </dgm:styleLbl>
+  <dgm:styleLbl name="node3">
+    <dgm:fillClrLst meth="repeat">
+      <a:schemeClr val="accent1"/>
+    </dgm:fillClrLst>
+    <dgm:linClrLst meth="repeat">
+      <a:schemeClr val="lt1"/>
+    </dgm:linClrLst>
+    <dgm:effectClrLst/>
+    <dgm:txLinClrLst/>
+    <dgm:txFillClrLst/>
+    <dgm:txEffectClrLst/>
+  </dgm:styleLbl>
+  <dgm:styleLbl name="node4">
+    <dgm:fillClrLst meth="repeat">
+      <a:schemeClr val="accent1"/>
+    </dgm:fillClrLst>
+    <dgm:linClrLst meth="repeat">
+      <a:schemeClr val="lt1"/>
+    </dgm:linClrLst>
+    <dgm:effectClrLst/>
+    <dgm:txLinClrLst/>
+    <dgm:txFillClrLst/>
+    <dgm:txEffectClrLst/>
+  </dgm:styleLbl>
+  <dgm:styleLbl name="fgImgPlace1">
+    <dgm:fillClrLst meth="repeat">
+      <a:schemeClr val="accent1">
+        <a:tint val="50000"/>
+      </a:schemeClr>
+    </dgm:fillClrLst>
+    <dgm:linClrLst meth="repeat">
+      <a:schemeClr val="lt1"/>
+    </dgm:linClrLst>
+    <dgm:effectClrLst/>
+    <dgm:txLinClrLst/>
+    <dgm:txFillClrLst meth="repeat">
+      <a:schemeClr val="lt1"/>
+    </dgm:txFillClrLst>
+    <dgm:txEffectClrLst/>
+  </dgm:styleLbl>
+  <dgm:styleLbl name="alignImgPlace1">
+    <dgm:fillClrLst meth="repeat">
+      <a:schemeClr val="accent1">
+        <a:tint val="50000"/>
+      </a:schemeClr>
+    </dgm:fillClrLst>
+    <dgm:linClrLst meth="repeat">
+      <a:schemeClr val="lt1"/>
+    </dgm:linClrLst>
+    <dgm:effectClrLst/>
+    <dgm:txLinClrLst/>
+    <dgm:txFillClrLst meth="repeat">
+      <a:schemeClr val="lt1"/>
+    </dgm:txFillClrLst>
+    <dgm:txEffectClrLst/>
+  </dgm:styleLbl>
+  <dgm:styleLbl name="bgImgPlace1">
+    <dgm:fillClrLst meth="repeat">
+      <a:schemeClr val="accent1">
+        <a:tint val="50000"/>
+      </a:schemeClr>
+    </dgm:fillClrLst>
+    <dgm:linClrLst meth="repeat">
+      <a:schemeClr val="lt1"/>
+    </dgm:linClrLst>
+    <dgm:effectClrLst/>
+    <dgm:txLinClrLst/>
+    <dgm:txFillClrLst meth="repeat">
+      <a:schemeClr val="lt1"/>
+    </dgm:txFillClrLst>
+    <dgm:txEffectClrLst/>
+  </dgm:styleLbl>
+  <dgm:styleLbl name="sibTrans2D1">
+    <dgm:fillClrLst meth="repeat">
+      <a:schemeClr val="accent1">
+        <a:tint val="60000"/>
+      </a:schemeClr>
+    </dgm:fillClrLst>
+    <dgm:linClrLst meth="repeat">
+      <a:schemeClr val="accent1">
+        <a:tint val="60000"/>
+      </a:schemeClr>
+    </dgm:linClrLst>
+    <dgm:effectClrLst/>
+    <dgm:txLinClrLst/>
+    <dgm:txFillClrLst/>
+    <dgm:txEffectClrLst/>
+  </dgm:styleLbl>
+  <dgm:styleLbl name="fgSibTrans2D1">
+    <dgm:fillClrLst meth="repeat">
+      <a:schemeClr val="accent1">
+        <a:tint val="60000"/>
+      </a:schemeClr>
+    </dgm:fillClrLst>
+    <dgm:linClrLst meth="repeat">
+      <a:schemeClr val="accent1">
+        <a:tint val="60000"/>
+      </a:schemeClr>
+    </dgm:linClrLst>
+    <dgm:effectClrLst/>
+    <dgm:txLinClrLst/>
+    <dgm:txFillClrLst/>
+    <dgm:txEffectClrLst/>
+  </dgm:styleLbl>
+  <dgm:styleLbl name="bgSibTrans2D1">
+    <dgm:fillClrLst meth="repeat">
+      <a:schemeClr val="accent1">
+        <a:tint val="60000"/>
+      </a:schemeClr>
+    </dgm:fillClrLst>
+    <dgm:linClrLst meth="repeat">
+      <a:schemeClr val="accent1">
+        <a:tint val="60000"/>
+      </a:schemeClr>
+    </dgm:linClrLst>
+    <dgm:effectClrLst/>
+    <dgm:txLinClrLst/>
+    <dgm:txFillClrLst/>
+    <dgm:txEffectClrLst/>
+  </dgm:styleLbl>
+  <dgm:styleLbl name="sibTrans1D1">
+    <dgm:fillClrLst meth="repeat">
+      <a:schemeClr val="accent1"/>
+    </dgm:fillClrLst>
+    <dgm:linClrLst meth="repeat">
+      <a:schemeClr val="accent1"/>
+    </dgm:linClrLst>
+    <dgm:effectClrLst/>
+    <dgm:txLinClrLst/>
+    <dgm:txFillClrLst meth="repeat">
+      <a:schemeClr val="tx1"/>
+    </dgm:txFillClrLst>
+    <dgm:txEffectClrLst/>
+  </dgm:styleLbl>
+  <dgm:styleLbl name="callout">
+    <dgm:fillClrLst meth="repeat">
+      <a:schemeClr val="accent1"/>
+    </dgm:fillClrLst>
+    <dgm:linClrLst meth="repeat">
+      <a:schemeClr val="accent1">
+        <a:tint val="50000"/>
+      </a:schemeClr>
+    </dgm:linClrLst>
+    <dgm:effectClrLst/>
+    <dgm:txLinClrLst/>
+    <dgm:txFillClrLst meth="repeat">
+      <a:schemeClr val="tx1"/>
+    </dgm:txFillClrLst>
+    <dgm:txEffectClrLst/>
+  </dgm:styleLbl>
+  <dgm:styleLbl name="asst0">
+    <dgm:fillClrLst meth="repeat">
+      <a:schemeClr val="accent1"/>
+    </dgm:fillClrLst>
+    <dgm:linClrLst meth="repeat">
+      <a:schemeClr val="lt1"/>
+    </dgm:linClrLst>
+    <dgm:effectClrLst/>
+    <dgm:txLinClrLst/>
+    <dgm:txFillClrLst/>
+    <dgm:txEffectClrLst/>
+  </dgm:styleLbl>
+  <dgm:styleLbl name="asst1">
+    <dgm:fillClrLst meth="repeat">
+      <a:schemeClr val="accent1"/>
+    </dgm:fillClrLst>
+    <dgm:linClrLst meth="repeat">
+      <a:schemeClr val="lt1"/>
+    </dgm:linClrLst>
+    <dgm:effectClrLst/>
+    <dgm:txLinClrLst/>
+    <dgm:txFillClrLst/>
+    <dgm:txEffectClrLst/>
+  </dgm:styleLbl>
+  <dgm:styleLbl name="asst2">
+    <dgm:fillClrLst meth="repeat">
+      <a:schemeClr val="accent1"/>
+    </dgm:fillClrLst>
+    <dgm:linClrLst meth="repeat">
+      <a:schemeClr val="lt1"/>
+    </dgm:linClrLst>
+    <dgm:effectClrLst/>
+    <dgm:txLinClrLst/>
+    <dgm:txFillClrLst/>
+    <dgm:txEffectClrLst/>
+  </dgm:styleLbl>
+  <dgm:styleLbl name="asst3">
+    <dgm:fillClrLst meth="repeat">
+      <a:schemeClr val="accent1"/>
+    </dgm:fillClrLst>
+    <dgm:linClrLst meth="repeat">
+      <a:schemeClr val="lt1"/>
+    </dgm:linClrLst>
+    <dgm:effectClrLst/>
+    <dgm:txLinClrLst/>
+    <dgm:txFillClrLst/>
+    <dgm:txEffectClrLst/>
+  </dgm:styleLbl>
+  <dgm:styleLbl name="asst4">
+    <dgm:fillClrLst meth="repeat">
+      <a:schemeClr val="accent1"/>
+    </dgm:fillClrLst>
+    <dgm:linClrLst meth="repeat">
+      <a:schemeClr val="lt1"/>
+    </dgm:linClrLst>
+    <dgm:effectClrLst/>
+    <dgm:txLinClrLst/>
+    <dgm:txFillClrLst/>
+    <dgm:txEffectClrLst/>
+  </dgm:styleLbl>
+  <dgm:styleLbl name="parChTrans2D1">
+    <dgm:fillClrLst meth="repeat">
+      <a:schemeClr val="accent1">
+        <a:tint val="60000"/>
+      </a:schemeClr>
+    </dgm:fillClrLst>
+    <dgm:linClrLst meth="repeat">
+      <a:schemeClr val="accent1">
+        <a:tint val="60000"/>
+      </a:schemeClr>
+    </dgm:linClrLst>
+    <dgm:effectClrLst/>
+    <dgm:txLinClrLst/>
+    <dgm:txFillClrLst meth="repeat">
+      <a:schemeClr val="lt1"/>
+    </dgm:txFillClrLst>
+    <dgm:txEffectClrLst/>
+  </dgm:styleLbl>
+  <dgm:styleLbl name="parChTrans2D2">
+    <dgm:fillClrLst meth="repeat">
+      <a:schemeClr val="accent1"/>
+    </dgm:fillClrLst>
+    <dgm:linClrLst meth="repeat">
+      <a:schemeClr val="accent1"/>
+    </dgm:linClrLst>
+    <dgm:effectClrLst/>
+    <dgm:txLinClrLst/>
+    <dgm:txFillClrLst meth="repeat">
+      <a:schemeClr val="lt1"/>
+    </dgm:txFillClrLst>
+    <dgm:txEffectClrLst/>
+  </dgm:styleLbl>
+  <dgm:styleLbl name="parChTrans2D3">
+    <dgm:fillClrLst meth="repeat">
+      <a:schemeClr val="accent1"/>
+    </dgm:fillClrLst>
+    <dgm:linClrLst meth="repeat">
+      <a:schemeClr val="accent1"/>
+    </dgm:linClrLst>
+    <dgm:effectClrLst/>
+    <dgm:txLinClrLst/>
+    <dgm:txFillClrLst meth="repeat">
+      <a:schemeClr val="lt1"/>
+    </dgm:txFillClrLst>
+    <dgm:txEffectClrLst/>
+  </dgm:styleLbl>
+  <dgm:styleLbl name="parChTrans2D4">
+    <dgm:fillClrLst meth="repeat">
+      <a:schemeClr val="accent1"/>
+    </dgm:fillClrLst>
+    <dgm:linClrLst meth="repeat">
+      <a:schemeClr val="accent1"/>
+    </dgm:linClrLst>
+    <dgm:effectClrLst/>
+    <dgm:txLinClrLst/>
+    <dgm:txFillClrLst meth="repeat">
+      <a:schemeClr val="lt1"/>
+    </dgm:txFillClrLst>
+    <dgm:txEffectClrLst/>
+  </dgm:styleLbl>
+  <dgm:styleLbl name="parChTrans1D1">
+    <dgm:fillClrLst meth="repeat">
+      <a:schemeClr val="accent1"/>
+    </dgm:fillClrLst>
+    <dgm:linClrLst meth="repeat">
+      <a:schemeClr val="accent1">
+        <a:shade val="60000"/>
+      </a:schemeClr>
+    </dgm:linClrLst>
+    <dgm:effectClrLst/>
+    <dgm:txLinClrLst/>
+    <dgm:txFillClrLst meth="repeat">
+      <a:schemeClr val="tx1"/>
+    </dgm:txFillClrLst>
+    <dgm:txEffectClrLst/>
+  </dgm:styleLbl>
+  <dgm:styleLbl name="parChTrans1D2">
+    <dgm:fillClrLst meth="repeat">
+      <a:schemeClr val="accent1"/>
+    </dgm:fillClrLst>
+    <dgm:linClrLst meth="repeat">
+      <a:schemeClr val="accent1">
+        <a:shade val="60000"/>
+      </a:schemeClr>
+    </dgm:linClrLst>
+    <dgm:effectClrLst/>
+    <dgm:txLinClrLst/>
+    <dgm:txFillClrLst meth="repeat">
+      <a:schemeClr val="tx1"/>
+    </dgm:txFillClrLst>
+    <dgm:txEffectClrLst/>
+  </dgm:styleLbl>
+  <dgm:styleLbl name="parChTrans1D3">
+    <dgm:fillClrLst meth="repeat">
+      <a:schemeClr val="accent1"/>
+    </dgm:fillClrLst>
+    <dgm:linClrLst meth="repeat">
+      <a:schemeClr val="accent1">
+        <a:shade val="80000"/>
+      </a:schemeClr>
+    </dgm:linClrLst>
+    <dgm:effectClrLst/>
+    <dgm:txLinClrLst/>
+    <dgm:txFillClrLst meth="repeat">
+      <a:schemeClr val="tx1"/>
+    </dgm:txFillClrLst>
+    <dgm:txEffectClrLst/>
+  </dgm:styleLbl>
+  <dgm:styleLbl name="parChTrans1D4">
+    <dgm:fillClrLst meth="repeat">
+      <a:schemeClr val="accent1"/>
+    </dgm:fillClrLst>
+    <dgm:linClrLst meth="repeat">
+      <a:schemeClr val="accent1">
+        <a:shade val="80000"/>
+      </a:schemeClr>
+    </dgm:linClrLst>
+    <dgm:effectClrLst/>
+    <dgm:txLinClrLst/>
+    <dgm:txFillClrLst meth="repeat">
+      <a:schemeClr val="tx1"/>
+    </dgm:txFillClrLst>
+    <dgm:txEffectClrLst/>
+  </dgm:styleLbl>
+  <dgm:styleLbl name="fgAcc1">
+    <dgm:fillClrLst meth="repeat">
+      <a:schemeClr val="lt1">
+        <a:alpha val="90000"/>
+      </a:schemeClr>
+    </dgm:fillClrLst>
+    <dgm:linClrLst meth="repeat">
+      <a:schemeClr val="accent1"/>
+    </dgm:linClrLst>
+    <dgm:effectClrLst/>
+    <dgm:txLinClrLst/>
+    <dgm:txFillClrLst meth="repeat">
+      <a:schemeClr val="dk1"/>
+    </dgm:txFillClrLst>
+    <dgm:txEffectClrLst/>
+  </dgm:styleLbl>
+  <dgm:styleLbl name="conFgAcc1">
+    <dgm:fillClrLst meth="repeat">
+      <a:schemeClr val="lt1">
+        <a:alpha val="90000"/>
+      </a:schemeClr>
+    </dgm:fillClrLst>
+    <dgm:linClrLst meth="repeat">
+      <a:schemeClr val="accent1"/>
+    </dgm:linClrLst>
+    <dgm:effectClrLst/>
+    <dgm:txLinClrLst/>
+    <dgm:txFillClrLst meth="repeat">
+      <a:schemeClr val="dk1"/>
+    </dgm:txFillClrLst>
+    <dgm:txEffectClrLst/>
+  </dgm:styleLbl>
+  <dgm:styleLbl name="alignAcc1">
+    <dgm:fillClrLst meth="repeat">
+      <a:schemeClr val="lt1">
+        <a:alpha val="90000"/>
+      </a:schemeClr>
+    </dgm:fillClrLst>
+    <dgm:linClrLst meth="repeat">
+      <a:schemeClr val="accent1"/>
+    </dgm:linClrLst>
+    <dgm:effectClrLst/>
+    <dgm:txLinClrLst/>
+    <dgm:txFillClrLst meth="repeat">
+      <a:schemeClr val="dk1"/>
+    </dgm:txFillClrLst>
+    <dgm:txEffectClrLst/>
+  </dgm:styleLbl>
+  <dgm:styleLbl name="trAlignAcc1">
+    <dgm:fillClrLst meth="repeat">
+      <a:schemeClr val="lt1">
+        <a:alpha val="40000"/>
+      </a:schemeClr>
+    </dgm:fillClrLst>
+    <dgm:linClrLst meth="repeat">
+      <a:schemeClr val="accent1"/>
+    </dgm:linClrLst>
+    <dgm:effectClrLst/>
+    <dgm:txLinClrLst/>
+    <dgm:txFillClrLst meth="repeat">
+      <a:schemeClr val="dk1"/>
+    </dgm:txFillClrLst>
+    <dgm:txEffectClrLst/>
+  </dgm:styleLbl>
+  <dgm:styleLbl name="bgAcc1">
+    <dgm:fillClrLst meth="repeat">
+      <a:schemeClr val="lt1">
+        <a:alpha val="90000"/>
+      </a:schemeClr>
+    </dgm:fillClrLst>
+    <dgm:linClrLst meth="repeat">
+      <a:schemeClr val="accent1"/>
+    </dgm:linClrLst>
+    <dgm:effectClrLst/>
+    <dgm:txLinClrLst/>
+    <dgm:txFillClrLst meth="repeat">
+      <a:schemeClr val="dk1"/>
+    </dgm:txFillClrLst>
+    <dgm:txEffectClrLst/>
+  </dgm:styleLbl>
+  <dgm:styleLbl name="solidFgAcc1">
+    <dgm:fillClrLst meth="repeat">
+      <a:schemeClr val="lt1"/>
+    </dgm:fillClrLst>
+    <dgm:linClrLst meth="repeat">
+      <a:schemeClr val="accent1"/>
+    </dgm:linClrLst>
+    <dgm:effectClrLst/>
+    <dgm:txLinClrLst/>
+    <dgm:txFillClrLst meth="repeat">
+      <a:schemeClr val="dk1"/>
+    </dgm:txFillClrLst>
+    <dgm:txEffectClrLst/>
+  </dgm:styleLbl>
+  <dgm:styleLbl name="solidAlignAcc1">
+    <dgm:fillClrLst meth="repeat">
+      <a:schemeClr val="lt1"/>
+    </dgm:fillClrLst>
+    <dgm:linClrLst meth="repeat">
+      <a:schemeClr val="accent1"/>
+    </dgm:linClrLst>
+    <dgm:effectClrLst/>
+    <dgm:txLinClrLst/>
+    <dgm:txFillClrLst meth="repeat">
+      <a:schemeClr val="dk1"/>
+    </dgm:txFillClrLst>
+    <dgm:txEffectClrLst/>
+  </dgm:styleLbl>
+  <dgm:styleLbl name="solidBgAcc1">
+    <dgm:fillClrLst meth="repeat">
+      <a:schemeClr val="lt1"/>
+    </dgm:fillClrLst>
+    <dgm:linClrLst meth="repeat">
+      <a:schemeClr val="accent1"/>
+    </dgm:linClrLst>
+    <dgm:effectClrLst/>
+    <dgm:txLinClrLst/>
+    <dgm:txFillClrLst meth="repeat">
+      <a:schemeClr val="dk1"/>
+    </dgm:txFillClrLst>
+    <dgm:txEffectClrLst/>
+  </dgm:styleLbl>
+  <dgm:styleLbl name="fgAccFollowNode1">
+    <dgm:fillClrLst meth="repeat">
+      <a:schemeClr val="accent1">
+        <a:alpha val="90000"/>
+        <a:tint val="40000"/>
+      </a:schemeClr>
+    </dgm:fillClrLst>
+    <dgm:linClrLst meth="repeat">
+      <a:schemeClr val="accent1">
+        <a:alpha val="90000"/>
+        <a:tint val="40000"/>
+      </a:schemeClr>
+    </dgm:linClrLst>
+    <dgm:effectClrLst/>
+    <dgm:txLinClrLst/>
+    <dgm:txFillClrLst meth="repeat">
+      <a:schemeClr val="dk1"/>
+    </dgm:txFillClrLst>
+    <dgm:txEffectClrLst/>
+  </dgm:styleLbl>
+  <dgm:styleLbl name="alignAccFollowNode1">
+    <dgm:fillClrLst meth="repeat">
+      <a:schemeClr val="accent1">
+        <a:alpha val="90000"/>
+        <a:tint val="40000"/>
+      </a:schemeClr>
+    </dgm:fillClrLst>
+    <dgm:linClrLst meth="repeat">
+      <a:schemeClr val="accent1">
+        <a:alpha val="90000"/>
+        <a:tint val="40000"/>
+      </a:schemeClr>
+    </dgm:linClrLst>
+    <dgm:effectClrLst/>
+    <dgm:txLinClrLst/>
+    <dgm:txFillClrLst meth="repeat">
+      <a:schemeClr val="dk1"/>
+    </dgm:txFillClrLst>
+    <dgm:txEffectClrLst/>
+  </dgm:styleLbl>
+  <dgm:styleLbl name="bgAccFollowNode1">
+    <dgm:fillClrLst meth="repeat">
+      <a:schemeClr val="accent1">
+        <a:alpha val="90000"/>
+        <a:tint val="40000"/>
+      </a:schemeClr>
+    </dgm:fillClrLst>
+    <dgm:linClrLst meth="repeat">
+      <a:schemeClr val="accent1">
+        <a:alpha val="90000"/>
+        <a:tint val="40000"/>
+      </a:schemeClr>
+    </dgm:linClrLst>
+    <dgm:effectClrLst/>
+    <dgm:txLinClrLst/>
+    <dgm:txFillClrLst meth="repeat">
+      <a:schemeClr val="dk1"/>
+    </dgm:txFillClrLst>
+    <dgm:txEffectClrLst/>
+  </dgm:styleLbl>
+  <dgm:styleLbl name="fgAcc0">
+    <dgm:fillClrLst meth="repeat">
+      <a:schemeClr val="lt1">
+        <a:alpha val="90000"/>
+      </a:schemeClr>
+    </dgm:fillClrLst>
+    <dgm:linClrLst meth="repeat">
+      <a:schemeClr val="accent1"/>
+    </dgm:linClrLst>
+    <dgm:effectClrLst/>
+    <dgm:txLinClrLst/>
+    <dgm:txFillClrLst meth="repeat">
+      <a:schemeClr val="dk1"/>
+    </dgm:txFillClrLst>
+    <dgm:txEffectClrLst/>
+  </dgm:styleLbl>
+  <dgm:styleLbl name="fgAcc2">
+    <dgm:fillClrLst meth="repeat">
+      <a:schemeClr val="lt1">
+        <a:alpha val="90000"/>
+      </a:schemeClr>
+    </dgm:fillClrLst>
+    <dgm:linClrLst meth="repeat">
+      <a:schemeClr val="accent1"/>
+    </dgm:linClrLst>
+    <dgm:effectClrLst/>
+    <dgm:txLinClrLst/>
+    <dgm:txFillClrLst meth="repeat">
+      <a:schemeClr val="dk1"/>
+    </dgm:txFillClrLst>
+    <dgm:txEffectClrLst/>
+  </dgm:styleLbl>
+  <dgm:styleLbl name="fgAcc3">
+    <dgm:fillClrLst meth="repeat">
+      <a:schemeClr val="lt1">
+        <a:alpha val="90000"/>
+      </a:schemeClr>
+    </dgm:fillClrLst>
+    <dgm:linClrLst meth="repeat">
+      <a:schemeClr val="accent1"/>
+    </dgm:linClrLst>
+    <dgm:effectClrLst/>
+    <dgm:txLinClrLst/>
+    <dgm:txFillClrLst meth="repeat">
+      <a:schemeClr val="dk1"/>
+    </dgm:txFillClrLst>
+    <dgm:txEffectClrLst/>
+  </dgm:styleLbl>
+  <dgm:styleLbl name="fgAcc4">
+    <dgm:fillClrLst meth="repeat">
+      <a:schemeClr val="lt1">
+        <a:alpha val="90000"/>
+      </a:schemeClr>
+    </dgm:fillClrLst>
+    <dgm:linClrLst meth="repeat">
+      <a:schemeClr val="accent1"/>
+    </dgm:linClrLst>
+    <dgm:effectClrLst/>
+    <dgm:txLinClrLst/>
+    <dgm:txFillClrLst meth="repeat">
+      <a:schemeClr val="dk1"/>
+    </dgm:txFillClrLst>
+    <dgm:txEffectClrLst/>
+  </dgm:styleLbl>
+  <dgm:styleLbl name="bgShp">
+    <dgm:fillClrLst meth="repeat">
+      <a:schemeClr val="accent1">
+        <a:tint val="40000"/>
+      </a:schemeClr>
+    </dgm:fillClrLst>
+    <dgm:linClrLst meth="repeat">
+      <a:schemeClr val="accent1"/>
+    </dgm:linClrLst>
+    <dgm:effectClrLst/>
+    <dgm:txLinClrLst/>
+    <dgm:txFillClrLst meth="repeat">
+      <a:schemeClr val="dk1"/>
+    </dgm:txFillClrLst>
+    <dgm:txEffectClrLst/>
+  </dgm:styleLbl>
+  <dgm:styleLbl name="dkBgShp">
+    <dgm:fillClrLst meth="repeat">
+      <a:schemeClr val="accent1">
+        <a:shade val="80000"/>
+      </a:schemeClr>
+    </dgm:fillClrLst>
+    <dgm:linClrLst meth="repeat">
+      <a:schemeClr val="accent1"/>
+    </dgm:linClrLst>
+    <dgm:effectClrLst/>
+    <dgm:txLinClrLst/>
+    <dgm:txFillClrLst meth="repeat">
+      <a:schemeClr val="lt1"/>
+    </dgm:txFillClrLst>
+    <dgm:txEffectClrLst/>
+  </dgm:styleLbl>
+  <dgm:styleLbl name="trBgShp">
+    <dgm:fillClrLst meth="repeat">
+      <a:schemeClr val="accent1">
+        <a:tint val="50000"/>
+        <a:alpha val="40000"/>
+      </a:schemeClr>
+    </dgm:fillClrLst>
+    <dgm:linClrLst meth="repeat">
+      <a:schemeClr val="accent1"/>
+    </dgm:linClrLst>
+    <dgm:effectClrLst/>
+    <dgm:txLinClrLst/>
+    <dgm:txFillClrLst meth="repeat">
+      <a:schemeClr val="lt1"/>
+    </dgm:txFillClrLst>
+    <dgm:txEffectClrLst/>
+  </dgm:styleLbl>
+  <dgm:styleLbl name="fgShp">
+    <dgm:fillClrLst meth="repeat">
+      <a:schemeClr val="accent1">
+        <a:tint val="60000"/>
+      </a:schemeClr>
+    </dgm:fillClrLst>
+    <dgm:linClrLst meth="repeat">
+      <a:schemeClr val="lt1"/>
+    </dgm:linClrLst>
+    <dgm:effectClrLst/>
+    <dgm:txLinClrLst/>
+    <dgm:txFillClrLst meth="repeat">
+      <a:schemeClr val="dk1"/>
+    </dgm:txFillClrLst>
+    <dgm:txEffectClrLst/>
+  </dgm:styleLbl>
+  <dgm:styleLbl name="revTx">
+    <dgm:fillClrLst meth="repeat">
+      <a:schemeClr val="lt1">
+        <a:alpha val="0"/>
+      </a:schemeClr>
+    </dgm:fillClrLst>
+    <dgm:linClrLst meth="repeat">
+      <a:schemeClr val="dk1">
+        <a:alpha val="0"/>
+      </a:schemeClr>
+    </dgm:linClrLst>
+    <dgm:effectClrLst/>
+    <dgm:txLinClrLst/>
+    <dgm:txFillClrLst meth="repeat">
+      <a:schemeClr val="tx1"/>
+    </dgm:txFillClrLst>
+    <dgm:txEffectClrLst/>
+  </dgm:styleLbl>
+</dgm:colorsDef>
+</file>
+
+<file path=ppt/diagrams/data1.xml><?xml version="1.0" encoding="utf-8"?>
+<dgm:dataModel xmlns:dgm="http://schemas.openxmlformats.org/drawingml/2006/diagram" xmlns:a="http://schemas.openxmlformats.org/drawingml/2006/main">
+  <dgm:ptLst>
+    <dgm:pt modelId="{29731825-D592-474D-B95C-8F746820CD6F}" type="doc">
+      <dgm:prSet loTypeId="urn:microsoft.com/office/officeart/2008/layout/VerticalCurvedList" loCatId="" qsTypeId="urn:microsoft.com/office/officeart/2005/8/quickstyle/simple4" qsCatId="simple" csTypeId="urn:microsoft.com/office/officeart/2005/8/colors/accent1_2" csCatId="accent1" phldr="1"/>
+      <dgm:spPr/>
+      <dgm:t>
+        <a:bodyPr/>
+        <a:lstStyle/>
+        <a:p>
+          <a:endParaRPr kumimoji="1" lang="ja-JP" altLang="en-US"/>
+        </a:p>
+      </dgm:t>
+    </dgm:pt>
+    <dgm:pt modelId="{3228E3B2-E20D-964B-81B5-014A4B1E2D18}">
+      <dgm:prSet phldrT="[テキスト]"/>
+      <dgm:spPr/>
+      <dgm:t>
+        <a:bodyPr/>
+        <a:lstStyle/>
+        <a:p>
+          <a:r>
+            <a:rPr kumimoji="1" lang="ja-JP" altLang="en-US" dirty="0" smtClean="0"/>
+            <a:t>コンセプト</a:t>
+          </a:r>
+          <a:endParaRPr kumimoji="1" lang="ja-JP" altLang="en-US" dirty="0"/>
+        </a:p>
+      </dgm:t>
+    </dgm:pt>
+    <dgm:pt modelId="{57452E40-0AFA-A546-8916-30F692566B94}" type="parTrans" cxnId="{6C11B6BA-EE5F-6B47-B3D8-82E2D93E79DA}">
+      <dgm:prSet/>
+      <dgm:spPr/>
+      <dgm:t>
+        <a:bodyPr/>
+        <a:lstStyle/>
+        <a:p>
+          <a:endParaRPr kumimoji="1" lang="ja-JP" altLang="en-US"/>
+        </a:p>
+      </dgm:t>
+    </dgm:pt>
+    <dgm:pt modelId="{6499395B-E8F5-004C-9F5F-5AFD3116A72C}" type="sibTrans" cxnId="{6C11B6BA-EE5F-6B47-B3D8-82E2D93E79DA}">
+      <dgm:prSet/>
+      <dgm:spPr/>
+      <dgm:t>
+        <a:bodyPr/>
+        <a:lstStyle/>
+        <a:p>
+          <a:endParaRPr kumimoji="1" lang="ja-JP" altLang="en-US"/>
+        </a:p>
+      </dgm:t>
+    </dgm:pt>
+    <dgm:pt modelId="{1DCD092B-E885-B948-A6E7-B6DE9690B856}">
+      <dgm:prSet phldrT="[テキスト]"/>
+      <dgm:spPr/>
+      <dgm:t>
+        <a:bodyPr/>
+        <a:lstStyle/>
+        <a:p>
+          <a:r>
+            <a:rPr kumimoji="1" lang="ja-JP" altLang="en-US" dirty="0" smtClean="0"/>
+            <a:t>活用方法</a:t>
+          </a:r>
+          <a:endParaRPr kumimoji="1" lang="en-US" altLang="ja-JP" dirty="0" smtClean="0"/>
+        </a:p>
+      </dgm:t>
+    </dgm:pt>
+    <dgm:pt modelId="{06088D07-25D6-384B-8031-E5344E3B8C69}" type="parTrans" cxnId="{A1A55811-1D60-7144-B544-238BF32F04F3}">
+      <dgm:prSet/>
+      <dgm:spPr/>
+      <dgm:t>
+        <a:bodyPr/>
+        <a:lstStyle/>
+        <a:p>
+          <a:endParaRPr kumimoji="1" lang="ja-JP" altLang="en-US"/>
+        </a:p>
+      </dgm:t>
+    </dgm:pt>
+    <dgm:pt modelId="{A5C31CA4-468C-0449-9E36-85452A937FB2}" type="sibTrans" cxnId="{A1A55811-1D60-7144-B544-238BF32F04F3}">
+      <dgm:prSet/>
+      <dgm:spPr/>
+      <dgm:t>
+        <a:bodyPr/>
+        <a:lstStyle/>
+        <a:p>
+          <a:endParaRPr kumimoji="1" lang="ja-JP" altLang="en-US"/>
+        </a:p>
+      </dgm:t>
+    </dgm:pt>
+    <dgm:pt modelId="{A2095930-F553-0E42-97FD-7519454CD5AA}">
+      <dgm:prSet phldrT="[テキスト]"/>
+      <dgm:spPr/>
+      <dgm:t>
+        <a:bodyPr/>
+        <a:lstStyle/>
+        <a:p>
+          <a:r>
+            <a:rPr kumimoji="1" lang="ja-JP" altLang="en-US" dirty="0" smtClean="0"/>
+            <a:t>使用方法</a:t>
+          </a:r>
+          <a:endParaRPr kumimoji="1" lang="ja-JP" altLang="en-US" dirty="0"/>
+        </a:p>
+      </dgm:t>
+    </dgm:pt>
+    <dgm:pt modelId="{714E3673-E401-064C-A3BD-7F358169981E}" type="parTrans" cxnId="{7548F599-0C23-4F4B-BD7C-074E8C1C6A6B}">
+      <dgm:prSet/>
+      <dgm:spPr/>
+      <dgm:t>
+        <a:bodyPr/>
+        <a:lstStyle/>
+        <a:p>
+          <a:endParaRPr kumimoji="1" lang="ja-JP" altLang="en-US"/>
+        </a:p>
+      </dgm:t>
+    </dgm:pt>
+    <dgm:pt modelId="{5DE9F0F9-7E61-194B-9A5F-4E839768591E}" type="sibTrans" cxnId="{7548F599-0C23-4F4B-BD7C-074E8C1C6A6B}">
+      <dgm:prSet/>
+      <dgm:spPr/>
+      <dgm:t>
+        <a:bodyPr/>
+        <a:lstStyle/>
+        <a:p>
+          <a:endParaRPr kumimoji="1" lang="ja-JP" altLang="en-US"/>
+        </a:p>
+      </dgm:t>
+    </dgm:pt>
+    <dgm:pt modelId="{79AE07C4-F4E6-464C-964F-A041D327027F}">
+      <dgm:prSet phldrT="[テキスト]"/>
+      <dgm:spPr/>
+      <dgm:t>
+        <a:bodyPr/>
+        <a:lstStyle/>
+        <a:p>
+          <a:r>
+            <a:rPr kumimoji="1" lang="ja-JP" altLang="en-US" dirty="0" smtClean="0"/>
+            <a:t>まとめ</a:t>
+          </a:r>
+          <a:endParaRPr kumimoji="1" lang="en-US" altLang="ja-JP" dirty="0" smtClean="0"/>
+        </a:p>
+      </dgm:t>
+    </dgm:pt>
+    <dgm:pt modelId="{A85F9573-A364-2440-9F2E-47D146E2BC1D}" type="parTrans" cxnId="{E6CCF0C6-1757-3945-B47F-755AF4FE2107}">
+      <dgm:prSet/>
+      <dgm:spPr/>
+      <dgm:t>
+        <a:bodyPr/>
+        <a:lstStyle/>
+        <a:p>
+          <a:endParaRPr kumimoji="1" lang="ja-JP" altLang="en-US"/>
+        </a:p>
+      </dgm:t>
+    </dgm:pt>
+    <dgm:pt modelId="{7B7BECBE-8710-504C-807D-AFB86C2ADB74}" type="sibTrans" cxnId="{E6CCF0C6-1757-3945-B47F-755AF4FE2107}">
+      <dgm:prSet/>
+      <dgm:spPr/>
+      <dgm:t>
+        <a:bodyPr/>
+        <a:lstStyle/>
+        <a:p>
+          <a:endParaRPr kumimoji="1" lang="ja-JP" altLang="en-US"/>
+        </a:p>
+      </dgm:t>
+    </dgm:pt>
+    <dgm:pt modelId="{9CDAF77D-16B0-5A4F-98CC-5DF58DE0B7C8}">
+      <dgm:prSet phldrT="[テキスト]"/>
+      <dgm:spPr/>
+      <dgm:t>
+        <a:bodyPr/>
+        <a:lstStyle/>
+        <a:p>
+          <a:r>
+            <a:rPr kumimoji="1" lang="ja-JP" altLang="en-US" dirty="0" smtClean="0"/>
+            <a:t>質疑応答</a:t>
+          </a:r>
+          <a:endParaRPr kumimoji="1" lang="en-US" altLang="ja-JP" dirty="0" smtClean="0"/>
+        </a:p>
+      </dgm:t>
+    </dgm:pt>
+    <dgm:pt modelId="{F36B0537-8EF1-4047-90D5-6DF446B37311}" type="parTrans" cxnId="{A74D7C88-B8C3-6241-A569-8ADB513527C7}">
+      <dgm:prSet/>
+      <dgm:spPr/>
+      <dgm:t>
+        <a:bodyPr/>
+        <a:lstStyle/>
+        <a:p>
+          <a:endParaRPr kumimoji="1" lang="ja-JP" altLang="en-US"/>
+        </a:p>
+      </dgm:t>
+    </dgm:pt>
+    <dgm:pt modelId="{58B53406-D0FE-6343-B713-CE3736B52289}" type="sibTrans" cxnId="{A74D7C88-B8C3-6241-A569-8ADB513527C7}">
+      <dgm:prSet/>
+      <dgm:spPr/>
+      <dgm:t>
+        <a:bodyPr/>
+        <a:lstStyle/>
+        <a:p>
+          <a:endParaRPr kumimoji="1" lang="ja-JP" altLang="en-US"/>
+        </a:p>
+      </dgm:t>
+    </dgm:pt>
+    <dgm:pt modelId="{7DFD809D-9AC8-014E-A8C4-868EB0809FC4}" type="pres">
+      <dgm:prSet presAssocID="{29731825-D592-474D-B95C-8F746820CD6F}" presName="Name0" presStyleCnt="0">
+        <dgm:presLayoutVars>
+          <dgm:chMax val="7"/>
+          <dgm:chPref val="7"/>
+          <dgm:dir/>
+        </dgm:presLayoutVars>
+      </dgm:prSet>
+      <dgm:spPr/>
+    </dgm:pt>
+    <dgm:pt modelId="{7BB6F11C-CD2D-AB44-BD48-FCF3E8A4A282}" type="pres">
+      <dgm:prSet presAssocID="{29731825-D592-474D-B95C-8F746820CD6F}" presName="Name1" presStyleCnt="0"/>
+      <dgm:spPr/>
+    </dgm:pt>
+    <dgm:pt modelId="{E55481C9-E071-0444-958A-B26C018A44EB}" type="pres">
+      <dgm:prSet presAssocID="{29731825-D592-474D-B95C-8F746820CD6F}" presName="cycle" presStyleCnt="0"/>
+      <dgm:spPr/>
+    </dgm:pt>
+    <dgm:pt modelId="{D2D04B61-6412-4B4D-8417-6140FC5858A3}" type="pres">
+      <dgm:prSet presAssocID="{29731825-D592-474D-B95C-8F746820CD6F}" presName="srcNode" presStyleLbl="node1" presStyleIdx="0" presStyleCnt="5"/>
+      <dgm:spPr/>
+    </dgm:pt>
+    <dgm:pt modelId="{35108CCA-A981-2049-8C7C-D9CF3A8DF667}" type="pres">
+      <dgm:prSet presAssocID="{29731825-D592-474D-B95C-8F746820CD6F}" presName="conn" presStyleLbl="parChTrans1D2" presStyleIdx="0" presStyleCnt="1"/>
+      <dgm:spPr/>
+    </dgm:pt>
+    <dgm:pt modelId="{D74887AA-C56F-7641-A466-3260196B624D}" type="pres">
+      <dgm:prSet presAssocID="{29731825-D592-474D-B95C-8F746820CD6F}" presName="extraNode" presStyleLbl="node1" presStyleIdx="0" presStyleCnt="5"/>
+      <dgm:spPr/>
+    </dgm:pt>
+    <dgm:pt modelId="{AFD93EB7-E4C2-E049-9F3B-40DE24B91D53}" type="pres">
+      <dgm:prSet presAssocID="{29731825-D592-474D-B95C-8F746820CD6F}" presName="dstNode" presStyleLbl="node1" presStyleIdx="0" presStyleCnt="5"/>
+      <dgm:spPr/>
+    </dgm:pt>
+    <dgm:pt modelId="{2AC9BB0A-9E23-3440-B412-139C41CDCBA8}" type="pres">
+      <dgm:prSet presAssocID="{3228E3B2-E20D-964B-81B5-014A4B1E2D18}" presName="text_1" presStyleLbl="node1" presStyleIdx="0" presStyleCnt="5">
+        <dgm:presLayoutVars>
+          <dgm:bulletEnabled val="1"/>
+        </dgm:presLayoutVars>
+      </dgm:prSet>
+      <dgm:spPr/>
+    </dgm:pt>
+    <dgm:pt modelId="{622F8897-324D-224D-905F-D0A82E33B308}" type="pres">
+      <dgm:prSet presAssocID="{3228E3B2-E20D-964B-81B5-014A4B1E2D18}" presName="accent_1" presStyleCnt="0"/>
+      <dgm:spPr/>
+    </dgm:pt>
+    <dgm:pt modelId="{5BB4B21A-8FA6-1842-9D6B-8DD5A5350EAE}" type="pres">
+      <dgm:prSet presAssocID="{3228E3B2-E20D-964B-81B5-014A4B1E2D18}" presName="accentRepeatNode" presStyleLbl="solidFgAcc1" presStyleIdx="0" presStyleCnt="5"/>
+      <dgm:spPr/>
+    </dgm:pt>
+    <dgm:pt modelId="{4903666B-D8A3-814D-87CB-C6354E677BE9}" type="pres">
+      <dgm:prSet presAssocID="{A2095930-F553-0E42-97FD-7519454CD5AA}" presName="text_2" presStyleLbl="node1" presStyleIdx="1" presStyleCnt="5">
+        <dgm:presLayoutVars>
+          <dgm:bulletEnabled val="1"/>
+        </dgm:presLayoutVars>
+      </dgm:prSet>
+      <dgm:spPr/>
+    </dgm:pt>
+    <dgm:pt modelId="{CBF361E1-C45C-8C45-92BA-C5BBEB94E23C}" type="pres">
+      <dgm:prSet presAssocID="{A2095930-F553-0E42-97FD-7519454CD5AA}" presName="accent_2" presStyleCnt="0"/>
+      <dgm:spPr/>
+    </dgm:pt>
+    <dgm:pt modelId="{A41B4874-9053-394F-8BD9-DD389D9E8DED}" type="pres">
+      <dgm:prSet presAssocID="{A2095930-F553-0E42-97FD-7519454CD5AA}" presName="accentRepeatNode" presStyleLbl="solidFgAcc1" presStyleIdx="1" presStyleCnt="5"/>
+      <dgm:spPr/>
+    </dgm:pt>
+    <dgm:pt modelId="{52B375A0-1304-3347-BCE9-4CE5E266AAD0}" type="pres">
+      <dgm:prSet presAssocID="{1DCD092B-E885-B948-A6E7-B6DE9690B856}" presName="text_3" presStyleLbl="node1" presStyleIdx="2" presStyleCnt="5">
+        <dgm:presLayoutVars>
+          <dgm:bulletEnabled val="1"/>
+        </dgm:presLayoutVars>
+      </dgm:prSet>
+      <dgm:spPr/>
+    </dgm:pt>
+    <dgm:pt modelId="{5DD9A300-460C-714D-8C83-7D9A22556A84}" type="pres">
+      <dgm:prSet presAssocID="{1DCD092B-E885-B948-A6E7-B6DE9690B856}" presName="accent_3" presStyleCnt="0"/>
+      <dgm:spPr/>
+    </dgm:pt>
+    <dgm:pt modelId="{57974CB6-9B12-0A49-B5F5-16B0024DF802}" type="pres">
+      <dgm:prSet presAssocID="{1DCD092B-E885-B948-A6E7-B6DE9690B856}" presName="accentRepeatNode" presStyleLbl="solidFgAcc1" presStyleIdx="2" presStyleCnt="5"/>
+      <dgm:spPr/>
+    </dgm:pt>
+    <dgm:pt modelId="{9788C95E-015D-3349-A589-09E1A699B9B0}" type="pres">
+      <dgm:prSet presAssocID="{79AE07C4-F4E6-464C-964F-A041D327027F}" presName="text_4" presStyleLbl="node1" presStyleIdx="3" presStyleCnt="5">
+        <dgm:presLayoutVars>
+          <dgm:bulletEnabled val="1"/>
+        </dgm:presLayoutVars>
+      </dgm:prSet>
+      <dgm:spPr/>
+    </dgm:pt>
+    <dgm:pt modelId="{0CD56C48-78B4-5E42-835A-6ECE9A1B9074}" type="pres">
+      <dgm:prSet presAssocID="{79AE07C4-F4E6-464C-964F-A041D327027F}" presName="accent_4" presStyleCnt="0"/>
+      <dgm:spPr/>
+    </dgm:pt>
+    <dgm:pt modelId="{65432DCF-4D0E-704D-8B22-61BFC5BEE187}" type="pres">
+      <dgm:prSet presAssocID="{79AE07C4-F4E6-464C-964F-A041D327027F}" presName="accentRepeatNode" presStyleLbl="solidFgAcc1" presStyleIdx="3" presStyleCnt="5"/>
+      <dgm:spPr/>
+    </dgm:pt>
+    <dgm:pt modelId="{9805492E-F0E1-E34F-AB81-42F240F6FB67}" type="pres">
+      <dgm:prSet presAssocID="{9CDAF77D-16B0-5A4F-98CC-5DF58DE0B7C8}" presName="text_5" presStyleLbl="node1" presStyleIdx="4" presStyleCnt="5">
+        <dgm:presLayoutVars>
+          <dgm:bulletEnabled val="1"/>
+        </dgm:presLayoutVars>
+      </dgm:prSet>
+      <dgm:spPr/>
+    </dgm:pt>
+    <dgm:pt modelId="{5023B187-1C2F-3645-99A6-07505CBDBABE}" type="pres">
+      <dgm:prSet presAssocID="{9CDAF77D-16B0-5A4F-98CC-5DF58DE0B7C8}" presName="accent_5" presStyleCnt="0"/>
+      <dgm:spPr/>
+    </dgm:pt>
+    <dgm:pt modelId="{53102505-5DDA-854B-BF42-37C00B828639}" type="pres">
+      <dgm:prSet presAssocID="{9CDAF77D-16B0-5A4F-98CC-5DF58DE0B7C8}" presName="accentRepeatNode" presStyleLbl="solidFgAcc1" presStyleIdx="4" presStyleCnt="5"/>
+      <dgm:spPr/>
+    </dgm:pt>
+  </dgm:ptLst>
+  <dgm:cxnLst>
+    <dgm:cxn modelId="{1B2B5076-8C68-B34F-A0D7-6FF9317ACA4F}" type="presOf" srcId="{A2095930-F553-0E42-97FD-7519454CD5AA}" destId="{4903666B-D8A3-814D-87CB-C6354E677BE9}" srcOrd="0" destOrd="0" presId="urn:microsoft.com/office/officeart/2008/layout/VerticalCurvedList"/>
+    <dgm:cxn modelId="{7548F599-0C23-4F4B-BD7C-074E8C1C6A6B}" srcId="{29731825-D592-474D-B95C-8F746820CD6F}" destId="{A2095930-F553-0E42-97FD-7519454CD5AA}" srcOrd="1" destOrd="0" parTransId="{714E3673-E401-064C-A3BD-7F358169981E}" sibTransId="{5DE9F0F9-7E61-194B-9A5F-4E839768591E}"/>
+    <dgm:cxn modelId="{F720387B-71EF-9645-8911-22A2CB257476}" type="presOf" srcId="{3228E3B2-E20D-964B-81B5-014A4B1E2D18}" destId="{2AC9BB0A-9E23-3440-B412-139C41CDCBA8}" srcOrd="0" destOrd="0" presId="urn:microsoft.com/office/officeart/2008/layout/VerticalCurvedList"/>
+    <dgm:cxn modelId="{C2A79A57-71A1-6842-90A2-702004E394D0}" type="presOf" srcId="{6499395B-E8F5-004C-9F5F-5AFD3116A72C}" destId="{35108CCA-A981-2049-8C7C-D9CF3A8DF667}" srcOrd="0" destOrd="0" presId="urn:microsoft.com/office/officeart/2008/layout/VerticalCurvedList"/>
+    <dgm:cxn modelId="{1FC365F2-99E8-054B-A091-DDD38B4D27FF}" type="presOf" srcId="{1DCD092B-E885-B948-A6E7-B6DE9690B856}" destId="{52B375A0-1304-3347-BCE9-4CE5E266AAD0}" srcOrd="0" destOrd="0" presId="urn:microsoft.com/office/officeart/2008/layout/VerticalCurvedList"/>
+    <dgm:cxn modelId="{FBC4A697-B006-8B46-834B-212AB7637556}" type="presOf" srcId="{9CDAF77D-16B0-5A4F-98CC-5DF58DE0B7C8}" destId="{9805492E-F0E1-E34F-AB81-42F240F6FB67}" srcOrd="0" destOrd="0" presId="urn:microsoft.com/office/officeart/2008/layout/VerticalCurvedList"/>
+    <dgm:cxn modelId="{6C11B6BA-EE5F-6B47-B3D8-82E2D93E79DA}" srcId="{29731825-D592-474D-B95C-8F746820CD6F}" destId="{3228E3B2-E20D-964B-81B5-014A4B1E2D18}" srcOrd="0" destOrd="0" parTransId="{57452E40-0AFA-A546-8916-30F692566B94}" sibTransId="{6499395B-E8F5-004C-9F5F-5AFD3116A72C}"/>
+    <dgm:cxn modelId="{FE4D1035-A6B5-3746-AD74-9B5BDF037655}" type="presOf" srcId="{79AE07C4-F4E6-464C-964F-A041D327027F}" destId="{9788C95E-015D-3349-A589-09E1A699B9B0}" srcOrd="0" destOrd="0" presId="urn:microsoft.com/office/officeart/2008/layout/VerticalCurvedList"/>
+    <dgm:cxn modelId="{A74D7C88-B8C3-6241-A569-8ADB513527C7}" srcId="{29731825-D592-474D-B95C-8F746820CD6F}" destId="{9CDAF77D-16B0-5A4F-98CC-5DF58DE0B7C8}" srcOrd="4" destOrd="0" parTransId="{F36B0537-8EF1-4047-90D5-6DF446B37311}" sibTransId="{58B53406-D0FE-6343-B713-CE3736B52289}"/>
+    <dgm:cxn modelId="{5E380485-CE22-E14B-8518-AF5DDDF46942}" type="presOf" srcId="{29731825-D592-474D-B95C-8F746820CD6F}" destId="{7DFD809D-9AC8-014E-A8C4-868EB0809FC4}" srcOrd="0" destOrd="0" presId="urn:microsoft.com/office/officeart/2008/layout/VerticalCurvedList"/>
+    <dgm:cxn modelId="{E6CCF0C6-1757-3945-B47F-755AF4FE2107}" srcId="{29731825-D592-474D-B95C-8F746820CD6F}" destId="{79AE07C4-F4E6-464C-964F-A041D327027F}" srcOrd="3" destOrd="0" parTransId="{A85F9573-A364-2440-9F2E-47D146E2BC1D}" sibTransId="{7B7BECBE-8710-504C-807D-AFB86C2ADB74}"/>
+    <dgm:cxn modelId="{A1A55811-1D60-7144-B544-238BF32F04F3}" srcId="{29731825-D592-474D-B95C-8F746820CD6F}" destId="{1DCD092B-E885-B948-A6E7-B6DE9690B856}" srcOrd="2" destOrd="0" parTransId="{06088D07-25D6-384B-8031-E5344E3B8C69}" sibTransId="{A5C31CA4-468C-0449-9E36-85452A937FB2}"/>
+    <dgm:cxn modelId="{D8174DA7-8E2B-B84C-A3D5-8886D55BE572}" type="presParOf" srcId="{7DFD809D-9AC8-014E-A8C4-868EB0809FC4}" destId="{7BB6F11C-CD2D-AB44-BD48-FCF3E8A4A282}" srcOrd="0" destOrd="0" presId="urn:microsoft.com/office/officeart/2008/layout/VerticalCurvedList"/>
+    <dgm:cxn modelId="{FF0C8680-1586-664D-B6F1-BC2DD4EB1EC4}" type="presParOf" srcId="{7BB6F11C-CD2D-AB44-BD48-FCF3E8A4A282}" destId="{E55481C9-E071-0444-958A-B26C018A44EB}" srcOrd="0" destOrd="0" presId="urn:microsoft.com/office/officeart/2008/layout/VerticalCurvedList"/>
+    <dgm:cxn modelId="{210E1CF7-7FA8-6C47-ABB1-76A94E9CD70D}" type="presParOf" srcId="{E55481C9-E071-0444-958A-B26C018A44EB}" destId="{D2D04B61-6412-4B4D-8417-6140FC5858A3}" srcOrd="0" destOrd="0" presId="urn:microsoft.com/office/officeart/2008/layout/VerticalCurvedList"/>
+    <dgm:cxn modelId="{F5EB52ED-F728-704D-AF9D-4E4DB7D10F4E}" type="presParOf" srcId="{E55481C9-E071-0444-958A-B26C018A44EB}" destId="{35108CCA-A981-2049-8C7C-D9CF3A8DF667}" srcOrd="1" destOrd="0" presId="urn:microsoft.com/office/officeart/2008/layout/VerticalCurvedList"/>
+    <dgm:cxn modelId="{799D7FA5-DCD4-3444-9267-51F1AF3CFF8C}" type="presParOf" srcId="{E55481C9-E071-0444-958A-B26C018A44EB}" destId="{D74887AA-C56F-7641-A466-3260196B624D}" srcOrd="2" destOrd="0" presId="urn:microsoft.com/office/officeart/2008/layout/VerticalCurvedList"/>
+    <dgm:cxn modelId="{85C01C02-17BA-FB42-8918-7A1D8A7D900F}" type="presParOf" srcId="{E55481C9-E071-0444-958A-B26C018A44EB}" destId="{AFD93EB7-E4C2-E049-9F3B-40DE24B91D53}" srcOrd="3" destOrd="0" presId="urn:microsoft.com/office/officeart/2008/layout/VerticalCurvedList"/>
+    <dgm:cxn modelId="{4E11D4CE-2AC5-F543-BB05-5CC7314BE485}" type="presParOf" srcId="{7BB6F11C-CD2D-AB44-BD48-FCF3E8A4A282}" destId="{2AC9BB0A-9E23-3440-B412-139C41CDCBA8}" srcOrd="1" destOrd="0" presId="urn:microsoft.com/office/officeart/2008/layout/VerticalCurvedList"/>
+    <dgm:cxn modelId="{591DEB37-53F4-0544-933A-BDACF2AF30D4}" type="presParOf" srcId="{7BB6F11C-CD2D-AB44-BD48-FCF3E8A4A282}" destId="{622F8897-324D-224D-905F-D0A82E33B308}" srcOrd="2" destOrd="0" presId="urn:microsoft.com/office/officeart/2008/layout/VerticalCurvedList"/>
+    <dgm:cxn modelId="{3473C5B8-973C-E941-A86C-4AD664B7E8AF}" type="presParOf" srcId="{622F8897-324D-224D-905F-D0A82E33B308}" destId="{5BB4B21A-8FA6-1842-9D6B-8DD5A5350EAE}" srcOrd="0" destOrd="0" presId="urn:microsoft.com/office/officeart/2008/layout/VerticalCurvedList"/>
+    <dgm:cxn modelId="{5B4A5EB9-A02F-554B-ABA1-63896B9D947A}" type="presParOf" srcId="{7BB6F11C-CD2D-AB44-BD48-FCF3E8A4A282}" destId="{4903666B-D8A3-814D-87CB-C6354E677BE9}" srcOrd="3" destOrd="0" presId="urn:microsoft.com/office/officeart/2008/layout/VerticalCurvedList"/>
+    <dgm:cxn modelId="{89B18FE8-4DE3-414F-A854-D5104EA00B97}" type="presParOf" srcId="{7BB6F11C-CD2D-AB44-BD48-FCF3E8A4A282}" destId="{CBF361E1-C45C-8C45-92BA-C5BBEB94E23C}" srcOrd="4" destOrd="0" presId="urn:microsoft.com/office/officeart/2008/layout/VerticalCurvedList"/>
+    <dgm:cxn modelId="{9B4CEC1D-5268-544F-8303-313DDDDC83C0}" type="presParOf" srcId="{CBF361E1-C45C-8C45-92BA-C5BBEB94E23C}" destId="{A41B4874-9053-394F-8BD9-DD389D9E8DED}" srcOrd="0" destOrd="0" presId="urn:microsoft.com/office/officeart/2008/layout/VerticalCurvedList"/>
+    <dgm:cxn modelId="{990E3ADD-79C5-9842-9D30-0FD1707F82C9}" type="presParOf" srcId="{7BB6F11C-CD2D-AB44-BD48-FCF3E8A4A282}" destId="{52B375A0-1304-3347-BCE9-4CE5E266AAD0}" srcOrd="5" destOrd="0" presId="urn:microsoft.com/office/officeart/2008/layout/VerticalCurvedList"/>
+    <dgm:cxn modelId="{8D76ECDD-A377-BB45-9166-45E6F8D37FEE}" type="presParOf" srcId="{7BB6F11C-CD2D-AB44-BD48-FCF3E8A4A282}" destId="{5DD9A300-460C-714D-8C83-7D9A22556A84}" srcOrd="6" destOrd="0" presId="urn:microsoft.com/office/officeart/2008/layout/VerticalCurvedList"/>
+    <dgm:cxn modelId="{7342433D-A5ED-A446-8E9C-3A4307D4C15A}" type="presParOf" srcId="{5DD9A300-460C-714D-8C83-7D9A22556A84}" destId="{57974CB6-9B12-0A49-B5F5-16B0024DF802}" srcOrd="0" destOrd="0" presId="urn:microsoft.com/office/officeart/2008/layout/VerticalCurvedList"/>
+    <dgm:cxn modelId="{702182CF-779F-D042-8697-FDDC908DEB1C}" type="presParOf" srcId="{7BB6F11C-CD2D-AB44-BD48-FCF3E8A4A282}" destId="{9788C95E-015D-3349-A589-09E1A699B9B0}" srcOrd="7" destOrd="0" presId="urn:microsoft.com/office/officeart/2008/layout/VerticalCurvedList"/>
+    <dgm:cxn modelId="{2FEC2946-1945-3C49-8B2A-0825E61CB14F}" type="presParOf" srcId="{7BB6F11C-CD2D-AB44-BD48-FCF3E8A4A282}" destId="{0CD56C48-78B4-5E42-835A-6ECE9A1B9074}" srcOrd="8" destOrd="0" presId="urn:microsoft.com/office/officeart/2008/layout/VerticalCurvedList"/>
+    <dgm:cxn modelId="{A6FD63F0-A474-4D4A-8676-D6C9925022BF}" type="presParOf" srcId="{0CD56C48-78B4-5E42-835A-6ECE9A1B9074}" destId="{65432DCF-4D0E-704D-8B22-61BFC5BEE187}" srcOrd="0" destOrd="0" presId="urn:microsoft.com/office/officeart/2008/layout/VerticalCurvedList"/>
+    <dgm:cxn modelId="{F9AB3AB0-57E1-DB4D-91BE-86CE36A7223E}" type="presParOf" srcId="{7BB6F11C-CD2D-AB44-BD48-FCF3E8A4A282}" destId="{9805492E-F0E1-E34F-AB81-42F240F6FB67}" srcOrd="9" destOrd="0" presId="urn:microsoft.com/office/officeart/2008/layout/VerticalCurvedList"/>
+    <dgm:cxn modelId="{2574D31F-460E-6547-83F3-82526F7F6AFF}" type="presParOf" srcId="{7BB6F11C-CD2D-AB44-BD48-FCF3E8A4A282}" destId="{5023B187-1C2F-3645-99A6-07505CBDBABE}" srcOrd="10" destOrd="0" presId="urn:microsoft.com/office/officeart/2008/layout/VerticalCurvedList"/>
+    <dgm:cxn modelId="{319848A1-7143-BC47-B09F-2B705507948B}" type="presParOf" srcId="{5023B187-1C2F-3645-99A6-07505CBDBABE}" destId="{53102505-5DDA-854B-BF42-37C00B828639}" srcOrd="0" destOrd="0" presId="urn:microsoft.com/office/officeart/2008/layout/VerticalCurvedList"/>
+  </dgm:cxnLst>
+  <dgm:bg/>
+  <dgm:whole/>
+  <dgm:extLst>
+    <a:ext uri="http://schemas.microsoft.com/office/drawing/2008/diagram">
+      <dsp:dataModelExt xmlns:dsp="http://schemas.microsoft.com/office/drawing/2008/diagram" relId="rId7" minVer="http://schemas.openxmlformats.org/drawingml/2006/diagram"/>
+    </a:ext>
+  </dgm:extLst>
+</dgm:dataModel>
+</file>
+
+<file path=ppt/diagrams/drawing1.xml><?xml version="1.0" encoding="utf-8"?>
+<dsp:drawing xmlns:dgm="http://schemas.openxmlformats.org/drawingml/2006/diagram" xmlns:dsp="http://schemas.microsoft.com/office/drawing/2008/diagram" xmlns:a="http://schemas.openxmlformats.org/drawingml/2006/main">
+  <dsp:spTree>
+    <dsp:nvGrpSpPr>
+      <dsp:cNvPr id="0" name=""/>
+      <dsp:cNvGrpSpPr/>
+    </dsp:nvGrpSpPr>
+    <dsp:grpSpPr/>
+    <dsp:sp modelId="{35108CCA-A981-2049-8C7C-D9CF3A8DF667}">
+      <dsp:nvSpPr>
+        <dsp:cNvPr id="0" name=""/>
+        <dsp:cNvSpPr/>
+      </dsp:nvSpPr>
+      <dsp:spPr>
+        <a:xfrm>
+          <a:off x="-6960955" y="-1064196"/>
+          <a:ext cx="8284189" cy="8284189"/>
+        </a:xfrm>
+        <a:prstGeom prst="blockArc">
+          <a:avLst>
+            <a:gd name="adj1" fmla="val 18900000"/>
+            <a:gd name="adj2" fmla="val 2700000"/>
+            <a:gd name="adj3" fmla="val 261"/>
+          </a:avLst>
+        </a:prstGeom>
+        <a:noFill/>
+        <a:ln w="6350" cap="flat" cmpd="sng" algn="ctr">
+          <a:solidFill>
+            <a:schemeClr val="accent1">
+              <a:shade val="60000"/>
+              <a:hueOff val="0"/>
+              <a:satOff val="0"/>
+              <a:lumOff val="0"/>
+              <a:alphaOff val="0"/>
+            </a:schemeClr>
+          </a:solidFill>
+          <a:prstDash val="solid"/>
+          <a:miter lim="800000"/>
+        </a:ln>
+        <a:effectLst/>
+      </dsp:spPr>
+      <dsp:style>
+        <a:lnRef idx="1">
+          <a:scrgbClr r="0" g="0" b="0"/>
+        </a:lnRef>
+        <a:fillRef idx="0">
+          <a:scrgbClr r="0" g="0" b="0"/>
+        </a:fillRef>
+        <a:effectRef idx="0">
+          <a:scrgbClr r="0" g="0" b="0"/>
+        </a:effectRef>
+        <a:fontRef idx="minor"/>
+      </dsp:style>
+    </dsp:sp>
+    <dsp:sp modelId="{2AC9BB0A-9E23-3440-B412-139C41CDCBA8}">
+      <dsp:nvSpPr>
+        <dsp:cNvPr id="0" name=""/>
+        <dsp:cNvSpPr/>
+      </dsp:nvSpPr>
+      <dsp:spPr>
+        <a:xfrm>
+          <a:off x="577832" y="384614"/>
+          <a:ext cx="7726640" cy="769720"/>
+        </a:xfrm>
+        <a:prstGeom prst="rect">
+          <a:avLst/>
+        </a:prstGeom>
+        <a:gradFill rotWithShape="0">
+          <a:gsLst>
+            <a:gs pos="0">
+              <a:schemeClr val="accent1">
+                <a:hueOff val="0"/>
+                <a:satOff val="0"/>
+                <a:lumOff val="0"/>
+                <a:alphaOff val="0"/>
+                <a:satMod val="103000"/>
+                <a:lumMod val="102000"/>
+                <a:tint val="94000"/>
+              </a:schemeClr>
+            </a:gs>
+            <a:gs pos="50000">
+              <a:schemeClr val="accent1">
+                <a:hueOff val="0"/>
+                <a:satOff val="0"/>
+                <a:lumOff val="0"/>
+                <a:alphaOff val="0"/>
+                <a:satMod val="110000"/>
+                <a:lumMod val="100000"/>
+                <a:shade val="100000"/>
+              </a:schemeClr>
+            </a:gs>
+            <a:gs pos="100000">
+              <a:schemeClr val="accent1">
+                <a:hueOff val="0"/>
+                <a:satOff val="0"/>
+                <a:lumOff val="0"/>
+                <a:alphaOff val="0"/>
+                <a:lumMod val="99000"/>
+                <a:satMod val="120000"/>
+                <a:shade val="78000"/>
+              </a:schemeClr>
+            </a:gs>
+          </a:gsLst>
+          <a:lin ang="5400000" scaled="0"/>
+        </a:gradFill>
+        <a:ln>
+          <a:noFill/>
+        </a:ln>
+        <a:effectLst/>
+      </dsp:spPr>
+      <dsp:style>
+        <a:lnRef idx="0">
+          <a:scrgbClr r="0" g="0" b="0"/>
+        </a:lnRef>
+        <a:fillRef idx="3">
+          <a:scrgbClr r="0" g="0" b="0"/>
+        </a:fillRef>
+        <a:effectRef idx="2">
+          <a:scrgbClr r="0" g="0" b="0"/>
+        </a:effectRef>
+        <a:fontRef idx="minor">
+          <a:schemeClr val="lt1"/>
+        </a:fontRef>
+      </dsp:style>
+      <dsp:txBody>
+        <a:bodyPr spcFirstLastPara="0" vert="horz" wrap="square" lIns="610966" tIns="96520" rIns="96520" bIns="96520" numCol="1" spcCol="1270" anchor="ctr" anchorCtr="0">
+          <a:noAutofit/>
+        </a:bodyPr>
+        <a:lstStyle/>
+        <a:p>
+          <a:pPr lvl="0" algn="l" defTabSz="1689100">
+            <a:lnSpc>
+              <a:spcPct val="90000"/>
+            </a:lnSpc>
+            <a:spcBef>
+              <a:spcPct val="0"/>
+            </a:spcBef>
+            <a:spcAft>
+              <a:spcPct val="35000"/>
+            </a:spcAft>
+          </a:pPr>
+          <a:r>
+            <a:rPr kumimoji="1" lang="ja-JP" altLang="en-US" sz="3800" kern="1200" dirty="0" smtClean="0"/>
+            <a:t>コンセプト</a:t>
+          </a:r>
+          <a:endParaRPr kumimoji="1" lang="ja-JP" altLang="en-US" sz="3800" kern="1200" dirty="0"/>
+        </a:p>
+      </dsp:txBody>
+      <dsp:txXfrm>
+        <a:off x="577832" y="384614"/>
+        <a:ext cx="7726640" cy="769720"/>
+      </dsp:txXfrm>
+    </dsp:sp>
+    <dsp:sp modelId="{5BB4B21A-8FA6-1842-9D6B-8DD5A5350EAE}">
+      <dsp:nvSpPr>
+        <dsp:cNvPr id="0" name=""/>
+        <dsp:cNvSpPr/>
+      </dsp:nvSpPr>
+      <dsp:spPr>
+        <a:xfrm>
+          <a:off x="96757" y="288399"/>
+          <a:ext cx="962150" cy="962150"/>
+        </a:xfrm>
+        <a:prstGeom prst="ellipse">
+          <a:avLst/>
+        </a:prstGeom>
+        <a:solidFill>
+          <a:schemeClr val="lt1">
+            <a:hueOff val="0"/>
+            <a:satOff val="0"/>
+            <a:lumOff val="0"/>
+            <a:alphaOff val="0"/>
+          </a:schemeClr>
+        </a:solidFill>
+        <a:ln w="6350" cap="flat" cmpd="sng" algn="ctr">
+          <a:solidFill>
+            <a:schemeClr val="accent1">
+              <a:hueOff val="0"/>
+              <a:satOff val="0"/>
+              <a:lumOff val="0"/>
+              <a:alphaOff val="0"/>
+            </a:schemeClr>
+          </a:solidFill>
+          <a:prstDash val="solid"/>
+          <a:miter lim="800000"/>
+        </a:ln>
+        <a:effectLst/>
+      </dsp:spPr>
+      <dsp:style>
+        <a:lnRef idx="1">
+          <a:scrgbClr r="0" g="0" b="0"/>
+        </a:lnRef>
+        <a:fillRef idx="1">
+          <a:scrgbClr r="0" g="0" b="0"/>
+        </a:fillRef>
+        <a:effectRef idx="0">
+          <a:scrgbClr r="0" g="0" b="0"/>
+        </a:effectRef>
+        <a:fontRef idx="minor"/>
+      </dsp:style>
+    </dsp:sp>
+    <dsp:sp modelId="{4903666B-D8A3-814D-87CB-C6354E677BE9}">
+      <dsp:nvSpPr>
+        <dsp:cNvPr id="0" name=""/>
+        <dsp:cNvSpPr/>
+      </dsp:nvSpPr>
+      <dsp:spPr>
+        <a:xfrm>
+          <a:off x="1129392" y="1538825"/>
+          <a:ext cx="7175081" cy="769720"/>
+        </a:xfrm>
+        <a:prstGeom prst="rect">
+          <a:avLst/>
+        </a:prstGeom>
+        <a:gradFill rotWithShape="0">
+          <a:gsLst>
+            <a:gs pos="0">
+              <a:schemeClr val="accent1">
+                <a:hueOff val="0"/>
+                <a:satOff val="0"/>
+                <a:lumOff val="0"/>
+                <a:alphaOff val="0"/>
+                <a:satMod val="103000"/>
+                <a:lumMod val="102000"/>
+                <a:tint val="94000"/>
+              </a:schemeClr>
+            </a:gs>
+            <a:gs pos="50000">
+              <a:schemeClr val="accent1">
+                <a:hueOff val="0"/>
+                <a:satOff val="0"/>
+                <a:lumOff val="0"/>
+                <a:alphaOff val="0"/>
+                <a:satMod val="110000"/>
+                <a:lumMod val="100000"/>
+                <a:shade val="100000"/>
+              </a:schemeClr>
+            </a:gs>
+            <a:gs pos="100000">
+              <a:schemeClr val="accent1">
+                <a:hueOff val="0"/>
+                <a:satOff val="0"/>
+                <a:lumOff val="0"/>
+                <a:alphaOff val="0"/>
+                <a:lumMod val="99000"/>
+                <a:satMod val="120000"/>
+                <a:shade val="78000"/>
+              </a:schemeClr>
+            </a:gs>
+          </a:gsLst>
+          <a:lin ang="5400000" scaled="0"/>
+        </a:gradFill>
+        <a:ln>
+          <a:noFill/>
+        </a:ln>
+        <a:effectLst/>
+      </dsp:spPr>
+      <dsp:style>
+        <a:lnRef idx="0">
+          <a:scrgbClr r="0" g="0" b="0"/>
+        </a:lnRef>
+        <a:fillRef idx="3">
+          <a:scrgbClr r="0" g="0" b="0"/>
+        </a:fillRef>
+        <a:effectRef idx="2">
+          <a:scrgbClr r="0" g="0" b="0"/>
+        </a:effectRef>
+        <a:fontRef idx="minor">
+          <a:schemeClr val="lt1"/>
+        </a:fontRef>
+      </dsp:style>
+      <dsp:txBody>
+        <a:bodyPr spcFirstLastPara="0" vert="horz" wrap="square" lIns="610966" tIns="96520" rIns="96520" bIns="96520" numCol="1" spcCol="1270" anchor="ctr" anchorCtr="0">
+          <a:noAutofit/>
+        </a:bodyPr>
+        <a:lstStyle/>
+        <a:p>
+          <a:pPr lvl="0" algn="l" defTabSz="1689100">
+            <a:lnSpc>
+              <a:spcPct val="90000"/>
+            </a:lnSpc>
+            <a:spcBef>
+              <a:spcPct val="0"/>
+            </a:spcBef>
+            <a:spcAft>
+              <a:spcPct val="35000"/>
+            </a:spcAft>
+          </a:pPr>
+          <a:r>
+            <a:rPr kumimoji="1" lang="ja-JP" altLang="en-US" sz="3800" kern="1200" dirty="0" smtClean="0"/>
+            <a:t>使用方法</a:t>
+          </a:r>
+          <a:endParaRPr kumimoji="1" lang="ja-JP" altLang="en-US" sz="3800" kern="1200" dirty="0"/>
+        </a:p>
+      </dsp:txBody>
+      <dsp:txXfrm>
+        <a:off x="1129392" y="1538825"/>
+        <a:ext cx="7175081" cy="769720"/>
+      </dsp:txXfrm>
+    </dsp:sp>
+    <dsp:sp modelId="{A41B4874-9053-394F-8BD9-DD389D9E8DED}">
+      <dsp:nvSpPr>
+        <dsp:cNvPr id="0" name=""/>
+        <dsp:cNvSpPr/>
+      </dsp:nvSpPr>
+      <dsp:spPr>
+        <a:xfrm>
+          <a:off x="648316" y="1442610"/>
+          <a:ext cx="962150" cy="962150"/>
+        </a:xfrm>
+        <a:prstGeom prst="ellipse">
+          <a:avLst/>
+        </a:prstGeom>
+        <a:solidFill>
+          <a:schemeClr val="lt1">
+            <a:hueOff val="0"/>
+            <a:satOff val="0"/>
+            <a:lumOff val="0"/>
+            <a:alphaOff val="0"/>
+          </a:schemeClr>
+        </a:solidFill>
+        <a:ln w="6350" cap="flat" cmpd="sng" algn="ctr">
+          <a:solidFill>
+            <a:schemeClr val="accent1">
+              <a:hueOff val="0"/>
+              <a:satOff val="0"/>
+              <a:lumOff val="0"/>
+              <a:alphaOff val="0"/>
+            </a:schemeClr>
+          </a:solidFill>
+          <a:prstDash val="solid"/>
+          <a:miter lim="800000"/>
+        </a:ln>
+        <a:effectLst/>
+      </dsp:spPr>
+      <dsp:style>
+        <a:lnRef idx="1">
+          <a:scrgbClr r="0" g="0" b="0"/>
+        </a:lnRef>
+        <a:fillRef idx="1">
+          <a:scrgbClr r="0" g="0" b="0"/>
+        </a:fillRef>
+        <a:effectRef idx="0">
+          <a:scrgbClr r="0" g="0" b="0"/>
+        </a:effectRef>
+        <a:fontRef idx="minor"/>
+      </dsp:style>
+    </dsp:sp>
+    <dsp:sp modelId="{52B375A0-1304-3347-BCE9-4CE5E266AAD0}">
+      <dsp:nvSpPr>
+        <dsp:cNvPr id="0" name=""/>
+        <dsp:cNvSpPr/>
+      </dsp:nvSpPr>
+      <dsp:spPr>
+        <a:xfrm>
+          <a:off x="1298676" y="2693037"/>
+          <a:ext cx="7005797" cy="769720"/>
+        </a:xfrm>
+        <a:prstGeom prst="rect">
+          <a:avLst/>
+        </a:prstGeom>
+        <a:gradFill rotWithShape="0">
+          <a:gsLst>
+            <a:gs pos="0">
+              <a:schemeClr val="accent1">
+                <a:hueOff val="0"/>
+                <a:satOff val="0"/>
+                <a:lumOff val="0"/>
+                <a:alphaOff val="0"/>
+                <a:satMod val="103000"/>
+                <a:lumMod val="102000"/>
+                <a:tint val="94000"/>
+              </a:schemeClr>
+            </a:gs>
+            <a:gs pos="50000">
+              <a:schemeClr val="accent1">
+                <a:hueOff val="0"/>
+                <a:satOff val="0"/>
+                <a:lumOff val="0"/>
+                <a:alphaOff val="0"/>
+                <a:satMod val="110000"/>
+                <a:lumMod val="100000"/>
+                <a:shade val="100000"/>
+              </a:schemeClr>
+            </a:gs>
+            <a:gs pos="100000">
+              <a:schemeClr val="accent1">
+                <a:hueOff val="0"/>
+                <a:satOff val="0"/>
+                <a:lumOff val="0"/>
+                <a:alphaOff val="0"/>
+                <a:lumMod val="99000"/>
+                <a:satMod val="120000"/>
+                <a:shade val="78000"/>
+              </a:schemeClr>
+            </a:gs>
+          </a:gsLst>
+          <a:lin ang="5400000" scaled="0"/>
+        </a:gradFill>
+        <a:ln>
+          <a:noFill/>
+        </a:ln>
+        <a:effectLst/>
+      </dsp:spPr>
+      <dsp:style>
+        <a:lnRef idx="0">
+          <a:scrgbClr r="0" g="0" b="0"/>
+        </a:lnRef>
+        <a:fillRef idx="3">
+          <a:scrgbClr r="0" g="0" b="0"/>
+        </a:fillRef>
+        <a:effectRef idx="2">
+          <a:scrgbClr r="0" g="0" b="0"/>
+        </a:effectRef>
+        <a:fontRef idx="minor">
+          <a:schemeClr val="lt1"/>
+        </a:fontRef>
+      </dsp:style>
+      <dsp:txBody>
+        <a:bodyPr spcFirstLastPara="0" vert="horz" wrap="square" lIns="610966" tIns="96520" rIns="96520" bIns="96520" numCol="1" spcCol="1270" anchor="ctr" anchorCtr="0">
+          <a:noAutofit/>
+        </a:bodyPr>
+        <a:lstStyle/>
+        <a:p>
+          <a:pPr lvl="0" algn="l" defTabSz="1689100">
+            <a:lnSpc>
+              <a:spcPct val="90000"/>
+            </a:lnSpc>
+            <a:spcBef>
+              <a:spcPct val="0"/>
+            </a:spcBef>
+            <a:spcAft>
+              <a:spcPct val="35000"/>
+            </a:spcAft>
+          </a:pPr>
+          <a:r>
+            <a:rPr kumimoji="1" lang="ja-JP" altLang="en-US" sz="3800" kern="1200" dirty="0" smtClean="0"/>
+            <a:t>活用方法</a:t>
+          </a:r>
+          <a:endParaRPr kumimoji="1" lang="en-US" altLang="ja-JP" sz="3800" kern="1200" dirty="0" smtClean="0"/>
+        </a:p>
+      </dsp:txBody>
+      <dsp:txXfrm>
+        <a:off x="1298676" y="2693037"/>
+        <a:ext cx="7005797" cy="769720"/>
+      </dsp:txXfrm>
+    </dsp:sp>
+    <dsp:sp modelId="{57974CB6-9B12-0A49-B5F5-16B0024DF802}">
+      <dsp:nvSpPr>
+        <dsp:cNvPr id="0" name=""/>
+        <dsp:cNvSpPr/>
+      </dsp:nvSpPr>
+      <dsp:spPr>
+        <a:xfrm>
+          <a:off x="817601" y="2596822"/>
+          <a:ext cx="962150" cy="962150"/>
+        </a:xfrm>
+        <a:prstGeom prst="ellipse">
+          <a:avLst/>
+        </a:prstGeom>
+        <a:solidFill>
+          <a:schemeClr val="lt1">
+            <a:hueOff val="0"/>
+            <a:satOff val="0"/>
+            <a:lumOff val="0"/>
+            <a:alphaOff val="0"/>
+          </a:schemeClr>
+        </a:solidFill>
+        <a:ln w="6350" cap="flat" cmpd="sng" algn="ctr">
+          <a:solidFill>
+            <a:schemeClr val="accent1">
+              <a:hueOff val="0"/>
+              <a:satOff val="0"/>
+              <a:lumOff val="0"/>
+              <a:alphaOff val="0"/>
+            </a:schemeClr>
+          </a:solidFill>
+          <a:prstDash val="solid"/>
+          <a:miter lim="800000"/>
+        </a:ln>
+        <a:effectLst/>
+      </dsp:spPr>
+      <dsp:style>
+        <a:lnRef idx="1">
+          <a:scrgbClr r="0" g="0" b="0"/>
+        </a:lnRef>
+        <a:fillRef idx="1">
+          <a:scrgbClr r="0" g="0" b="0"/>
+        </a:fillRef>
+        <a:effectRef idx="0">
+          <a:scrgbClr r="0" g="0" b="0"/>
+        </a:effectRef>
+        <a:fontRef idx="minor"/>
+      </dsp:style>
+    </dsp:sp>
+    <dsp:sp modelId="{9788C95E-015D-3349-A589-09E1A699B9B0}">
+      <dsp:nvSpPr>
+        <dsp:cNvPr id="0" name=""/>
+        <dsp:cNvSpPr/>
+      </dsp:nvSpPr>
+      <dsp:spPr>
+        <a:xfrm>
+          <a:off x="1129392" y="3847249"/>
+          <a:ext cx="7175081" cy="769720"/>
+        </a:xfrm>
+        <a:prstGeom prst="rect">
+          <a:avLst/>
+        </a:prstGeom>
+        <a:gradFill rotWithShape="0">
+          <a:gsLst>
+            <a:gs pos="0">
+              <a:schemeClr val="accent1">
+                <a:hueOff val="0"/>
+                <a:satOff val="0"/>
+                <a:lumOff val="0"/>
+                <a:alphaOff val="0"/>
+                <a:satMod val="103000"/>
+                <a:lumMod val="102000"/>
+                <a:tint val="94000"/>
+              </a:schemeClr>
+            </a:gs>
+            <a:gs pos="50000">
+              <a:schemeClr val="accent1">
+                <a:hueOff val="0"/>
+                <a:satOff val="0"/>
+                <a:lumOff val="0"/>
+                <a:alphaOff val="0"/>
+                <a:satMod val="110000"/>
+                <a:lumMod val="100000"/>
+                <a:shade val="100000"/>
+              </a:schemeClr>
+            </a:gs>
+            <a:gs pos="100000">
+              <a:schemeClr val="accent1">
+                <a:hueOff val="0"/>
+                <a:satOff val="0"/>
+                <a:lumOff val="0"/>
+                <a:alphaOff val="0"/>
+                <a:lumMod val="99000"/>
+                <a:satMod val="120000"/>
+                <a:shade val="78000"/>
+              </a:schemeClr>
+            </a:gs>
+          </a:gsLst>
+          <a:lin ang="5400000" scaled="0"/>
+        </a:gradFill>
+        <a:ln>
+          <a:noFill/>
+        </a:ln>
+        <a:effectLst/>
+      </dsp:spPr>
+      <dsp:style>
+        <a:lnRef idx="0">
+          <a:scrgbClr r="0" g="0" b="0"/>
+        </a:lnRef>
+        <a:fillRef idx="3">
+          <a:scrgbClr r="0" g="0" b="0"/>
+        </a:fillRef>
+        <a:effectRef idx="2">
+          <a:scrgbClr r="0" g="0" b="0"/>
+        </a:effectRef>
+        <a:fontRef idx="minor">
+          <a:schemeClr val="lt1"/>
+        </a:fontRef>
+      </dsp:style>
+      <dsp:txBody>
+        <a:bodyPr spcFirstLastPara="0" vert="horz" wrap="square" lIns="610966" tIns="96520" rIns="96520" bIns="96520" numCol="1" spcCol="1270" anchor="ctr" anchorCtr="0">
+          <a:noAutofit/>
+        </a:bodyPr>
+        <a:lstStyle/>
+        <a:p>
+          <a:pPr lvl="0" algn="l" defTabSz="1689100">
+            <a:lnSpc>
+              <a:spcPct val="90000"/>
+            </a:lnSpc>
+            <a:spcBef>
+              <a:spcPct val="0"/>
+            </a:spcBef>
+            <a:spcAft>
+              <a:spcPct val="35000"/>
+            </a:spcAft>
+          </a:pPr>
+          <a:r>
+            <a:rPr kumimoji="1" lang="ja-JP" altLang="en-US" sz="3800" kern="1200" dirty="0" smtClean="0"/>
+            <a:t>まとめ</a:t>
+          </a:r>
+          <a:endParaRPr kumimoji="1" lang="en-US" altLang="ja-JP" sz="3800" kern="1200" dirty="0" smtClean="0"/>
+        </a:p>
+      </dsp:txBody>
+      <dsp:txXfrm>
+        <a:off x="1129392" y="3847249"/>
+        <a:ext cx="7175081" cy="769720"/>
+      </dsp:txXfrm>
+    </dsp:sp>
+    <dsp:sp modelId="{65432DCF-4D0E-704D-8B22-61BFC5BEE187}">
+      <dsp:nvSpPr>
+        <dsp:cNvPr id="0" name=""/>
+        <dsp:cNvSpPr/>
+      </dsp:nvSpPr>
+      <dsp:spPr>
+        <a:xfrm>
+          <a:off x="648316" y="3751034"/>
+          <a:ext cx="962150" cy="962150"/>
+        </a:xfrm>
+        <a:prstGeom prst="ellipse">
+          <a:avLst/>
+        </a:prstGeom>
+        <a:solidFill>
+          <a:schemeClr val="lt1">
+            <a:hueOff val="0"/>
+            <a:satOff val="0"/>
+            <a:lumOff val="0"/>
+            <a:alphaOff val="0"/>
+          </a:schemeClr>
+        </a:solidFill>
+        <a:ln w="6350" cap="flat" cmpd="sng" algn="ctr">
+          <a:solidFill>
+            <a:schemeClr val="accent1">
+              <a:hueOff val="0"/>
+              <a:satOff val="0"/>
+              <a:lumOff val="0"/>
+              <a:alphaOff val="0"/>
+            </a:schemeClr>
+          </a:solidFill>
+          <a:prstDash val="solid"/>
+          <a:miter lim="800000"/>
+        </a:ln>
+        <a:effectLst/>
+      </dsp:spPr>
+      <dsp:style>
+        <a:lnRef idx="1">
+          <a:scrgbClr r="0" g="0" b="0"/>
+        </a:lnRef>
+        <a:fillRef idx="1">
+          <a:scrgbClr r="0" g="0" b="0"/>
+        </a:fillRef>
+        <a:effectRef idx="0">
+          <a:scrgbClr r="0" g="0" b="0"/>
+        </a:effectRef>
+        <a:fontRef idx="minor"/>
+      </dsp:style>
+    </dsp:sp>
+    <dsp:sp modelId="{9805492E-F0E1-E34F-AB81-42F240F6FB67}">
+      <dsp:nvSpPr>
+        <dsp:cNvPr id="0" name=""/>
+        <dsp:cNvSpPr/>
+      </dsp:nvSpPr>
+      <dsp:spPr>
+        <a:xfrm>
+          <a:off x="577832" y="5001461"/>
+          <a:ext cx="7726640" cy="769720"/>
+        </a:xfrm>
+        <a:prstGeom prst="rect">
+          <a:avLst/>
+        </a:prstGeom>
+        <a:gradFill rotWithShape="0">
+          <a:gsLst>
+            <a:gs pos="0">
+              <a:schemeClr val="accent1">
+                <a:hueOff val="0"/>
+                <a:satOff val="0"/>
+                <a:lumOff val="0"/>
+                <a:alphaOff val="0"/>
+                <a:satMod val="103000"/>
+                <a:lumMod val="102000"/>
+                <a:tint val="94000"/>
+              </a:schemeClr>
+            </a:gs>
+            <a:gs pos="50000">
+              <a:schemeClr val="accent1">
+                <a:hueOff val="0"/>
+                <a:satOff val="0"/>
+                <a:lumOff val="0"/>
+                <a:alphaOff val="0"/>
+                <a:satMod val="110000"/>
+                <a:lumMod val="100000"/>
+                <a:shade val="100000"/>
+              </a:schemeClr>
+            </a:gs>
+            <a:gs pos="100000">
+              <a:schemeClr val="accent1">
+                <a:hueOff val="0"/>
+                <a:satOff val="0"/>
+                <a:lumOff val="0"/>
+                <a:alphaOff val="0"/>
+                <a:lumMod val="99000"/>
+                <a:satMod val="120000"/>
+                <a:shade val="78000"/>
+              </a:schemeClr>
+            </a:gs>
+          </a:gsLst>
+          <a:lin ang="5400000" scaled="0"/>
+        </a:gradFill>
+        <a:ln>
+          <a:noFill/>
+        </a:ln>
+        <a:effectLst/>
+      </dsp:spPr>
+      <dsp:style>
+        <a:lnRef idx="0">
+          <a:scrgbClr r="0" g="0" b="0"/>
+        </a:lnRef>
+        <a:fillRef idx="3">
+          <a:scrgbClr r="0" g="0" b="0"/>
+        </a:fillRef>
+        <a:effectRef idx="2">
+          <a:scrgbClr r="0" g="0" b="0"/>
+        </a:effectRef>
+        <a:fontRef idx="minor">
+          <a:schemeClr val="lt1"/>
+        </a:fontRef>
+      </dsp:style>
+      <dsp:txBody>
+        <a:bodyPr spcFirstLastPara="0" vert="horz" wrap="square" lIns="610966" tIns="96520" rIns="96520" bIns="96520" numCol="1" spcCol="1270" anchor="ctr" anchorCtr="0">
+          <a:noAutofit/>
+        </a:bodyPr>
+        <a:lstStyle/>
+        <a:p>
+          <a:pPr lvl="0" algn="l" defTabSz="1689100">
+            <a:lnSpc>
+              <a:spcPct val="90000"/>
+            </a:lnSpc>
+            <a:spcBef>
+              <a:spcPct val="0"/>
+            </a:spcBef>
+            <a:spcAft>
+              <a:spcPct val="35000"/>
+            </a:spcAft>
+          </a:pPr>
+          <a:r>
+            <a:rPr kumimoji="1" lang="ja-JP" altLang="en-US" sz="3800" kern="1200" dirty="0" smtClean="0"/>
+            <a:t>質疑応答</a:t>
+          </a:r>
+          <a:endParaRPr kumimoji="1" lang="en-US" altLang="ja-JP" sz="3800" kern="1200" dirty="0" smtClean="0"/>
+        </a:p>
+      </dsp:txBody>
+      <dsp:txXfrm>
+        <a:off x="577832" y="5001461"/>
+        <a:ext cx="7726640" cy="769720"/>
+      </dsp:txXfrm>
+    </dsp:sp>
+    <dsp:sp modelId="{53102505-5DDA-854B-BF42-37C00B828639}">
+      <dsp:nvSpPr>
+        <dsp:cNvPr id="0" name=""/>
+        <dsp:cNvSpPr/>
+      </dsp:nvSpPr>
+      <dsp:spPr>
+        <a:xfrm>
+          <a:off x="96757" y="4905246"/>
+          <a:ext cx="962150" cy="962150"/>
+        </a:xfrm>
+        <a:prstGeom prst="ellipse">
+          <a:avLst/>
+        </a:prstGeom>
+        <a:solidFill>
+          <a:schemeClr val="lt1">
+            <a:hueOff val="0"/>
+            <a:satOff val="0"/>
+            <a:lumOff val="0"/>
+            <a:alphaOff val="0"/>
+          </a:schemeClr>
+        </a:solidFill>
+        <a:ln w="6350" cap="flat" cmpd="sng" algn="ctr">
+          <a:solidFill>
+            <a:schemeClr val="accent1">
+              <a:hueOff val="0"/>
+              <a:satOff val="0"/>
+              <a:lumOff val="0"/>
+              <a:alphaOff val="0"/>
+            </a:schemeClr>
+          </a:solidFill>
+          <a:prstDash val="solid"/>
+          <a:miter lim="800000"/>
+        </a:ln>
+        <a:effectLst/>
+      </dsp:spPr>
+      <dsp:style>
+        <a:lnRef idx="1">
+          <a:scrgbClr r="0" g="0" b="0"/>
+        </a:lnRef>
+        <a:fillRef idx="1">
+          <a:scrgbClr r="0" g="0" b="0"/>
+        </a:fillRef>
+        <a:effectRef idx="0">
+          <a:scrgbClr r="0" g="0" b="0"/>
+        </a:effectRef>
+        <a:fontRef idx="minor"/>
+      </dsp:style>
+    </dsp:sp>
+  </dsp:spTree>
+</dsp:drawing>
+</file>
+
+<file path=ppt/diagrams/layout1.xml><?xml version="1.0" encoding="utf-8"?>
+<dgm:layoutDef xmlns:dgm="http://schemas.openxmlformats.org/drawingml/2006/diagram" xmlns:a="http://schemas.openxmlformats.org/drawingml/2006/main" uniqueId="urn:microsoft.com/office/officeart/2008/layout/VerticalCurvedList">
+  <dgm:title val=""/>
+  <dgm:desc val=""/>
+  <dgm:catLst>
+    <dgm:cat type="list" pri="20000"/>
+  </dgm:catLst>
+  <dgm:sampData>
+    <dgm:dataModel>
+      <dgm:ptLst>
+        <dgm:pt modelId="0" type="doc"/>
+        <dgm:pt modelId="1">
+          <dgm:prSet phldr="1"/>
+        </dgm:pt>
+        <dgm:pt modelId="2">
+          <dgm:prSet phldr="1"/>
+        </dgm:pt>
+        <dgm:pt modelId="3">
+          <dgm:prSet phldr="1"/>
+        </dgm:pt>
+      </dgm:ptLst>
+      <dgm:cxnLst>
+        <dgm:cxn modelId="4" srcId="0" destId="1" srcOrd="0" destOrd="0"/>
+        <dgm:cxn modelId="5" srcId="0" destId="2" srcOrd="1" destOrd="0"/>
+        <dgm:cxn modelId="6" srcId="0" destId="3" srcOrd="2" destOrd="0"/>
+      </dgm:cxnLst>
+      <dgm:bg/>
+      <dgm:whole/>
+    </dgm:dataModel>
+  </dgm:sampData>
+  <dgm:styleData>
+    <dgm:dataModel>
+      <dgm:ptLst>
+        <dgm:pt modelId="0" type="doc"/>
+        <dgm:pt modelId="1">
+          <dgm:prSet phldr="1"/>
+        </dgm:pt>
+        <dgm:pt modelId="2">
+          <dgm:prSet phldr="1"/>
+        </dgm:pt>
+      </dgm:ptLst>
+      <dgm:cxnLst>
+        <dgm:cxn modelId="3" srcId="0" destId="1" srcOrd="0" destOrd="0"/>
+        <dgm:cxn modelId="4" srcId="0" destId="2" srcOrd="1" destOrd="0"/>
+      </dgm:cxnLst>
+      <dgm:bg/>
+      <dgm:whole/>
+    </dgm:dataModel>
+  </dgm:styleData>
+  <dgm:clrData>
+    <dgm:dataModel>
+      <dgm:ptLst>
+        <dgm:pt modelId="0" type="doc"/>
+        <dgm:pt modelId="1">
+          <dgm:prSet phldr="1"/>
+        </dgm:pt>
+        <dgm:pt modelId="2">
+          <dgm:prSet phldr="1"/>
+        </dgm:pt>
+        <dgm:pt modelId="3">
+          <dgm:prSet phldr="1"/>
+        </dgm:pt>
+        <dgm:pt modelId="4">
+          <dgm:prSet phldr="1"/>
+        </dgm:pt>
+      </dgm:ptLst>
+      <dgm:cxnLst>
+        <dgm:cxn modelId="5" srcId="0" destId="1" srcOrd="0" destOrd="0"/>
+        <dgm:cxn modelId="6" srcId="0" destId="2" srcOrd="1" destOrd="0"/>
+        <dgm:cxn modelId="7" srcId="0" destId="3" srcOrd="2" destOrd="0"/>
+        <dgm:cxn modelId="8" srcId="0" destId="4" srcOrd="3" destOrd="0"/>
+      </dgm:cxnLst>
+      <dgm:bg/>
+      <dgm:whole/>
+    </dgm:dataModel>
+  </dgm:clrData>
+  <dgm:layoutNode name="Name0">
+    <dgm:varLst>
+      <dgm:chMax val="7"/>
+      <dgm:chPref val="7"/>
+      <dgm:dir/>
+    </dgm:varLst>
+    <dgm:alg type="composite"/>
+    <dgm:shape xmlns:r="http://schemas.openxmlformats.org/officeDocument/2006/relationships" r:blip="">
+      <dgm:adjLst/>
+    </dgm:shape>
+    <dgm:constrLst>
+      <dgm:constr type="w" for="ch" refType="h" refFor="ch" op="gte" fact="0.8"/>
+    </dgm:constrLst>
+    <dgm:layoutNode name="Name1">
+      <dgm:alg type="composite"/>
+      <dgm:shape xmlns:r="http://schemas.openxmlformats.org/officeDocument/2006/relationships" r:blip="">
+        <dgm:adjLst/>
+      </dgm:shape>
+      <dgm:choose name="Name2">
+        <dgm:if name="Name3" func="var" arg="dir" op="equ" val="norm">
+          <dgm:choose name="Name4">
+            <dgm:if name="Name5" axis="ch" ptType="node" func="cnt" op="equ" val="1">
+              <dgm:constrLst>
+                <dgm:constr type="h" for="ch" forName="cycle" refType="h"/>
+                <dgm:constr type="w" for="ch" forName="cycle" refType="h" refFor="ch" refForName="cycle" fact="0.26"/>
+                <dgm:constr type="l" for="ch" forName="cycle"/>
+                <dgm:constr type="ctrY" for="ch" forName="cycle" refType="h" fact="0.5"/>
+                <dgm:constr type="diam" for="ch" forName="cycle" refType="h" fact="1.344"/>
+                <dgm:constr type="h" for="ch" forName="accent_1" refType="h" fact="0.625"/>
+                <dgm:constr type="w" for="ch" forName="accent_1" refType="h" refFor="ch" refForName="accent_1" op="equ"/>
+                <dgm:constr type="ctrY" for="ch" forName="accent_1" refType="h" fact="0.5"/>
+                <dgm:constr type="ctrX" for="ch" forName="accent_1" refType="h" fact="0.2253"/>
+                <dgm:constr type="l" for="ch" forName="text_1" refType="ctrX" refFor="ch" refForName="accent_1"/>
+                <dgm:constr type="r" for="ch" forName="text_1" refType="w"/>
+                <dgm:constr type="w" for="ch" forName="text_1" refType="h" refFor="ch" refForName="text_1" op="gte"/>
+                <dgm:constr type="h" for="ch" forName="text_1" refType="h" refFor="ch" refForName="accent_1" fact="0.8"/>
+                <dgm:constr type="ctrY" for="ch" forName="text_1" refType="ctrY" refFor="ch" refForName="accent_1"/>
+                <dgm:constr type="lMarg" for="ch" forName="text_1" refType="w" refFor="ch" refForName="accent_1" fact="1.8"/>
+                <dgm:constr type="primFontSz" for="ch" ptType="node" op="equ" val="65"/>
+              </dgm:constrLst>
+            </dgm:if>
+            <dgm:if name="Name6" axis="ch" ptType="node" func="cnt" op="equ" val="2">
+              <dgm:constrLst>
+                <dgm:constr type="h" for="ch" forName="cycle" refType="h"/>
+                <dgm:constr type="w" for="ch" forName="cycle" refType="h" refFor="ch" refForName="cycle" fact="0.26"/>
+                <dgm:constr type="l" for="ch" forName="cycle"/>
+                <dgm:constr type="ctrY" for="ch" forName="cycle" refType="h" fact="0.5"/>
+                <dgm:constr type="diam" for="ch" forName="cycle" refType="h" fact="1.344"/>
+                <dgm:constr type="h" for="ch" forName="accent_1" refType="h" fact="0.3571"/>
+                <dgm:constr type="w" for="ch" forName="accent_1" refType="h" refFor="ch" refForName="accent_1" op="equ"/>
+                <dgm:constr type="ctrY" for="ch" forName="accent_1" refType="h" fact="0.2857"/>
+                <dgm:constr type="ctrX" for="ch" forName="accent_1" refType="h" fact="0.1891"/>
+                <dgm:constr type="l" for="ch" forName="text_1" refType="ctrX" refFor="ch" refForName="accent_1"/>
+                <dgm:constr type="r" for="ch" forName="text_1" refType="w"/>
+                <dgm:constr type="w" for="ch" forName="text_1" refType="h" refFor="ch" refForName="text_1" op="gte"/>
+                <dgm:constr type="h" for="ch" forName="text_1" refType="h" refFor="ch" refForName="accent_1" fact="0.8"/>
+                <dgm:constr type="ctrY" for="ch" forName="text_1" refType="ctrY" refFor="ch" refForName="accent_1"/>
+                <dgm:constr type="lMarg" for="ch" forName="text_1" refType="w" refFor="ch" refForName="accent_1" fact="1.8"/>
+                <dgm:constr type="h" for="ch" forName="accent_2" refType="h" fact="0.3571"/>
+                <dgm:constr type="w" for="ch" forName="accent_2" refType="h" refFor="ch" refForName="accent_2" op="equ"/>
+                <dgm:constr type="ctrY" for="ch" forName="accent_2" refType="h" fact="0.7143"/>
+                <dgm:constr type="ctrX" for="ch" forName="accent_2" refType="h" fact="0.1891"/>
+                <dgm:constr type="l" for="ch" forName="text_2" refType="ctrX" refFor="ch" refForName="accent_2"/>
+                <dgm:constr type="r" for="ch" forName="text_2" refType="w"/>
+                <dgm:constr type="w" for="ch" forName="text_2" refType="h" refFor="ch" refForName="text_2" op="gte"/>
+                <dgm:constr type="h" for="ch" forName="text_2" refType="h" refFor="ch" refForName="accent_2" fact="0.8"/>
+                <dgm:constr type="ctrY" for="ch" forName="text_2" refType="ctrY" refFor="ch" refForName="accent_2"/>
+                <dgm:constr type="lMarg" for="ch" forName="text_2" refType="w" refFor="ch" refForName="accent_2" fact="1.8"/>
+                <dgm:constr type="primFontSz" for="ch" ptType="node" op="equ" val="65"/>
+              </dgm:constrLst>
+            </dgm:if>
+            <dgm:if name="Name7" axis="ch" ptType="node" func="cnt" op="equ" val="3">
+              <dgm:constrLst>
+                <dgm:constr type="h" for="ch" forName="cycle" refType="h"/>
+                <dgm:constr type="w" for="ch" forName="cycle" refType="h" refFor="ch" refForName="cycle" fact="0.26"/>
+                <dgm:constr type="l" for="ch" forName="cycle"/>
+                <dgm:constr type="ctrY" for="ch" forName="cycle" refType="h" fact="0.5"/>
+                <dgm:constr type="diam" for="ch" forName="cycle" refType="h" fact="1.344"/>
+                <dgm:constr type="h" for="ch" forName="accent_1" refType="h" fact="0.25"/>
+                <dgm:constr type="w" for="ch" forName="accent_1" refType="h" refFor="ch" refForName="accent_1" op="equ"/>
+                <dgm:constr type="ctrY" for="ch" forName="accent_1" refType="h" fact="0.2"/>
+                <dgm:constr type="ctrX" for="ch" forName="accent_1" refType="h" fact="0.1526"/>
+                <dgm:constr type="l" for="ch" forName="text_1" refType="ctrX" refFor="ch" refForName="accent_1"/>
+                <dgm:constr type="r" for="ch" forName="text_1" refType="w"/>
+                <dgm:constr type="w" for="ch" forName="text_1" refType="h" refFor="ch" refForName="text_1" op="gte"/>
+                <dgm:constr type="h" for="ch" forName="text_1" refType="h" refFor="ch" refForName="accent_1" fact="0.8"/>
+                <dgm:constr type="ctrY" for="ch" forName="text_1" refType="ctrY" refFor="ch" refForName="accent_1"/>
+                <dgm:constr type="lMarg" for="ch" forName="text_1" refType="w" refFor="ch" refForName="accent_1" fact="1.8"/>
+                <dgm:constr type="h" for="ch" forName="accent_2" refType="h" fact="0.25"/>
+                <dgm:constr type="w" for="ch" forName="accent_2" refType="h" refFor="ch" refForName="accent_2" op="equ"/>
+                <dgm:constr type="ctrY" for="ch" forName="accent_2" refType="h" fact="0.5"/>
+                <dgm:constr type="ctrX" for="ch" forName="accent_2" refType="h" fact="0.2253"/>
+                <dgm:constr type="l" for="ch" forName="text_2" refType="ctrX" refFor="ch" refForName="accent_2"/>
+                <dgm:constr type="r" for="ch" forName="text_2" refType="w"/>
+                <dgm:constr type="w" for="ch" forName="text_2" refType="h" refFor="ch" refForName="text_2" op="gte"/>
+                <dgm:constr type="h" for="ch" forName="text_2" refType="h" refFor="ch" refForName="accent_2" fact="0.8"/>
+                <dgm:constr type="ctrY" for="ch" forName="text_2" refType="ctrY" refFor="ch" refForName="accent_2"/>
+                <dgm:constr type="lMarg" for="ch" forName="text_2" refType="w" refFor="ch" refForName="accent_2" fact="1.8"/>
+                <dgm:constr type="h" for="ch" forName="accent_3" refType="h" fact="0.25"/>
+                <dgm:constr type="w" for="ch" forName="accent_3" refType="h" refFor="ch" refForName="accent_3" op="equ"/>
+                <dgm:constr type="ctrY" for="ch" forName="accent_3" refType="h" fact="0.8"/>
+                <dgm:constr type="ctrX" for="ch" forName="accent_3" refType="h" fact="0.1526"/>
+                <dgm:constr type="l" for="ch" forName="text_3" refType="ctrX" refFor="ch" refForName="accent_3"/>
+                <dgm:constr type="r" for="ch" forName="text_3" refType="w"/>
+                <dgm:constr type="w" for="ch" forName="text_3" refType="h" refFor="ch" refForName="text_3" op="gte"/>
+                <dgm:constr type="h" for="ch" forName="text_3" refType="h" refFor="ch" refForName="accent_3" fact="0.8"/>
+                <dgm:constr type="ctrY" for="ch" forName="text_3" refType="ctrY" refFor="ch" refForName="accent_3"/>
+                <dgm:constr type="lMarg" for="ch" forName="text_3" refType="w" refFor="ch" refForName="accent_3" fact="1.8"/>
+                <dgm:constr type="primFontSz" for="ch" ptType="node" op="equ" val="65"/>
+              </dgm:constrLst>
+            </dgm:if>
+            <dgm:if name="Name8" axis="ch" ptType="node" func="cnt" op="equ" val="4">
+              <dgm:constrLst>
+                <dgm:constr type="h" for="ch" forName="cycle" refType="h"/>
+                <dgm:constr type="w" for="ch" forName="cycle" refType="h" refFor="ch" refForName="cycle" fact="0.26"/>
+                <dgm:constr type="l" for="ch" forName="cycle"/>
+                <dgm:constr type="ctrY" for="ch" forName="cycle" refType="h" fact="0.5"/>
+                <dgm:constr type="diam" for="ch" forName="cycle" refType="h" fact="1.344"/>
+                <dgm:constr type="h" for="ch" forName="accent_1" refType="h" fact="0.1923"/>
+                <dgm:constr type="w" for="ch" forName="accent_1" refType="h" refFor="ch" refForName="accent_1" op="equ"/>
+                <dgm:constr type="ctrY" for="ch" forName="accent_1" refType="h" fact="0.1538"/>
+                <dgm:constr type="ctrX" for="ch" forName="accent_1" refType="h" fact="0.1268"/>
+                <dgm:constr type="l" for="ch" forName="text_1" refType="ctrX" refFor="ch" refForName="accent_1"/>
+                <dgm:constr type="r" for="ch" forName="text_1" refType="w"/>
+                <dgm:constr type="w" for="ch" forName="text_1" refType="h" refFor="ch" refForName="text_1" op="gte"/>
+                <dgm:constr type="h" for="ch" forName="text_1" refType="h" refFor="ch" refForName="accent_1" fact="0.8"/>
+                <dgm:constr type="ctrY" for="ch" forName="text_1" refType="ctrY" refFor="ch" refForName="accent_1"/>
+                <dgm:constr type="lMarg" for="ch" forName="text_1" refType="w" refFor="ch" refForName="accent_1" fact="1.8"/>
+                <dgm:constr type="h" for="ch" forName="accent_2" refType="h" fact="0.1923"/>
+                <dgm:constr type="w" for="ch" forName="accent_2" refType="h" refFor="ch" refForName="accent_2" op="equ"/>
+                <dgm:constr type="ctrY" for="ch" forName="accent_2" refType="h" fact="0.3846"/>
+                <dgm:constr type="ctrX" for="ch" forName="accent_2" refType="h" fact="0.215"/>
+                <dgm:constr type="l" for="ch" forName="text_2" refType="ctrX" refFor="ch" refForName="accent_2"/>
+                <dgm:constr type="r" for="ch" forName="text_2" refType="w"/>
+                <dgm:constr type="w" for="ch" forName="text_2" refType="h" refFor="ch" refForName="text_2" op="gte"/>
+                <dgm:constr type="h" for="ch" forName="text_2" refType="h" refFor="ch" refForName="accent_2" fact="0.8"/>
+                <dgm:constr type="ctrY" for="ch" forName="text_2" refType="ctrY" refFor="ch" refForName="accent_2"/>
+                <dgm:constr type="lMarg" for="ch" forName="text_2" refType="w" refFor="ch" refForName="accent_2" fact="1.8"/>
+                <dgm:constr type="h" for="ch" forName="accent_3" refType="h" fact="0.1923"/>
+                <dgm:constr type="w" for="ch" forName="accent_3" refType="h" refFor="ch" refForName="accent_3" op="equ"/>
+                <dgm:constr type="ctrY" for="ch" forName="accent_3" refType="h" fact="0.6154"/>
+                <dgm:constr type="ctrX" for="ch" forName="accent_3" refType="h" fact="0.215"/>
+                <dgm:constr type="l" for="ch" forName="text_3" refType="ctrX" refFor="ch" refForName="accent_3"/>
+                <dgm:constr type="r" for="ch" forName="text_3" refType="w"/>
+                <dgm:constr type="w" for="ch" forName="text_3" refType="h" refFor="ch" refForName="text_3" op="gte"/>
+                <dgm:constr type="h" for="ch" forName="text_3" refType="h" refFor="ch" refForName="accent_3" fact="0.8"/>
+                <dgm:constr type="ctrY" for="ch" forName="text_3" refType="ctrY" refFor="ch" refForName="accent_3"/>
+                <dgm:constr type="lMarg" for="ch" forName="text_3" refType="w" refFor="ch" refForName="accent_3" fact="1.8"/>
+                <dgm:constr type="h" for="ch" forName="accent_4" refType="h" fact="0.1923"/>
+                <dgm:constr type="w" for="ch" forName="accent_4" refType="h" refFor="ch" refForName="accent_4" op="equ"/>
+                <dgm:constr type="ctrY" for="ch" forName="accent_4" refType="h" fact="0.8462"/>
+                <dgm:constr type="ctrX" for="ch" forName="accent_4" refType="h" fact="0.1268"/>
+                <dgm:constr type="l" for="ch" forName="text_4" refType="ctrX" refFor="ch" refForName="accent_4"/>
+                <dgm:constr type="r" for="ch" forName="text_4" refType="w"/>
+                <dgm:constr type="w" for="ch" forName="text_4" refType="h" refFor="ch" refForName="text_4" op="gte"/>
+                <dgm:constr type="h" for="ch" forName="text_4" refType="h" refFor="ch" refForName="accent_4" fact="0.8"/>
+                <dgm:constr type="ctrY" for="ch" forName="text_4" refType="ctrY" refFor="ch" refForName="accent_4"/>
+                <dgm:constr type="lMarg" for="ch" forName="text_4" refType="w" refFor="ch" refForName="accent_4" fact="1.8"/>
+                <dgm:constr type="primFontSz" for="ch" ptType="node" op="equ" val="65"/>
+              </dgm:constrLst>
+            </dgm:if>
+            <dgm:if name="Name9" axis="ch" ptType="node" func="cnt" op="equ" val="5">
+              <dgm:constrLst>
+                <dgm:constr type="h" for="ch" forName="cycle" refType="h"/>
+                <dgm:constr type="w" for="ch" forName="cycle" refType="h" refFor="ch" refForName="cycle" fact="0.26"/>
+                <dgm:constr type="l" for="ch" forName="cycle"/>
+                <dgm:constr type="ctrY" for="ch" forName="cycle" refType="h" fact="0.5"/>
+                <dgm:constr type="diam" for="ch" forName="cycle" refType="h" fact="1.344"/>
+                <dgm:constr type="h" for="ch" forName="accent_1" refType="h" fact="0.1563"/>
+                <dgm:constr type="w" for="ch" forName="accent_1" refType="h" refFor="ch" refForName="accent_1" op="equ"/>
+                <dgm:constr type="ctrY" for="ch" forName="accent_1" refType="h" fact="0.125"/>
+                <dgm:constr type="ctrX" for="ch" forName="accent_1" refType="h" fact="0.1082"/>
+                <dgm:constr type="l" for="ch" forName="text_1" refType="ctrX" refFor="ch" refForName="accent_1"/>
+                <dgm:constr type="r" for="ch" forName="text_1" refType="w"/>
+                <dgm:constr type="w" for="ch" forName="text_1" refType="h" refFor="ch" refForName="text_1" op="gte"/>
+                <dgm:constr type="h" for="ch" forName="text_1" refType="h" refFor="ch" refForName="accent_1" fact="0.8"/>
+                <dgm:constr type="ctrY" for="ch" forName="text_1" refType="ctrY" refFor="ch" refForName="accent_1"/>
+                <dgm:constr type="lMarg" for="ch" forName="text_1" refType="w" refFor="ch" refForName="accent_1" fact="1.8"/>
+                <dgm:constr type="h" for="ch" forName="accent_2" refType="h" fact="0.1563"/>
+                <dgm:constr type="w" for="ch" forName="accent_2" refType="h" refFor="ch" refForName="accent_2" op="equ"/>
+                <dgm:constr type="ctrY" for="ch" forName="accent_2" refType="h" fact="0.3125"/>
+                <dgm:constr type="ctrX" for="ch" forName="accent_2" refType="h" fact="0.1978"/>
+                <dgm:constr type="l" for="ch" forName="text_2" refType="ctrX" refFor="ch" refForName="accent_2"/>
+                <dgm:constr type="r" for="ch" forName="text_2" refType="w"/>
+                <dgm:constr type="w" for="ch" forName="text_2" refType="h" refFor="ch" refForName="text_2" op="gte"/>
+                <dgm:constr type="h" for="ch" forName="text_2" refType="h" refFor="ch" refForName="accent_2" fact="0.8"/>
+                <dgm:constr type="ctrY" for="ch" forName="text_2" refType="ctrY" refFor="ch" refForName="accent_2"/>
+                <dgm:constr type="lMarg" for="ch" forName="text_2" refType="w" refFor="ch" refForName="accent_2" fact="1.8"/>
+                <dgm:constr type="h" for="ch" forName="accent_3" refType="h" fact="0.1563"/>
+                <dgm:constr type="w" for="ch" forName="accent_3" refType="h" refFor="ch" refForName="accent_3" op="equ"/>
+                <dgm:constr type="ctrY" for="ch" forName="accent_3" refType="h" fact="0.5"/>
+                <dgm:constr type="ctrX" for="ch" forName="accent_3" refType="h" fact="0.2253"/>
+                <dgm:constr type="l" for="ch" forName="text_3" refType="ctrX" refFor="ch" refForName="accent_3"/>
+                <dgm:constr type="r" for="ch" forName="text_3" refType="w"/>
+                <dgm:constr type="w" for="ch" forName="text_3" refType="h" refFor="ch" refForName="text_3" op="gte"/>
+                <dgm:constr type="h" for="ch" forName="text_3" refType="h" refFor="ch" refForName="accent_3" fact="0.8"/>
+                <dgm:constr type="ctrY" for="ch" forName="text_3" refType="ctrY" refFor="ch" refForName="accent_3"/>
+                <dgm:constr type="lMarg" for="ch" forName="text_3" refType="w" refFor="ch" refForName="accent_3" fact="1.8"/>
+                <dgm:constr type="h" for="ch" forName="accent_4" refType="h" fact="0.1563"/>
+                <dgm:constr type="w" for="ch" forName="accent_4" refType="h" refFor="ch" refForName="accent_4" op="equ"/>
+                <dgm:constr type="ctrY" for="ch" forName="accent_4" refType="h" fact="0.6875"/>
+                <dgm:constr type="ctrX" for="ch" forName="accent_4" refType="h" fact="0.1978"/>
+                <dgm:constr type="l" for="ch" forName="text_4" refType="ctrX" refFor="ch" refForName="accent_4"/>
+                <dgm:constr type="r" for="ch" forName="text_4" refType="w"/>
+                <dgm:constr type="w" for="ch" forName="text_4" refType="h" refFor="ch" refForName="text_4" op="gte"/>
+                <dgm:constr type="h" for="ch" forName="text_4" refType="h" refFor="ch" refForName="accent_4" fact="0.8"/>
+                <dgm:constr type="ctrY" for="ch" forName="text_4" refType="ctrY" refFor="ch" refForName="accent_4"/>
+                <dgm:constr type="lMarg" for="ch" forName="text_4" refType="w" refFor="ch" refForName="accent_4" fact="1.8"/>
+                <dgm:constr type="h" for="ch" forName="accent_5" refType="h" fact="0.1563"/>
+                <dgm:constr type="w" for="ch" forName="accent_5" refType="h" refFor="ch" refForName="accent_5" op="equ"/>
+                <dgm:constr type="ctrY" for="ch" forName="accent_5" refType="h" fact="0.875"/>
+                <dgm:constr type="ctrX" for="ch" forName="accent_5" refType="h" fact="0.1082"/>
+                <dgm:constr type="l" for="ch" forName="text_5" refType="ctrX" refFor="ch" refForName="accent_5"/>
+                <dgm:constr type="r" for="ch" forName="text_5" refType="w"/>
+                <dgm:constr type="w" for="ch" forName="text_5" refType="h" refFor="ch" refForName="text_5" op="gte"/>
+                <dgm:constr type="h" for="ch" forName="text_5" refType="h" refFor="ch" refForName="accent_5" fact="0.8"/>
+                <dgm:constr type="ctrY" for="ch" forName="text_5" refType="ctrY" refFor="ch" refForName="accent_5"/>
+                <dgm:constr type="lMarg" for="ch" forName="text_5" refType="w" refFor="ch" refForName="accent_5" fact="1.8"/>
+                <dgm:constr type="primFontSz" for="ch" ptType="node" op="equ" val="65"/>
+              </dgm:constrLst>
+            </dgm:if>
+            <dgm:if name="Name10" axis="ch" ptType="node" func="cnt" op="equ" val="6">
+              <dgm:constrLst>
+                <dgm:constr type="h" for="ch" forName="cycle" refType="h"/>
+                <dgm:constr type="w" for="ch" forName="cycle" refType="h" refFor="ch" refForName="cycle" fact="0.26"/>
+                <dgm:constr type="l" for="ch" forName="cycle"/>
+                <dgm:constr type="ctrY" for="ch" forName="cycle" refType="h" fact="0.5"/>
+                <dgm:constr type="diam" for="ch" forName="cycle" refType="h" fact="1.344"/>
+                <dgm:constr type="h" for="ch" forName="accent_1" refType="h" fact="0.1316"/>
+                <dgm:constr type="w" for="ch" forName="accent_1" refType="h" refFor="ch" refForName="accent_1" op="equ"/>
+                <dgm:constr type="ctrY" for="ch" forName="accent_1" refType="h" fact="0.1053"/>
+                <dgm:constr type="ctrX" for="ch" forName="accent_1" refType="h" fact="0.0943"/>
+                <dgm:constr type="l" for="ch" forName="text_1" refType="ctrX" refFor="ch" refForName="accent_1"/>
+                <dgm:constr type="r" for="ch" forName="text_1" refType="w"/>
+                <dgm:constr type="w" for="ch" forName="text_1" refType="h" refFor="ch" refForName="text_1" op="gte"/>
+                <dgm:constr type="h" for="ch" forName="text_1" refType="h" refFor="ch" refForName="accent_1" fact="0.8"/>
+                <dgm:constr type="ctrY" for="ch" forName="text_1" refType="ctrY" refFor="ch" refForName="accent_1"/>
+                <dgm:constr type="lMarg" for="ch" forName="text_1" refType="w" refFor="ch" refForName="accent_1" fact="1.8"/>
+                <dgm:constr type="h" for="ch" forName="accent_2" refType="h" fact="0.1316"/>
+                <dgm:constr type="w" for="ch" forName="accent_2" refType="h" refFor="ch" refForName="accent_2" op="equ"/>
+                <dgm:constr type="ctrY" for="ch" forName="accent_2" refType="h" fact="0.2632"/>
+                <dgm:constr type="ctrX" for="ch" forName="accent_2" refType="h" fact="0.1809"/>
+                <dgm:constr type="l" for="ch" forName="text_2" refType="ctrX" refFor="ch" refForName="accent_2"/>
+                <dgm:constr type="r" for="ch" forName="text_2" refType="w"/>
+                <dgm:constr type="w" for="ch" forName="text_2" refType="h" refFor="ch" refForName="text_2" op="gte"/>
+                <dgm:constr type="h" for="ch" forName="text_2" refType="h" refFor="ch" refForName="accent_2" fact="0.8"/>
+                <dgm:constr type="ctrY" for="ch" forName="text_2" refType="ctrY" refFor="ch" refForName="accent_2"/>
+                <dgm:constr type="lMarg" for="ch" forName="text_2" refType="w" refFor="ch" refForName="accent_2" fact="1.8"/>
+                <dgm:constr type="h" for="ch" forName="accent_3" refType="h" fact="0.1316"/>
+                <dgm:constr type="w" for="ch" forName="accent_3" refType="h" refFor="ch" refForName="accent_3" op="equ"/>
+                <dgm:constr type="ctrY" for="ch" forName="accent_3" refType="h" fact="0.4211"/>
+                <dgm:constr type="ctrX" for="ch" forName="accent_3" refType="h" fact="0.2205"/>
+                <dgm:constr type="l" for="ch" forName="text_3" refType="ctrX" refFor="ch" refForName="accent_3"/>
+                <dgm:constr type="r" for="ch" forName="text_3" refType="w"/>
+                <dgm:constr type="w" for="ch" forName="text_3" refType="h" refFor="ch" refForName="text_3" op="gte"/>
+                <dgm:constr type="h" for="ch" forName="text_3" refType="h" refFor="ch" refForName="accent_3" fact="0.8"/>
+                <dgm:constr type="ctrY" for="ch" forName="text_3" refType="ctrY" refFor="ch" refForName="accent_3"/>
+                <dgm:constr type="lMarg" for="ch" forName="text_3" refType="w" refFor="ch" refForName="accent_3" fact="1.8"/>
+                <dgm:constr type="h" for="ch" forName="accent_4" refType="h" fact="0.1316"/>
+                <dgm:constr type="w" for="ch" forName="accent_4" refType="h" refFor="ch" refForName="accent_4" op="equ"/>
+                <dgm:constr type="ctrY" for="ch" forName="accent_4" refType="h" fact="0.5789"/>
+                <dgm:constr type="ctrX" for="ch" forName="accent_4" refType="h" fact="0.2205"/>
+                <dgm:constr type="l" for="ch" forName="text_4" refType="ctrX" refFor="ch" refForName="accent_4"/>
+                <dgm:constr type="r" for="ch" forName="text_4" refType="w"/>
+                <dgm:constr type="w" for="ch" forName="text_4" refType="h" refFor="ch" refForName="text_4" op="gte"/>
+                <dgm:constr type="h" for="ch" forName="text_4" refType="h" refFor="ch" refForName="accent_4" fact="0.8"/>
+                <dgm:constr type="ctrY" for="ch" forName="text_4" refType="ctrY" refFor="ch" refForName="accent_4"/>
+                <dgm:constr type="lMarg" for="ch" forName="text_4" refType="w" refFor="ch" refForName="accent_4" fact="1.8"/>
+                <dgm:constr type="h" for="ch" forName="accent_5" refType="h" fact="0.1316"/>
+                <dgm:constr type="w" for="ch" forName="accent_5" refType="h" refFor="ch" refForName="accent_5" op="equ"/>
+                <dgm:constr type="ctrY" for="ch" forName="accent_5" refType="h" fact="0.7368"/>
+                <dgm:constr type="ctrX" for="ch" forName="accent_5" refType="h" fact="0.1809"/>
+                <dgm:constr type="l" for="ch" forName="text_5" refType="ctrX" refFor="ch" refForName="accent_5"/>
+                <dgm:constr type="r" for="ch" forName="text_5" refType="w"/>
+                <dgm:constr type="w" for="ch" forName="text_5" refType="h" refFor="ch" refForName="text_5" op="gte"/>
+                <dgm:constr type="h" for="ch" forName="text_5" refType="h" refFor="ch" refForName="accent_5" fact="0.8"/>
+                <dgm:constr type="ctrY" for="ch" forName="text_5" refType="ctrY" refFor="ch" refForName="accent_5"/>
+                <dgm:constr type="lMarg" for="ch" forName="text_5" refType="w" refFor="ch" refForName="accent_5" fact="1.8"/>
+                <dgm:constr type="h" for="ch" forName="accent_6" refType="h" fact="0.1316"/>
+                <dgm:constr type="w" for="ch" forName="accent_6" refType="h" refFor="ch" refForName="accent_6" op="equ"/>
+                <dgm:constr type="ctrY" for="ch" forName="accent_6" refType="h" fact="0.8947"/>
+                <dgm:constr type="ctrX" for="ch" forName="accent_6" refType="h" fact="0.0943"/>
+                <dgm:constr type="l" for="ch" forName="text_6" refType="ctrX" refFor="ch" refForName="accent_6"/>
+                <dgm:constr type="r" for="ch" forName="text_6" refType="w"/>
+                <dgm:constr type="w" for="ch" forName="text_6" refType="h" refFor="ch" refForName="text_6" op="gte"/>
+                <dgm:constr type="h" for="ch" forName="text_6" refType="h" refFor="ch" refForName="accent_6" fact="0.8"/>
+                <dgm:constr type="ctrY" for="ch" forName="text_6" refType="ctrY" refFor="ch" refForName="accent_6"/>
+                <dgm:constr type="lMarg" for="ch" forName="text_6" refType="w" refFor="ch" refForName="accent_6" fact="1.8"/>
+                <dgm:constr type="primFontSz" for="ch" ptType="node" op="equ" val="65"/>
+              </dgm:constrLst>
+            </dgm:if>
+            <dgm:else name="Name11">
+              <dgm:constrLst>
+                <dgm:constr type="h" for="ch" forName="cycle" refType="h"/>
+                <dgm:constr type="w" for="ch" forName="cycle" refType="h" refFor="ch" refForName="cycle" fact="0.26"/>
+                <dgm:constr type="l" for="ch" forName="cycle"/>
+                <dgm:constr type="ctrY" for="ch" forName="cycle" refType="h" fact="0.5"/>
+                <dgm:constr type="diam" for="ch" forName="cycle" refType="h" fact="1.344"/>
+                <dgm:constr type="h" for="ch" forName="accent_1" refType="h" fact="0.1136"/>
+                <dgm:constr type="w" for="ch" forName="accent_1" refType="h" refFor="ch" refForName="accent_1" op="equ"/>
+                <dgm:constr type="ctrY" for="ch" forName="accent_1" refType="h" fact="0.0909"/>
+                <dgm:constr type="ctrX" for="ch" forName="accent_1" refType="h" fact="0.0835"/>
+                <dgm:constr type="l" for="ch" forName="text_1" refType="ctrX" refFor="ch" refForName="accent_1"/>
+                <dgm:constr type="r" for="ch" forName="text_1" refType="w"/>
+                <dgm:constr type="w" for="ch" forName="text_1" refType="h" refFor="ch" refForName="text_1" op="gte"/>
+                <dgm:constr type="h" for="ch" forName="text_1" refType="h" refFor="ch" refForName="accent_1" fact="0.8"/>
+                <dgm:constr type="ctrY" for="ch" forName="text_1" refType="ctrY" refFor="ch" refForName="accent_1"/>
+                <dgm:constr type="lMarg" for="ch" forName="text_1" refType="w" refFor="ch" refForName="accent_1" fact="1.8"/>
+                <dgm:constr type="h" for="ch" forName="accent_2" refType="h" fact="0.1136"/>
+                <dgm:constr type="w" for="ch" forName="accent_2" refType="h" refFor="ch" refForName="accent_2" op="equ"/>
+                <dgm:constr type="ctrY" for="ch" forName="accent_2" refType="h" fact="0.2273"/>
+                <dgm:constr type="ctrX" for="ch" forName="accent_2" refType="h" fact="0.1658"/>
+                <dgm:constr type="l" for="ch" forName="text_2" refType="ctrX" refFor="ch" refForName="accent_2"/>
+                <dgm:constr type="r" for="ch" forName="text_2" refType="w"/>
+                <dgm:constr type="w" for="ch" forName="text_2" refType="h" refFor="ch" refForName="text_2" op="gte"/>
+                <dgm:constr type="h" for="ch" forName="text_2" refType="h" refFor="ch" refForName="accent_2" fact="0.8"/>
+                <dgm:constr type="ctrY" for="ch" forName="text_2" refType="ctrY" refFor="ch" refForName="accent_2"/>
+                <dgm:constr type="lMarg" for="ch" forName="text_2" refType="w" refFor="ch" refForName="accent_2" fact="1.8"/>
+                <dgm:constr type="h" for="ch" forName="accent_3" refType="h" fact="0.1136"/>
+                <dgm:constr type="w" for="ch" forName="accent_3" refType="h" refFor="ch" refForName="accent_3" op="equ"/>
+                <dgm:constr type="ctrY" for="ch" forName="accent_3" refType="h" fact="0.3636"/>
+                <dgm:constr type="ctrX" for="ch" forName="accent_3" refType="h" fact="0.2109"/>
+                <dgm:constr type="l" for="ch" forName="text_3" refType="ctrX" refFor="ch" refForName="accent_3"/>
+                <dgm:constr type="r" for="ch" forName="text_3" refType="w"/>
+                <dgm:constr type="w" for="ch" forName="text_3" refType="h" refFor="ch" refForName="text_3" op="gte"/>
+                <dgm:constr type="h" for="ch" forName="text_3" refType="h" refFor="ch" refForName="accent_3" fact="0.8"/>
+                <dgm:constr type="ctrY" for="ch" forName="text_3" refType="ctrY" refFor="ch" refForName="accent_3"/>
+                <dgm:constr type="lMarg" for="ch" forName="text_3" refType="w" refFor="ch" refForName="accent_3" fact="1.8"/>
+                <dgm:constr type="h" for="ch" forName="accent_4" refType="h" fact="0.1136"/>
+                <dgm:constr type="w" for="ch" forName="accent_4" refType="h" refFor="ch" refForName="accent_4" op="equ"/>
+                <dgm:constr type="ctrY" for="ch" forName="accent_4" refType="h" fact="0.5"/>
+                <dgm:constr type="ctrX" for="ch" forName="accent_4" refType="h" fact="0.2253"/>
+                <dgm:constr type="l" for="ch" forName="text_4" refType="ctrX" refFor="ch" refForName="accent_4"/>
+                <dgm:constr type="r" for="ch" forName="text_4" refType="w"/>
+                <dgm:constr type="w" for="ch" forName="text_4" refType="h" refFor="ch" refForName="text_4" op="gte"/>
+                <dgm:constr type="h" for="ch" forName="text_4" refType="h" refFor="ch" refForName="accent_4" fact="0.8"/>
+                <dgm:constr type="ctrY" for="ch" forName="text_4" refType="ctrY" refFor="ch" refForName="accent_4"/>
+                <dgm:constr type="lMarg" for="ch" forName="text_4" refType="w" refFor="ch" refForName="accent_4" fact="1.8"/>
+                <dgm:constr type="h" for="ch" forName="accent_5" refType="h" fact="0.1136"/>
+                <dgm:constr type="w" for="ch" forName="accent_5" refType="h" refFor="ch" refForName="accent_5" op="equ"/>
+                <dgm:constr type="ctrY" for="ch" forName="accent_5" refType="h" fact="0.6364"/>
+                <dgm:constr type="ctrX" for="ch" forName="accent_5" refType="h" fact="0.2109"/>
+                <dgm:constr type="l" for="ch" forName="text_5" refType="ctrX" refFor="ch" refForName="accent_5"/>
+                <dgm:constr type="r" for="ch" forName="text_5" refType="w"/>
+                <dgm:constr type="w" for="ch" forName="text_5" refType="h" refFor="ch" refForName="text_5" op="gte"/>
+                <dgm:constr type="h" for="ch" forName="text_5" refType="h" refFor="ch" refForName="accent_5" fact="0.8"/>
+                <dgm:constr type="ctrY" for="ch" forName="text_5" refType="ctrY" refFor="ch" refForName="accent_5"/>
+                <dgm:constr type="lMarg" for="ch" forName="text_5" refType="w" refFor="ch" refForName="accent_5" fact="1.8"/>
+                <dgm:constr type="h" for="ch" forName="accent_6" refType="h" fact="0.1136"/>
+                <dgm:constr type="w" for="ch" forName="accent_6" refType="h" refFor="ch" refForName="accent_6" op="equ"/>
+                <dgm:constr type="ctrY" for="ch" forName="accent_6" refType="h" fact="0.7727"/>
+                <dgm:constr type="ctrX" for="ch" forName="accent_6" refType="h" fact="0.1658"/>
+                <dgm:constr type="l" for="ch" forName="text_6" refType="ctrX" refFor="ch" refForName="accent_6"/>
+                <dgm:constr type="r" for="ch" forName="text_6" refType="w"/>
+                <dgm:constr type="w" for="ch" forName="text_6" refType="h" refFor="ch" refForName="text_6" op="gte"/>
+                <dgm:constr type="h" for="ch" forName="text_6" refType="h" refFor="ch" refForName="accent_6" fact="0.8"/>
+                <dgm:constr type="ctrY" for="ch" forName="text_6" refType="ctrY" refFor="ch" refForName="accent_6"/>
+                <dgm:constr type="lMarg" for="ch" forName="text_6" refType="w" refFor="ch" refForName="accent_6" fact="1.8"/>
+                <dgm:constr type="h" for="ch" forName="accent_7" refType="h" fact="0.1136"/>
+                <dgm:constr type="w" for="ch" forName="accent_7" refType="h" refFor="ch" refForName="accent_7" op="equ"/>
+                <dgm:constr type="ctrY" for="ch" forName="accent_7" refType="h" fact="0.9091"/>
+                <dgm:constr type="ctrX" for="ch" forName="accent_7" refType="h" fact="0.0835"/>
+                <dgm:constr type="l" for="ch" forName="text_7" refType="ctrX" refFor="ch" refForName="accent_7"/>
+                <dgm:constr type="r" for="ch" forName="text_7" refType="w"/>
+                <dgm:constr type="w" for="ch" forName="text_7" refType="h" refFor="ch" refForName="text_7" op="gte"/>
+                <dgm:constr type="h" for="ch" forName="text_7" refType="h" refFor="ch" refForName="accent_7" fact="0.8"/>
+                <dgm:constr type="ctrY" for="ch" forName="text_7" refType="ctrY" refFor="ch" refForName="accent_7"/>
+                <dgm:constr type="lMarg" for="ch" forName="text_7" refType="w" refFor="ch" refForName="accent_7" fact="1.8"/>
+                <dgm:constr type="primFontSz" for="ch" ptType="node" op="equ" val="65"/>
+              </dgm:constrLst>
+            </dgm:else>
+          </dgm:choose>
+        </dgm:if>
+        <dgm:else name="Name12">
+          <dgm:choose name="Name13">
+            <dgm:if name="Name14" axis="ch" ptType="node" func="cnt" op="equ" val="1">
+              <dgm:constrLst>
+                <dgm:constr type="h" for="ch" forName="cycle" refType="h"/>
+                <dgm:constr type="w" for="ch" forName="cycle" refType="h" refFor="ch" refForName="cycle" fact="0.26"/>
+                <dgm:constr type="r" for="ch" forName="cycle" refType="w"/>
+                <dgm:constr type="ctrY" for="ch" forName="cycle" refType="h" fact="0.5"/>
+                <dgm:constr type="diam" for="ch" forName="cycle" refType="h" fact="1.344"/>
+                <dgm:constr type="h" for="ch" forName="accent_1" refType="h" fact="0.625"/>
+                <dgm:constr type="w" for="ch" forName="accent_1" refType="h" refFor="ch" refForName="accent_1" op="equ"/>
+                <dgm:constr type="ctrY" for="ch" forName="accent_1" refType="h" fact="0.5"/>
+                <dgm:constr type="ctrX" for="ch" forName="accent_1" refType="w"/>
+                <dgm:constr type="ctrXOff" for="ch" forName="accent_1" refType="h" fact="-0.2253"/>
+                <dgm:constr type="r" for="ch" forName="text_1" refType="ctrX" refFor="ch" refForName="accent_1"/>
+                <dgm:constr type="rOff" for="ch" forName="text_1" refType="ctrXOff" refFor="ch" refForName="accent_1"/>
+                <dgm:constr type="l" for="ch" forName="text_1"/>
+                <dgm:constr type="w" for="ch" forName="text_1" refType="h" refFor="ch" refForName="text_1" op="gte"/>
+                <dgm:constr type="h" for="ch" forName="text_1" refType="h" refFor="ch" refForName="accent_1" fact="0.8"/>
+                <dgm:constr type="ctrY" for="ch" forName="text_1" refType="ctrY" refFor="ch" refForName="accent_1"/>
+                <dgm:constr type="rMarg" for="ch" forName="text_1" refType="w" refFor="ch" refForName="accent_1" fact="1.8"/>
+                <dgm:constr type="primFontSz" for="ch" ptType="node" op="equ" val="65"/>
+              </dgm:constrLst>
+            </dgm:if>
+            <dgm:if name="Name15" axis="ch" ptType="node" func="cnt" op="equ" val="2">
+              <dgm:constrLst>
+                <dgm:constr type="h" for="ch" forName="cycle" refType="h"/>
+                <dgm:constr type="w" for="ch" forName="cycle" refType="h" refFor="ch" refForName="cycle" fact="0.26"/>
+                <dgm:constr type="r" for="ch" forName="cycle" refType="w"/>
+                <dgm:constr type="ctrY" for="ch" forName="cycle" refType="h" fact="0.5"/>
+                <dgm:constr type="diam" for="ch" forName="cycle" refType="h" fact="1.344"/>
+                <dgm:constr type="h" for="ch" forName="accent_1" refType="h" fact="0.3571"/>
+                <dgm:constr type="w" for="ch" forName="accent_1" refType="h" refFor="ch" refForName="accent_1" op="equ"/>
+                <dgm:constr type="ctrY" for="ch" forName="accent_1" refType="h" fact="0.2857"/>
+                <dgm:constr type="ctrX" for="ch" forName="accent_1" refType="w"/>
+                <dgm:constr type="ctrXOff" for="ch" forName="accent_1" refType="h" fact="-0.1891"/>
+                <dgm:constr type="r" for="ch" forName="text_1" refType="ctrX" refFor="ch" refForName="accent_1"/>
+                <dgm:constr type="rOff" for="ch" forName="text_1" refType="ctrXOff" refFor="ch" refForName="accent_1"/>
+                <dgm:constr type="l" for="ch" forName="text_1"/>
+                <dgm:constr type="w" for="ch" forName="text_1" refType="h" refFor="ch" refForName="text_1" op="gte"/>
+                <dgm:constr type="h" for="ch" forName="text_1" refType="h" refFor="ch" refForName="accent_1" fact="0.8"/>
+                <dgm:constr type="ctrY" for="ch" forName="text_1" refType="ctrY" refFor="ch" refForName="accent_1"/>
+                <dgm:constr type="rMarg" for="ch" forName="text_1" refType="w" refFor="ch" refForName="accent_1" fact="1.8"/>
+                <dgm:constr type="h" for="ch" forName="accent_2" refType="h" fact="0.3571"/>
+                <dgm:constr type="w" for="ch" forName="accent_2" refType="h" refFor="ch" refForName="accent_2" op="equ"/>
+                <dgm:constr type="ctrY" for="ch" forName="accent_2" refType="h" fact="0.7143"/>
+                <dgm:constr type="ctrX" for="ch" forName="accent_2" refType="w"/>
+                <dgm:constr type="ctrXOff" for="ch" forName="accent_2" refType="h" fact="-0.1891"/>
+                <dgm:constr type="r" for="ch" forName="text_2" refType="ctrX" refFor="ch" refForName="accent_2"/>
+                <dgm:constr type="rOff" for="ch" forName="text_2" refType="ctrXOff" refFor="ch" refForName="accent_2"/>
+                <dgm:constr type="l" for="ch" forName="text_2"/>
+                <dgm:constr type="w" for="ch" forName="text_2" refType="h" refFor="ch" refForName="text_2" op="gte"/>
+                <dgm:constr type="h" for="ch" forName="text_2" refType="h" refFor="ch" refForName="accent_2" fact="0.8"/>
+                <dgm:constr type="ctrY" for="ch" forName="text_2" refType="ctrY" refFor="ch" refForName="accent_2"/>
+                <dgm:constr type="rMarg" for="ch" forName="text_2" refType="w" refFor="ch" refForName="accent_2" fact="1.8"/>
+                <dgm:constr type="primFontSz" for="ch" ptType="node" op="equ" val="65"/>
+              </dgm:constrLst>
+            </dgm:if>
+            <dgm:if name="Name16" axis="ch" ptType="node" func="cnt" op="equ" val="3">
+              <dgm:constrLst>
+                <dgm:constr type="h" for="ch" forName="cycle" refType="h"/>
+                <dgm:constr type="w" for="ch" forName="cycle" refType="h" refFor="ch" refForName="cycle" fact="0.26"/>
+                <dgm:constr type="r" for="ch" forName="cycle" refType="w"/>
+                <dgm:constr type="ctrY" for="ch" forName="cycle" refType="h" fact="0.5"/>
+                <dgm:constr type="diam" for="ch" forName="cycle" refType="h" fact="1.344"/>
+                <dgm:constr type="h" for="ch" forName="accent_1" refType="h" fact="0.25"/>
+                <dgm:constr type="w" for="ch" forName="accent_1" refType="h" refFor="ch" refForName="accent_1" op="equ"/>
+                <dgm:constr type="ctrY" for="ch" forName="accent_1" refType="h" fact="0.2"/>
+                <dgm:constr type="ctrX" for="ch" forName="accent_1" refType="w"/>
+                <dgm:constr type="ctrXOff" for="ch" forName="accent_1" refType="h" fact="-0.1526"/>
+                <dgm:constr type="r" for="ch" forName="text_1" refType="ctrX" refFor="ch" refForName="accent_1"/>
+                <dgm:constr type="rOff" for="ch" forName="text_1" refType="ctrXOff" refFor="ch" refForName="accent_1"/>
+                <dgm:constr type="l" for="ch" forName="text_1"/>
+                <dgm:constr type="w" for="ch" forName="text_1" refType="h" refFor="ch" refForName="text_1" op="gte"/>
+                <dgm:constr type="h" for="ch" forName="text_1" refType="h" refFor="ch" refForName="accent_1" fact="0.8"/>
+                <dgm:constr type="ctrY" for="ch" forName="text_1" refType="ctrY" refFor="ch" refForName="accent_1"/>
+                <dgm:constr type="rMarg" for="ch" forName="text_1" refType="w" refFor="ch" refForName="accent_1" fact="1.8"/>
+                <dgm:constr type="h" for="ch" forName="accent_2" refType="h" fact="0.25"/>
+                <dgm:constr type="w" for="ch" forName="accent_2" refType="h" refFor="ch" refForName="accent_2" op="equ"/>
+                <dgm:constr type="ctrY" for="ch" forName="accent_2" refType="h" fact="0.5"/>
+                <dgm:constr type="ctrX" for="ch" forName="accent_2" refType="w"/>
+                <dgm:constr type="ctrXOff" for="ch" forName="accent_2" refType="h" fact="-0.2253"/>
+                <dgm:constr type="r" for="ch" forName="text_2" refType="ctrX" refFor="ch" refForName="accent_2"/>
+                <dgm:constr type="rOff" for="ch" forName="text_2" refType="ctrXOff" refFor="ch" refForName="accent_2"/>
+                <dgm:constr type="l" for="ch" forName="text_2"/>
+                <dgm:constr type="w" for="ch" forName="text_2" refType="h" refFor="ch" refForName="text_2" op="gte"/>
+                <dgm:constr type="h" for="ch" forName="text_2" refType="h" refFor="ch" refForName="accent_2" fact="0.8"/>
+                <dgm:constr type="ctrY" for="ch" forName="text_2" refType="ctrY" refFor="ch" refForName="accent_2"/>
+                <dgm:constr type="rMarg" for="ch" forName="text_2" refType="w" refFor="ch" refForName="accent_2" fact="1.8"/>
+                <dgm:constr type="h" for="ch" forName="accent_3" refType="h" fact="0.25"/>
+                <dgm:constr type="w" for="ch" forName="accent_3" refType="h" refFor="ch" refForName="accent_3" op="equ"/>
+                <dgm:constr type="ctrY" for="ch" forName="accent_3" refType="h" fact="0.8"/>
+                <dgm:constr type="ctrX" for="ch" forName="accent_3" refType="w"/>
+                <dgm:constr type="ctrXOff" for="ch" forName="accent_3" refType="h" fact="-0.1526"/>
+                <dgm:constr type="r" for="ch" forName="text_3" refType="ctrX" refFor="ch" refForName="accent_3"/>
+                <dgm:constr type="rOff" for="ch" forName="text_3" refType="ctrXOff" refFor="ch" refForName="accent_3"/>
+                <dgm:constr type="l" for="ch" forName="text_3"/>
+                <dgm:constr type="w" for="ch" forName="text_3" refType="h" refFor="ch" refForName="text_3" op="gte"/>
+                <dgm:constr type="h" for="ch" forName="text_3" refType="h" refFor="ch" refForName="accent_3" fact="0.8"/>
+                <dgm:constr type="ctrY" for="ch" forName="text_3" refType="ctrY" refFor="ch" refForName="accent_3"/>
+                <dgm:constr type="rMarg" for="ch" forName="text_3" refType="w" refFor="ch" refForName="accent_3" fact="1.8"/>
+                <dgm:constr type="primFontSz" for="ch" ptType="node" op="equ" val="65"/>
+              </dgm:constrLst>
+            </dgm:if>
+            <dgm:if name="Name17" axis="ch" ptType="node" func="cnt" op="equ" val="4">
+              <dgm:constrLst>
+                <dgm:constr type="h" for="ch" forName="cycle" refType="h"/>
+                <dgm:constr type="w" for="ch" forName="cycle" refType="h" refFor="ch" refForName="cycle" fact="0.26"/>
+                <dgm:constr type="r" for="ch" forName="cycle" refType="w"/>
+                <dgm:constr type="ctrY" for="ch" forName="cycle" refType="h" fact="0.5"/>
+                <dgm:constr type="diam" for="ch" forName="cycle" refType="h" fact="1.344"/>
+                <dgm:constr type="h" for="ch" forName="accent_1" refType="h" fact="0.1923"/>
+                <dgm:constr type="w" for="ch" forName="accent_1" refType="h" refFor="ch" refForName="accent_1" op="equ"/>
+                <dgm:constr type="ctrY" for="ch" forName="accent_1" refType="h" fact="0.1538"/>
+                <dgm:constr type="ctrX" for="ch" forName="accent_1" refType="w"/>
+                <dgm:constr type="ctrXOff" for="ch" forName="accent_1" refType="h" fact="-0.1268"/>
+                <dgm:constr type="r" for="ch" forName="text_1" refType="ctrX" refFor="ch" refForName="accent_1"/>
+                <dgm:constr type="rOff" for="ch" forName="text_1" refType="ctrXOff" refFor="ch" refForName="accent_1"/>
+                <dgm:constr type="l" for="ch" forName="text_1"/>
+                <dgm:constr type="w" for="ch" forName="text_1" refType="h" refFor="ch" refForName="text_1" op="gte"/>
+                <dgm:constr type="h" for="ch" forName="text_1" refType="h" refFor="ch" refForName="accent_1" fact="0.8"/>
+                <dgm:constr type="ctrY" for="ch" forName="text_1" refType="ctrY" refFor="ch" refForName="accent_1"/>
+                <dgm:constr type="rMarg" for="ch" forName="text_1" refType="w" refFor="ch" refForName="accent_1" fact="1.8"/>
+                <dgm:constr type="h" for="ch" forName="accent_2" refType="h" fact="0.1923"/>
+                <dgm:constr type="w" for="ch" forName="accent_2" refType="h" refFor="ch" refForName="accent_2" op="equ"/>
+                <dgm:constr type="ctrY" for="ch" forName="accent_2" refType="h" fact="0.3846"/>
+                <dgm:constr type="ctrX" for="ch" forName="accent_2" refType="w"/>
+                <dgm:constr type="ctrXOff" for="ch" forName="accent_2" refType="h" fact="-0.215"/>
+                <dgm:constr type="r" for="ch" forName="text_2" refType="ctrX" refFor="ch" refForName="accent_2"/>
+                <dgm:constr type="rOff" for="ch" forName="text_2" refType="ctrXOff" refFor="ch" refForName="accent_2"/>
+                <dgm:constr type="l" for="ch" forName="text_2"/>
+                <dgm:constr type="w" for="ch" forName="text_2" refType="h" refFor="ch" refForName="text_2" op="gte"/>
+                <dgm:constr type="h" for="ch" forName="text_2" refType="h" refFor="ch" refForName="accent_2" fact="0.8"/>
+                <dgm:constr type="ctrY" for="ch" forName="text_2" refType="ctrY" refFor="ch" refForName="accent_2"/>
+                <dgm:constr type="rMarg" for="ch" forName="text_2" refType="w" refFor="ch" refForName="accent_2" fact="1.8"/>
+                <dgm:constr type="h" for="ch" forName="accent_3" refType="h" fact="0.1923"/>
+                <dgm:constr type="w" for="ch" forName="accent_3" refType="h" refFor="ch" refForName="accent_3" op="equ"/>
+                <dgm:constr type="ctrY" for="ch" forName="accent_3" refType="h" fact="0.6154"/>
+                <dgm:constr type="ctrX" for="ch" forName="accent_3" refType="w"/>
+                <dgm:constr type="ctrXOff" for="ch" forName="accent_3" refType="h" fact="-0.215"/>
+                <dgm:constr type="r" for="ch" forName="text_3" refType="ctrX" refFor="ch" refForName="accent_3"/>
+                <dgm:constr type="rOff" for="ch" forName="text_3" refType="ctrXOff" refFor="ch" refForName="accent_3"/>
+                <dgm:constr type="l" for="ch" forName="text_3"/>
+                <dgm:constr type="w" for="ch" forName="text_3" refType="h" refFor="ch" refForName="text_3" op="gte"/>
+                <dgm:constr type="h" for="ch" forName="text_3" refType="h" refFor="ch" refForName="accent_3" fact="0.8"/>
+                <dgm:constr type="ctrY" for="ch" forName="text_3" refType="ctrY" refFor="ch" refForName="accent_3"/>
+                <dgm:constr type="rMarg" for="ch" forName="text_3" refType="w" refFor="ch" refForName="accent_3" fact="1.8"/>
+                <dgm:constr type="h" for="ch" forName="accent_4" refType="h" fact="0.1923"/>
+                <dgm:constr type="w" for="ch" forName="accent_4" refType="h" refFor="ch" refForName="accent_4" op="equ"/>
+                <dgm:constr type="ctrY" for="ch" forName="accent_4" refType="h" fact="0.8462"/>
+                <dgm:constr type="ctrX" for="ch" forName="accent_4" refType="w"/>
+                <dgm:constr type="ctrXOff" for="ch" forName="accent_4" refType="h" fact="-0.1268"/>
+                <dgm:constr type="r" for="ch" forName="text_4" refType="ctrX" refFor="ch" refForName="accent_4"/>
+                <dgm:constr type="rOff" for="ch" forName="text_4" refType="ctrXOff" refFor="ch" refForName="accent_4"/>
+                <dgm:constr type="l" for="ch" forName="text_4"/>
+                <dgm:constr type="w" for="ch" forName="text_4" refType="h" refFor="ch" refForName="text_4" op="gte"/>
+                <dgm:constr type="h" for="ch" forName="text_4" refType="h" refFor="ch" refForName="accent_4" fact="0.8"/>
+                <dgm:constr type="ctrY" for="ch" forName="text_4" refType="ctrY" refFor="ch" refForName="accent_4"/>
+                <dgm:constr type="rMarg" for="ch" forName="text_4" refType="w" refFor="ch" refForName="accent_4" fact="1.8"/>
+                <dgm:constr type="primFontSz" for="ch" ptType="node" op="equ" val="65"/>
+              </dgm:constrLst>
+            </dgm:if>
+            <dgm:if name="Name18" axis="ch" ptType="node" func="cnt" op="equ" val="5">
+              <dgm:constrLst>
+                <dgm:constr type="h" for="ch" forName="cycle" refType="h"/>
+                <dgm:constr type="w" for="ch" forName="cycle" refType="h" refFor="ch" refForName="cycle" fact="0.26"/>
+                <dgm:constr type="r" for="ch" forName="cycle" refType="w"/>
+                <dgm:constr type="ctrY" for="ch" forName="cycle" refType="h" fact="0.5"/>
+                <dgm:constr type="diam" for="ch" forName="cycle" refType="h" fact="1.344"/>
+                <dgm:constr type="h" for="ch" forName="accent_1" refType="h" fact="0.1563"/>
+                <dgm:constr type="w" for="ch" forName="accent_1" refType="h" refFor="ch" refForName="accent_1" op="equ"/>
+                <dgm:constr type="ctrY" for="ch" forName="accent_1" refType="h" fact="0.125"/>
+                <dgm:constr type="ctrX" for="ch" forName="accent_1" refType="w"/>
+                <dgm:constr type="ctrXOff" for="ch" forName="accent_1" refType="h" fact="-0.1082"/>
+                <dgm:constr type="r" for="ch" forName="text_1" refType="ctrX" refFor="ch" refForName="accent_1"/>
+                <dgm:constr type="rOff" for="ch" forName="text_1" refType="ctrXOff" refFor="ch" refForName="accent_1"/>
+                <dgm:constr type="l" for="ch" forName="text_1"/>
+                <dgm:constr type="w" for="ch" forName="text_1" refType="h" refFor="ch" refForName="text_1" op="gte"/>
+                <dgm:constr type="h" for="ch" forName="text_1" refType="h" refFor="ch" refForName="accent_1" fact="0.8"/>
+                <dgm:constr type="ctrY" for="ch" forName="text_1" refType="ctrY" refFor="ch" refForName="accent_1"/>
+                <dgm:constr type="rMarg" for="ch" forName="text_1" refType="w" refFor="ch" refForName="accent_1" fact="1.8"/>
+                <dgm:constr type="h" for="ch" forName="accent_2" refType="h" fact="0.1563"/>
+                <dgm:constr type="w" for="ch" forName="accent_2" refType="h" refFor="ch" refForName="accent_2" op="equ"/>
+                <dgm:constr type="ctrY" for="ch" forName="accent_2" refType="h" fact="0.3125"/>
+                <dgm:constr type="ctrX" for="ch" forName="accent_2" refType="w"/>
+                <dgm:constr type="ctrXOff" for="ch" forName="accent_2" refType="h" fact="-0.1978"/>
+                <dgm:constr type="r" for="ch" forName="text_2" refType="ctrX" refFor="ch" refForName="accent_2"/>
+                <dgm:constr type="rOff" for="ch" forName="text_2" refType="ctrXOff" refFor="ch" refForName="accent_2"/>
+                <dgm:constr type="l" for="ch" forName="text_2"/>
+                <dgm:constr type="w" for="ch" forName="text_2" refType="h" refFor="ch" refForName="text_2" op="gte"/>
+                <dgm:constr type="h" for="ch" forName="text_2" refType="h" refFor="ch" refForName="accent_2" fact="0.8"/>
+                <dgm:constr type="ctrY" for="ch" forName="text_2" refType="ctrY" refFor="ch" refForName="accent_2"/>
+                <dgm:constr type="rMarg" for="ch" forName="text_2" refType="w" refFor="ch" refForName="accent_2" fact="1.8"/>
+                <dgm:constr type="h" for="ch" forName="accent_3" refType="h" fact="0.1563"/>
+                <dgm:constr type="w" for="ch" forName="accent_3" refType="h" refFor="ch" refForName="accent_3" op="equ"/>
+                <dgm:constr type="ctrY" for="ch" forName="accent_3" refType="h" fact="0.5"/>
+                <dgm:constr type="ctrX" for="ch" forName="accent_3" refType="w"/>
+                <dgm:constr type="ctrXOff" for="ch" forName="accent_3" refType="h" fact="-0.2253"/>
+                <dgm:constr type="r" for="ch" forName="text_3" refType="ctrX" refFor="ch" refForName="accent_3"/>
+                <dgm:constr type="rOff" for="ch" forName="text_3" refType="ctrXOff" refFor="ch" refForName="accent_3"/>
+                <dgm:constr type="l" for="ch" forName="text_3"/>
+                <dgm:constr type="w" for="ch" forName="text_3" refType="h" refFor="ch" refForName="text_3" op="gte"/>
+                <dgm:constr type="h" for="ch" forName="text_3" refType="h" refFor="ch" refForName="accent_3" fact="0.8"/>
+                <dgm:constr type="ctrY" for="ch" forName="text_3" refType="ctrY" refFor="ch" refForName="accent_3"/>
+                <dgm:constr type="rMarg" for="ch" forName="text_3" refType="w" refFor="ch" refForName="accent_3" fact="1.8"/>
+                <dgm:constr type="h" for="ch" forName="accent_4" refType="h" fact="0.1563"/>
+                <dgm:constr type="w" for="ch" forName="accent_4" refType="h" refFor="ch" refForName="accent_4" op="equ"/>
+                <dgm:constr type="ctrY" for="ch" forName="accent_4" refType="h" fact="0.6875"/>
+                <dgm:constr type="ctrX" for="ch" forName="accent_4" refType="w"/>
+                <dgm:constr type="ctrXOff" for="ch" forName="accent_4" refType="h" fact="-0.1978"/>
+                <dgm:constr type="r" for="ch" forName="text_4" refType="ctrX" refFor="ch" refForName="accent_4"/>
+                <dgm:constr type="rOff" for="ch" forName="text_4" refType="ctrXOff" refFor="ch" refForName="accent_4"/>
+                <dgm:constr type="l" for="ch" forName="text_4"/>
+                <dgm:constr type="w" for="ch" forName="text_4" refType="h" refFor="ch" refForName="text_4" op="gte"/>
+                <dgm:constr type="h" for="ch" forName="text_4" refType="h" refFor="ch" refForName="accent_4" fact="0.8"/>
+                <dgm:constr type="ctrY" for="ch" forName="text_4" refType="ctrY" refFor="ch" refForName="accent_4"/>
+                <dgm:constr type="rMarg" for="ch" forName="text_4" refType="w" refFor="ch" refForName="accent_4" fact="1.8"/>
+                <dgm:constr type="h" for="ch" forName="accent_5" refType="h" fact="0.1563"/>
+                <dgm:constr type="w" for="ch" forName="accent_5" refType="h" refFor="ch" refForName="accent_5" op="equ"/>
+                <dgm:constr type="ctrY" for="ch" forName="accent_5" refType="h" fact="0.875"/>
+                <dgm:constr type="ctrX" for="ch" forName="accent_5" refType="w"/>
+                <dgm:constr type="ctrXOff" for="ch" forName="accent_5" refType="h" fact="-0.1082"/>
+                <dgm:constr type="r" for="ch" forName="text_5" refType="ctrX" refFor="ch" refForName="accent_5"/>
+                <dgm:constr type="rOff" for="ch" forName="text_5" refType="ctrXOff" refFor="ch" refForName="accent_5"/>
+                <dgm:constr type="l" for="ch" forName="text_5"/>
+                <dgm:constr type="w" for="ch" forName="text_5" refType="h" refFor="ch" refForName="text_5" op="gte"/>
+                <dgm:constr type="h" for="ch" forName="text_5" refType="h" refFor="ch" refForName="accent_5" fact="0.8"/>
+                <dgm:constr type="ctrY" for="ch" forName="text_5" refType="ctrY" refFor="ch" refForName="accent_5"/>
+                <dgm:constr type="rMarg" for="ch" forName="text_5" refType="w" refFor="ch" refForName="accent_5" fact="1.8"/>
+                <dgm:constr type="primFontSz" for="ch" ptType="node" op="equ" val="65"/>
+              </dgm:constrLst>
+            </dgm:if>
+            <dgm:if name="Name19" axis="ch" ptType="node" func="cnt" op="equ" val="6">
+              <dgm:constrLst>
+                <dgm:constr type="h" for="ch" forName="cycle" refType="h"/>
+                <dgm:constr type="w" for="ch" forName="cycle" refType="h" refFor="ch" refForName="cycle" fact="0.26"/>
+                <dgm:constr type="r" for="ch" forName="cycle" refType="w"/>
+                <dgm:constr type="ctrY" for="ch" forName="cycle" refType="h" fact="0.5"/>
+                <dgm:constr type="diam" for="ch" forName="cycle" refType="h" fact="1.344"/>
+                <dgm:constr type="h" for="ch" forName="accent_1" refType="h" fact="0.1316"/>
+                <dgm:constr type="w" for="ch" forName="accent_1" refType="h" refFor="ch" refForName="accent_1" op="equ"/>
+                <dgm:constr type="ctrY" for="ch" forName="accent_1" refType="h" fact="0.1053"/>
+                <dgm:constr type="ctrX" for="ch" forName="accent_1" refType="w"/>
+                <dgm:constr type="ctrXOff" for="ch" forName="accent_1" refType="h" fact="-0.0943"/>
+                <dgm:constr type="r" for="ch" forName="text_1" refType="ctrX" refFor="ch" refForName="accent_1"/>
+                <dgm:constr type="rOff" for="ch" forName="text_1" refType="ctrXOff" refFor="ch" refForName="accent_1"/>
+                <dgm:constr type="l" for="ch" forName="text_1"/>
+                <dgm:constr type="w" for="ch" forName="text_1" refType="h" refFor="ch" refForName="text_1" op="gte"/>
+                <dgm:constr type="h" for="ch" forName="text_1" refType="h" refFor="ch" refForName="accent_1" fact="0.8"/>
+                <dgm:constr type="ctrY" for="ch" forName="text_1" refType="ctrY" refFor="ch" refForName="accent_1"/>
+                <dgm:constr type="rMarg" for="ch" forName="text_1" refType="w" refFor="ch" refForName="accent_1" fact="1.8"/>
+                <dgm:constr type="h" for="ch" forName="accent_2" refType="h" fact="0.1316"/>
+                <dgm:constr type="w" for="ch" forName="accent_2" refType="h" refFor="ch" refForName="accent_2" op="equ"/>
+                <dgm:constr type="ctrY" for="ch" forName="accent_2" refType="h" fact="0.2632"/>
+                <dgm:constr type="ctrX" for="ch" forName="accent_2" refType="w"/>
+                <dgm:constr type="ctrXOff" for="ch" forName="accent_2" refType="h" fact="-0.1809"/>
+                <dgm:constr type="r" for="ch" forName="text_2" refType="ctrX" refFor="ch" refForName="accent_2"/>
+                <dgm:constr type="rOff" for="ch" forName="text_2" refType="ctrXOff" refFor="ch" refForName="accent_2"/>
+                <dgm:constr type="l" for="ch" forName="text_2"/>
+                <dgm:constr type="w" for="ch" forName="text_2" refType="h" refFor="ch" refForName="text_2" op="gte"/>
+                <dgm:constr type="h" for="ch" forName="text_2" refType="h" refFor="ch" refForName="accent_2" fact="0.8"/>
+                <dgm:constr type="ctrY" for="ch" forName="text_2" refType="ctrY" refFor="ch" refForName="accent_2"/>
+                <dgm:constr type="rMarg" for="ch" forName="text_2" refType="w" refFor="ch" refForName="accent_2" fact="1.8"/>
+                <dgm:constr type="h" for="ch" forName="accent_3" refType="h" fact="0.1316"/>
+                <dgm:constr type="w" for="ch" forName="accent_3" refType="h" refFor="ch" refForName="accent_3" op="equ"/>
+                <dgm:constr type="ctrY" for="ch" forName="accent_3" refType="h" fact="0.4211"/>
+                <dgm:constr type="ctrX" for="ch" forName="accent_3" refType="w"/>
+                <dgm:constr type="ctrXOff" for="ch" forName="accent_3" refType="h" fact="-0.2205"/>
+                <dgm:constr type="r" for="ch" forName="text_3" refType="ctrX" refFor="ch" refForName="accent_3"/>
+                <dgm:constr type="rOff" for="ch" forName="text_3" refType="ctrXOff" refFor="ch" refForName="accent_3"/>
+                <dgm:constr type="l" for="ch" forName="text_3"/>
+                <dgm:constr type="w" for="ch" forName="text_3" refType="h" refFor="ch" refForName="text_3" op="gte"/>
+                <dgm:constr type="h" for="ch" forName="text_3" refType="h" refFor="ch" refForName="accent_3" fact="0.8"/>
+                <dgm:constr type="ctrY" for="ch" forName="text_3" refType="ctrY" refFor="ch" refForName="accent_3"/>
+                <dgm:constr type="rMarg" for="ch" forName="text_3" refType="w" refFor="ch" refForName="accent_3" fact="1.8"/>
+                <dgm:constr type="h" for="ch" forName="accent_4" refType="h" fact="0.1316"/>
+                <dgm:constr type="w" for="ch" forName="accent_4" refType="h" refFor="ch" refForName="accent_4" op="equ"/>
+                <dgm:constr type="ctrY" for="ch" forName="accent_4" refType="h" fact="0.5789"/>
+                <dgm:constr type="ctrX" for="ch" forName="accent_4" refType="w"/>
+                <dgm:constr type="ctrXOff" for="ch" forName="accent_4" refType="h" fact="-0.2205"/>
+                <dgm:constr type="r" for="ch" forName="text_4" refType="ctrX" refFor="ch" refForName="accent_4"/>
+                <dgm:constr type="rOff" for="ch" forName="text_4" refType="ctrXOff" refFor="ch" refForName="accent_4"/>
+                <dgm:constr type="l" for="ch" forName="text_4"/>
+                <dgm:constr type="w" for="ch" forName="text_4" refType="h" refFor="ch" refForName="text_4" op="gte"/>
+                <dgm:constr type="h" for="ch" forName="text_4" refType="h" refFor="ch" refForName="accent_4" fact="0.8"/>
+                <dgm:constr type="ctrY" for="ch" forName="text_4" refType="ctrY" refFor="ch" refForName="accent_4"/>
+                <dgm:constr type="rMarg" for="ch" forName="text_4" refType="w" refFor="ch" refForName="accent_4" fact="1.8"/>
+                <dgm:constr type="h" for="ch" forName="accent_5" refType="h" fact="0.1316"/>
+                <dgm:constr type="w" for="ch" forName="accent_5" refType="h" refFor="ch" refForName="accent_5" op="equ"/>
+                <dgm:constr type="ctrY" for="ch" forName="accent_5" refType="h" fact="0.7368"/>
+                <dgm:constr type="ctrX" for="ch" forName="accent_5" refType="w"/>
+                <dgm:constr type="ctrXOff" for="ch" forName="accent_5" refType="h" fact="-0.1809"/>
+                <dgm:constr type="r" for="ch" forName="text_5" refType="ctrX" refFor="ch" refForName="accent_5"/>
+                <dgm:constr type="rOff" for="ch" forName="text_5" refType="ctrXOff" refFor="ch" refForName="accent_5"/>
+                <dgm:constr type="l" for="ch" forName="text_5"/>
+                <dgm:constr type="w" for="ch" forName="text_5" refType="h" refFor="ch" refForName="text_5" op="gte"/>
+                <dgm:constr type="h" for="ch" forName="text_5" refType="h" refFor="ch" refForName="accent_5" fact="0.8"/>
+                <dgm:constr type="ctrY" for="ch" forName="text_5" refType="ctrY" refFor="ch" refForName="accent_5"/>
+                <dgm:constr type="rMarg" for="ch" forName="text_5" refType="w" refFor="ch" refForName="accent_5" fact="1.8"/>
+                <dgm:constr type="h" for="ch" forName="accent_6" refType="h" fact="0.1316"/>
+                <dgm:constr type="w" for="ch" forName="accent_6" refType="h" refFor="ch" refForName="accent_6" op="equ"/>
+                <dgm:constr type="ctrY" for="ch" forName="accent_6" refType="h" fact="0.8947"/>
+                <dgm:constr type="ctrX" for="ch" forName="accent_6" refType="w"/>
+                <dgm:constr type="ctrXOff" for="ch" forName="accent_6" refType="h" fact="-0.0943"/>
+                <dgm:constr type="r" for="ch" forName="text_6" refType="ctrX" refFor="ch" refForName="accent_6"/>
+                <dgm:constr type="rOff" for="ch" forName="text_6" refType="ctrXOff" refFor="ch" refForName="accent_6"/>
+                <dgm:constr type="l" for="ch" forName="text_6"/>
+                <dgm:constr type="w" for="ch" forName="text_6" refType="h" refFor="ch" refForName="text_6" op="gte"/>
+                <dgm:constr type="h" for="ch" forName="text_6" refType="h" refFor="ch" refForName="accent_6" fact="0.8"/>
+                <dgm:constr type="ctrY" for="ch" forName="text_6" refType="ctrY" refFor="ch" refForName="accent_6"/>
+                <dgm:constr type="rMarg" for="ch" forName="text_6" refType="w" refFor="ch" refForName="accent_6" fact="1.8"/>
+                <dgm:constr type="primFontSz" for="ch" ptType="node" op="equ" val="65"/>
+              </dgm:constrLst>
+            </dgm:if>
+            <dgm:else name="Name20">
+              <dgm:constrLst>
+                <dgm:constr type="h" for="ch" forName="cycle" refType="h"/>
+                <dgm:constr type="w" for="ch" forName="cycle" refType="h" refFor="ch" refForName="cycle" fact="0.26"/>
+                <dgm:constr type="r" for="ch" forName="cycle" refType="w"/>
+                <dgm:constr type="ctrY" for="ch" forName="cycle" refType="h" fact="0.5"/>
+                <dgm:constr type="diam" for="ch" forName="cycle" refType="h" fact="1.344"/>
+                <dgm:constr type="h" for="ch" forName="accent_1" refType="h" fact="0.1136"/>
+                <dgm:constr type="w" for="ch" forName="accent_1" refType="h" refFor="ch" refForName="accent_1" op="equ"/>
+                <dgm:constr type="ctrY" for="ch" forName="accent_1" refType="h" fact="0.0909"/>
+                <dgm:constr type="ctrX" for="ch" forName="accent_1" refType="w"/>
+                <dgm:constr type="ctrXOff" for="ch" forName="accent_1" refType="h" fact="-0.0835"/>
+                <dgm:constr type="r" for="ch" forName="text_1" refType="ctrX" refFor="ch" refForName="accent_1"/>
+                <dgm:constr type="rOff" for="ch" forName="text_1" refType="ctrXOff" refFor="ch" refForName="accent_1"/>
+                <dgm:constr type="l" for="ch" forName="text_1"/>
+                <dgm:constr type="w" for="ch" forName="text_1" refType="h" refFor="ch" refForName="text_1" op="gte"/>
+                <dgm:constr type="h" for="ch" forName="text_1" refType="h" refFor="ch" refForName="accent_1" fact="0.8"/>
+                <dgm:constr type="ctrY" for="ch" forName="text_1" refType="ctrY" refFor="ch" refForName="accent_1"/>
+                <dgm:constr type="rMarg" for="ch" forName="text_1" refType="w" refFor="ch" refForName="accent_1" fact="1.8"/>
+                <dgm:constr type="h" for="ch" forName="accent_2" refType="h" fact="0.1136"/>
+                <dgm:constr type="w" for="ch" forName="accent_2" refType="h" refFor="ch" refForName="accent_2" op="equ"/>
+                <dgm:constr type="ctrY" for="ch" forName="accent_2" refType="h" fact="0.2273"/>
+                <dgm:constr type="ctrX" for="ch" forName="accent_2" refType="w"/>
+                <dgm:constr type="ctrXOff" for="ch" forName="accent_2" refType="h" fact="-0.1658"/>
+                <dgm:constr type="r" for="ch" forName="text_2" refType="ctrX" refFor="ch" refForName="accent_2"/>
+                <dgm:constr type="rOff" for="ch" forName="text_2" refType="ctrXOff" refFor="ch" refForName="accent_2"/>
+                <dgm:constr type="l" for="ch" forName="text_2"/>
+                <dgm:constr type="w" for="ch" forName="text_2" refType="h" refFor="ch" refForName="text_2" op="gte"/>
+                <dgm:constr type="h" for="ch" forName="text_2" refType="h" refFor="ch" refForName="accent_2" fact="0.8"/>
+                <dgm:constr type="ctrY" for="ch" forName="text_2" refType="ctrY" refFor="ch" refForName="accent_2"/>
+                <dgm:constr type="rMarg" for="ch" forName="text_2" refType="w" refFor="ch" refForName="accent_2" fact="1.8"/>
+                <dgm:constr type="h" for="ch" forName="accent_3" refType="h" fact="0.1136"/>
+                <dgm:constr type="w" for="ch" forName="accent_3" refType="h" refFor="ch" refForName="accent_3" op="equ"/>
+                <dgm:constr type="ctrY" for="ch" forName="accent_3" refType="h" fact="0.3636"/>
+                <dgm:constr type="ctrX" for="ch" forName="accent_3" refType="w"/>
+                <dgm:constr type="ctrXOff" for="ch" forName="accent_3" refType="h" fact="-0.2109"/>
+                <dgm:constr type="r" for="ch" forName="text_3" refType="ctrX" refFor="ch" refForName="accent_3"/>
+                <dgm:constr type="rOff" for="ch" forName="text_3" refType="ctrXOff" refFor="ch" refForName="accent_3"/>
+                <dgm:constr type="l" for="ch" forName="text_3"/>
+                <dgm:constr type="w" for="ch" forName="text_3" refType="h" refFor="ch" refForName="text_3" op="gte"/>
+                <dgm:constr type="h" for="ch" forName="text_3" refType="h" refFor="ch" refForName="accent_3" fact="0.8"/>
+                <dgm:constr type="ctrY" for="ch" forName="text_3" refType="ctrY" refFor="ch" refForName="accent_3"/>
+                <dgm:constr type="rMarg" for="ch" forName="text_3" refType="w" refFor="ch" refForName="accent_3" fact="1.8"/>
+                <dgm:constr type="h" for="ch" forName="accent_4" refType="h" fact="0.1136"/>
+                <dgm:constr type="w" for="ch" forName="accent_4" refType="h" refFor="ch" refForName="accent_4" op="equ"/>
+                <dgm:constr type="ctrY" for="ch" forName="accent_4" refType="h" fact="0.5"/>
+                <dgm:constr type="ctrX" for="ch" forName="accent_4" refType="w"/>
+                <dgm:constr type="ctrXOff" for="ch" forName="accent_4" refType="h" fact="-0.2253"/>
+                <dgm:constr type="r" for="ch" forName="text_4" refType="ctrX" refFor="ch" refForName="accent_4"/>
+                <dgm:constr type="rOff" for="ch" forName="text_4" refType="ctrXOff" refFor="ch" refForName="accent_4"/>
+                <dgm:constr type="l" for="ch" forName="text_4"/>
+                <dgm:constr type="w" for="ch" forName="text_4" refType="h" refFor="ch" refForName="text_4" op="gte"/>
+                <dgm:constr type="h" for="ch" forName="text_4" refType="h" refFor="ch" refForName="accent_4" fact="0.8"/>
+                <dgm:constr type="ctrY" for="ch" forName="text_4" refType="ctrY" refFor="ch" refForName="accent_4"/>
+                <dgm:constr type="rMarg" for="ch" forName="text_4" refType="w" refFor="ch" refForName="accent_4" fact="1.8"/>
+                <dgm:constr type="h" for="ch" forName="accent_5" refType="h" fact="0.1136"/>
+                <dgm:constr type="w" for="ch" forName="accent_5" refType="h" refFor="ch" refForName="accent_5" op="equ"/>
+                <dgm:constr type="ctrY" for="ch" forName="accent_5" refType="h" fact="0.6364"/>
+                <dgm:constr type="ctrX" for="ch" forName="accent_5" refType="w"/>
+                <dgm:constr type="ctrXOff" for="ch" forName="accent_5" refType="h" fact="-0.2109"/>
+                <dgm:constr type="r" for="ch" forName="text_5" refType="ctrX" refFor="ch" refForName="accent_5"/>
+                <dgm:constr type="rOff" for="ch" forName="text_5" refType="ctrXOff" refFor="ch" refForName="accent_5"/>
+                <dgm:constr type="l" for="ch" forName="text_5"/>
+                <dgm:constr type="w" for="ch" forName="text_5" refType="h" refFor="ch" refForName="text_5" op="gte"/>
+                <dgm:constr type="h" for="ch" forName="text_5" refType="h" refFor="ch" refForName="accent_5" fact="0.8"/>
+                <dgm:constr type="ctrY" for="ch" forName="text_5" refType="ctrY" refFor="ch" refForName="accent_5"/>
+                <dgm:constr type="rMarg" for="ch" forName="text_5" refType="w" refFor="ch" refForName="accent_5" fact="1.8"/>
+                <dgm:constr type="h" for="ch" forName="accent_6" refType="h" fact="0.1136"/>
+                <dgm:constr type="w" for="ch" forName="accent_6" refType="h" refFor="ch" refForName="accent_6" op="equ"/>
+                <dgm:constr type="ctrY" for="ch" forName="accent_6" refType="h" fact="0.7727"/>
+                <dgm:constr type="ctrX" for="ch" forName="accent_6" refType="w"/>
+                <dgm:constr type="ctrXOff" for="ch" forName="accent_6" refType="h" fact="-0.1658"/>
+                <dgm:constr type="r" for="ch" forName="text_6" refType="ctrX" refFor="ch" refForName="accent_6"/>
+                <dgm:constr type="rOff" for="ch" forName="text_6" refType="ctrXOff" refFor="ch" refForName="accent_6"/>
+                <dgm:constr type="l" for="ch" forName="text_6"/>
+                <dgm:constr type="w" for="ch" forName="text_6" refType="h" refFor="ch" refForName="text_6" op="gte"/>
+                <dgm:constr type="h" for="ch" forName="text_6" refType="h" refFor="ch" refForName="accent_6" fact="0.8"/>
+                <dgm:constr type="ctrY" for="ch" forName="text_6" refType="ctrY" refFor="ch" refForName="accent_6"/>
+                <dgm:constr type="rMarg" for="ch" forName="text_6" refType="w" refFor="ch" refForName="accent_6" fact="1.8"/>
+                <dgm:constr type="h" for="ch" forName="accent_7" refType="h" fact="0.1136"/>
+                <dgm:constr type="w" for="ch" forName="accent_7" refType="h" refFor="ch" refForName="accent_7" op="equ"/>
+                <dgm:constr type="ctrY" for="ch" forName="accent_7" refType="h" fact="0.9091"/>
+                <dgm:constr type="ctrX" for="ch" forName="accent_7" refType="w"/>
+                <dgm:constr type="ctrXOff" for="ch" forName="accent_7" refType="h" fact="-0.0835"/>
+                <dgm:constr type="r" for="ch" forName="text_7" refType="ctrX" refFor="ch" refForName="accent_7"/>
+                <dgm:constr type="rOff" for="ch" forName="text_7" refType="ctrXOff" refFor="ch" refForName="accent_7"/>
+                <dgm:constr type="l" for="ch" forName="text_7"/>
+                <dgm:constr type="w" for="ch" forName="text_7" refType="h" refFor="ch" refForName="text_7" op="gte"/>
+                <dgm:constr type="h" for="ch" forName="text_7" refType="h" refFor="ch" refForName="accent_7" fact="0.8"/>
+                <dgm:constr type="ctrY" for="ch" forName="text_7" refType="ctrY" refFor="ch" refForName="accent_7"/>
+                <dgm:constr type="rMarg" for="ch" forName="text_7" refType="w" refFor="ch" refForName="accent_7" fact="1.8"/>
+                <dgm:constr type="primFontSz" for="ch" ptType="node" op="equ" val="65"/>
+              </dgm:constrLst>
+            </dgm:else>
+          </dgm:choose>
+        </dgm:else>
+      </dgm:choose>
+      <dgm:layoutNode name="cycle">
+        <dgm:choose name="Name21">
+          <dgm:if name="Name22" func="var" arg="dir" op="equ" val="norm">
+            <dgm:alg type="cycle">
+              <dgm:param type="stAng" val="45"/>
+              <dgm:param type="spanAng" val="90"/>
+            </dgm:alg>
+          </dgm:if>
+          <dgm:else name="Name23">
+            <dgm:alg type="cycle">
+              <dgm:param type="stAng" val="225"/>
+              <dgm:param type="spanAng" val="90"/>
+            </dgm:alg>
+          </dgm:else>
+        </dgm:choose>
+        <dgm:shape xmlns:r="http://schemas.openxmlformats.org/officeDocument/2006/relationships" r:blip="">
+          <dgm:adjLst/>
+        </dgm:shape>
+        <dgm:presOf/>
+        <dgm:constrLst>
+          <dgm:constr type="w" for="ch" val="1"/>
+          <dgm:constr type="h" for="ch" val="1"/>
+          <dgm:constr type="diam" for="ch" forName="conn" refType="diam"/>
+        </dgm:constrLst>
+        <dgm:layoutNode name="srcNode">
+          <dgm:alg type="sp"/>
+          <dgm:shape xmlns:r="http://schemas.openxmlformats.org/officeDocument/2006/relationships" type="rect" r:blip="" hideGeom="1">
+            <dgm:adjLst/>
+          </dgm:shape>
+          <dgm:presOf/>
+        </dgm:layoutNode>
+        <dgm:layoutNode name="conn" styleLbl="parChTrans1D2">
+          <dgm:alg type="conn">
+            <dgm:param type="connRout" val="curve"/>
+            <dgm:param type="srcNode" val="srcNode"/>
+            <dgm:param type="dstNode" val="dstNode"/>
+            <dgm:param type="begPts" val="ctr"/>
+            <dgm:param type="endPts" val="ctr"/>
+            <dgm:param type="endSty" val="noArr"/>
+          </dgm:alg>
+          <dgm:shape xmlns:r="http://schemas.openxmlformats.org/officeDocument/2006/relationships" type="conn" r:blip="">
+            <dgm:adjLst/>
+          </dgm:shape>
+          <dgm:presOf axis="desOrSelf" ptType="sibTrans" hideLastTrans="0" st="0" cnt="1"/>
+          <dgm:constrLst>
+            <dgm:constr type="begPad"/>
+            <dgm:constr type="endPad"/>
+          </dgm:constrLst>
+        </dgm:layoutNode>
+        <dgm:layoutNode name="extraNode">
+          <dgm:alg type="sp"/>
+          <dgm:shape xmlns:r="http://schemas.openxmlformats.org/officeDocument/2006/relationships" type="rect" r:blip="" hideGeom="1">
+            <dgm:adjLst/>
+          </dgm:shape>
+          <dgm:presOf/>
+        </dgm:layoutNode>
+        <dgm:layoutNode name="dstNode">
+          <dgm:alg type="sp"/>
+          <dgm:shape xmlns:r="http://schemas.openxmlformats.org/officeDocument/2006/relationships" type="rect" r:blip="" hideGeom="1">
+            <dgm:adjLst/>
+          </dgm:shape>
+          <dgm:presOf/>
+        </dgm:layoutNode>
+      </dgm:layoutNode>
+      <dgm:forEach name="wrapper" axis="self" ptType="parTrans">
+        <dgm:forEach name="wrapper2" axis="self" ptType="sibTrans" st="2">
+          <dgm:forEach name="accentRepeat" axis="self">
+            <dgm:layoutNode name="accentRepeatNode" styleLbl="solidFgAcc1">
+              <dgm:alg type="sp"/>
+              <dgm:shape xmlns:r="http://schemas.openxmlformats.org/officeDocument/2006/relationships" type="ellipse" r:blip="">
+                <dgm:adjLst/>
+              </dgm:shape>
+              <dgm:presOf/>
+            </dgm:layoutNode>
+          </dgm:forEach>
+        </dgm:forEach>
+      </dgm:forEach>
+      <dgm:forEach name="Name24" axis="ch" ptType="node" cnt="1">
+        <dgm:layoutNode name="text_1" styleLbl="node1">
+          <dgm:varLst>
+            <dgm:bulletEnabled val="1"/>
+          </dgm:varLst>
+          <dgm:choose name="Name25">
+            <dgm:if name="Name26" func="var" arg="dir" op="equ" val="norm">
+              <dgm:alg type="tx">
+                <dgm:param type="parTxLTRAlign" val="l"/>
+                <dgm:param type="shpTxLTRAlignCh" val="l"/>
+                <dgm:param type="parTxRTLAlign" val="l"/>
+                <dgm:param type="shpTxRTLAlignCh" val="l"/>
+              </dgm:alg>
+            </dgm:if>
+            <dgm:else name="Name27">
+              <dgm:alg type="tx">
+                <dgm:param type="parTxLTRAlign" val="r"/>
+                <dgm:param type="shpTxLTRAlignCh" val="r"/>
+                <dgm:param type="parTxRTLAlign" val="r"/>
+                <dgm:param type="shpTxRTLAlignCh" val="r"/>
+              </dgm:alg>
+            </dgm:else>
+          </dgm:choose>
+          <dgm:shape xmlns:r="http://schemas.openxmlformats.org/officeDocument/2006/relationships" type="rect" r:blip="">
+            <dgm:adjLst/>
+          </dgm:shape>
+          <dgm:presOf axis="desOrSelf" ptType="node"/>
+          <dgm:constrLst>
+            <dgm:constr type="primFontSz" val="65"/>
+            <dgm:constr type="lMarg" refType="primFontSz" fact="0.2"/>
+            <dgm:constr type="rMarg" refType="primFontSz" fact="0.2"/>
+            <dgm:constr type="tMarg" refType="primFontSz" fact="0.2"/>
+            <dgm:constr type="bMarg" refType="primFontSz" fact="0.2"/>
+          </dgm:constrLst>
+          <dgm:ruleLst>
+            <dgm:rule type="primFontSz" val="5" fact="NaN" max="NaN"/>
+          </dgm:ruleLst>
+        </dgm:layoutNode>
+        <dgm:layoutNode name="accent_1">
+          <dgm:alg type="sp"/>
+          <dgm:shape xmlns:r="http://schemas.openxmlformats.org/officeDocument/2006/relationships" r:blip="">
+            <dgm:adjLst/>
+          </dgm:shape>
+          <dgm:presOf/>
+          <dgm:constrLst/>
+          <dgm:forEach name="Name28" ref="accentRepeat"/>
+        </dgm:layoutNode>
+      </dgm:forEach>
+      <dgm:forEach name="Name29" axis="ch" ptType="node" st="2" cnt="1">
+        <dgm:layoutNode name="text_2" styleLbl="node1">
+          <dgm:varLst>
+            <dgm:bulletEnabled val="1"/>
+          </dgm:varLst>
+          <dgm:choose name="Name30">
+            <dgm:if name="Name31" func="var" arg="dir" op="equ" val="norm">
+              <dgm:alg type="tx">
+                <dgm:param type="parTxLTRAlign" val="l"/>
+                <dgm:param type="shpTxLTRAlignCh" val="l"/>
+                <dgm:param type="parTxRTLAlign" val="l"/>
+                <dgm:param type="shpTxRTLAlignCh" val="l"/>
+              </dgm:alg>
+            </dgm:if>
+            <dgm:else name="Name32">
+              <dgm:alg type="tx">
+                <dgm:param type="parTxLTRAlign" val="r"/>
+                <dgm:param type="shpTxLTRAlignCh" val="r"/>
+                <dgm:param type="parTxRTLAlign" val="r"/>
+                <dgm:param type="shpTxRTLAlignCh" val="r"/>
+              </dgm:alg>
+            </dgm:else>
+          </dgm:choose>
+          <dgm:shape xmlns:r="http://schemas.openxmlformats.org/officeDocument/2006/relationships" type="rect" r:blip="">
+            <dgm:adjLst/>
+          </dgm:shape>
+          <dgm:presOf axis="desOrSelf" ptType="node"/>
+          <dgm:constrLst>
+            <dgm:constr type="primFontSz" val="65"/>
+            <dgm:constr type="lMarg" refType="primFontSz" fact="0.2"/>
+            <dgm:constr type="rMarg" refType="primFontSz" fact="0.2"/>
+            <dgm:constr type="tMarg" refType="primFontSz" fact="0.2"/>
+            <dgm:constr type="bMarg" refType="primFontSz" fact="0.2"/>
+          </dgm:constrLst>
+          <dgm:ruleLst>
+            <dgm:rule type="primFontSz" val="5" fact="NaN" max="NaN"/>
+          </dgm:ruleLst>
+        </dgm:layoutNode>
+        <dgm:layoutNode name="accent_2">
+          <dgm:alg type="sp"/>
+          <dgm:shape xmlns:r="http://schemas.openxmlformats.org/officeDocument/2006/relationships" r:blip="">
+            <dgm:adjLst/>
+          </dgm:shape>
+          <dgm:presOf/>
+          <dgm:constrLst/>
+          <dgm:forEach name="Name33" ref="accentRepeat"/>
+        </dgm:layoutNode>
+      </dgm:forEach>
+      <dgm:forEach name="Name34" axis="ch" ptType="node" st="3" cnt="1">
+        <dgm:layoutNode name="text_3" styleLbl="node1">
+          <dgm:varLst>
+            <dgm:bulletEnabled val="1"/>
+          </dgm:varLst>
+          <dgm:choose name="Name35">
+            <dgm:if name="Name36" func="var" arg="dir" op="equ" val="norm">
+              <dgm:alg type="tx">
+                <dgm:param type="parTxLTRAlign" val="l"/>
+                <dgm:param type="shpTxLTRAlignCh" val="l"/>
+                <dgm:param type="parTxRTLAlign" val="l"/>
+                <dgm:param type="shpTxRTLAlignCh" val="l"/>
+              </dgm:alg>
+            </dgm:if>
+            <dgm:else name="Name37">
+              <dgm:alg type="tx">
+                <dgm:param type="parTxLTRAlign" val="r"/>
+                <dgm:param type="shpTxLTRAlignCh" val="r"/>
+                <dgm:param type="parTxRTLAlign" val="r"/>
+                <dgm:param type="shpTxRTLAlignCh" val="r"/>
+              </dgm:alg>
+            </dgm:else>
+          </dgm:choose>
+          <dgm:shape xmlns:r="http://schemas.openxmlformats.org/officeDocument/2006/relationships" type="rect" r:blip="">
+            <dgm:adjLst/>
+          </dgm:shape>
+          <dgm:presOf axis="desOrSelf" ptType="node"/>
+          <dgm:constrLst>
+            <dgm:constr type="primFontSz" val="65"/>
+            <dgm:constr type="lMarg" refType="primFontSz" fact="0.2"/>
+            <dgm:constr type="rMarg" refType="primFontSz" fact="0.2"/>
+            <dgm:constr type="tMarg" refType="primFontSz" fact="0.2"/>
+            <dgm:constr type="bMarg" refType="primFontSz" fact="0.2"/>
+          </dgm:constrLst>
+          <dgm:ruleLst>
+            <dgm:rule type="primFontSz" val="5" fact="NaN" max="NaN"/>
+          </dgm:ruleLst>
+        </dgm:layoutNode>
+        <dgm:layoutNode name="accent_3">
+          <dgm:alg type="sp"/>
+          <dgm:shape xmlns:r="http://schemas.openxmlformats.org/officeDocument/2006/relationships" r:blip="">
+            <dgm:adjLst/>
+          </dgm:shape>
+          <dgm:presOf/>
+          <dgm:constrLst/>
+          <dgm:forEach name="Name38" ref="accentRepeat"/>
+        </dgm:layoutNode>
+      </dgm:forEach>
+      <dgm:forEach name="Name39" axis="ch" ptType="node" st="4" cnt="1">
+        <dgm:layoutNode name="text_4" styleLbl="node1">
+          <dgm:varLst>
+            <dgm:bulletEnabled val="1"/>
+          </dgm:varLst>
+          <dgm:choose name="Name40">
+            <dgm:if name="Name41" func="var" arg="dir" op="equ" val="norm">
+              <dgm:alg type="tx">
+                <dgm:param type="parTxLTRAlign" val="l"/>
+                <dgm:param type="shpTxLTRAlignCh" val="l"/>
+                <dgm:param type="parTxRTLAlign" val="l"/>
+                <dgm:param type="shpTxRTLAlignCh" val="l"/>
+              </dgm:alg>
+            </dgm:if>
+            <dgm:else name="Name42">
+              <dgm:alg type="tx">
+                <dgm:param type="parTxLTRAlign" val="r"/>
+                <dgm:param type="shpTxLTRAlignCh" val="r"/>
+                <dgm:param type="parTxRTLAlign" val="r"/>
+                <dgm:param type="shpTxRTLAlignCh" val="r"/>
+              </dgm:alg>
+            </dgm:else>
+          </dgm:choose>
+          <dgm:shape xmlns:r="http://schemas.openxmlformats.org/officeDocument/2006/relationships" type="rect" r:blip="">
+            <dgm:adjLst/>
+          </dgm:shape>
+          <dgm:presOf axis="desOrSelf" ptType="node"/>
+          <dgm:constrLst>
+            <dgm:constr type="primFontSz" val="65"/>
+            <dgm:constr type="lMarg" refType="primFontSz" fact="0.2"/>
+            <dgm:constr type="rMarg" refType="primFontSz" fact="0.2"/>
+            <dgm:constr type="tMarg" refType="primFontSz" fact="0.2"/>
+            <dgm:constr type="bMarg" refType="primFontSz" fact="0.2"/>
+          </dgm:constrLst>
+          <dgm:ruleLst>
+            <dgm:rule type="primFontSz" val="5" fact="NaN" max="NaN"/>
+          </dgm:ruleLst>
+        </dgm:layoutNode>
+        <dgm:layoutNode name="accent_4">
+          <dgm:alg type="sp"/>
+          <dgm:shape xmlns:r="http://schemas.openxmlformats.org/officeDocument/2006/relationships" r:blip="">
+            <dgm:adjLst/>
+          </dgm:shape>
+          <dgm:presOf/>
+          <dgm:constrLst/>
+          <dgm:forEach name="Name43" ref="accentRepeat"/>
+        </dgm:layoutNode>
+      </dgm:forEach>
+      <dgm:forEach name="Name44" axis="ch" ptType="node" st="5" cnt="1">
+        <dgm:layoutNode name="text_5" styleLbl="node1">
+          <dgm:varLst>
+            <dgm:bulletEnabled val="1"/>
+          </dgm:varLst>
+          <dgm:choose name="Name45">
+            <dgm:if name="Name46" func="var" arg="dir" op="equ" val="norm">
+              <dgm:alg type="tx">
+                <dgm:param type="parTxLTRAlign" val="l"/>
+                <dgm:param type="shpTxLTRAlignCh" val="l"/>
+                <dgm:param type="parTxRTLAlign" val="l"/>
+                <dgm:param type="shpTxRTLAlignCh" val="l"/>
+              </dgm:alg>
+            </dgm:if>
+            <dgm:else name="Name47">
+              <dgm:alg type="tx">
+                <dgm:param type="parTxLTRAlign" val="r"/>
+                <dgm:param type="shpTxLTRAlignCh" val="r"/>
+                <dgm:param type="parTxRTLAlign" val="r"/>
+                <dgm:param type="shpTxRTLAlignCh" val="r"/>
+              </dgm:alg>
+            </dgm:else>
+          </dgm:choose>
+          <dgm:shape xmlns:r="http://schemas.openxmlformats.org/officeDocument/2006/relationships" type="rect" r:blip="">
+            <dgm:adjLst/>
+          </dgm:shape>
+          <dgm:presOf axis="desOrSelf" ptType="node"/>
+          <dgm:constrLst>
+            <dgm:constr type="primFontSz" val="65"/>
+            <dgm:constr type="lMarg" refType="primFontSz" fact="0.2"/>
+            <dgm:constr type="rMarg" refType="primFontSz" fact="0.2"/>
+            <dgm:constr type="tMarg" refType="primFontSz" fact="0.2"/>
+            <dgm:constr type="bMarg" refType="primFontSz" fact="0.2"/>
+          </dgm:constrLst>
+          <dgm:ruleLst>
+            <dgm:rule type="primFontSz" val="5" fact="NaN" max="NaN"/>
+          </dgm:ruleLst>
+        </dgm:layoutNode>
+        <dgm:layoutNode name="accent_5">
+          <dgm:alg type="sp"/>
+          <dgm:shape xmlns:r="http://schemas.openxmlformats.org/officeDocument/2006/relationships" r:blip="">
+            <dgm:adjLst/>
+          </dgm:shape>
+          <dgm:presOf/>
+          <dgm:constrLst/>
+          <dgm:forEach name="Name48" ref="accentRepeat"/>
+        </dgm:layoutNode>
+      </dgm:forEach>
+      <dgm:forEach name="Name49" axis="ch" ptType="node" st="6" cnt="1">
+        <dgm:layoutNode name="text_6" styleLbl="node1">
+          <dgm:varLst>
+            <dgm:bulletEnabled val="1"/>
+          </dgm:varLst>
+          <dgm:choose name="Name50">
+            <dgm:if name="Name51" func="var" arg="dir" op="equ" val="norm">
+              <dgm:alg type="tx">
+                <dgm:param type="parTxLTRAlign" val="l"/>
+                <dgm:param type="shpTxLTRAlignCh" val="l"/>
+                <dgm:param type="parTxRTLAlign" val="l"/>
+                <dgm:param type="shpTxRTLAlignCh" val="l"/>
+              </dgm:alg>
+            </dgm:if>
+            <dgm:else name="Name52">
+              <dgm:alg type="tx">
+                <dgm:param type="parTxLTRAlign" val="r"/>
+                <dgm:param type="shpTxLTRAlignCh" val="r"/>
+                <dgm:param type="parTxRTLAlign" val="r"/>
+                <dgm:param type="shpTxRTLAlignCh" val="r"/>
+              </dgm:alg>
+            </dgm:else>
+          </dgm:choose>
+          <dgm:shape xmlns:r="http://schemas.openxmlformats.org/officeDocument/2006/relationships" type="rect" r:blip="">
+            <dgm:adjLst/>
+          </dgm:shape>
+          <dgm:presOf axis="desOrSelf" ptType="node"/>
+          <dgm:constrLst>
+            <dgm:constr type="primFontSz" val="65"/>
+            <dgm:constr type="lMarg" refType="primFontSz" fact="0.2"/>
+            <dgm:constr type="rMarg" refType="primFontSz" fact="0.2"/>
+            <dgm:constr type="tMarg" refType="primFontSz" fact="0.2"/>
+            <dgm:constr type="bMarg" refType="primFontSz" fact="0.2"/>
+          </dgm:constrLst>
+          <dgm:ruleLst>
+            <dgm:rule type="primFontSz" val="5" fact="NaN" max="NaN"/>
+          </dgm:ruleLst>
+        </dgm:layoutNode>
+        <dgm:layoutNode name="accent_6">
+          <dgm:alg type="sp"/>
+          <dgm:shape xmlns:r="http://schemas.openxmlformats.org/officeDocument/2006/relationships" r:blip="">
+            <dgm:adjLst/>
+          </dgm:shape>
+          <dgm:presOf/>
+          <dgm:constrLst/>
+          <dgm:forEach name="Name53" ref="accentRepeat"/>
+        </dgm:layoutNode>
+      </dgm:forEach>
+      <dgm:forEach name="Name54" axis="ch" ptType="node" st="7" cnt="1">
+        <dgm:layoutNode name="text_7" styleLbl="node1">
+          <dgm:varLst>
+            <dgm:bulletEnabled val="1"/>
+          </dgm:varLst>
+          <dgm:choose name="Name55">
+            <dgm:if name="Name56" func="var" arg="dir" op="equ" val="norm">
+              <dgm:alg type="tx">
+                <dgm:param type="parTxLTRAlign" val="l"/>
+                <dgm:param type="shpTxLTRAlignCh" val="l"/>
+                <dgm:param type="parTxRTLAlign" val="l"/>
+                <dgm:param type="shpTxRTLAlignCh" val="l"/>
+              </dgm:alg>
+            </dgm:if>
+            <dgm:else name="Name57">
+              <dgm:alg type="tx">
+                <dgm:param type="parTxLTRAlign" val="r"/>
+                <dgm:param type="shpTxLTRAlignCh" val="r"/>
+                <dgm:param type="parTxRTLAlign" val="r"/>
+                <dgm:param type="shpTxRTLAlignCh" val="r"/>
+              </dgm:alg>
+            </dgm:else>
+          </dgm:choose>
+          <dgm:shape xmlns:r="http://schemas.openxmlformats.org/officeDocument/2006/relationships" type="rect" r:blip="">
+            <dgm:adjLst/>
+          </dgm:shape>
+          <dgm:presOf axis="desOrSelf" ptType="node"/>
+          <dgm:constrLst>
+            <dgm:constr type="primFontSz" val="65"/>
+            <dgm:constr type="lMarg" refType="primFontSz" fact="0.2"/>
+            <dgm:constr type="rMarg" refType="primFontSz" fact="0.2"/>
+            <dgm:constr type="tMarg" refType="primFontSz" fact="0.2"/>
+            <dgm:constr type="bMarg" refType="primFontSz" fact="0.2"/>
+          </dgm:constrLst>
+          <dgm:ruleLst>
+            <dgm:rule type="primFontSz" val="5" fact="NaN" max="NaN"/>
+          </dgm:ruleLst>
+        </dgm:layoutNode>
+        <dgm:layoutNode name="accent_7">
+          <dgm:alg type="sp"/>
+          <dgm:shape xmlns:r="http://schemas.openxmlformats.org/officeDocument/2006/relationships" r:blip="">
+            <dgm:adjLst/>
+          </dgm:shape>
+          <dgm:presOf/>
+          <dgm:constrLst/>
+          <dgm:forEach name="Name58" ref="accentRepeat"/>
+        </dgm:layoutNode>
+      </dgm:forEach>
+    </dgm:layoutNode>
+  </dgm:layoutNode>
+</dgm:layoutDef>
+</file>
+
+<file path=ppt/diagrams/quickStyle1.xml><?xml version="1.0" encoding="utf-8"?>
+<dgm:styleDef xmlns:dgm="http://schemas.openxmlformats.org/drawingml/2006/diagram" xmlns:a="http://schemas.openxmlformats.org/drawingml/2006/main" uniqueId="urn:microsoft.com/office/officeart/2005/8/quickstyle/simple4">
+  <dgm:title val=""/>
+  <dgm:desc val=""/>
+  <dgm:catLst>
+    <dgm:cat type="simple" pri="10400"/>
+  </dgm:catLst>
+  <dgm:scene3d>
+    <a:camera prst="orthographicFront"/>
+    <a:lightRig rig="threePt" dir="t"/>
+  </dgm:scene3d>
+  <dgm:styleLbl name="node0">
+    <dgm:scene3d>
+      <a:camera prst="orthographicFront"/>
+      <a:lightRig rig="threePt" dir="t"/>
+    </dgm:scene3d>
+    <dgm:sp3d/>
+    <dgm:txPr/>
+    <dgm:style>
+      <a:lnRef idx="0">
+        <a:scrgbClr r="0" g="0" b="0"/>
+      </a:lnRef>
+      <a:fillRef idx="3">
+        <a:scrgbClr r="0" g="0" b="0"/>
+      </a:fillRef>
+      <a:effectRef idx="2">
+        <a:scrgbClr r="0" g="0" b="0"/>
+      </a:effectRef>
+      <a:fontRef idx="minor">
+        <a:schemeClr val="lt1"/>
+      </a:fontRef>
+    </dgm:style>
+  </dgm:styleLbl>
+  <dgm:styleLbl name="lnNode1">
+    <dgm:scene3d>
+      <a:camera prst="orthographicFront"/>
+      <a:lightRig rig="threePt" dir="t"/>
+    </dgm:scene3d>
+    <dgm:sp3d/>
+    <dgm:txPr/>
+    <dgm:style>
+      <a:lnRef idx="1">
+        <a:scrgbClr r="0" g="0" b="0"/>
+      </a:lnRef>
+      <a:fillRef idx="3">
+        <a:scrgbClr r="0" g="0" b="0"/>
+      </a:fillRef>
+      <a:effectRef idx="2">
+        <a:scrgbClr r="0" g="0" b="0"/>
+      </a:effectRef>
+      <a:fontRef idx="minor">
+        <a:schemeClr val="lt1"/>
+      </a:fontRef>
+    </dgm:style>
+  </dgm:styleLbl>
+  <dgm:styleLbl name="vennNode1">
+    <dgm:scene3d>
+      <a:camera prst="orthographicFront"/>
+      <a:lightRig rig="threePt" dir="t"/>
+    </dgm:scene3d>
+    <dgm:sp3d/>
+    <dgm:txPr/>
+    <dgm:style>
+      <a:lnRef idx="0">
+        <a:scrgbClr r="0" g="0" b="0"/>
+      </a:lnRef>
+      <a:fillRef idx="3">
+        <a:scrgbClr r="0" g="0" b="0"/>
+      </a:fillRef>
+      <a:effectRef idx="0">
+        <a:scrgbClr r="0" g="0" b="0"/>
+      </a:effectRef>
+      <a:fontRef idx="minor">
+        <a:schemeClr val="tx1"/>
+      </a:fontRef>
+    </dgm:style>
+  </dgm:styleLbl>
+  <dgm:styleLbl name="alignNode1">
+    <dgm:scene3d>
+      <a:camera prst="orthographicFront"/>
+      <a:lightRig rig="threePt" dir="t"/>
+    </dgm:scene3d>
+    <dgm:sp3d/>
+    <dgm:txPr/>
+    <dgm:style>
+      <a:lnRef idx="1">
+        <a:scrgbClr r="0" g="0" b="0"/>
+      </a:lnRef>
+      <a:fillRef idx="3">
+        <a:scrgbClr r="0" g="0" b="0"/>
+      </a:fillRef>
+      <a:effectRef idx="2">
+        <a:scrgbClr r="0" g="0" b="0"/>
+      </a:effectRef>
+      <a:fontRef idx="minor">
+        <a:schemeClr val="lt1"/>
+      </a:fontRef>
+    </dgm:style>
+  </dgm:styleLbl>
+  <dgm:styleLbl name="node1">
+    <dgm:scene3d>
+      <a:camera prst="orthographicFront"/>
+      <a:lightRig rig="threePt" dir="t"/>
+    </dgm:scene3d>
+    <dgm:sp3d/>
+    <dgm:txPr/>
+    <dgm:style>
+      <a:lnRef idx="0">
+        <a:scrgbClr r="0" g="0" b="0"/>
+      </a:lnRef>
+      <a:fillRef idx="3">
+        <a:scrgbClr r="0" g="0" b="0"/>
+      </a:fillRef>
+      <a:effectRef idx="2">
+        <a:scrgbClr r="0" g="0" b="0"/>
+      </a:effectRef>
+      <a:fontRef idx="minor">
+        <a:schemeClr val="lt1"/>
+      </a:fontRef>
+    </dgm:style>
+  </dgm:styleLbl>
+  <dgm:styleLbl name="node2">
+    <dgm:scene3d>
+      <a:camera prst="orthographicFront"/>
+      <a:lightRig rig="threePt" dir="t"/>
+    </dgm:scene3d>
+    <dgm:sp3d/>
+    <dgm:txPr/>
+    <dgm:style>
+      <a:lnRef idx="0">
+        <a:scrgbClr r="0" g="0" b="0"/>
+      </a:lnRef>
+      <a:fillRef idx="3">
+        <a:scrgbClr r="0" g="0" b="0"/>
+      </a:fillRef>
+      <a:effectRef idx="2">
+        <a:scrgbClr r="0" g="0" b="0"/>
+      </a:effectRef>
+      <a:fontRef idx="minor">
+        <a:schemeClr val="lt1"/>
+      </a:fontRef>
+    </dgm:style>
+  </dgm:styleLbl>
+  <dgm:styleLbl name="node3">
+    <dgm:scene3d>
+      <a:camera prst="orthographicFront"/>
+      <a:lightRig rig="threePt" dir="t"/>
+    </dgm:scene3d>
+    <dgm:sp3d/>
+    <dgm:txPr/>
+    <dgm:style>
+      <a:lnRef idx="0">
+        <a:scrgbClr r="0" g="0" b="0"/>
+      </a:lnRef>
+      <a:fillRef idx="3">
+        <a:scrgbClr r="0" g="0" b="0"/>
+      </a:fillRef>
+      <a:effectRef idx="2">
+        <a:scrgbClr r="0" g="0" b="0"/>
+      </a:effectRef>
+      <a:fontRef idx="minor">
+        <a:schemeClr val="lt1"/>
+      </a:fontRef>
+    </dgm:style>
+  </dgm:styleLbl>
+  <dgm:styleLbl name="node4">
+    <dgm:scene3d>
+      <a:camera prst="orthographicFront"/>
+      <a:lightRig rig="threePt" dir="t"/>
+    </dgm:scene3d>
+    <dgm:sp3d/>
+    <dgm:txPr/>
+    <dgm:style>
+      <a:lnRef idx="0">
+        <a:scrgbClr r="0" g="0" b="0"/>
+      </a:lnRef>
+      <a:fillRef idx="3">
+        <a:scrgbClr r="0" g="0" b="0"/>
+      </a:fillRef>
+      <a:effectRef idx="2">
+        <a:scrgbClr r="0" g="0" b="0"/>
+      </a:effectRef>
+      <a:fontRef idx="minor">
+        <a:schemeClr val="lt1"/>
+      </a:fontRef>
+    </dgm:style>
+  </dgm:styleLbl>
+  <dgm:styleLbl name="fgImgPlace1">
+    <dgm:scene3d>
+      <a:camera prst="orthographicFront"/>
+      <a:lightRig rig="threePt" dir="t"/>
+    </dgm:scene3d>
+    <dgm:sp3d/>
+    <dgm:txPr/>
+    <dgm:style>
+      <a:lnRef idx="0">
+        <a:scrgbClr r="0" g="0" b="0"/>
+      </a:lnRef>
+      <a:fillRef idx="1">
+        <a:scrgbClr r="0" g="0" b="0"/>
+      </a:fillRef>
+      <a:effectRef idx="2">
+        <a:scrgbClr r="0" g="0" b="0"/>
+      </a:effectRef>
+      <a:fontRef idx="minor"/>
+    </dgm:style>
+  </dgm:styleLbl>
+  <dgm:styleLbl name="alignImgPlace1">
+    <dgm:scene3d>
+      <a:camera prst="orthographicFront"/>
+      <a:lightRig rig="threePt" dir="t"/>
+    </dgm:scene3d>
+    <dgm:sp3d/>
+    <dgm:txPr/>
+    <dgm:style>
+      <a:lnRef idx="0">
+        <a:scrgbClr r="0" g="0" b="0"/>
+      </a:lnRef>
+      <a:fillRef idx="1">
+        <a:scrgbClr r="0" g="0" b="0"/>
+      </a:fillRef>
+      <a:effectRef idx="2">
+        <a:scrgbClr r="0" g="0" b="0"/>
+      </a:effectRef>
+      <a:fontRef idx="minor"/>
+    </dgm:style>
+  </dgm:styleLbl>
+  <dgm:styleLbl name="bgImgPlace1">
+    <dgm:scene3d>
+      <a:camera prst="orthographicFront"/>
+      <a:lightRig rig="threePt" dir="t"/>
+    </dgm:scene3d>
+    <dgm:sp3d/>
+    <dgm:txPr/>
+    <dgm:style>
+      <a:lnRef idx="0">
+        <a:scrgbClr r="0" g="0" b="0"/>
+      </a:lnRef>
+      <a:fillRef idx="1">
+        <a:scrgbClr r="0" g="0" b="0"/>
+      </a:fillRef>
+      <a:effectRef idx="2">
+        <a:scrgbClr r="0" g="0" b="0"/>
+      </a:effectRef>
+      <a:fontRef idx="minor"/>
+    </dgm:style>
+  </dgm:styleLbl>
+  <dgm:styleLbl name="sibTrans2D1">
+    <dgm:scene3d>
+      <a:camera prst="orthographicFront"/>
+      <a:lightRig rig="threePt" dir="t"/>
+    </dgm:scene3d>
+    <dgm:sp3d/>
+    <dgm:txPr/>
+    <dgm:style>
+      <a:lnRef idx="0">
+        <a:scrgbClr r="0" g="0" b="0"/>
+      </a:lnRef>
+      <a:fillRef idx="3">
+        <a:scrgbClr r="0" g="0" b="0"/>
+      </a:fillRef>
+      <a:effectRef idx="2">
+        <a:scrgbClr r="0" g="0" b="0"/>
+      </a:effectRef>
+      <a:fontRef idx="minor">
+        <a:schemeClr val="lt1"/>
+      </a:fontRef>
+    </dgm:style>
+  </dgm:styleLbl>
+  <dgm:styleLbl name="fgSibTrans2D1">
+    <dgm:scene3d>
+      <a:camera prst="orthographicFront"/>
+      <a:lightRig rig="threePt" dir="t"/>
+    </dgm:scene3d>
+    <dgm:sp3d/>
+    <dgm:txPr/>
+    <dgm:style>
+      <a:lnRef idx="0">
+        <a:scrgbClr r="0" g="0" b="0"/>
+      </a:lnRef>
+      <a:fillRef idx="3">
+        <a:scrgbClr r="0" g="0" b="0"/>
+      </a:fillRef>
+      <a:effectRef idx="2">
+        <a:scrgbClr r="0" g="0" b="0"/>
+      </a:effectRef>
+      <a:fontRef idx="minor">
+        <a:schemeClr val="lt1"/>
+      </a:fontRef>
+    </dgm:style>
+  </dgm:styleLbl>
+  <dgm:styleLbl name="bgSibTrans2D1">
+    <dgm:scene3d>
+      <a:camera prst="orthographicFront"/>
+      <a:lightRig rig="threePt" dir="t"/>
+    </dgm:scene3d>
+    <dgm:sp3d/>
+    <dgm:txPr/>
+    <dgm:style>
+      <a:lnRef idx="0">
+        <a:scrgbClr r="0" g="0" b="0"/>
+      </a:lnRef>
+      <a:fillRef idx="3">
+        <a:scrgbClr r="0" g="0" b="0"/>
+      </a:fillRef>
+      <a:effectRef idx="2">
+        <a:scrgbClr r="0" g="0" b="0"/>
+      </a:effectRef>
+      <a:fontRef idx="minor">
+        <a:schemeClr val="lt1"/>
+      </a:fontRef>
+    </dgm:style>
+  </dgm:styleLbl>
+  <dgm:styleLbl name="sibTrans1D1">
+    <dgm:scene3d>
+      <a:camera prst="orthographicFront"/>
+      <a:lightRig rig="threePt" dir="t"/>
+    </dgm:scene3d>
+    <dgm:sp3d/>
+    <dgm:txPr/>
+    <dgm:style>
+      <a:lnRef idx="1">
+        <a:scrgbClr r="0" g="0" b="0"/>
+      </a:lnRef>
+      <a:fillRef idx="0">
+        <a:scrgbClr r="0" g="0" b="0"/>
+      </a:fillRef>
+      <a:effectRef idx="0">
+        <a:scrgbClr r="0" g="0" b="0"/>
+      </a:effectRef>
+      <a:fontRef idx="minor"/>
+    </dgm:style>
+  </dgm:styleLbl>
+  <dgm:styleLbl name="callout">
+    <dgm:scene3d>
+      <a:camera prst="orthographicFront"/>
+      <a:lightRig rig="threePt" dir="t"/>
+    </dgm:scene3d>
+    <dgm:sp3d/>
+    <dgm:txPr/>
+    <dgm:style>
+      <a:lnRef idx="2">
+        <a:scrgbClr r="0" g="0" b="0"/>
+      </a:lnRef>
+      <a:fillRef idx="1">
+        <a:scrgbClr r="0" g="0" b="0"/>
+      </a:fillRef>
+      <a:effectRef idx="1">
+        <a:scrgbClr r="0" g="0" b="0"/>
+      </a:effectRef>
+      <a:fontRef idx="minor"/>
+    </dgm:style>
+  </dgm:styleLbl>
+  <dgm:styleLbl name="asst0">
+    <dgm:scene3d>
+      <a:camera prst="orthographicFront"/>
+      <a:lightRig rig="threePt" dir="t"/>
+    </dgm:scene3d>
+    <dgm:sp3d/>
+    <dgm:txPr/>
+    <dgm:style>
+      <a:lnRef idx="0">
+        <a:scrgbClr r="0" g="0" b="0"/>
+      </a:lnRef>
+      <a:fillRef idx="3">
+        <a:scrgbClr r="0" g="0" b="0"/>
+      </a:fillRef>
+      <a:effectRef idx="2">
+        <a:scrgbClr r="0" g="0" b="0"/>
+      </a:effectRef>
+      <a:fontRef idx="minor">
+        <a:schemeClr val="lt1"/>
+      </a:fontRef>
+    </dgm:style>
+  </dgm:styleLbl>
+  <dgm:styleLbl name="asst1">
+    <dgm:scene3d>
+      <a:camera prst="orthographicFront"/>
+      <a:lightRig rig="threePt" dir="t"/>
+    </dgm:scene3d>
+    <dgm:sp3d/>
+    <dgm:txPr/>
+    <dgm:style>
+      <a:lnRef idx="0">
+        <a:scrgbClr r="0" g="0" b="0"/>
+      </a:lnRef>
+      <a:fillRef idx="3">
+        <a:scrgbClr r="0" g="0" b="0"/>
+      </a:fillRef>
+      <a:effectRef idx="2">
+        <a:scrgbClr r="0" g="0" b="0"/>
+      </a:effectRef>
+      <a:fontRef idx="minor">
+        <a:schemeClr val="lt1"/>
+      </a:fontRef>
+    </dgm:style>
+  </dgm:styleLbl>
+  <dgm:styleLbl name="asst2">
+    <dgm:scene3d>
+      <a:camera prst="orthographicFront"/>
+      <a:lightRig rig="threePt" dir="t"/>
+    </dgm:scene3d>
+    <dgm:sp3d/>
+    <dgm:txPr/>
+    <dgm:style>
+      <a:lnRef idx="0">
+        <a:scrgbClr r="0" g="0" b="0"/>
+      </a:lnRef>
+      <a:fillRef idx="3">
+        <a:scrgbClr r="0" g="0" b="0"/>
+      </a:fillRef>
+      <a:effectRef idx="2">
+        <a:scrgbClr r="0" g="0" b="0"/>
+      </a:effectRef>
+      <a:fontRef idx="minor">
+        <a:schemeClr val="lt1"/>
+      </a:fontRef>
+    </dgm:style>
+  </dgm:styleLbl>
+  <dgm:styleLbl name="asst3">
+    <dgm:scene3d>
+      <a:camera prst="orthographicFront"/>
+      <a:lightRig rig="threePt" dir="t"/>
+    </dgm:scene3d>
+    <dgm:sp3d/>
+    <dgm:txPr/>
+    <dgm:style>
+      <a:lnRef idx="0">
+        <a:scrgbClr r="0" g="0" b="0"/>
+      </a:lnRef>
+      <a:fillRef idx="3">
+        <a:scrgbClr r="0" g="0" b="0"/>
+      </a:fillRef>
+      <a:effectRef idx="2">
+        <a:scrgbClr r="0" g="0" b="0"/>
+      </a:effectRef>
+      <a:fontRef idx="minor">
+        <a:schemeClr val="lt1"/>
+      </a:fontRef>
+    </dgm:style>
+  </dgm:styleLbl>
+  <dgm:styleLbl name="asst4">
+    <dgm:scene3d>
+      <a:camera prst="orthographicFront"/>
+      <a:lightRig rig="threePt" dir="t"/>
+    </dgm:scene3d>
+    <dgm:sp3d/>
+    <dgm:txPr/>
+    <dgm:style>
+      <a:lnRef idx="0">
+        <a:scrgbClr r="0" g="0" b="0"/>
+      </a:lnRef>
+      <a:fillRef idx="3">
+        <a:scrgbClr r="0" g="0" b="0"/>
+      </a:fillRef>
+      <a:effectRef idx="2">
+        <a:scrgbClr r="0" g="0" b="0"/>
+      </a:effectRef>
+      <a:fontRef idx="minor">
+        <a:schemeClr val="lt1"/>
+      </a:fontRef>
+    </dgm:style>
+  </dgm:styleLbl>
+  <dgm:styleLbl name="parChTrans2D1">
+    <dgm:scene3d>
+      <a:camera prst="orthographicFront"/>
+      <a:lightRig rig="threePt" dir="t"/>
+    </dgm:scene3d>
+    <dgm:sp3d/>
+    <dgm:txPr/>
+    <dgm:style>
+      <a:lnRef idx="0">
+        <a:scrgbClr r="0" g="0" b="0"/>
+      </a:lnRef>
+      <a:fillRef idx="3">
+        <a:scrgbClr r="0" g="0" b="0"/>
+      </a:fillRef>
+      <a:effectRef idx="2">
+        <a:scrgbClr r="0" g="0" b="0"/>
+      </a:effectRef>
+      <a:fontRef idx="minor">
+        <a:schemeClr val="lt1"/>
+      </a:fontRef>
+    </dgm:style>
+  </dgm:styleLbl>
+  <dgm:styleLbl name="parChTrans2D2">
+    <dgm:scene3d>
+      <a:camera prst="orthographicFront"/>
+      <a:lightRig rig="threePt" dir="t"/>
+    </dgm:scene3d>
+    <dgm:sp3d/>
+    <dgm:txPr/>
+    <dgm:style>
+      <a:lnRef idx="0">
+        <a:scrgbClr r="0" g="0" b="0"/>
+      </a:lnRef>
+      <a:fillRef idx="3">
+        <a:scrgbClr r="0" g="0" b="0"/>
+      </a:fillRef>
+      <a:effectRef idx="2">
+        <a:scrgbClr r="0" g="0" b="0"/>
+      </a:effectRef>
+      <a:fontRef idx="minor">
+        <a:schemeClr val="lt1"/>
+      </a:fontRef>
+    </dgm:style>
+  </dgm:styleLbl>
+  <dgm:styleLbl name="parChTrans2D3">
+    <dgm:scene3d>
+      <a:camera prst="orthographicFront"/>
+      <a:lightRig rig="threePt" dir="t"/>
+    </dgm:scene3d>
+    <dgm:sp3d/>
+    <dgm:txPr/>
+    <dgm:style>
+      <a:lnRef idx="1">
+        <a:scrgbClr r="0" g="0" b="0"/>
+      </a:lnRef>
+      <a:fillRef idx="3">
+        <a:scrgbClr r="0" g="0" b="0"/>
+      </a:fillRef>
+      <a:effectRef idx="2">
+        <a:scrgbClr r="0" g="0" b="0"/>
+      </a:effectRef>
+      <a:fontRef idx="minor">
+        <a:schemeClr val="lt1"/>
+      </a:fontRef>
+    </dgm:style>
+  </dgm:styleLbl>
+  <dgm:styleLbl name="parChTrans2D4">
+    <dgm:scene3d>
+      <a:camera prst="orthographicFront"/>
+      <a:lightRig rig="threePt" dir="t"/>
+    </dgm:scene3d>
+    <dgm:sp3d/>
+    <dgm:txPr/>
+    <dgm:style>
+      <a:lnRef idx="1">
+        <a:scrgbClr r="0" g="0" b="0"/>
+      </a:lnRef>
+      <a:fillRef idx="3">
+        <a:scrgbClr r="0" g="0" b="0"/>
+      </a:fillRef>
+      <a:effectRef idx="2">
+        <a:scrgbClr r="0" g="0" b="0"/>
+      </a:effectRef>
+      <a:fontRef idx="minor">
+        <a:schemeClr val="lt1"/>
+      </a:fontRef>
+    </dgm:style>
+  </dgm:styleLbl>
+  <dgm:styleLbl name="parChTrans1D1">
+    <dgm:scene3d>
+      <a:camera prst="orthographicFront"/>
+      <a:lightRig rig="threePt" dir="t"/>
+    </dgm:scene3d>
+    <dgm:sp3d/>
+    <dgm:txPr/>
+    <dgm:style>
+      <a:lnRef idx="1">
+        <a:scrgbClr r="0" g="0" b="0"/>
+      </a:lnRef>
+      <a:fillRef idx="0">
+        <a:scrgbClr r="0" g="0" b="0"/>
+      </a:fillRef>
+      <a:effectRef idx="0">
+        <a:scrgbClr r="0" g="0" b="0"/>
+      </a:effectRef>
+      <a:fontRef idx="minor"/>
+    </dgm:style>
+  </dgm:styleLbl>
+  <dgm:styleLbl name="parChTrans1D2">
+    <dgm:scene3d>
+      <a:camera prst="orthographicFront"/>
+      <a:lightRig rig="threePt" dir="t"/>
+    </dgm:scene3d>
+    <dgm:sp3d/>
+    <dgm:txPr/>
+    <dgm:style>
+      <a:lnRef idx="1">
+        <a:scrgbClr r="0" g="0" b="0"/>
+      </a:lnRef>
+      <a:fillRef idx="0">
+        <a:scrgbClr r="0" g="0" b="0"/>
+      </a:fillRef>
+      <a:effectRef idx="0">
+        <a:scrgbClr r="0" g="0" b="0"/>
+      </a:effectRef>
+      <a:fontRef idx="minor"/>
+    </dgm:style>
+  </dgm:styleLbl>
+  <dgm:styleLbl name="parChTrans1D3">
+    <dgm:scene3d>
+      <a:camera prst="orthographicFront"/>
+      <a:lightRig rig="threePt" dir="t"/>
+    </dgm:scene3d>
+    <dgm:sp3d/>
+    <dgm:txPr/>
+    <dgm:style>
+      <a:lnRef idx="1">
+        <a:scrgbClr r="0" g="0" b="0"/>
+      </a:lnRef>
+      <a:fillRef idx="0">
+        <a:scrgbClr r="0" g="0" b="0"/>
+      </a:fillRef>
+      <a:effectRef idx="0">
+        <a:scrgbClr r="0" g="0" b="0"/>
+      </a:effectRef>
+      <a:fontRef idx="minor"/>
+    </dgm:style>
+  </dgm:styleLbl>
+  <dgm:styleLbl name="parChTrans1D4">
+    <dgm:scene3d>
+      <a:camera prst="orthographicFront"/>
+      <a:lightRig rig="threePt" dir="t"/>
+    </dgm:scene3d>
+    <dgm:sp3d/>
+    <dgm:txPr/>
+    <dgm:style>
+      <a:lnRef idx="1">
+        <a:scrgbClr r="0" g="0" b="0"/>
+      </a:lnRef>
+      <a:fillRef idx="0">
+        <a:scrgbClr r="0" g="0" b="0"/>
+      </a:fillRef>
+      <a:effectRef idx="0">
+        <a:scrgbClr r="0" g="0" b="0"/>
+      </a:effectRef>
+      <a:fontRef idx="minor"/>
+    </dgm:style>
+  </dgm:styleLbl>
+  <dgm:styleLbl name="fgAcc1">
+    <dgm:scene3d>
+      <a:camera prst="orthographicFront"/>
+      <a:lightRig rig="threePt" dir="t"/>
+    </dgm:scene3d>
+    <dgm:sp3d/>
+    <dgm:txPr/>
+    <dgm:style>
+      <a:lnRef idx="1">
+        <a:scrgbClr r="0" g="0" b="0"/>
+      </a:lnRef>
+      <a:fillRef idx="1">
+        <a:scrgbClr r="0" g="0" b="0"/>
+      </a:fillRef>
+      <a:effectRef idx="0">
+        <a:scrgbClr r="0" g="0" b="0"/>
+      </a:effectRef>
+      <a:fontRef idx="minor"/>
+    </dgm:style>
+  </dgm:styleLbl>
+  <dgm:styleLbl name="conFgAcc1">
+    <dgm:scene3d>
+      <a:camera prst="orthographicFront"/>
+      <a:lightRig rig="threePt" dir="t"/>
+    </dgm:scene3d>
+    <dgm:sp3d/>
+    <dgm:txPr/>
+    <dgm:style>
+      <a:lnRef idx="1">
+        <a:scrgbClr r="0" g="0" b="0"/>
+      </a:lnRef>
+      <a:fillRef idx="1">
+        <a:scrgbClr r="0" g="0" b="0"/>
+      </a:fillRef>
+      <a:effectRef idx="0">
+        <a:scrgbClr r="0" g="0" b="0"/>
+      </a:effectRef>
+      <a:fontRef idx="minor"/>
+    </dgm:style>
+  </dgm:styleLbl>
+  <dgm:styleLbl name="alignAcc1">
+    <dgm:scene3d>
+      <a:camera prst="orthographicFront"/>
+      <a:lightRig rig="threePt" dir="t"/>
+    </dgm:scene3d>
+    <dgm:sp3d/>
+    <dgm:txPr/>
+    <dgm:style>
+      <a:lnRef idx="1">
+        <a:scrgbClr r="0" g="0" b="0"/>
+      </a:lnRef>
+      <a:fillRef idx="1">
+        <a:scrgbClr r="0" g="0" b="0"/>
+      </a:fillRef>
+      <a:effectRef idx="0">
+        <a:scrgbClr r="0" g="0" b="0"/>
+      </a:effectRef>
+      <a:fontRef idx="minor"/>
+    </dgm:style>
+  </dgm:styleLbl>
+  <dgm:styleLbl name="trAlignAcc1">
+    <dgm:scene3d>
+      <a:camera prst="orthographicFront"/>
+      <a:lightRig rig="threePt" dir="t"/>
+    </dgm:scene3d>
+    <dgm:sp3d/>
+    <dgm:txPr/>
+    <dgm:style>
+      <a:lnRef idx="1">
+        <a:scrgbClr r="0" g="0" b="0"/>
+      </a:lnRef>
+      <a:fillRef idx="1">
+        <a:scrgbClr r="0" g="0" b="0"/>
+      </a:fillRef>
+      <a:effectRef idx="0">
+        <a:scrgbClr r="0" g="0" b="0"/>
+      </a:effectRef>
+      <a:fontRef idx="minor"/>
+    </dgm:style>
+  </dgm:styleLbl>
+  <dgm:styleLbl name="bgAcc1">
+    <dgm:scene3d>
+      <a:camera prst="orthographicFront"/>
+      <a:lightRig rig="threePt" dir="t"/>
+    </dgm:scene3d>
+    <dgm:sp3d/>
+    <dgm:txPr/>
+    <dgm:style>
+      <a:lnRef idx="1">
+        <a:scrgbClr r="0" g="0" b="0"/>
+      </a:lnRef>
+      <a:fillRef idx="1">
+        <a:scrgbClr r="0" g="0" b="0"/>
+      </a:fillRef>
+      <a:effectRef idx="0">
+        <a:scrgbClr r="0" g="0" b="0"/>
+      </a:effectRef>
+      <a:fontRef idx="minor"/>
+    </dgm:style>
+  </dgm:styleLbl>
+  <dgm:styleLbl name="solidFgAcc1">
+    <dgm:scene3d>
+      <a:camera prst="orthographicFront"/>
+      <a:lightRig rig="threePt" dir="t"/>
+    </dgm:scene3d>
+    <dgm:sp3d/>
+    <dgm:txPr/>
+    <dgm:style>
+      <a:lnRef idx="1">
+        <a:scrgbClr r="0" g="0" b="0"/>
+      </a:lnRef>
+      <a:fillRef idx="1">
+        <a:scrgbClr r="0" g="0" b="0"/>
+      </a:fillRef>
+      <a:effectRef idx="0">
+        <a:scrgbClr r="0" g="0" b="0"/>
+      </a:effectRef>
+      <a:fontRef idx="minor"/>
+    </dgm:style>
+  </dgm:styleLbl>
+  <dgm:styleLbl name="solidAlignAcc1">
+    <dgm:scene3d>
+      <a:camera prst="orthographicFront"/>
+      <a:lightRig rig="threePt" dir="t"/>
+    </dgm:scene3d>
+    <dgm:sp3d/>
+    <dgm:txPr/>
+    <dgm:style>
+      <a:lnRef idx="1">
+        <a:scrgbClr r="0" g="0" b="0"/>
+      </a:lnRef>
+      <a:fillRef idx="1">
+        <a:scrgbClr r="0" g="0" b="0"/>
+      </a:fillRef>
+      <a:effectRef idx="0">
+        <a:scrgbClr r="0" g="0" b="0"/>
+      </a:effectRef>
+      <a:fontRef idx="minor"/>
+    </dgm:style>
+  </dgm:styleLbl>
+  <dgm:styleLbl name="solidBgAcc1">
+    <dgm:scene3d>
+      <a:camera prst="orthographicFront"/>
+      <a:lightRig rig="threePt" dir="t"/>
+    </dgm:scene3d>
+    <dgm:sp3d/>
+    <dgm:txPr/>
+    <dgm:style>
+      <a:lnRef idx="1">
+        <a:scrgbClr r="0" g="0" b="0"/>
+      </a:lnRef>
+      <a:fillRef idx="1">
+        <a:scrgbClr r="0" g="0" b="0"/>
+      </a:fillRef>
+      <a:effectRef idx="0">
+        <a:scrgbClr r="0" g="0" b="0"/>
+      </a:effectRef>
+      <a:fontRef idx="minor"/>
+    </dgm:style>
+  </dgm:styleLbl>
+  <dgm:styleLbl name="fgAccFollowNode1">
+    <dgm:scene3d>
+      <a:camera prst="orthographicFront"/>
+      <a:lightRig rig="threePt" dir="t"/>
+    </dgm:scene3d>
+    <dgm:sp3d/>
+    <dgm:txPr/>
+    <dgm:style>
+      <a:lnRef idx="1">
+        <a:scrgbClr r="0" g="0" b="0"/>
+      </a:lnRef>
+      <a:fillRef idx="1">
+        <a:scrgbClr r="0" g="0" b="0"/>
+      </a:fillRef>
+      <a:effectRef idx="0">
+        <a:scrgbClr r="0" g="0" b="0"/>
+      </a:effectRef>
+      <a:fontRef idx="minor"/>
+    </dgm:style>
+  </dgm:styleLbl>
+  <dgm:styleLbl name="alignAccFollowNode1">
+    <dgm:scene3d>
+      <a:camera prst="orthographicFront"/>
+      <a:lightRig rig="threePt" dir="t"/>
+    </dgm:scene3d>
+    <dgm:sp3d/>
+    <dgm:txPr/>
+    <dgm:style>
+      <a:lnRef idx="1">
+        <a:scrgbClr r="0" g="0" b="0"/>
+      </a:lnRef>
+      <a:fillRef idx="1">
+        <a:scrgbClr r="0" g="0" b="0"/>
+      </a:fillRef>
+      <a:effectRef idx="0">
+        <a:scrgbClr r="0" g="0" b="0"/>
+      </a:effectRef>
+      <a:fontRef idx="minor"/>
+    </dgm:style>
+  </dgm:styleLbl>
+  <dgm:styleLbl name="bgAccFollowNode1">
+    <dgm:scene3d>
+      <a:camera prst="orthographicFront"/>
+      <a:lightRig rig="threePt" dir="t"/>
+    </dgm:scene3d>
+    <dgm:sp3d/>
+    <dgm:txPr/>
+    <dgm:style>
+      <a:lnRef idx="1">
+        <a:scrgbClr r="0" g="0" b="0"/>
+      </a:lnRef>
+      <a:fillRef idx="1">
+        <a:scrgbClr r="0" g="0" b="0"/>
+      </a:fillRef>
+      <a:effectRef idx="0">
+        <a:scrgbClr r="0" g="0" b="0"/>
+      </a:effectRef>
+      <a:fontRef idx="minor"/>
+    </dgm:style>
+  </dgm:styleLbl>
+  <dgm:styleLbl name="fgAcc0">
+    <dgm:scene3d>
+      <a:camera prst="orthographicFront"/>
+      <a:lightRig rig="threePt" dir="t"/>
+    </dgm:scene3d>
+    <dgm:sp3d/>
+    <dgm:txPr/>
+    <dgm:style>
+      <a:lnRef idx="1">
+        <a:scrgbClr r="0" g="0" b="0"/>
+      </a:lnRef>
+      <a:fillRef idx="1">
+        <a:scrgbClr r="0" g="0" b="0"/>
+      </a:fillRef>
+      <a:effectRef idx="0">
+        <a:scrgbClr r="0" g="0" b="0"/>
+      </a:effectRef>
+      <a:fontRef idx="minor"/>
+    </dgm:style>
+  </dgm:styleLbl>
+  <dgm:styleLbl name="fgAcc2">
+    <dgm:scene3d>
+      <a:camera prst="orthographicFront"/>
+      <a:lightRig rig="threePt" dir="t"/>
+    </dgm:scene3d>
+    <dgm:sp3d/>
+    <dgm:txPr/>
+    <dgm:style>
+      <a:lnRef idx="1">
+        <a:scrgbClr r="0" g="0" b="0"/>
+      </a:lnRef>
+      <a:fillRef idx="1">
+        <a:scrgbClr r="0" g="0" b="0"/>
+      </a:fillRef>
+      <a:effectRef idx="0">
+        <a:scrgbClr r="0" g="0" b="0"/>
+      </a:effectRef>
+      <a:fontRef idx="minor"/>
+    </dgm:style>
+  </dgm:styleLbl>
+  <dgm:styleLbl name="fgAcc3">
+    <dgm:scene3d>
+      <a:camera prst="orthographicFront"/>
+      <a:lightRig rig="threePt" dir="t"/>
+    </dgm:scene3d>
+    <dgm:sp3d/>
+    <dgm:txPr/>
+    <dgm:style>
+      <a:lnRef idx="1">
+        <a:scrgbClr r="0" g="0" b="0"/>
+      </a:lnRef>
+      <a:fillRef idx="1">
+        <a:scrgbClr r="0" g="0" b="0"/>
+      </a:fillRef>
+      <a:effectRef idx="0">
+        <a:scrgbClr r="0" g="0" b="0"/>
+      </a:effectRef>
+      <a:fontRef idx="minor"/>
+    </dgm:style>
+  </dgm:styleLbl>
+  <dgm:styleLbl name="fgAcc4">
+    <dgm:scene3d>
+      <a:camera prst="orthographicFront"/>
+      <a:lightRig rig="threePt" dir="t"/>
+    </dgm:scene3d>
+    <dgm:sp3d/>
+    <dgm:txPr/>
+    <dgm:style>
+      <a:lnRef idx="1">
+        <a:scrgbClr r="0" g="0" b="0"/>
+      </a:lnRef>
+      <a:fillRef idx="1">
+        <a:scrgbClr r="0" g="0" b="0"/>
+      </a:fillRef>
+      <a:effectRef idx="0">
+        <a:scrgbClr r="0" g="0" b="0"/>
+      </a:effectRef>
+      <a:fontRef idx="minor"/>
+    </dgm:style>
+  </dgm:styleLbl>
+  <dgm:styleLbl name="bgShp">
+    <dgm:scene3d>
+      <a:camera prst="orthographicFront"/>
+      <a:lightRig rig="threePt" dir="t"/>
+    </dgm:scene3d>
+    <dgm:sp3d/>
+    <dgm:txPr/>
+    <dgm:style>
+      <a:lnRef idx="0">
+        <a:scrgbClr r="0" g="0" b="0"/>
+      </a:lnRef>
+      <a:fillRef idx="1">
+        <a:scrgbClr r="0" g="0" b="0"/>
+      </a:fillRef>
+      <a:effectRef idx="2">
+        <a:scrgbClr r="0" g="0" b="0"/>
+      </a:effectRef>
+      <a:fontRef idx="minor"/>
+    </dgm:style>
+  </dgm:styleLbl>
+  <dgm:styleLbl name="dkBgShp">
+    <dgm:scene3d>
+      <a:camera prst="orthographicFront"/>
+      <a:lightRig rig="threePt" dir="t"/>
+    </dgm:scene3d>
+    <dgm:sp3d/>
+    <dgm:txPr/>
+    <dgm:style>
+      <a:lnRef idx="0">
+        <a:scrgbClr r="0" g="0" b="0"/>
+      </a:lnRef>
+      <a:fillRef idx="1">
+        <a:scrgbClr r="0" g="0" b="0"/>
+      </a:fillRef>
+      <a:effectRef idx="2">
+        <a:scrgbClr r="0" g="0" b="0"/>
+      </a:effectRef>
+      <a:fontRef idx="minor"/>
+    </dgm:style>
+  </dgm:styleLbl>
+  <dgm:styleLbl name="trBgShp">
+    <dgm:scene3d>
+      <a:camera prst="orthographicFront"/>
+      <a:lightRig rig="threePt" dir="t"/>
+    </dgm:scene3d>
+    <dgm:sp3d/>
+    <dgm:txPr/>
+    <dgm:style>
+      <a:lnRef idx="0">
+        <a:scrgbClr r="0" g="0" b="0"/>
+      </a:lnRef>
+      <a:fillRef idx="1">
+        <a:scrgbClr r="0" g="0" b="0"/>
+      </a:fillRef>
+      <a:effectRef idx="0">
+        <a:scrgbClr r="0" g="0" b="0"/>
+      </a:effectRef>
+      <a:fontRef idx="minor"/>
+    </dgm:style>
+  </dgm:styleLbl>
+  <dgm:styleLbl name="fgShp">
+    <dgm:scene3d>
+      <a:camera prst="orthographicFront"/>
+      <a:lightRig rig="threePt" dir="t"/>
+    </dgm:scene3d>
+    <dgm:sp3d/>
+    <dgm:txPr/>
+    <dgm:style>
+      <a:lnRef idx="0">
+        <a:scrgbClr r="0" g="0" b="0"/>
+      </a:lnRef>
+      <a:fillRef idx="3">
+        <a:scrgbClr r="0" g="0" b="0"/>
+      </a:fillRef>
+      <a:effectRef idx="2">
+        <a:scrgbClr r="0" g="0" b="0"/>
+      </a:effectRef>
+      <a:fontRef idx="minor"/>
+    </dgm:style>
+  </dgm:styleLbl>
+  <dgm:styleLbl name="revTx">
+    <dgm:scene3d>
+      <a:camera prst="orthographicFront"/>
+      <a:lightRig rig="threePt" dir="t"/>
+    </dgm:scene3d>
+    <dgm:sp3d/>
+    <dgm:txPr/>
+    <dgm:style>
+      <a:lnRef idx="0">
+        <a:scrgbClr r="0" g="0" b="0"/>
+      </a:lnRef>
+      <a:fillRef idx="0">
+        <a:scrgbClr r="0" g="0" b="0"/>
+      </a:fillRef>
+      <a:effectRef idx="0">
+        <a:scrgbClr r="0" g="0" b="0"/>
+      </a:effectRef>
+      <a:fontRef idx="minor"/>
+    </dgm:style>
+  </dgm:styleLbl>
+</dgm:styleDef>
+</file>
+
 <file path=ppt/notesMasters/notesMaster1.xml><?xml version="1.0" encoding="utf-8"?>
 <p:notesMaster xmlns:a="http://schemas.openxmlformats.org/drawingml/2006/main" xmlns:r="http://schemas.openxmlformats.org/officeDocument/2006/relationships" xmlns:p="http://schemas.openxmlformats.org/presentationml/2006/main">
   <p:cSld>
@@ -212,7 +4428,7 @@
           <a:p>
             <a:fld id="{16A84BB9-E5BE-9C4B-B464-6F4CBDEBFE50}" type="datetimeFigureOut">
               <a:rPr kumimoji="1" lang="ja-JP" altLang="en-US" smtClean="0"/>
-              <a:t>2018/6/11</a:t>
+              <a:t>2018/6/14</a:t>
             </a:fld>
             <a:endParaRPr kumimoji="1" lang="ja-JP" altLang="en-US"/>
           </a:p>
@@ -698,7 +4914,35 @@
           <a:bodyPr/>
           <a:lstStyle/>
           <a:p>
-            <a:endParaRPr kumimoji="1" lang="ja-JP" altLang="en-US"/>
+            <a:pPr marL="0" marR="0" indent="0" algn="l" defTabSz="914400" rtl="0" eaLnBrk="1" fontAlgn="auto" latinLnBrk="0" hangingPunct="1">
+              <a:lnSpc>
+                <a:spcPct val="100000"/>
+              </a:lnSpc>
+              <a:spcBef>
+                <a:spcPts val="0"/>
+              </a:spcBef>
+              <a:spcAft>
+                <a:spcPts val="0"/>
+              </a:spcAft>
+              <a:buClrTx/>
+              <a:buSzTx/>
+              <a:buFontTx/>
+              <a:buNone/>
+              <a:tabLst/>
+              <a:defRPr/>
+            </a:pPr>
+            <a:r>
+              <a:rPr kumimoji="1" lang="ja-JP" altLang="en-US" dirty="0" smtClean="0"/>
+              <a:t>実際に</a:t>
+            </a:r>
+            <a:r>
+              <a:rPr kumimoji="1" lang="en-US" altLang="ja-JP" dirty="0" smtClean="0"/>
+              <a:t>QR</a:t>
+            </a:r>
+            <a:r>
+              <a:rPr kumimoji="1" lang="ja-JP" altLang="en-US" dirty="0" smtClean="0"/>
+              <a:t>コードを読み込んだ後に画面上にフルーツが表示されるので、アニメーションで相手のフルーツが自分のアカウントにデータ登録されるようになる機能です。</a:t>
+            </a:r>
           </a:p>
         </p:txBody>
       </p:sp>
@@ -719,7 +4963,7 @@
           <a:p>
             <a:fld id="{20EEE82F-7875-8F43-B19A-046036A8FC5E}" type="slidenum">
               <a:rPr kumimoji="1" lang="ja-JP" altLang="en-US" smtClean="0"/>
-              <a:t>12</a:t>
+              <a:t>11</a:t>
             </a:fld>
             <a:endParaRPr kumimoji="1" lang="ja-JP" altLang="en-US"/>
           </a:p>
@@ -728,7 +4972,7 @@
     </p:spTree>
     <p:extLst>
       <p:ext uri="{BB962C8B-B14F-4D97-AF65-F5344CB8AC3E}">
-        <p14:creationId xmlns:p14="http://schemas.microsoft.com/office/powerpoint/2010/main" val="1101934132"/>
+        <p14:creationId xmlns:p14="http://schemas.microsoft.com/office/powerpoint/2010/main" val="1934219309"/>
       </p:ext>
     </p:extLst>
   </p:cSld>
@@ -782,7 +5026,47 @@
           <a:bodyPr/>
           <a:lstStyle/>
           <a:p>
-            <a:endParaRPr kumimoji="1" lang="ja-JP" altLang="en-US"/>
+            <a:pPr marL="0" marR="0" indent="0" algn="l" defTabSz="914400" rtl="0" eaLnBrk="1" fontAlgn="auto" latinLnBrk="0" hangingPunct="1">
+              <a:lnSpc>
+                <a:spcPct val="100000"/>
+              </a:lnSpc>
+              <a:spcBef>
+                <a:spcPts val="0"/>
+              </a:spcBef>
+              <a:spcAft>
+                <a:spcPts val="0"/>
+              </a:spcAft>
+              <a:buClrTx/>
+              <a:buSzTx/>
+              <a:buFontTx/>
+              <a:buNone/>
+              <a:tabLst/>
+              <a:defRPr/>
+            </a:pPr>
+            <a:r>
+              <a:rPr kumimoji="1" lang="en-US" altLang="ja-JP" dirty="0" smtClean="0"/>
+              <a:t>Bluetooth</a:t>
+            </a:r>
+            <a:r>
+              <a:rPr kumimoji="1" lang="ja-JP" altLang="en-US" dirty="0" smtClean="0"/>
+              <a:t>や</a:t>
+            </a:r>
+            <a:r>
+              <a:rPr kumimoji="1" lang="en-US" altLang="ja-JP" dirty="0" smtClean="0"/>
+              <a:t>LINE</a:t>
+            </a:r>
+            <a:r>
+              <a:rPr kumimoji="1" lang="ja-JP" altLang="en-US" dirty="0" smtClean="0"/>
+              <a:t>のフルフル機能などをまねて大勢の人と同時に交換することを</a:t>
+            </a:r>
+            <a:r>
+              <a:rPr kumimoji="1" lang="en-US" altLang="ja-JP" dirty="0" err="1" smtClean="0"/>
+              <a:t>Funana</a:t>
+            </a:r>
+            <a:r>
+              <a:rPr kumimoji="1" lang="ja-JP" altLang="en-US" dirty="0" smtClean="0"/>
+              <a:t>上でフルーツバスケットと呼び、バスケットの中にフルーツが入って友達として登録できるという活用方法です。</a:t>
+            </a:r>
           </a:p>
         </p:txBody>
       </p:sp>
@@ -803,7 +5087,7 @@
           <a:p>
             <a:fld id="{20EEE82F-7875-8F43-B19A-046036A8FC5E}" type="slidenum">
               <a:rPr kumimoji="1" lang="ja-JP" altLang="en-US" smtClean="0"/>
-              <a:t>13</a:t>
+              <a:t>12</a:t>
             </a:fld>
             <a:endParaRPr kumimoji="1" lang="ja-JP" altLang="en-US"/>
           </a:p>
@@ -812,7 +5096,7 @@
     </p:spTree>
     <p:extLst>
       <p:ext uri="{BB962C8B-B14F-4D97-AF65-F5344CB8AC3E}">
-        <p14:creationId xmlns:p14="http://schemas.microsoft.com/office/powerpoint/2010/main" val="1260504120"/>
+        <p14:creationId xmlns:p14="http://schemas.microsoft.com/office/powerpoint/2010/main" val="211947468"/>
       </p:ext>
     </p:extLst>
   </p:cSld>
@@ -866,7 +5150,11 @@
           <a:bodyPr/>
           <a:lstStyle/>
           <a:p>
-            <a:endParaRPr kumimoji="1" lang="ja-JP" altLang="en-US"/>
+            <a:r>
+              <a:rPr kumimoji="1" lang="ja-JP" altLang="en-US" dirty="0" smtClean="0"/>
+              <a:t>システムのコンセプトであるフルーツを生かして、集まりや飲み会などを開催する際にミックスジュースという名前の機能で集合を呼びかけることができたらと思います。</a:t>
+            </a:r>
+            <a:endParaRPr kumimoji="1" lang="en-US" altLang="ja-JP" dirty="0" smtClean="0"/>
           </a:p>
         </p:txBody>
       </p:sp>
@@ -887,7 +5175,7 @@
           <a:p>
             <a:fld id="{20EEE82F-7875-8F43-B19A-046036A8FC5E}" type="slidenum">
               <a:rPr kumimoji="1" lang="ja-JP" altLang="en-US" smtClean="0"/>
-              <a:t>14</a:t>
+              <a:t>13</a:t>
             </a:fld>
             <a:endParaRPr kumimoji="1" lang="ja-JP" altLang="en-US"/>
           </a:p>
@@ -896,7 +5184,7 @@
     </p:spTree>
     <p:extLst>
       <p:ext uri="{BB962C8B-B14F-4D97-AF65-F5344CB8AC3E}">
-        <p14:creationId xmlns:p14="http://schemas.microsoft.com/office/powerpoint/2010/main" val="818856426"/>
+        <p14:creationId xmlns:p14="http://schemas.microsoft.com/office/powerpoint/2010/main" val="6150691"/>
       </p:ext>
     </p:extLst>
   </p:cSld>
@@ -950,7 +5238,38 @@
           <a:bodyPr/>
           <a:lstStyle/>
           <a:p>
-            <a:endParaRPr kumimoji="1" lang="ja-JP" altLang="en-US"/>
+            <a:pPr marL="0" marR="0" indent="0" algn="l" defTabSz="914400" rtl="0" eaLnBrk="1" fontAlgn="auto" latinLnBrk="0" hangingPunct="1">
+              <a:lnSpc>
+                <a:spcPct val="100000"/>
+              </a:lnSpc>
+              <a:spcBef>
+                <a:spcPts val="0"/>
+              </a:spcBef>
+              <a:spcAft>
+                <a:spcPts val="0"/>
+              </a:spcAft>
+              <a:buClrTx/>
+              <a:buSzTx/>
+              <a:buFontTx/>
+              <a:buNone/>
+              <a:tabLst/>
+              <a:defRPr/>
+            </a:pPr>
+            <a:r>
+              <a:rPr kumimoji="1" lang="ja-JP" altLang="en-US" dirty="0" smtClean="0"/>
+              <a:t>先ほどのミックスジュースなどのように集会を開く際に、このシステム上でついでにお店や施設を予約できるという機能も考えています。事前に個人個人が</a:t>
+            </a:r>
+            <a:r>
+              <a:rPr kumimoji="1" lang="en-US" altLang="ja-JP" dirty="0" err="1" smtClean="0"/>
+              <a:t>Funana</a:t>
+            </a:r>
+            <a:r>
+              <a:rPr kumimoji="1" lang="ja-JP" altLang="en-US" dirty="0" smtClean="0"/>
+              <a:t>に登録をしてもらう際には、アカウント情報といって電話番号認証やメールアドレスの設定が必須となっているため、お店側も架空の人物ではないという安心感もあり、このシステムの活用発展につながると考えています。また、広告としてお店側施設側には登録してもらうのでマネタイズの面でも補えるとだろうと思います。</a:t>
+            </a:r>
+          </a:p>
+          <a:p>
+            <a:endParaRPr kumimoji="1" lang="ja-JP" altLang="en-US" dirty="0"/>
           </a:p>
         </p:txBody>
       </p:sp>
@@ -980,7 +5299,7 @@
     </p:spTree>
     <p:extLst>
       <p:ext uri="{BB962C8B-B14F-4D97-AF65-F5344CB8AC3E}">
-        <p14:creationId xmlns:p14="http://schemas.microsoft.com/office/powerpoint/2010/main" val="587460252"/>
+        <p14:creationId xmlns:p14="http://schemas.microsoft.com/office/powerpoint/2010/main" val="356459768"/>
       </p:ext>
     </p:extLst>
   </p:cSld>
@@ -1034,7 +5353,48 @@
           <a:bodyPr/>
           <a:lstStyle/>
           <a:p>
-            <a:endParaRPr kumimoji="1" lang="ja-JP" altLang="en-US"/>
+            <a:pPr marL="0" marR="0" indent="0" algn="l" defTabSz="914400" rtl="0" eaLnBrk="1" fontAlgn="auto" latinLnBrk="0" hangingPunct="1">
+              <a:lnSpc>
+                <a:spcPct val="100000"/>
+              </a:lnSpc>
+              <a:spcBef>
+                <a:spcPts val="0"/>
+              </a:spcBef>
+              <a:spcAft>
+                <a:spcPts val="0"/>
+              </a:spcAft>
+              <a:buClrTx/>
+              <a:buSzTx/>
+              <a:buFontTx/>
+              <a:buNone/>
+              <a:tabLst/>
+              <a:defRPr/>
+            </a:pPr>
+            <a:r>
+              <a:rPr kumimoji="1" lang="ja-JP" altLang="en-US" dirty="0" smtClean="0"/>
+              <a:t>ミックスジュースではみんなが</a:t>
+            </a:r>
+            <a:r>
+              <a:rPr kumimoji="1" lang="en-US" altLang="ja-JP" dirty="0" err="1" smtClean="0"/>
+              <a:t>Funana</a:t>
+            </a:r>
+            <a:r>
+              <a:rPr kumimoji="1" lang="ja-JP" altLang="en-US" dirty="0" smtClean="0"/>
+              <a:t>上で交換していることを前提として集まってもらうことを想定していますが、フルーツサンドではこの機能を使う本人が仲介役となって合わせたい人と会を開くという使い方を想定しています。</a:t>
+            </a:r>
+            <a:r>
+              <a:rPr kumimoji="1" lang="en-US" altLang="ja-JP" dirty="0" err="1" smtClean="0"/>
+              <a:t>Funana</a:t>
+            </a:r>
+            <a:r>
+              <a:rPr kumimoji="1" lang="ja-JP" altLang="en-US" dirty="0" smtClean="0"/>
+              <a:t>にはメッセージ交換機能はないので、メッセージのやり取りは本人がそれぞれしてもらう形にはなりますが、どういったシチュエーションでの仲介なのか、規模はどれくらいなのかによってお店やプランを提案していける機能になれたらいいなと思っています。またフルーツサンドを実際に行った人の感想や意見、アドバイスを載せるページも作れたら、と思って</a:t>
+            </a:r>
+            <a:r>
+              <a:rPr kumimoji="1" lang="ja-JP" altLang="en-US" smtClean="0"/>
+              <a:t>います。</a:t>
+            </a:r>
+            <a:endParaRPr kumimoji="1" lang="en-US" altLang="ja-JP" smtClean="0"/>
           </a:p>
         </p:txBody>
       </p:sp>
@@ -1064,7 +5424,343 @@
     </p:spTree>
     <p:extLst>
       <p:ext uri="{BB962C8B-B14F-4D97-AF65-F5344CB8AC3E}">
-        <p14:creationId xmlns:p14="http://schemas.microsoft.com/office/powerpoint/2010/main" val="718167287"/>
+        <p14:creationId xmlns:p14="http://schemas.microsoft.com/office/powerpoint/2010/main" val="1743680837"/>
+      </p:ext>
+    </p:extLst>
+  </p:cSld>
+  <p:clrMapOvr>
+    <a:masterClrMapping/>
+  </p:clrMapOvr>
+</p:notes>
+</file>
+
+<file path=ppt/notesSlides/notesSlide16.xml><?xml version="1.0" encoding="utf-8"?>
+<p:notes xmlns:a="http://schemas.openxmlformats.org/drawingml/2006/main" xmlns:r="http://schemas.openxmlformats.org/officeDocument/2006/relationships" xmlns:p="http://schemas.openxmlformats.org/presentationml/2006/main">
+  <p:cSld>
+    <p:spTree>
+      <p:nvGrpSpPr>
+        <p:cNvPr id="1" name=""/>
+        <p:cNvGrpSpPr/>
+        <p:nvPr/>
+      </p:nvGrpSpPr>
+      <p:grpSpPr>
+        <a:xfrm>
+          <a:off x="0" y="0"/>
+          <a:ext cx="0" cy="0"/>
+          <a:chOff x="0" y="0"/>
+          <a:chExt cx="0" cy="0"/>
+        </a:xfrm>
+      </p:grpSpPr>
+      <p:sp>
+        <p:nvSpPr>
+          <p:cNvPr id="2" name="スライド イメージ プレースホルダー 1"/>
+          <p:cNvSpPr>
+            <a:spLocks noGrp="1" noRot="1" noChangeAspect="1"/>
+          </p:cNvSpPr>
+          <p:nvPr>
+            <p:ph type="sldImg"/>
+          </p:nvPr>
+        </p:nvSpPr>
+        <p:spPr/>
+      </p:sp>
+      <p:sp>
+        <p:nvSpPr>
+          <p:cNvPr id="3" name="ノート プレースホルダー 2"/>
+          <p:cNvSpPr>
+            <a:spLocks noGrp="1"/>
+          </p:cNvSpPr>
+          <p:nvPr>
+            <p:ph type="body" idx="1"/>
+          </p:nvPr>
+        </p:nvSpPr>
+        <p:spPr/>
+        <p:txBody>
+          <a:bodyPr/>
+          <a:lstStyle/>
+          <a:p>
+            <a:endParaRPr kumimoji="1" lang="ja-JP" altLang="en-US"/>
+          </a:p>
+        </p:txBody>
+      </p:sp>
+      <p:sp>
+        <p:nvSpPr>
+          <p:cNvPr id="4" name="スライド番号プレースホルダー 3"/>
+          <p:cNvSpPr>
+            <a:spLocks noGrp="1"/>
+          </p:cNvSpPr>
+          <p:nvPr>
+            <p:ph type="sldNum" sz="quarter" idx="10"/>
+          </p:nvPr>
+        </p:nvSpPr>
+        <p:spPr/>
+        <p:txBody>
+          <a:bodyPr/>
+          <a:lstStyle/>
+          <a:p>
+            <a:fld id="{20EEE82F-7875-8F43-B19A-046036A8FC5E}" type="slidenum">
+              <a:rPr kumimoji="1" lang="ja-JP" altLang="en-US" smtClean="0"/>
+              <a:t>17</a:t>
+            </a:fld>
+            <a:endParaRPr kumimoji="1" lang="ja-JP" altLang="en-US"/>
+          </a:p>
+        </p:txBody>
+      </p:sp>
+    </p:spTree>
+    <p:extLst>
+      <p:ext uri="{BB962C8B-B14F-4D97-AF65-F5344CB8AC3E}">
+        <p14:creationId xmlns:p14="http://schemas.microsoft.com/office/powerpoint/2010/main" val="1101934132"/>
+      </p:ext>
+    </p:extLst>
+  </p:cSld>
+  <p:clrMapOvr>
+    <a:masterClrMapping/>
+  </p:clrMapOvr>
+</p:notes>
+</file>
+
+<file path=ppt/notesSlides/notesSlide17.xml><?xml version="1.0" encoding="utf-8"?>
+<p:notes xmlns:a="http://schemas.openxmlformats.org/drawingml/2006/main" xmlns:r="http://schemas.openxmlformats.org/officeDocument/2006/relationships" xmlns:p="http://schemas.openxmlformats.org/presentationml/2006/main">
+  <p:cSld>
+    <p:spTree>
+      <p:nvGrpSpPr>
+        <p:cNvPr id="1" name=""/>
+        <p:cNvGrpSpPr/>
+        <p:nvPr/>
+      </p:nvGrpSpPr>
+      <p:grpSpPr>
+        <a:xfrm>
+          <a:off x="0" y="0"/>
+          <a:ext cx="0" cy="0"/>
+          <a:chOff x="0" y="0"/>
+          <a:chExt cx="0" cy="0"/>
+        </a:xfrm>
+      </p:grpSpPr>
+      <p:sp>
+        <p:nvSpPr>
+          <p:cNvPr id="2" name="スライド イメージ プレースホルダー 1"/>
+          <p:cNvSpPr>
+            <a:spLocks noGrp="1" noRot="1" noChangeAspect="1"/>
+          </p:cNvSpPr>
+          <p:nvPr>
+            <p:ph type="sldImg"/>
+          </p:nvPr>
+        </p:nvSpPr>
+        <p:spPr/>
+      </p:sp>
+      <p:sp>
+        <p:nvSpPr>
+          <p:cNvPr id="3" name="ノート プレースホルダー 2"/>
+          <p:cNvSpPr>
+            <a:spLocks noGrp="1"/>
+          </p:cNvSpPr>
+          <p:nvPr>
+            <p:ph type="body" idx="1"/>
+          </p:nvPr>
+        </p:nvSpPr>
+        <p:spPr/>
+        <p:txBody>
+          <a:bodyPr/>
+          <a:lstStyle/>
+          <a:p>
+            <a:endParaRPr kumimoji="1" lang="ja-JP" altLang="en-US"/>
+          </a:p>
+        </p:txBody>
+      </p:sp>
+      <p:sp>
+        <p:nvSpPr>
+          <p:cNvPr id="4" name="スライド番号プレースホルダー 3"/>
+          <p:cNvSpPr>
+            <a:spLocks noGrp="1"/>
+          </p:cNvSpPr>
+          <p:nvPr>
+            <p:ph type="sldNum" sz="quarter" idx="10"/>
+          </p:nvPr>
+        </p:nvSpPr>
+        <p:spPr/>
+        <p:txBody>
+          <a:bodyPr/>
+          <a:lstStyle/>
+          <a:p>
+            <a:fld id="{20EEE82F-7875-8F43-B19A-046036A8FC5E}" type="slidenum">
+              <a:rPr kumimoji="1" lang="ja-JP" altLang="en-US" smtClean="0"/>
+              <a:t>18</a:t>
+            </a:fld>
+            <a:endParaRPr kumimoji="1" lang="ja-JP" altLang="en-US"/>
+          </a:p>
+        </p:txBody>
+      </p:sp>
+    </p:spTree>
+    <p:extLst>
+      <p:ext uri="{BB962C8B-B14F-4D97-AF65-F5344CB8AC3E}">
+        <p14:creationId xmlns:p14="http://schemas.microsoft.com/office/powerpoint/2010/main" val="1260504120"/>
+      </p:ext>
+    </p:extLst>
+  </p:cSld>
+  <p:clrMapOvr>
+    <a:masterClrMapping/>
+  </p:clrMapOvr>
+</p:notes>
+</file>
+
+<file path=ppt/notesSlides/notesSlide18.xml><?xml version="1.0" encoding="utf-8"?>
+<p:notes xmlns:a="http://schemas.openxmlformats.org/drawingml/2006/main" xmlns:r="http://schemas.openxmlformats.org/officeDocument/2006/relationships" xmlns:p="http://schemas.openxmlformats.org/presentationml/2006/main">
+  <p:cSld>
+    <p:spTree>
+      <p:nvGrpSpPr>
+        <p:cNvPr id="1" name=""/>
+        <p:cNvGrpSpPr/>
+        <p:nvPr/>
+      </p:nvGrpSpPr>
+      <p:grpSpPr>
+        <a:xfrm>
+          <a:off x="0" y="0"/>
+          <a:ext cx="0" cy="0"/>
+          <a:chOff x="0" y="0"/>
+          <a:chExt cx="0" cy="0"/>
+        </a:xfrm>
+      </p:grpSpPr>
+      <p:sp>
+        <p:nvSpPr>
+          <p:cNvPr id="2" name="スライド イメージ プレースホルダー 1"/>
+          <p:cNvSpPr>
+            <a:spLocks noGrp="1" noRot="1" noChangeAspect="1"/>
+          </p:cNvSpPr>
+          <p:nvPr>
+            <p:ph type="sldImg"/>
+          </p:nvPr>
+        </p:nvSpPr>
+        <p:spPr/>
+      </p:sp>
+      <p:sp>
+        <p:nvSpPr>
+          <p:cNvPr id="3" name="ノート プレースホルダー 2"/>
+          <p:cNvSpPr>
+            <a:spLocks noGrp="1"/>
+          </p:cNvSpPr>
+          <p:nvPr>
+            <p:ph type="body" idx="1"/>
+          </p:nvPr>
+        </p:nvSpPr>
+        <p:spPr/>
+        <p:txBody>
+          <a:bodyPr/>
+          <a:lstStyle/>
+          <a:p>
+            <a:endParaRPr kumimoji="1" lang="ja-JP" altLang="en-US"/>
+          </a:p>
+        </p:txBody>
+      </p:sp>
+      <p:sp>
+        <p:nvSpPr>
+          <p:cNvPr id="4" name="スライド番号プレースホルダー 3"/>
+          <p:cNvSpPr>
+            <a:spLocks noGrp="1"/>
+          </p:cNvSpPr>
+          <p:nvPr>
+            <p:ph type="sldNum" sz="quarter" idx="10"/>
+          </p:nvPr>
+        </p:nvSpPr>
+        <p:spPr/>
+        <p:txBody>
+          <a:bodyPr/>
+          <a:lstStyle/>
+          <a:p>
+            <a:fld id="{20EEE82F-7875-8F43-B19A-046036A8FC5E}" type="slidenum">
+              <a:rPr kumimoji="1" lang="ja-JP" altLang="en-US" smtClean="0"/>
+              <a:t>19</a:t>
+            </a:fld>
+            <a:endParaRPr kumimoji="1" lang="ja-JP" altLang="en-US"/>
+          </a:p>
+        </p:txBody>
+      </p:sp>
+    </p:spTree>
+    <p:extLst>
+      <p:ext uri="{BB962C8B-B14F-4D97-AF65-F5344CB8AC3E}">
+        <p14:creationId xmlns:p14="http://schemas.microsoft.com/office/powerpoint/2010/main" val="818856426"/>
+      </p:ext>
+    </p:extLst>
+  </p:cSld>
+  <p:clrMapOvr>
+    <a:masterClrMapping/>
+  </p:clrMapOvr>
+</p:notes>
+</file>
+
+<file path=ppt/notesSlides/notesSlide19.xml><?xml version="1.0" encoding="utf-8"?>
+<p:notes xmlns:a="http://schemas.openxmlformats.org/drawingml/2006/main" xmlns:r="http://schemas.openxmlformats.org/officeDocument/2006/relationships" xmlns:p="http://schemas.openxmlformats.org/presentationml/2006/main">
+  <p:cSld>
+    <p:spTree>
+      <p:nvGrpSpPr>
+        <p:cNvPr id="1" name=""/>
+        <p:cNvGrpSpPr/>
+        <p:nvPr/>
+      </p:nvGrpSpPr>
+      <p:grpSpPr>
+        <a:xfrm>
+          <a:off x="0" y="0"/>
+          <a:ext cx="0" cy="0"/>
+          <a:chOff x="0" y="0"/>
+          <a:chExt cx="0" cy="0"/>
+        </a:xfrm>
+      </p:grpSpPr>
+      <p:sp>
+        <p:nvSpPr>
+          <p:cNvPr id="2" name="スライド イメージ プレースホルダー 1"/>
+          <p:cNvSpPr>
+            <a:spLocks noGrp="1" noRot="1" noChangeAspect="1"/>
+          </p:cNvSpPr>
+          <p:nvPr>
+            <p:ph type="sldImg"/>
+          </p:nvPr>
+        </p:nvSpPr>
+        <p:spPr/>
+      </p:sp>
+      <p:sp>
+        <p:nvSpPr>
+          <p:cNvPr id="3" name="ノート プレースホルダー 2"/>
+          <p:cNvSpPr>
+            <a:spLocks noGrp="1"/>
+          </p:cNvSpPr>
+          <p:nvPr>
+            <p:ph type="body" idx="1"/>
+          </p:nvPr>
+        </p:nvSpPr>
+        <p:spPr/>
+        <p:txBody>
+          <a:bodyPr/>
+          <a:lstStyle/>
+          <a:p>
+            <a:endParaRPr kumimoji="1" lang="ja-JP" altLang="en-US"/>
+          </a:p>
+        </p:txBody>
+      </p:sp>
+      <p:sp>
+        <p:nvSpPr>
+          <p:cNvPr id="4" name="スライド番号プレースホルダー 3"/>
+          <p:cNvSpPr>
+            <a:spLocks noGrp="1"/>
+          </p:cNvSpPr>
+          <p:nvPr>
+            <p:ph type="sldNum" sz="quarter" idx="10"/>
+          </p:nvPr>
+        </p:nvSpPr>
+        <p:spPr/>
+        <p:txBody>
+          <a:bodyPr/>
+          <a:lstStyle/>
+          <a:p>
+            <a:fld id="{20EEE82F-7875-8F43-B19A-046036A8FC5E}" type="slidenum">
+              <a:rPr kumimoji="1" lang="ja-JP" altLang="en-US" smtClean="0"/>
+              <a:t>20</a:t>
+            </a:fld>
+            <a:endParaRPr kumimoji="1" lang="ja-JP" altLang="en-US"/>
+          </a:p>
+        </p:txBody>
+      </p:sp>
+    </p:spTree>
+    <p:extLst>
+      <p:ext uri="{BB962C8B-B14F-4D97-AF65-F5344CB8AC3E}">
+        <p14:creationId xmlns:p14="http://schemas.microsoft.com/office/powerpoint/2010/main" val="587460252"/>
       </p:ext>
     </p:extLst>
   </p:cSld>
@@ -1152,6 +5848,90 @@
     <p:extLst>
       <p:ext uri="{BB962C8B-B14F-4D97-AF65-F5344CB8AC3E}">
         <p14:creationId xmlns:p14="http://schemas.microsoft.com/office/powerpoint/2010/main" val="1991325190"/>
+      </p:ext>
+    </p:extLst>
+  </p:cSld>
+  <p:clrMapOvr>
+    <a:masterClrMapping/>
+  </p:clrMapOvr>
+</p:notes>
+</file>
+
+<file path=ppt/notesSlides/notesSlide20.xml><?xml version="1.0" encoding="utf-8"?>
+<p:notes xmlns:a="http://schemas.openxmlformats.org/drawingml/2006/main" xmlns:r="http://schemas.openxmlformats.org/officeDocument/2006/relationships" xmlns:p="http://schemas.openxmlformats.org/presentationml/2006/main">
+  <p:cSld>
+    <p:spTree>
+      <p:nvGrpSpPr>
+        <p:cNvPr id="1" name=""/>
+        <p:cNvGrpSpPr/>
+        <p:nvPr/>
+      </p:nvGrpSpPr>
+      <p:grpSpPr>
+        <a:xfrm>
+          <a:off x="0" y="0"/>
+          <a:ext cx="0" cy="0"/>
+          <a:chOff x="0" y="0"/>
+          <a:chExt cx="0" cy="0"/>
+        </a:xfrm>
+      </p:grpSpPr>
+      <p:sp>
+        <p:nvSpPr>
+          <p:cNvPr id="2" name="スライド イメージ プレースホルダー 1"/>
+          <p:cNvSpPr>
+            <a:spLocks noGrp="1" noRot="1" noChangeAspect="1"/>
+          </p:cNvSpPr>
+          <p:nvPr>
+            <p:ph type="sldImg"/>
+          </p:nvPr>
+        </p:nvSpPr>
+        <p:spPr/>
+      </p:sp>
+      <p:sp>
+        <p:nvSpPr>
+          <p:cNvPr id="3" name="ノート プレースホルダー 2"/>
+          <p:cNvSpPr>
+            <a:spLocks noGrp="1"/>
+          </p:cNvSpPr>
+          <p:nvPr>
+            <p:ph type="body" idx="1"/>
+          </p:nvPr>
+        </p:nvSpPr>
+        <p:spPr/>
+        <p:txBody>
+          <a:bodyPr/>
+          <a:lstStyle/>
+          <a:p>
+            <a:endParaRPr kumimoji="1" lang="ja-JP" altLang="en-US"/>
+          </a:p>
+        </p:txBody>
+      </p:sp>
+      <p:sp>
+        <p:nvSpPr>
+          <p:cNvPr id="4" name="スライド番号プレースホルダー 3"/>
+          <p:cNvSpPr>
+            <a:spLocks noGrp="1"/>
+          </p:cNvSpPr>
+          <p:nvPr>
+            <p:ph type="sldNum" sz="quarter" idx="10"/>
+          </p:nvPr>
+        </p:nvSpPr>
+        <p:spPr/>
+        <p:txBody>
+          <a:bodyPr/>
+          <a:lstStyle/>
+          <a:p>
+            <a:fld id="{20EEE82F-7875-8F43-B19A-046036A8FC5E}" type="slidenum">
+              <a:rPr kumimoji="1" lang="ja-JP" altLang="en-US" smtClean="0"/>
+              <a:t>21</a:t>
+            </a:fld>
+            <a:endParaRPr kumimoji="1" lang="ja-JP" altLang="en-US"/>
+          </a:p>
+        </p:txBody>
+      </p:sp>
+    </p:spTree>
+    <p:extLst>
+      <p:ext uri="{BB962C8B-B14F-4D97-AF65-F5344CB8AC3E}">
+        <p14:creationId xmlns:p14="http://schemas.microsoft.com/office/powerpoint/2010/main" val="718167287"/>
       </p:ext>
     </p:extLst>
   </p:cSld>
@@ -1939,7 +6719,7 @@
           <a:p>
             <a:fld id="{6031A710-8DCF-41AD-B432-F49C9633E7CA}" type="datetimeFigureOut">
               <a:rPr kumimoji="1" lang="ja-JP" altLang="en-US" smtClean="0"/>
-              <a:t>2018/6/11</a:t>
+              <a:t>2018/6/14</a:t>
             </a:fld>
             <a:endParaRPr kumimoji="1" lang="ja-JP" altLang="en-US"/>
           </a:p>
@@ -2767,7 +7547,7 @@
           <a:p>
             <a:fld id="{6031A710-8DCF-41AD-B432-F49C9633E7CA}" type="datetimeFigureOut">
               <a:rPr kumimoji="1" lang="ja-JP" altLang="en-US" smtClean="0"/>
-              <a:t>2018/6/11</a:t>
+              <a:t>2018/6/14</a:t>
             </a:fld>
             <a:endParaRPr kumimoji="1" lang="ja-JP" altLang="en-US"/>
           </a:p>
@@ -3605,7 +8385,7 @@
           <a:p>
             <a:fld id="{6031A710-8DCF-41AD-B432-F49C9633E7CA}" type="datetimeFigureOut">
               <a:rPr kumimoji="1" lang="ja-JP" altLang="en-US" smtClean="0"/>
-              <a:t>2018/6/11</a:t>
+              <a:t>2018/6/14</a:t>
             </a:fld>
             <a:endParaRPr kumimoji="1" lang="ja-JP" altLang="en-US"/>
           </a:p>
@@ -4453,7 +9233,7 @@
           <a:p>
             <a:fld id="{6031A710-8DCF-41AD-B432-F49C9633E7CA}" type="datetimeFigureOut">
               <a:rPr kumimoji="1" lang="ja-JP" altLang="en-US" smtClean="0"/>
-              <a:t>2018/6/11</a:t>
+              <a:t>2018/6/14</a:t>
             </a:fld>
             <a:endParaRPr kumimoji="1" lang="ja-JP" altLang="en-US"/>
           </a:p>
@@ -5385,7 +10165,7 @@
           <a:p>
             <a:fld id="{6031A710-8DCF-41AD-B432-F49C9633E7CA}" type="datetimeFigureOut">
               <a:rPr kumimoji="1" lang="ja-JP" altLang="en-US" smtClean="0"/>
-              <a:t>2018/6/11</a:t>
+              <a:t>2018/6/14</a:t>
             </a:fld>
             <a:endParaRPr kumimoji="1" lang="ja-JP" altLang="en-US"/>
           </a:p>
@@ -6283,7 +11063,7 @@
           <a:p>
             <a:fld id="{6031A710-8DCF-41AD-B432-F49C9633E7CA}" type="datetimeFigureOut">
               <a:rPr kumimoji="1" lang="ja-JP" altLang="en-US" smtClean="0"/>
-              <a:t>2018/6/11</a:t>
+              <a:t>2018/6/14</a:t>
             </a:fld>
             <a:endParaRPr kumimoji="1" lang="ja-JP" altLang="en-US"/>
           </a:p>
@@ -7390,7 +12170,7 @@
           <a:p>
             <a:fld id="{6031A710-8DCF-41AD-B432-F49C9633E7CA}" type="datetimeFigureOut">
               <a:rPr kumimoji="1" lang="ja-JP" altLang="en-US" smtClean="0"/>
-              <a:t>2018/6/11</a:t>
+              <a:t>2018/6/14</a:t>
             </a:fld>
             <a:endParaRPr kumimoji="1" lang="ja-JP" altLang="en-US"/>
           </a:p>
@@ -8158,7 +12938,7 @@
           <a:p>
             <a:fld id="{6031A710-8DCF-41AD-B432-F49C9633E7CA}" type="datetimeFigureOut">
               <a:rPr kumimoji="1" lang="ja-JP" altLang="en-US" smtClean="0"/>
-              <a:t>2018/6/11</a:t>
+              <a:t>2018/6/14</a:t>
             </a:fld>
             <a:endParaRPr kumimoji="1" lang="ja-JP" altLang="en-US"/>
           </a:p>
@@ -8903,7 +13683,7 @@
           <a:p>
             <a:fld id="{6031A710-8DCF-41AD-B432-F49C9633E7CA}" type="datetimeFigureOut">
               <a:rPr kumimoji="1" lang="ja-JP" altLang="en-US" smtClean="0"/>
-              <a:t>2018/6/11</a:t>
+              <a:t>2018/6/14</a:t>
             </a:fld>
             <a:endParaRPr kumimoji="1" lang="ja-JP" altLang="en-US"/>
           </a:p>
@@ -9224,7 +14004,7 @@
           <a:p>
             <a:fld id="{6031A710-8DCF-41AD-B432-F49C9633E7CA}" type="datetimeFigureOut">
               <a:rPr kumimoji="1" lang="ja-JP" altLang="en-US" smtClean="0"/>
-              <a:t>2018/6/11</a:t>
+              <a:t>2018/6/14</a:t>
             </a:fld>
             <a:endParaRPr kumimoji="1" lang="ja-JP" altLang="en-US"/>
           </a:p>
@@ -10167,7 +14947,7 @@
           <a:p>
             <a:fld id="{6031A710-8DCF-41AD-B432-F49C9633E7CA}" type="datetimeFigureOut">
               <a:rPr kumimoji="1" lang="ja-JP" altLang="en-US" smtClean="0"/>
-              <a:t>2018/6/11</a:t>
+              <a:t>2018/6/14</a:t>
             </a:fld>
             <a:endParaRPr kumimoji="1" lang="ja-JP" altLang="en-US"/>
           </a:p>
@@ -11110,7 +15890,7 @@
           <a:p>
             <a:fld id="{6031A710-8DCF-41AD-B432-F49C9633E7CA}" type="datetimeFigureOut">
               <a:rPr kumimoji="1" lang="ja-JP" altLang="en-US" smtClean="0"/>
-              <a:t>2018/6/11</a:t>
+              <a:t>2018/6/14</a:t>
             </a:fld>
             <a:endParaRPr kumimoji="1" lang="ja-JP" altLang="en-US"/>
           </a:p>
@@ -11662,6 +16442,13 @@
   <p:clrMapOvr>
     <a:masterClrMapping/>
   </p:clrMapOvr>
+  <p:timing>
+    <p:tnLst>
+      <p:par>
+        <p:cTn id="1" dur="indefinite" restart="never" nodeType="tmRoot"/>
+      </p:par>
+    </p:tnLst>
+  </p:timing>
 </p:sld>
 </file>
 
@@ -11687,7 +16474,7 @@
           <p:cNvPr id="2" name="タイトル 1">
             <a:extLst>
               <a:ext uri="{FF2B5EF4-FFF2-40B4-BE49-F238E27FC236}">
-                <a16:creationId xmlns:a16="http://schemas.microsoft.com/office/drawing/2014/main" id="{181D8B21-9C5E-3342-A88B-F33420E77706}"/>
+                <a16:creationId xmlns:a16="http://schemas.microsoft.com/office/drawing/2014/main" xmlns="" id="{181D8B21-9C5E-3342-A88B-F33420E77706}"/>
               </a:ext>
             </a:extLst>
           </p:cNvPr>
@@ -11698,62 +16485,21 @@
             <p:ph type="title"/>
           </p:nvPr>
         </p:nvSpPr>
-        <p:spPr/>
+        <p:spPr>
+          <a:xfrm>
+            <a:off x="1539094" y="2582976"/>
+            <a:ext cx="8670876" cy="1461188"/>
+          </a:xfrm>
+        </p:spPr>
         <p:txBody>
           <a:bodyPr/>
           <a:lstStyle/>
           <a:p>
-            <a:endParaRPr kumimoji="1" lang="ja-JP" altLang="en-US"/>
-          </a:p>
-        </p:txBody>
-      </p:sp>
-      <p:sp>
-        <p:nvSpPr>
-          <p:cNvPr id="3" name="コンテンツ プレースホルダー 2">
-            <a:extLst>
-              <a:ext uri="{FF2B5EF4-FFF2-40B4-BE49-F238E27FC236}">
-                <a16:creationId xmlns:a16="http://schemas.microsoft.com/office/drawing/2014/main" id="{F3559E1F-CB91-2544-BC4B-A1C02610EE85}"/>
-              </a:ext>
-            </a:extLst>
-          </p:cNvPr>
-          <p:cNvSpPr>
-            <a:spLocks noGrp="1"/>
-          </p:cNvSpPr>
-          <p:nvPr>
-            <p:ph sz="half" idx="1"/>
-          </p:nvPr>
-        </p:nvSpPr>
-        <p:spPr/>
-        <p:txBody>
-          <a:bodyPr/>
-          <a:lstStyle/>
-          <a:p>
-            <a:endParaRPr kumimoji="1" lang="ja-JP" altLang="en-US"/>
-          </a:p>
-        </p:txBody>
-      </p:sp>
-      <p:sp>
-        <p:nvSpPr>
-          <p:cNvPr id="4" name="コンテンツ プレースホルダー 3">
-            <a:extLst>
-              <a:ext uri="{FF2B5EF4-FFF2-40B4-BE49-F238E27FC236}">
-                <a16:creationId xmlns:a16="http://schemas.microsoft.com/office/drawing/2014/main" id="{A3FA0474-F816-E041-A55F-734B6205EE1E}"/>
-              </a:ext>
-            </a:extLst>
-          </p:cNvPr>
-          <p:cNvSpPr>
-            <a:spLocks noGrp="1"/>
-          </p:cNvSpPr>
-          <p:nvPr>
-            <p:ph sz="half" idx="2"/>
-          </p:nvPr>
-        </p:nvSpPr>
-        <p:spPr/>
-        <p:txBody>
-          <a:bodyPr/>
-          <a:lstStyle/>
-          <a:p>
-            <a:endParaRPr kumimoji="1" lang="ja-JP" altLang="en-US"/>
+            <a:r>
+              <a:rPr kumimoji="1" lang="ja-JP" altLang="en-US" dirty="0" smtClean="0"/>
+              <a:t>フルーツ交換</a:t>
+            </a:r>
+            <a:endParaRPr kumimoji="1" lang="ja-JP" altLang="en-US" dirty="0"/>
           </a:p>
         </p:txBody>
       </p:sp>
@@ -11767,6 +16513,13 @@
   <p:clrMapOvr>
     <a:masterClrMapping/>
   </p:clrMapOvr>
+  <p:timing>
+    <p:tnLst>
+      <p:par>
+        <p:cTn id="1" dur="indefinite" restart="never" nodeType="tmRoot"/>
+      </p:par>
+    </p:tnLst>
+  </p:timing>
 </p:sld>
 </file>
 
@@ -11799,38 +16552,39 @@
         </p:nvSpPr>
         <p:spPr>
           <a:xfrm>
-            <a:off x="1285875" y="3075346"/>
+            <a:off x="1426552" y="2892466"/>
             <a:ext cx="8670876" cy="1461188"/>
           </a:xfrm>
         </p:spPr>
         <p:txBody>
-          <a:bodyPr>
-            <a:normAutofit/>
-          </a:bodyPr>
+          <a:bodyPr/>
           <a:lstStyle/>
           <a:p>
-            <a:pPr algn="ctr"/>
-            <a:r>
-              <a:rPr kumimoji="1" lang="en-US" altLang="ja-JP" sz="5400" dirty="0" err="1"/>
-              <a:t>Funana</a:t>
-            </a:r>
-            <a:r>
-              <a:rPr kumimoji="1" lang="ja-JP" altLang="en-US" sz="5400"/>
-              <a:t>の活用</a:t>
-            </a:r>
+            <a:r>
+              <a:rPr kumimoji="1" lang="ja-JP" altLang="en-US" dirty="0" smtClean="0"/>
+              <a:t>フルーツバスケット</a:t>
+            </a:r>
+            <a:endParaRPr kumimoji="1" lang="ja-JP" altLang="en-US" dirty="0"/>
           </a:p>
         </p:txBody>
       </p:sp>
     </p:spTree>
     <p:extLst>
       <p:ext uri="{BB962C8B-B14F-4D97-AF65-F5344CB8AC3E}">
-        <p14:creationId xmlns:p14="http://schemas.microsoft.com/office/powerpoint/2010/main" val="210974799"/>
+        <p14:creationId xmlns:p14="http://schemas.microsoft.com/office/powerpoint/2010/main" val="371084169"/>
       </p:ext>
     </p:extLst>
   </p:cSld>
   <p:clrMapOvr>
     <a:masterClrMapping/>
   </p:clrMapOvr>
+  <p:timing>
+    <p:tnLst>
+      <p:par>
+        <p:cTn id="1" dur="indefinite" restart="never" nodeType="tmRoot"/>
+      </p:par>
+    </p:tnLst>
+  </p:timing>
 </p:sld>
 </file>
 
@@ -11863,34 +16617,39 @@
         </p:nvSpPr>
         <p:spPr>
           <a:xfrm>
-            <a:off x="1285875" y="3075346"/>
+            <a:off x="1454687" y="3005007"/>
             <a:ext cx="8670876" cy="1461188"/>
           </a:xfrm>
         </p:spPr>
         <p:txBody>
-          <a:bodyPr>
-            <a:normAutofit/>
-          </a:bodyPr>
+          <a:bodyPr/>
           <a:lstStyle/>
           <a:p>
-            <a:pPr algn="ctr"/>
-            <a:r>
-              <a:rPr kumimoji="1" lang="ja-JP" altLang="en-US" sz="5400"/>
-              <a:t>グループワークでの使用</a:t>
-            </a:r>
+            <a:r>
+              <a:rPr kumimoji="1" lang="ja-JP" altLang="en-US" dirty="0" smtClean="0"/>
+              <a:t>ミックスジュース</a:t>
+            </a:r>
+            <a:endParaRPr kumimoji="1" lang="ja-JP" altLang="en-US" dirty="0"/>
           </a:p>
         </p:txBody>
       </p:sp>
     </p:spTree>
     <p:extLst>
       <p:ext uri="{BB962C8B-B14F-4D97-AF65-F5344CB8AC3E}">
-        <p14:creationId xmlns:p14="http://schemas.microsoft.com/office/powerpoint/2010/main" val="4046696943"/>
+        <p14:creationId xmlns:p14="http://schemas.microsoft.com/office/powerpoint/2010/main" val="1817976966"/>
       </p:ext>
     </p:extLst>
   </p:cSld>
   <p:clrMapOvr>
     <a:masterClrMapping/>
   </p:clrMapOvr>
+  <p:timing>
+    <p:tnLst>
+      <p:par>
+        <p:cTn id="1" dur="indefinite" restart="never" nodeType="tmRoot"/>
+      </p:par>
+    </p:tnLst>
+  </p:timing>
 </p:sld>
 </file>
 
@@ -11913,52 +16672,112 @@
       </p:grpSpPr>
       <p:sp>
         <p:nvSpPr>
-          <p:cNvPr id="2" name="タイトル 1"/>
+          <p:cNvPr id="3" name="コンテンツ プレースホルダー 2"/>
           <p:cNvSpPr>
             <a:spLocks noGrp="1"/>
           </p:cNvSpPr>
           <p:nvPr>
-            <p:ph type="title"/>
+            <p:ph sz="half" idx="1"/>
           </p:nvPr>
         </p:nvSpPr>
         <p:spPr>
           <a:xfrm>
-            <a:off x="1285875" y="3075346"/>
-            <a:ext cx="8670876" cy="1461188"/>
+            <a:off x="1285874" y="647114"/>
+            <a:ext cx="4161533" cy="6161844"/>
           </a:xfrm>
         </p:spPr>
         <p:txBody>
           <a:bodyPr>
-            <a:normAutofit/>
+            <a:normAutofit fontScale="77500" lnSpcReduction="20000"/>
           </a:bodyPr>
           <a:lstStyle/>
           <a:p>
-            <a:pPr algn="ctr"/>
-            <a:r>
-              <a:rPr kumimoji="1" lang="ja-JP" altLang="en-US" sz="5400"/>
-              <a:t>名刺に</a:t>
-            </a:r>
-            <a:r>
-              <a:rPr kumimoji="1" lang="en-US" altLang="ja-JP" sz="5400" dirty="0"/>
-              <a:t>QR</a:t>
-            </a:r>
-            <a:r>
-              <a:rPr kumimoji="1" lang="ja-JP" altLang="en-US" sz="5400"/>
-              <a:t>コードを印字</a:t>
-            </a:r>
+            <a:endParaRPr lang="en-US" altLang="ja-JP" dirty="0"/>
+          </a:p>
+          <a:p>
+            <a:endParaRPr lang="en-US" altLang="ja-JP" dirty="0"/>
+          </a:p>
+          <a:p>
+            <a:r>
+              <a:rPr lang="ja-JP" altLang="en-US" dirty="0"/>
+              <a:t>集合する全員がフルーツ交換をしていること前提での集まり</a:t>
+            </a:r>
+            <a:endParaRPr lang="en-US" altLang="ja-JP" dirty="0"/>
+          </a:p>
+          <a:p>
+            <a:endParaRPr lang="en-US" altLang="ja-JP" dirty="0"/>
+          </a:p>
+          <a:p>
+            <a:endParaRPr lang="en-US" altLang="ja-JP" dirty="0"/>
+          </a:p>
+          <a:p>
+            <a:r>
+              <a:rPr lang="ja-JP" altLang="en-US" dirty="0"/>
+              <a:t>ある程度のプランは主催側が決定するが、アンケートの機能も搭載し全員で決定してくことも可能</a:t>
+            </a:r>
+            <a:endParaRPr lang="en-US" altLang="ja-JP" dirty="0"/>
+          </a:p>
+          <a:p>
+            <a:endParaRPr lang="en-US" altLang="ja-JP" dirty="0"/>
+          </a:p>
+          <a:p>
+            <a:endParaRPr lang="en-US" altLang="ja-JP" dirty="0"/>
+          </a:p>
+          <a:p>
+            <a:r>
+              <a:rPr lang="ja-JP" altLang="en-US" dirty="0"/>
+              <a:t>主催側はすでにプランが決定しているのであれば参加の可否のみを取ることも可能</a:t>
+            </a:r>
+            <a:endParaRPr lang="en-US" altLang="ja-JP" dirty="0"/>
+          </a:p>
+          <a:p>
+            <a:endParaRPr kumimoji="1" lang="ja-JP" altLang="en-US" dirty="0"/>
+          </a:p>
+        </p:txBody>
+      </p:sp>
+      <p:sp>
+        <p:nvSpPr>
+          <p:cNvPr id="4" name="コンテンツ プレースホルダー 3"/>
+          <p:cNvSpPr>
+            <a:spLocks noGrp="1"/>
+          </p:cNvSpPr>
+          <p:nvPr>
+            <p:ph sz="half" idx="2"/>
+          </p:nvPr>
+        </p:nvSpPr>
+        <p:spPr>
+          <a:xfrm>
+            <a:off x="5806894" y="647114"/>
+            <a:ext cx="4161533" cy="6161844"/>
+          </a:xfrm>
+        </p:spPr>
+        <p:txBody>
+          <a:bodyPr>
+            <a:normAutofit fontScale="77500" lnSpcReduction="20000"/>
+          </a:bodyPr>
+          <a:lstStyle/>
+          <a:p>
+            <a:endParaRPr kumimoji="1" lang="ja-JP" altLang="en-US"/>
           </a:p>
         </p:txBody>
       </p:sp>
     </p:spTree>
     <p:extLst>
       <p:ext uri="{BB962C8B-B14F-4D97-AF65-F5344CB8AC3E}">
-        <p14:creationId xmlns:p14="http://schemas.microsoft.com/office/powerpoint/2010/main" val="4216379226"/>
+        <p14:creationId xmlns:p14="http://schemas.microsoft.com/office/powerpoint/2010/main" val="90945513"/>
       </p:ext>
     </p:extLst>
   </p:cSld>
   <p:clrMapOvr>
     <a:masterClrMapping/>
   </p:clrMapOvr>
+  <p:timing>
+    <p:tnLst>
+      <p:par>
+        <p:cTn id="1" dur="indefinite" restart="never" nodeType="tmRoot"/>
+      </p:par>
+    </p:tnLst>
+  </p:timing>
 </p:sld>
 </file>
 
@@ -11991,31 +16810,39 @@
         </p:nvSpPr>
         <p:spPr>
           <a:xfrm>
-            <a:off x="1285875" y="3075346"/>
+            <a:off x="1384349" y="2822127"/>
             <a:ext cx="8670876" cy="1461188"/>
           </a:xfrm>
         </p:spPr>
         <p:txBody>
-          <a:bodyPr>
-            <a:normAutofit/>
-          </a:bodyPr>
+          <a:bodyPr/>
           <a:lstStyle/>
           <a:p>
-            <a:pPr algn="ctr"/>
-            <a:endParaRPr kumimoji="1" lang="ja-JP" altLang="en-US" sz="5400"/>
+            <a:r>
+              <a:rPr kumimoji="1" lang="ja-JP" altLang="en-US" dirty="0" smtClean="0"/>
+              <a:t>果実園</a:t>
+            </a:r>
+            <a:endParaRPr kumimoji="1" lang="ja-JP" altLang="en-US" dirty="0"/>
           </a:p>
         </p:txBody>
       </p:sp>
     </p:spTree>
     <p:extLst>
       <p:ext uri="{BB962C8B-B14F-4D97-AF65-F5344CB8AC3E}">
-        <p14:creationId xmlns:p14="http://schemas.microsoft.com/office/powerpoint/2010/main" val="3913710703"/>
+        <p14:creationId xmlns:p14="http://schemas.microsoft.com/office/powerpoint/2010/main" val="1973095489"/>
       </p:ext>
     </p:extLst>
   </p:cSld>
   <p:clrMapOvr>
     <a:masterClrMapping/>
   </p:clrMapOvr>
+  <p:timing>
+    <p:tnLst>
+      <p:par>
+        <p:cTn id="1" dur="indefinite" restart="never" nodeType="tmRoot"/>
+      </p:par>
+    </p:tnLst>
+  </p:timing>
 </p:sld>
 </file>
 
@@ -12048,6 +16875,71 @@
         </p:nvSpPr>
         <p:spPr>
           <a:xfrm>
+            <a:off x="1454688" y="2850262"/>
+            <a:ext cx="8670876" cy="1461188"/>
+          </a:xfrm>
+        </p:spPr>
+        <p:txBody>
+          <a:bodyPr/>
+          <a:lstStyle/>
+          <a:p>
+            <a:r>
+              <a:rPr kumimoji="1" lang="ja-JP" altLang="en-US" dirty="0" smtClean="0"/>
+              <a:t>フルーツサンド</a:t>
+            </a:r>
+            <a:endParaRPr kumimoji="1" lang="ja-JP" altLang="en-US" dirty="0"/>
+          </a:p>
+        </p:txBody>
+      </p:sp>
+    </p:spTree>
+    <p:extLst>
+      <p:ext uri="{BB962C8B-B14F-4D97-AF65-F5344CB8AC3E}">
+        <p14:creationId xmlns:p14="http://schemas.microsoft.com/office/powerpoint/2010/main" val="1687429293"/>
+      </p:ext>
+    </p:extLst>
+  </p:cSld>
+  <p:clrMapOvr>
+    <a:masterClrMapping/>
+  </p:clrMapOvr>
+  <p:timing>
+    <p:tnLst>
+      <p:par>
+        <p:cTn id="1" dur="indefinite" restart="never" nodeType="tmRoot"/>
+      </p:par>
+    </p:tnLst>
+  </p:timing>
+</p:sld>
+</file>
+
+<file path=ppt/slides/slide17.xml><?xml version="1.0" encoding="utf-8"?>
+<p:sld xmlns:a="http://schemas.openxmlformats.org/drawingml/2006/main" xmlns:r="http://schemas.openxmlformats.org/officeDocument/2006/relationships" xmlns:p="http://schemas.openxmlformats.org/presentationml/2006/main">
+  <p:cSld>
+    <p:spTree>
+      <p:nvGrpSpPr>
+        <p:cNvPr id="1" name=""/>
+        <p:cNvGrpSpPr/>
+        <p:nvPr/>
+      </p:nvGrpSpPr>
+      <p:grpSpPr>
+        <a:xfrm>
+          <a:off x="0" y="0"/>
+          <a:ext cx="0" cy="0"/>
+          <a:chOff x="0" y="0"/>
+          <a:chExt cx="0" cy="0"/>
+        </a:xfrm>
+      </p:grpSpPr>
+      <p:sp>
+        <p:nvSpPr>
+          <p:cNvPr id="2" name="タイトル 1"/>
+          <p:cNvSpPr>
+            <a:spLocks noGrp="1"/>
+          </p:cNvSpPr>
+          <p:nvPr>
+            <p:ph type="title"/>
+          </p:nvPr>
+        </p:nvSpPr>
+        <p:spPr>
+          <a:xfrm>
             <a:off x="1285875" y="3075346"/>
             <a:ext cx="8670876" cy="1461188"/>
           </a:xfrm>
@@ -12060,8 +16952,12 @@
           <a:p>
             <a:pPr algn="ctr"/>
             <a:r>
+              <a:rPr kumimoji="1" lang="en-US" altLang="ja-JP" sz="5400" dirty="0" err="1"/>
+              <a:t>Funana</a:t>
+            </a:r>
+            <a:r>
               <a:rPr kumimoji="1" lang="ja-JP" altLang="en-US" sz="5400"/>
-              <a:t>コミュニケーションの促進</a:t>
+              <a:t>の活用</a:t>
             </a:r>
           </a:p>
         </p:txBody>
@@ -12069,13 +16965,162 @@
     </p:spTree>
     <p:extLst>
       <p:ext uri="{BB962C8B-B14F-4D97-AF65-F5344CB8AC3E}">
-        <p14:creationId xmlns:p14="http://schemas.microsoft.com/office/powerpoint/2010/main" val="257685157"/>
+        <p14:creationId xmlns:p14="http://schemas.microsoft.com/office/powerpoint/2010/main" val="210974799"/>
       </p:ext>
     </p:extLst>
   </p:cSld>
   <p:clrMapOvr>
     <a:masterClrMapping/>
   </p:clrMapOvr>
+  <p:timing>
+    <p:tnLst>
+      <p:par>
+        <p:cTn id="1" dur="indefinite" restart="never" nodeType="tmRoot"/>
+      </p:par>
+    </p:tnLst>
+  </p:timing>
+</p:sld>
+</file>
+
+<file path=ppt/slides/slide18.xml><?xml version="1.0" encoding="utf-8"?>
+<p:sld xmlns:a="http://schemas.openxmlformats.org/drawingml/2006/main" xmlns:r="http://schemas.openxmlformats.org/officeDocument/2006/relationships" xmlns:p="http://schemas.openxmlformats.org/presentationml/2006/main">
+  <p:cSld>
+    <p:spTree>
+      <p:nvGrpSpPr>
+        <p:cNvPr id="1" name=""/>
+        <p:cNvGrpSpPr/>
+        <p:nvPr/>
+      </p:nvGrpSpPr>
+      <p:grpSpPr>
+        <a:xfrm>
+          <a:off x="0" y="0"/>
+          <a:ext cx="0" cy="0"/>
+          <a:chOff x="0" y="0"/>
+          <a:chExt cx="0" cy="0"/>
+        </a:xfrm>
+      </p:grpSpPr>
+      <p:sp>
+        <p:nvSpPr>
+          <p:cNvPr id="2" name="タイトル 1"/>
+          <p:cNvSpPr>
+            <a:spLocks noGrp="1"/>
+          </p:cNvSpPr>
+          <p:nvPr>
+            <p:ph type="title"/>
+          </p:nvPr>
+        </p:nvSpPr>
+        <p:spPr>
+          <a:xfrm>
+            <a:off x="1285875" y="3075346"/>
+            <a:ext cx="8670876" cy="1461188"/>
+          </a:xfrm>
+        </p:spPr>
+        <p:txBody>
+          <a:bodyPr>
+            <a:normAutofit/>
+          </a:bodyPr>
+          <a:lstStyle/>
+          <a:p>
+            <a:pPr algn="ctr"/>
+            <a:r>
+              <a:rPr kumimoji="1" lang="ja-JP" altLang="en-US" sz="5400"/>
+              <a:t>グループワークでの使用</a:t>
+            </a:r>
+          </a:p>
+        </p:txBody>
+      </p:sp>
+    </p:spTree>
+    <p:extLst>
+      <p:ext uri="{BB962C8B-B14F-4D97-AF65-F5344CB8AC3E}">
+        <p14:creationId xmlns:p14="http://schemas.microsoft.com/office/powerpoint/2010/main" val="4046696943"/>
+      </p:ext>
+    </p:extLst>
+  </p:cSld>
+  <p:clrMapOvr>
+    <a:masterClrMapping/>
+  </p:clrMapOvr>
+  <p:timing>
+    <p:tnLst>
+      <p:par>
+        <p:cTn id="1" dur="indefinite" restart="never" nodeType="tmRoot"/>
+      </p:par>
+    </p:tnLst>
+  </p:timing>
+</p:sld>
+</file>
+
+<file path=ppt/slides/slide19.xml><?xml version="1.0" encoding="utf-8"?>
+<p:sld xmlns:a="http://schemas.openxmlformats.org/drawingml/2006/main" xmlns:r="http://schemas.openxmlformats.org/officeDocument/2006/relationships" xmlns:p="http://schemas.openxmlformats.org/presentationml/2006/main">
+  <p:cSld>
+    <p:spTree>
+      <p:nvGrpSpPr>
+        <p:cNvPr id="1" name=""/>
+        <p:cNvGrpSpPr/>
+        <p:nvPr/>
+      </p:nvGrpSpPr>
+      <p:grpSpPr>
+        <a:xfrm>
+          <a:off x="0" y="0"/>
+          <a:ext cx="0" cy="0"/>
+          <a:chOff x="0" y="0"/>
+          <a:chExt cx="0" cy="0"/>
+        </a:xfrm>
+      </p:grpSpPr>
+      <p:sp>
+        <p:nvSpPr>
+          <p:cNvPr id="2" name="タイトル 1"/>
+          <p:cNvSpPr>
+            <a:spLocks noGrp="1"/>
+          </p:cNvSpPr>
+          <p:nvPr>
+            <p:ph type="title"/>
+          </p:nvPr>
+        </p:nvSpPr>
+        <p:spPr>
+          <a:xfrm>
+            <a:off x="1285875" y="3075346"/>
+            <a:ext cx="8670876" cy="1461188"/>
+          </a:xfrm>
+        </p:spPr>
+        <p:txBody>
+          <a:bodyPr>
+            <a:normAutofit/>
+          </a:bodyPr>
+          <a:lstStyle/>
+          <a:p>
+            <a:pPr algn="ctr"/>
+            <a:r>
+              <a:rPr kumimoji="1" lang="ja-JP" altLang="en-US" sz="5400"/>
+              <a:t>名刺に</a:t>
+            </a:r>
+            <a:r>
+              <a:rPr kumimoji="1" lang="en-US" altLang="ja-JP" sz="5400" dirty="0"/>
+              <a:t>QR</a:t>
+            </a:r>
+            <a:r>
+              <a:rPr kumimoji="1" lang="ja-JP" altLang="en-US" sz="5400"/>
+              <a:t>コードを印字</a:t>
+            </a:r>
+          </a:p>
+        </p:txBody>
+      </p:sp>
+    </p:spTree>
+    <p:extLst>
+      <p:ext uri="{BB962C8B-B14F-4D97-AF65-F5344CB8AC3E}">
+        <p14:creationId xmlns:p14="http://schemas.microsoft.com/office/powerpoint/2010/main" val="4216379226"/>
+      </p:ext>
+    </p:extLst>
+  </p:cSld>
+  <p:clrMapOvr>
+    <a:masterClrMapping/>
+  </p:clrMapOvr>
+  <p:timing>
+    <p:tnLst>
+      <p:par>
+        <p:cTn id="1" dur="indefinite" restart="never" nodeType="tmRoot"/>
+      </p:par>
+    </p:tnLst>
+  </p:timing>
 </p:sld>
 </file>
 
@@ -12112,69 +17157,34 @@
           <a:lstStyle/>
           <a:p>
             <a:r>
-              <a:rPr kumimoji="1" lang="ja-JP" altLang="en-US"/>
+              <a:rPr kumimoji="1" lang="ja-JP" altLang="en-US" dirty="0"/>
               <a:t>目次</a:t>
             </a:r>
           </a:p>
         </p:txBody>
       </p:sp>
-      <p:sp>
-        <p:nvSpPr>
-          <p:cNvPr id="3" name="コンテンツ プレースホルダー 2"/>
-          <p:cNvSpPr>
-            <a:spLocks noGrp="1"/>
-          </p:cNvSpPr>
+      <p:graphicFrame>
+        <p:nvGraphicFramePr>
+          <p:cNvPr id="6" name="図表 5"/>
+          <p:cNvGraphicFramePr/>
           <p:nvPr>
-            <p:ph idx="1"/>
+            <p:extLst>
+              <p:ext uri="{D42A27DB-BD31-4B8C-83A1-F6EECF244321}">
+                <p14:modId xmlns:p14="http://schemas.microsoft.com/office/powerpoint/2010/main" val="85509842"/>
+              </p:ext>
+            </p:extLst>
           </p:nvPr>
-        </p:nvSpPr>
-        <p:spPr/>
-        <p:txBody>
-          <a:bodyPr/>
-          <a:lstStyle/>
-          <a:p>
-            <a:pPr marL="0" indent="0">
-              <a:buNone/>
-            </a:pPr>
-            <a:endParaRPr kumimoji="1" lang="en-US" altLang="ja-JP" dirty="0"/>
-          </a:p>
-          <a:p>
-            <a:r>
-              <a:rPr lang="ja-JP" altLang="en-US"/>
-              <a:t>コンセプト</a:t>
-            </a:r>
-            <a:endParaRPr lang="en-US" altLang="ja-JP" dirty="0"/>
-          </a:p>
-          <a:p>
-            <a:r>
-              <a:rPr lang="ja-JP" altLang="en-US"/>
-              <a:t>使用方法</a:t>
-            </a:r>
-            <a:endParaRPr lang="en-US" altLang="ja-JP" dirty="0"/>
-          </a:p>
-          <a:p>
-            <a:r>
-              <a:rPr lang="ja-JP" altLang="en-US"/>
-              <a:t>活用方法</a:t>
-            </a:r>
-            <a:endParaRPr lang="en-US" altLang="ja-JP" dirty="0"/>
-          </a:p>
-          <a:p>
-            <a:r>
-              <a:rPr lang="ja-JP" altLang="en-US"/>
-              <a:t>まとめ</a:t>
-            </a:r>
-            <a:endParaRPr lang="en-US" altLang="ja-JP" dirty="0"/>
-          </a:p>
-          <a:p>
-            <a:r>
-              <a:rPr kumimoji="1" lang="ja-JP" altLang="en-US"/>
-              <a:t>質疑応答</a:t>
-            </a:r>
-            <a:endParaRPr kumimoji="1" lang="en-US" altLang="ja-JP" dirty="0"/>
-          </a:p>
-        </p:txBody>
-      </p:sp>
+        </p:nvGraphicFramePr>
+        <p:xfrm>
+          <a:off x="1285874" y="1207449"/>
+          <a:ext cx="8392698" cy="6155796"/>
+        </p:xfrm>
+        <a:graphic>
+          <a:graphicData uri="http://schemas.openxmlformats.org/drawingml/2006/diagram">
+            <dgm:relIds xmlns:dgm="http://schemas.openxmlformats.org/drawingml/2006/diagram" xmlns:r="http://schemas.openxmlformats.org/officeDocument/2006/relationships" r:dm="rId3" r:lo="rId4" r:qs="rId5" r:cs="rId6"/>
+          </a:graphicData>
+        </a:graphic>
+      </p:graphicFrame>
     </p:spTree>
     <p:extLst>
       <p:ext uri="{BB962C8B-B14F-4D97-AF65-F5344CB8AC3E}">
@@ -12185,6 +17195,137 @@
   <p:clrMapOvr>
     <a:masterClrMapping/>
   </p:clrMapOvr>
+</p:sld>
+</file>
+
+<file path=ppt/slides/slide20.xml><?xml version="1.0" encoding="utf-8"?>
+<p:sld xmlns:a="http://schemas.openxmlformats.org/drawingml/2006/main" xmlns:r="http://schemas.openxmlformats.org/officeDocument/2006/relationships" xmlns:p="http://schemas.openxmlformats.org/presentationml/2006/main">
+  <p:cSld>
+    <p:spTree>
+      <p:nvGrpSpPr>
+        <p:cNvPr id="1" name=""/>
+        <p:cNvGrpSpPr/>
+        <p:nvPr/>
+      </p:nvGrpSpPr>
+      <p:grpSpPr>
+        <a:xfrm>
+          <a:off x="0" y="0"/>
+          <a:ext cx="0" cy="0"/>
+          <a:chOff x="0" y="0"/>
+          <a:chExt cx="0" cy="0"/>
+        </a:xfrm>
+      </p:grpSpPr>
+      <p:sp>
+        <p:nvSpPr>
+          <p:cNvPr id="2" name="タイトル 1"/>
+          <p:cNvSpPr>
+            <a:spLocks noGrp="1"/>
+          </p:cNvSpPr>
+          <p:nvPr>
+            <p:ph type="title"/>
+          </p:nvPr>
+        </p:nvSpPr>
+        <p:spPr>
+          <a:xfrm>
+            <a:off x="1285875" y="3075346"/>
+            <a:ext cx="8670876" cy="1461188"/>
+          </a:xfrm>
+        </p:spPr>
+        <p:txBody>
+          <a:bodyPr>
+            <a:normAutofit/>
+          </a:bodyPr>
+          <a:lstStyle/>
+          <a:p>
+            <a:pPr algn="ctr"/>
+            <a:endParaRPr kumimoji="1" lang="ja-JP" altLang="en-US" sz="5400"/>
+          </a:p>
+        </p:txBody>
+      </p:sp>
+    </p:spTree>
+    <p:extLst>
+      <p:ext uri="{BB962C8B-B14F-4D97-AF65-F5344CB8AC3E}">
+        <p14:creationId xmlns:p14="http://schemas.microsoft.com/office/powerpoint/2010/main" val="3913710703"/>
+      </p:ext>
+    </p:extLst>
+  </p:cSld>
+  <p:clrMapOvr>
+    <a:masterClrMapping/>
+  </p:clrMapOvr>
+  <p:timing>
+    <p:tnLst>
+      <p:par>
+        <p:cTn id="1" dur="indefinite" restart="never" nodeType="tmRoot"/>
+      </p:par>
+    </p:tnLst>
+  </p:timing>
+</p:sld>
+</file>
+
+<file path=ppt/slides/slide21.xml><?xml version="1.0" encoding="utf-8"?>
+<p:sld xmlns:a="http://schemas.openxmlformats.org/drawingml/2006/main" xmlns:r="http://schemas.openxmlformats.org/officeDocument/2006/relationships" xmlns:p="http://schemas.openxmlformats.org/presentationml/2006/main">
+  <p:cSld>
+    <p:spTree>
+      <p:nvGrpSpPr>
+        <p:cNvPr id="1" name=""/>
+        <p:cNvGrpSpPr/>
+        <p:nvPr/>
+      </p:nvGrpSpPr>
+      <p:grpSpPr>
+        <a:xfrm>
+          <a:off x="0" y="0"/>
+          <a:ext cx="0" cy="0"/>
+          <a:chOff x="0" y="0"/>
+          <a:chExt cx="0" cy="0"/>
+        </a:xfrm>
+      </p:grpSpPr>
+      <p:sp>
+        <p:nvSpPr>
+          <p:cNvPr id="2" name="タイトル 1"/>
+          <p:cNvSpPr>
+            <a:spLocks noGrp="1"/>
+          </p:cNvSpPr>
+          <p:nvPr>
+            <p:ph type="title"/>
+          </p:nvPr>
+        </p:nvSpPr>
+        <p:spPr>
+          <a:xfrm>
+            <a:off x="1285875" y="3075346"/>
+            <a:ext cx="8670876" cy="1461188"/>
+          </a:xfrm>
+        </p:spPr>
+        <p:txBody>
+          <a:bodyPr>
+            <a:normAutofit/>
+          </a:bodyPr>
+          <a:lstStyle/>
+          <a:p>
+            <a:pPr algn="ctr"/>
+            <a:r>
+              <a:rPr kumimoji="1" lang="ja-JP" altLang="en-US" sz="5400"/>
+              <a:t>コミュニケーションの促進</a:t>
+            </a:r>
+          </a:p>
+        </p:txBody>
+      </p:sp>
+    </p:spTree>
+    <p:extLst>
+      <p:ext uri="{BB962C8B-B14F-4D97-AF65-F5344CB8AC3E}">
+        <p14:creationId xmlns:p14="http://schemas.microsoft.com/office/powerpoint/2010/main" val="257685157"/>
+      </p:ext>
+    </p:extLst>
+  </p:cSld>
+  <p:clrMapOvr>
+    <a:masterClrMapping/>
+  </p:clrMapOvr>
+  <p:timing>
+    <p:tnLst>
+      <p:par>
+        <p:cTn id="1" dur="indefinite" restart="never" nodeType="tmRoot"/>
+      </p:par>
+    </p:tnLst>
+  </p:timing>
 </p:sld>
 </file>
 
@@ -12217,7 +17358,7 @@
         </p:nvSpPr>
         <p:spPr>
           <a:xfrm>
-            <a:off x="1285875" y="3075346"/>
+            <a:off x="1117062" y="2934670"/>
             <a:ext cx="8670876" cy="1461188"/>
           </a:xfrm>
         </p:spPr>
@@ -12245,6 +17386,13 @@
   <p:clrMapOvr>
     <a:masterClrMapping/>
   </p:clrMapOvr>
+  <p:timing>
+    <p:tnLst>
+      <p:par>
+        <p:cTn id="1" dur="indefinite" restart="never" nodeType="tmRoot"/>
+      </p:par>
+    </p:tnLst>
+  </p:timing>
 </p:sld>
 </file>
 
@@ -12277,8 +17425,8 @@
         </p:nvSpPr>
         <p:spPr>
           <a:xfrm>
-            <a:off x="1285875" y="3075346"/>
-            <a:ext cx="8670876" cy="1461188"/>
+            <a:off x="1215534" y="1232479"/>
+            <a:ext cx="9152353" cy="1243436"/>
           </a:xfrm>
         </p:spPr>
         <p:txBody>
@@ -12289,12 +17437,84 @@
           <a:p>
             <a:pPr algn="ctr"/>
             <a:r>
-              <a:rPr kumimoji="1" lang="ja-JP" altLang="en-US" sz="4800"/>
-              <a:t>フルーツ✖️コミュニケーション</a:t>
-            </a:r>
+              <a:rPr kumimoji="1" lang="ja-JP" altLang="en-US" sz="4800" dirty="0" smtClean="0"/>
+              <a:t>フルーツ</a:t>
+            </a:r>
+            <a:r>
+              <a:rPr kumimoji="1" lang="en-US" altLang="ja-JP" sz="4800" dirty="0" smtClean="0"/>
+              <a:t> </a:t>
+            </a:r>
+            <a:r>
+              <a:rPr kumimoji="1" lang="ja-JP" altLang="en-US" sz="4800" dirty="0" smtClean="0">
+                <a:solidFill>
+                  <a:srgbClr val="FF0000"/>
+                </a:solidFill>
+              </a:rPr>
+              <a:t>✖</a:t>
+            </a:r>
+            <a:r>
+              <a:rPr kumimoji="1" lang="en-US" altLang="ja-JP" sz="4800" dirty="0" smtClean="0">
+                <a:solidFill>
+                  <a:srgbClr val="FF0000"/>
+                </a:solidFill>
+              </a:rPr>
+              <a:t> </a:t>
+            </a:r>
+            <a:r>
+              <a:rPr kumimoji="1" lang="ja-JP" altLang="en-US" sz="4800" dirty="0" smtClean="0"/>
+              <a:t>コミュニケーション</a:t>
+            </a:r>
+            <a:endParaRPr kumimoji="1" lang="ja-JP" altLang="en-US" sz="4800" dirty="0"/>
           </a:p>
         </p:txBody>
       </p:sp>
+      <p:pic>
+        <p:nvPicPr>
+          <p:cNvPr id="4" name="図 3"/>
+          <p:cNvPicPr>
+            <a:picLocks noChangeAspect="1"/>
+          </p:cNvPicPr>
+          <p:nvPr/>
+        </p:nvPicPr>
+        <p:blipFill>
+          <a:blip r:embed="rId3">
+            <a:extLst>
+              <a:ext uri="{BEBA8EAE-BF5A-486C-A8C5-ECC9F3942E4B}">
+                <a14:imgProps xmlns:a14="http://schemas.microsoft.com/office/drawing/2010/main">
+                  <a14:imgLayer r:embed="rId4">
+                    <a14:imgEffect>
+                      <a14:backgroundRemoval t="10000" b="90000" l="889" r="98000">
+                        <a14:foregroundMark x1="16444" y1="46842" x2="16444" y2="46842"/>
+                        <a14:foregroundMark x1="16889" y1="33421" x2="16889" y2="33421"/>
+                        <a14:foregroundMark x1="23556" y1="67368" x2="23556" y2="67368"/>
+                        <a14:foregroundMark x1="52000" y1="51053" x2="52000" y2="51053"/>
+                        <a14:foregroundMark x1="7778" y1="55526" x2="7778" y2="55526"/>
+                        <a14:foregroundMark x1="11778" y1="53421" x2="11778" y2="53421"/>
+                        <a14:foregroundMark x1="4889" y1="55789" x2="4889" y2="55789"/>
+                      </a14:backgroundRemoval>
+                    </a14:imgEffect>
+                  </a14:imgLayer>
+                </a14:imgProps>
+              </a:ext>
+              <a:ext uri="{28A0092B-C50C-407E-A947-70E740481C1C}">
+                <a14:useLocalDpi xmlns:a14="http://schemas.microsoft.com/office/drawing/2010/main" val="0"/>
+              </a:ext>
+            </a:extLst>
+          </a:blip>
+          <a:stretch>
+            <a:fillRect/>
+          </a:stretch>
+        </p:blipFill>
+        <p:spPr>
+          <a:xfrm>
+            <a:off x="3869202" y="2686587"/>
+            <a:ext cx="5021102" cy="4240042"/>
+          </a:xfrm>
+          <a:prstGeom prst="rect">
+            <a:avLst/>
+          </a:prstGeom>
+        </p:spPr>
+      </p:pic>
     </p:spTree>
     <p:extLst>
       <p:ext uri="{BB962C8B-B14F-4D97-AF65-F5344CB8AC3E}">
@@ -12305,6 +17525,13 @@
   <p:clrMapOvr>
     <a:masterClrMapping/>
   </p:clrMapOvr>
+  <p:timing>
+    <p:tnLst>
+      <p:par>
+        <p:cTn id="1" dur="indefinite" restart="never" nodeType="tmRoot"/>
+      </p:par>
+    </p:tnLst>
+  </p:timing>
 </p:sld>
 </file>
 
@@ -12365,6 +17592,13 @@
   <p:clrMapOvr>
     <a:masterClrMapping/>
   </p:clrMapOvr>
+  <p:timing>
+    <p:tnLst>
+      <p:par>
+        <p:cTn id="1" dur="indefinite" restart="never" nodeType="tmRoot"/>
+      </p:par>
+    </p:tnLst>
+  </p:timing>
 </p:sld>
 </file>
 
@@ -12433,6 +17667,13 @@
   <p:clrMapOvr>
     <a:masterClrMapping/>
   </p:clrMapOvr>
+  <p:timing>
+    <p:tnLst>
+      <p:par>
+        <p:cTn id="1" dur="indefinite" restart="never" nodeType="tmRoot"/>
+      </p:par>
+    </p:tnLst>
+  </p:timing>
 </p:sld>
 </file>
 
@@ -12480,12 +17721,20 @@
               <a:rPr lang="ja-JP" altLang="en-US" sz="5400"/>
               <a:t>お互いのことを知る</a:t>
             </a:r>
+            <a:r>
+              <a:rPr lang="en-US" altLang="ja-JP" sz="5400" dirty="0"/>
+              <a:t/>
+            </a:r>
             <a:br>
               <a:rPr lang="en-US" altLang="ja-JP" sz="5400" dirty="0"/>
             </a:br>
             <a:r>
               <a:rPr lang="ja-JP" altLang="en-US" sz="5400"/>
               <a:t>＝</a:t>
+            </a:r>
+            <a:r>
+              <a:rPr lang="en-US" altLang="ja-JP" sz="5400" dirty="0"/>
+              <a:t/>
             </a:r>
             <a:br>
               <a:rPr lang="en-US" altLang="ja-JP" sz="5400" dirty="0"/>

--- a/Funanaプレゼン.pptx
+++ b/Funanaプレゼン.pptx
@@ -5,30 +5,34 @@
     <p:sldMasterId id="2147483660" r:id="rId1"/>
   </p:sldMasterIdLst>
   <p:notesMasterIdLst>
-    <p:notesMasterId r:id="rId23"/>
+    <p:notesMasterId r:id="rId27"/>
   </p:notesMasterIdLst>
   <p:sldIdLst>
     <p:sldId id="256" r:id="rId2"/>
-    <p:sldId id="258" r:id="rId3"/>
+    <p:sldId id="282" r:id="rId3"/>
     <p:sldId id="259" r:id="rId4"/>
     <p:sldId id="262" r:id="rId5"/>
     <p:sldId id="264" r:id="rId6"/>
     <p:sldId id="266" r:id="rId7"/>
     <p:sldId id="265" r:id="rId8"/>
-    <p:sldId id="267" r:id="rId9"/>
-    <p:sldId id="274" r:id="rId10"/>
-    <p:sldId id="268" r:id="rId11"/>
-    <p:sldId id="270" r:id="rId12"/>
-    <p:sldId id="275" r:id="rId13"/>
-    <p:sldId id="276" r:id="rId14"/>
-    <p:sldId id="277" r:id="rId15"/>
-    <p:sldId id="278" r:id="rId16"/>
-    <p:sldId id="279" r:id="rId17"/>
-    <p:sldId id="269" r:id="rId18"/>
-    <p:sldId id="271" r:id="rId19"/>
-    <p:sldId id="272" r:id="rId20"/>
-    <p:sldId id="273" r:id="rId21"/>
-    <p:sldId id="261" r:id="rId22"/>
+    <p:sldId id="274" r:id="rId9"/>
+    <p:sldId id="283" r:id="rId10"/>
+    <p:sldId id="284" r:id="rId11"/>
+    <p:sldId id="285" r:id="rId12"/>
+    <p:sldId id="268" r:id="rId13"/>
+    <p:sldId id="269" r:id="rId14"/>
+    <p:sldId id="272" r:id="rId15"/>
+    <p:sldId id="291" r:id="rId16"/>
+    <p:sldId id="286" r:id="rId17"/>
+    <p:sldId id="287" r:id="rId18"/>
+    <p:sldId id="277" r:id="rId19"/>
+    <p:sldId id="288" r:id="rId20"/>
+    <p:sldId id="292" r:id="rId21"/>
+    <p:sldId id="289" r:id="rId22"/>
+    <p:sldId id="290" r:id="rId23"/>
+    <p:sldId id="273" r:id="rId24"/>
+    <p:sldId id="261" r:id="rId25"/>
+    <p:sldId id="293" r:id="rId26"/>
   </p:sldIdLst>
   <p:sldSz cx="10691813" cy="7559675"/>
   <p:notesSz cx="6858000" cy="9144000"/>
@@ -135,4217 +139,6 @@
 </p:presentation>
 </file>
 
-<file path=ppt/diagrams/colors1.xml><?xml version="1.0" encoding="utf-8"?>
-<dgm:colorsDef xmlns:dgm="http://schemas.openxmlformats.org/drawingml/2006/diagram" xmlns:a="http://schemas.openxmlformats.org/drawingml/2006/main" uniqueId="urn:microsoft.com/office/officeart/2005/8/colors/accent1_2">
-  <dgm:title val=""/>
-  <dgm:desc val=""/>
-  <dgm:catLst>
-    <dgm:cat type="accent1" pri="11200"/>
-  </dgm:catLst>
-  <dgm:styleLbl name="node0">
-    <dgm:fillClrLst meth="repeat">
-      <a:schemeClr val="accent1"/>
-    </dgm:fillClrLst>
-    <dgm:linClrLst meth="repeat">
-      <a:schemeClr val="lt1"/>
-    </dgm:linClrLst>
-    <dgm:effectClrLst/>
-    <dgm:txLinClrLst/>
-    <dgm:txFillClrLst/>
-    <dgm:txEffectClrLst/>
-  </dgm:styleLbl>
-  <dgm:styleLbl name="alignNode1">
-    <dgm:fillClrLst meth="repeat">
-      <a:schemeClr val="accent1"/>
-    </dgm:fillClrLst>
-    <dgm:linClrLst meth="repeat">
-      <a:schemeClr val="accent1"/>
-    </dgm:linClrLst>
-    <dgm:effectClrLst/>
-    <dgm:txLinClrLst/>
-    <dgm:txFillClrLst/>
-    <dgm:txEffectClrLst/>
-  </dgm:styleLbl>
-  <dgm:styleLbl name="node1">
-    <dgm:fillClrLst meth="repeat">
-      <a:schemeClr val="accent1"/>
-    </dgm:fillClrLst>
-    <dgm:linClrLst meth="repeat">
-      <a:schemeClr val="lt1"/>
-    </dgm:linClrLst>
-    <dgm:effectClrLst/>
-    <dgm:txLinClrLst/>
-    <dgm:txFillClrLst/>
-    <dgm:txEffectClrLst/>
-  </dgm:styleLbl>
-  <dgm:styleLbl name="lnNode1">
-    <dgm:fillClrLst meth="repeat">
-      <a:schemeClr val="accent1"/>
-    </dgm:fillClrLst>
-    <dgm:linClrLst meth="repeat">
-      <a:schemeClr val="lt1"/>
-    </dgm:linClrLst>
-    <dgm:effectClrLst/>
-    <dgm:txLinClrLst/>
-    <dgm:txFillClrLst/>
-    <dgm:txEffectClrLst/>
-  </dgm:styleLbl>
-  <dgm:styleLbl name="vennNode1">
-    <dgm:fillClrLst meth="repeat">
-      <a:schemeClr val="accent1">
-        <a:alpha val="50000"/>
-      </a:schemeClr>
-    </dgm:fillClrLst>
-    <dgm:linClrLst meth="repeat">
-      <a:schemeClr val="lt1"/>
-    </dgm:linClrLst>
-    <dgm:effectClrLst/>
-    <dgm:txLinClrLst/>
-    <dgm:txFillClrLst/>
-    <dgm:txEffectClrLst/>
-  </dgm:styleLbl>
-  <dgm:styleLbl name="node2">
-    <dgm:fillClrLst meth="repeat">
-      <a:schemeClr val="accent1"/>
-    </dgm:fillClrLst>
-    <dgm:linClrLst meth="repeat">
-      <a:schemeClr val="lt1"/>
-    </dgm:linClrLst>
-    <dgm:effectClrLst/>
-    <dgm:txLinClrLst/>
-    <dgm:txFillClrLst/>
-    <dgm:txEffectClrLst/>
-  </dgm:styleLbl>
-  <dgm:styleLbl name="node3">
-    <dgm:fillClrLst meth="repeat">
-      <a:schemeClr val="accent1"/>
-    </dgm:fillClrLst>
-    <dgm:linClrLst meth="repeat">
-      <a:schemeClr val="lt1"/>
-    </dgm:linClrLst>
-    <dgm:effectClrLst/>
-    <dgm:txLinClrLst/>
-    <dgm:txFillClrLst/>
-    <dgm:txEffectClrLst/>
-  </dgm:styleLbl>
-  <dgm:styleLbl name="node4">
-    <dgm:fillClrLst meth="repeat">
-      <a:schemeClr val="accent1"/>
-    </dgm:fillClrLst>
-    <dgm:linClrLst meth="repeat">
-      <a:schemeClr val="lt1"/>
-    </dgm:linClrLst>
-    <dgm:effectClrLst/>
-    <dgm:txLinClrLst/>
-    <dgm:txFillClrLst/>
-    <dgm:txEffectClrLst/>
-  </dgm:styleLbl>
-  <dgm:styleLbl name="fgImgPlace1">
-    <dgm:fillClrLst meth="repeat">
-      <a:schemeClr val="accent1">
-        <a:tint val="50000"/>
-      </a:schemeClr>
-    </dgm:fillClrLst>
-    <dgm:linClrLst meth="repeat">
-      <a:schemeClr val="lt1"/>
-    </dgm:linClrLst>
-    <dgm:effectClrLst/>
-    <dgm:txLinClrLst/>
-    <dgm:txFillClrLst meth="repeat">
-      <a:schemeClr val="lt1"/>
-    </dgm:txFillClrLst>
-    <dgm:txEffectClrLst/>
-  </dgm:styleLbl>
-  <dgm:styleLbl name="alignImgPlace1">
-    <dgm:fillClrLst meth="repeat">
-      <a:schemeClr val="accent1">
-        <a:tint val="50000"/>
-      </a:schemeClr>
-    </dgm:fillClrLst>
-    <dgm:linClrLst meth="repeat">
-      <a:schemeClr val="lt1"/>
-    </dgm:linClrLst>
-    <dgm:effectClrLst/>
-    <dgm:txLinClrLst/>
-    <dgm:txFillClrLst meth="repeat">
-      <a:schemeClr val="lt1"/>
-    </dgm:txFillClrLst>
-    <dgm:txEffectClrLst/>
-  </dgm:styleLbl>
-  <dgm:styleLbl name="bgImgPlace1">
-    <dgm:fillClrLst meth="repeat">
-      <a:schemeClr val="accent1">
-        <a:tint val="50000"/>
-      </a:schemeClr>
-    </dgm:fillClrLst>
-    <dgm:linClrLst meth="repeat">
-      <a:schemeClr val="lt1"/>
-    </dgm:linClrLst>
-    <dgm:effectClrLst/>
-    <dgm:txLinClrLst/>
-    <dgm:txFillClrLst meth="repeat">
-      <a:schemeClr val="lt1"/>
-    </dgm:txFillClrLst>
-    <dgm:txEffectClrLst/>
-  </dgm:styleLbl>
-  <dgm:styleLbl name="sibTrans2D1">
-    <dgm:fillClrLst meth="repeat">
-      <a:schemeClr val="accent1">
-        <a:tint val="60000"/>
-      </a:schemeClr>
-    </dgm:fillClrLst>
-    <dgm:linClrLst meth="repeat">
-      <a:schemeClr val="accent1">
-        <a:tint val="60000"/>
-      </a:schemeClr>
-    </dgm:linClrLst>
-    <dgm:effectClrLst/>
-    <dgm:txLinClrLst/>
-    <dgm:txFillClrLst/>
-    <dgm:txEffectClrLst/>
-  </dgm:styleLbl>
-  <dgm:styleLbl name="fgSibTrans2D1">
-    <dgm:fillClrLst meth="repeat">
-      <a:schemeClr val="accent1">
-        <a:tint val="60000"/>
-      </a:schemeClr>
-    </dgm:fillClrLst>
-    <dgm:linClrLst meth="repeat">
-      <a:schemeClr val="accent1">
-        <a:tint val="60000"/>
-      </a:schemeClr>
-    </dgm:linClrLst>
-    <dgm:effectClrLst/>
-    <dgm:txLinClrLst/>
-    <dgm:txFillClrLst/>
-    <dgm:txEffectClrLst/>
-  </dgm:styleLbl>
-  <dgm:styleLbl name="bgSibTrans2D1">
-    <dgm:fillClrLst meth="repeat">
-      <a:schemeClr val="accent1">
-        <a:tint val="60000"/>
-      </a:schemeClr>
-    </dgm:fillClrLst>
-    <dgm:linClrLst meth="repeat">
-      <a:schemeClr val="accent1">
-        <a:tint val="60000"/>
-      </a:schemeClr>
-    </dgm:linClrLst>
-    <dgm:effectClrLst/>
-    <dgm:txLinClrLst/>
-    <dgm:txFillClrLst/>
-    <dgm:txEffectClrLst/>
-  </dgm:styleLbl>
-  <dgm:styleLbl name="sibTrans1D1">
-    <dgm:fillClrLst meth="repeat">
-      <a:schemeClr val="accent1"/>
-    </dgm:fillClrLst>
-    <dgm:linClrLst meth="repeat">
-      <a:schemeClr val="accent1"/>
-    </dgm:linClrLst>
-    <dgm:effectClrLst/>
-    <dgm:txLinClrLst/>
-    <dgm:txFillClrLst meth="repeat">
-      <a:schemeClr val="tx1"/>
-    </dgm:txFillClrLst>
-    <dgm:txEffectClrLst/>
-  </dgm:styleLbl>
-  <dgm:styleLbl name="callout">
-    <dgm:fillClrLst meth="repeat">
-      <a:schemeClr val="accent1"/>
-    </dgm:fillClrLst>
-    <dgm:linClrLst meth="repeat">
-      <a:schemeClr val="accent1">
-        <a:tint val="50000"/>
-      </a:schemeClr>
-    </dgm:linClrLst>
-    <dgm:effectClrLst/>
-    <dgm:txLinClrLst/>
-    <dgm:txFillClrLst meth="repeat">
-      <a:schemeClr val="tx1"/>
-    </dgm:txFillClrLst>
-    <dgm:txEffectClrLst/>
-  </dgm:styleLbl>
-  <dgm:styleLbl name="asst0">
-    <dgm:fillClrLst meth="repeat">
-      <a:schemeClr val="accent1"/>
-    </dgm:fillClrLst>
-    <dgm:linClrLst meth="repeat">
-      <a:schemeClr val="lt1"/>
-    </dgm:linClrLst>
-    <dgm:effectClrLst/>
-    <dgm:txLinClrLst/>
-    <dgm:txFillClrLst/>
-    <dgm:txEffectClrLst/>
-  </dgm:styleLbl>
-  <dgm:styleLbl name="asst1">
-    <dgm:fillClrLst meth="repeat">
-      <a:schemeClr val="accent1"/>
-    </dgm:fillClrLst>
-    <dgm:linClrLst meth="repeat">
-      <a:schemeClr val="lt1"/>
-    </dgm:linClrLst>
-    <dgm:effectClrLst/>
-    <dgm:txLinClrLst/>
-    <dgm:txFillClrLst/>
-    <dgm:txEffectClrLst/>
-  </dgm:styleLbl>
-  <dgm:styleLbl name="asst2">
-    <dgm:fillClrLst meth="repeat">
-      <a:schemeClr val="accent1"/>
-    </dgm:fillClrLst>
-    <dgm:linClrLst meth="repeat">
-      <a:schemeClr val="lt1"/>
-    </dgm:linClrLst>
-    <dgm:effectClrLst/>
-    <dgm:txLinClrLst/>
-    <dgm:txFillClrLst/>
-    <dgm:txEffectClrLst/>
-  </dgm:styleLbl>
-  <dgm:styleLbl name="asst3">
-    <dgm:fillClrLst meth="repeat">
-      <a:schemeClr val="accent1"/>
-    </dgm:fillClrLst>
-    <dgm:linClrLst meth="repeat">
-      <a:schemeClr val="lt1"/>
-    </dgm:linClrLst>
-    <dgm:effectClrLst/>
-    <dgm:txLinClrLst/>
-    <dgm:txFillClrLst/>
-    <dgm:txEffectClrLst/>
-  </dgm:styleLbl>
-  <dgm:styleLbl name="asst4">
-    <dgm:fillClrLst meth="repeat">
-      <a:schemeClr val="accent1"/>
-    </dgm:fillClrLst>
-    <dgm:linClrLst meth="repeat">
-      <a:schemeClr val="lt1"/>
-    </dgm:linClrLst>
-    <dgm:effectClrLst/>
-    <dgm:txLinClrLst/>
-    <dgm:txFillClrLst/>
-    <dgm:txEffectClrLst/>
-  </dgm:styleLbl>
-  <dgm:styleLbl name="parChTrans2D1">
-    <dgm:fillClrLst meth="repeat">
-      <a:schemeClr val="accent1">
-        <a:tint val="60000"/>
-      </a:schemeClr>
-    </dgm:fillClrLst>
-    <dgm:linClrLst meth="repeat">
-      <a:schemeClr val="accent1">
-        <a:tint val="60000"/>
-      </a:schemeClr>
-    </dgm:linClrLst>
-    <dgm:effectClrLst/>
-    <dgm:txLinClrLst/>
-    <dgm:txFillClrLst meth="repeat">
-      <a:schemeClr val="lt1"/>
-    </dgm:txFillClrLst>
-    <dgm:txEffectClrLst/>
-  </dgm:styleLbl>
-  <dgm:styleLbl name="parChTrans2D2">
-    <dgm:fillClrLst meth="repeat">
-      <a:schemeClr val="accent1"/>
-    </dgm:fillClrLst>
-    <dgm:linClrLst meth="repeat">
-      <a:schemeClr val="accent1"/>
-    </dgm:linClrLst>
-    <dgm:effectClrLst/>
-    <dgm:txLinClrLst/>
-    <dgm:txFillClrLst meth="repeat">
-      <a:schemeClr val="lt1"/>
-    </dgm:txFillClrLst>
-    <dgm:txEffectClrLst/>
-  </dgm:styleLbl>
-  <dgm:styleLbl name="parChTrans2D3">
-    <dgm:fillClrLst meth="repeat">
-      <a:schemeClr val="accent1"/>
-    </dgm:fillClrLst>
-    <dgm:linClrLst meth="repeat">
-      <a:schemeClr val="accent1"/>
-    </dgm:linClrLst>
-    <dgm:effectClrLst/>
-    <dgm:txLinClrLst/>
-    <dgm:txFillClrLst meth="repeat">
-      <a:schemeClr val="lt1"/>
-    </dgm:txFillClrLst>
-    <dgm:txEffectClrLst/>
-  </dgm:styleLbl>
-  <dgm:styleLbl name="parChTrans2D4">
-    <dgm:fillClrLst meth="repeat">
-      <a:schemeClr val="accent1"/>
-    </dgm:fillClrLst>
-    <dgm:linClrLst meth="repeat">
-      <a:schemeClr val="accent1"/>
-    </dgm:linClrLst>
-    <dgm:effectClrLst/>
-    <dgm:txLinClrLst/>
-    <dgm:txFillClrLst meth="repeat">
-      <a:schemeClr val="lt1"/>
-    </dgm:txFillClrLst>
-    <dgm:txEffectClrLst/>
-  </dgm:styleLbl>
-  <dgm:styleLbl name="parChTrans1D1">
-    <dgm:fillClrLst meth="repeat">
-      <a:schemeClr val="accent1"/>
-    </dgm:fillClrLst>
-    <dgm:linClrLst meth="repeat">
-      <a:schemeClr val="accent1">
-        <a:shade val="60000"/>
-      </a:schemeClr>
-    </dgm:linClrLst>
-    <dgm:effectClrLst/>
-    <dgm:txLinClrLst/>
-    <dgm:txFillClrLst meth="repeat">
-      <a:schemeClr val="tx1"/>
-    </dgm:txFillClrLst>
-    <dgm:txEffectClrLst/>
-  </dgm:styleLbl>
-  <dgm:styleLbl name="parChTrans1D2">
-    <dgm:fillClrLst meth="repeat">
-      <a:schemeClr val="accent1"/>
-    </dgm:fillClrLst>
-    <dgm:linClrLst meth="repeat">
-      <a:schemeClr val="accent1">
-        <a:shade val="60000"/>
-      </a:schemeClr>
-    </dgm:linClrLst>
-    <dgm:effectClrLst/>
-    <dgm:txLinClrLst/>
-    <dgm:txFillClrLst meth="repeat">
-      <a:schemeClr val="tx1"/>
-    </dgm:txFillClrLst>
-    <dgm:txEffectClrLst/>
-  </dgm:styleLbl>
-  <dgm:styleLbl name="parChTrans1D3">
-    <dgm:fillClrLst meth="repeat">
-      <a:schemeClr val="accent1"/>
-    </dgm:fillClrLst>
-    <dgm:linClrLst meth="repeat">
-      <a:schemeClr val="accent1">
-        <a:shade val="80000"/>
-      </a:schemeClr>
-    </dgm:linClrLst>
-    <dgm:effectClrLst/>
-    <dgm:txLinClrLst/>
-    <dgm:txFillClrLst meth="repeat">
-      <a:schemeClr val="tx1"/>
-    </dgm:txFillClrLst>
-    <dgm:txEffectClrLst/>
-  </dgm:styleLbl>
-  <dgm:styleLbl name="parChTrans1D4">
-    <dgm:fillClrLst meth="repeat">
-      <a:schemeClr val="accent1"/>
-    </dgm:fillClrLst>
-    <dgm:linClrLst meth="repeat">
-      <a:schemeClr val="accent1">
-        <a:shade val="80000"/>
-      </a:schemeClr>
-    </dgm:linClrLst>
-    <dgm:effectClrLst/>
-    <dgm:txLinClrLst/>
-    <dgm:txFillClrLst meth="repeat">
-      <a:schemeClr val="tx1"/>
-    </dgm:txFillClrLst>
-    <dgm:txEffectClrLst/>
-  </dgm:styleLbl>
-  <dgm:styleLbl name="fgAcc1">
-    <dgm:fillClrLst meth="repeat">
-      <a:schemeClr val="lt1">
-        <a:alpha val="90000"/>
-      </a:schemeClr>
-    </dgm:fillClrLst>
-    <dgm:linClrLst meth="repeat">
-      <a:schemeClr val="accent1"/>
-    </dgm:linClrLst>
-    <dgm:effectClrLst/>
-    <dgm:txLinClrLst/>
-    <dgm:txFillClrLst meth="repeat">
-      <a:schemeClr val="dk1"/>
-    </dgm:txFillClrLst>
-    <dgm:txEffectClrLst/>
-  </dgm:styleLbl>
-  <dgm:styleLbl name="conFgAcc1">
-    <dgm:fillClrLst meth="repeat">
-      <a:schemeClr val="lt1">
-        <a:alpha val="90000"/>
-      </a:schemeClr>
-    </dgm:fillClrLst>
-    <dgm:linClrLst meth="repeat">
-      <a:schemeClr val="accent1"/>
-    </dgm:linClrLst>
-    <dgm:effectClrLst/>
-    <dgm:txLinClrLst/>
-    <dgm:txFillClrLst meth="repeat">
-      <a:schemeClr val="dk1"/>
-    </dgm:txFillClrLst>
-    <dgm:txEffectClrLst/>
-  </dgm:styleLbl>
-  <dgm:styleLbl name="alignAcc1">
-    <dgm:fillClrLst meth="repeat">
-      <a:schemeClr val="lt1">
-        <a:alpha val="90000"/>
-      </a:schemeClr>
-    </dgm:fillClrLst>
-    <dgm:linClrLst meth="repeat">
-      <a:schemeClr val="accent1"/>
-    </dgm:linClrLst>
-    <dgm:effectClrLst/>
-    <dgm:txLinClrLst/>
-    <dgm:txFillClrLst meth="repeat">
-      <a:schemeClr val="dk1"/>
-    </dgm:txFillClrLst>
-    <dgm:txEffectClrLst/>
-  </dgm:styleLbl>
-  <dgm:styleLbl name="trAlignAcc1">
-    <dgm:fillClrLst meth="repeat">
-      <a:schemeClr val="lt1">
-        <a:alpha val="40000"/>
-      </a:schemeClr>
-    </dgm:fillClrLst>
-    <dgm:linClrLst meth="repeat">
-      <a:schemeClr val="accent1"/>
-    </dgm:linClrLst>
-    <dgm:effectClrLst/>
-    <dgm:txLinClrLst/>
-    <dgm:txFillClrLst meth="repeat">
-      <a:schemeClr val="dk1"/>
-    </dgm:txFillClrLst>
-    <dgm:txEffectClrLst/>
-  </dgm:styleLbl>
-  <dgm:styleLbl name="bgAcc1">
-    <dgm:fillClrLst meth="repeat">
-      <a:schemeClr val="lt1">
-        <a:alpha val="90000"/>
-      </a:schemeClr>
-    </dgm:fillClrLst>
-    <dgm:linClrLst meth="repeat">
-      <a:schemeClr val="accent1"/>
-    </dgm:linClrLst>
-    <dgm:effectClrLst/>
-    <dgm:txLinClrLst/>
-    <dgm:txFillClrLst meth="repeat">
-      <a:schemeClr val="dk1"/>
-    </dgm:txFillClrLst>
-    <dgm:txEffectClrLst/>
-  </dgm:styleLbl>
-  <dgm:styleLbl name="solidFgAcc1">
-    <dgm:fillClrLst meth="repeat">
-      <a:schemeClr val="lt1"/>
-    </dgm:fillClrLst>
-    <dgm:linClrLst meth="repeat">
-      <a:schemeClr val="accent1"/>
-    </dgm:linClrLst>
-    <dgm:effectClrLst/>
-    <dgm:txLinClrLst/>
-    <dgm:txFillClrLst meth="repeat">
-      <a:schemeClr val="dk1"/>
-    </dgm:txFillClrLst>
-    <dgm:txEffectClrLst/>
-  </dgm:styleLbl>
-  <dgm:styleLbl name="solidAlignAcc1">
-    <dgm:fillClrLst meth="repeat">
-      <a:schemeClr val="lt1"/>
-    </dgm:fillClrLst>
-    <dgm:linClrLst meth="repeat">
-      <a:schemeClr val="accent1"/>
-    </dgm:linClrLst>
-    <dgm:effectClrLst/>
-    <dgm:txLinClrLst/>
-    <dgm:txFillClrLst meth="repeat">
-      <a:schemeClr val="dk1"/>
-    </dgm:txFillClrLst>
-    <dgm:txEffectClrLst/>
-  </dgm:styleLbl>
-  <dgm:styleLbl name="solidBgAcc1">
-    <dgm:fillClrLst meth="repeat">
-      <a:schemeClr val="lt1"/>
-    </dgm:fillClrLst>
-    <dgm:linClrLst meth="repeat">
-      <a:schemeClr val="accent1"/>
-    </dgm:linClrLst>
-    <dgm:effectClrLst/>
-    <dgm:txLinClrLst/>
-    <dgm:txFillClrLst meth="repeat">
-      <a:schemeClr val="dk1"/>
-    </dgm:txFillClrLst>
-    <dgm:txEffectClrLst/>
-  </dgm:styleLbl>
-  <dgm:styleLbl name="fgAccFollowNode1">
-    <dgm:fillClrLst meth="repeat">
-      <a:schemeClr val="accent1">
-        <a:alpha val="90000"/>
-        <a:tint val="40000"/>
-      </a:schemeClr>
-    </dgm:fillClrLst>
-    <dgm:linClrLst meth="repeat">
-      <a:schemeClr val="accent1">
-        <a:alpha val="90000"/>
-        <a:tint val="40000"/>
-      </a:schemeClr>
-    </dgm:linClrLst>
-    <dgm:effectClrLst/>
-    <dgm:txLinClrLst/>
-    <dgm:txFillClrLst meth="repeat">
-      <a:schemeClr val="dk1"/>
-    </dgm:txFillClrLst>
-    <dgm:txEffectClrLst/>
-  </dgm:styleLbl>
-  <dgm:styleLbl name="alignAccFollowNode1">
-    <dgm:fillClrLst meth="repeat">
-      <a:schemeClr val="accent1">
-        <a:alpha val="90000"/>
-        <a:tint val="40000"/>
-      </a:schemeClr>
-    </dgm:fillClrLst>
-    <dgm:linClrLst meth="repeat">
-      <a:schemeClr val="accent1">
-        <a:alpha val="90000"/>
-        <a:tint val="40000"/>
-      </a:schemeClr>
-    </dgm:linClrLst>
-    <dgm:effectClrLst/>
-    <dgm:txLinClrLst/>
-    <dgm:txFillClrLst meth="repeat">
-      <a:schemeClr val="dk1"/>
-    </dgm:txFillClrLst>
-    <dgm:txEffectClrLst/>
-  </dgm:styleLbl>
-  <dgm:styleLbl name="bgAccFollowNode1">
-    <dgm:fillClrLst meth="repeat">
-      <a:schemeClr val="accent1">
-        <a:alpha val="90000"/>
-        <a:tint val="40000"/>
-      </a:schemeClr>
-    </dgm:fillClrLst>
-    <dgm:linClrLst meth="repeat">
-      <a:schemeClr val="accent1">
-        <a:alpha val="90000"/>
-        <a:tint val="40000"/>
-      </a:schemeClr>
-    </dgm:linClrLst>
-    <dgm:effectClrLst/>
-    <dgm:txLinClrLst/>
-    <dgm:txFillClrLst meth="repeat">
-      <a:schemeClr val="dk1"/>
-    </dgm:txFillClrLst>
-    <dgm:txEffectClrLst/>
-  </dgm:styleLbl>
-  <dgm:styleLbl name="fgAcc0">
-    <dgm:fillClrLst meth="repeat">
-      <a:schemeClr val="lt1">
-        <a:alpha val="90000"/>
-      </a:schemeClr>
-    </dgm:fillClrLst>
-    <dgm:linClrLst meth="repeat">
-      <a:schemeClr val="accent1"/>
-    </dgm:linClrLst>
-    <dgm:effectClrLst/>
-    <dgm:txLinClrLst/>
-    <dgm:txFillClrLst meth="repeat">
-      <a:schemeClr val="dk1"/>
-    </dgm:txFillClrLst>
-    <dgm:txEffectClrLst/>
-  </dgm:styleLbl>
-  <dgm:styleLbl name="fgAcc2">
-    <dgm:fillClrLst meth="repeat">
-      <a:schemeClr val="lt1">
-        <a:alpha val="90000"/>
-      </a:schemeClr>
-    </dgm:fillClrLst>
-    <dgm:linClrLst meth="repeat">
-      <a:schemeClr val="accent1"/>
-    </dgm:linClrLst>
-    <dgm:effectClrLst/>
-    <dgm:txLinClrLst/>
-    <dgm:txFillClrLst meth="repeat">
-      <a:schemeClr val="dk1"/>
-    </dgm:txFillClrLst>
-    <dgm:txEffectClrLst/>
-  </dgm:styleLbl>
-  <dgm:styleLbl name="fgAcc3">
-    <dgm:fillClrLst meth="repeat">
-      <a:schemeClr val="lt1">
-        <a:alpha val="90000"/>
-      </a:schemeClr>
-    </dgm:fillClrLst>
-    <dgm:linClrLst meth="repeat">
-      <a:schemeClr val="accent1"/>
-    </dgm:linClrLst>
-    <dgm:effectClrLst/>
-    <dgm:txLinClrLst/>
-    <dgm:txFillClrLst meth="repeat">
-      <a:schemeClr val="dk1"/>
-    </dgm:txFillClrLst>
-    <dgm:txEffectClrLst/>
-  </dgm:styleLbl>
-  <dgm:styleLbl name="fgAcc4">
-    <dgm:fillClrLst meth="repeat">
-      <a:schemeClr val="lt1">
-        <a:alpha val="90000"/>
-      </a:schemeClr>
-    </dgm:fillClrLst>
-    <dgm:linClrLst meth="repeat">
-      <a:schemeClr val="accent1"/>
-    </dgm:linClrLst>
-    <dgm:effectClrLst/>
-    <dgm:txLinClrLst/>
-    <dgm:txFillClrLst meth="repeat">
-      <a:schemeClr val="dk1"/>
-    </dgm:txFillClrLst>
-    <dgm:txEffectClrLst/>
-  </dgm:styleLbl>
-  <dgm:styleLbl name="bgShp">
-    <dgm:fillClrLst meth="repeat">
-      <a:schemeClr val="accent1">
-        <a:tint val="40000"/>
-      </a:schemeClr>
-    </dgm:fillClrLst>
-    <dgm:linClrLst meth="repeat">
-      <a:schemeClr val="accent1"/>
-    </dgm:linClrLst>
-    <dgm:effectClrLst/>
-    <dgm:txLinClrLst/>
-    <dgm:txFillClrLst meth="repeat">
-      <a:schemeClr val="dk1"/>
-    </dgm:txFillClrLst>
-    <dgm:txEffectClrLst/>
-  </dgm:styleLbl>
-  <dgm:styleLbl name="dkBgShp">
-    <dgm:fillClrLst meth="repeat">
-      <a:schemeClr val="accent1">
-        <a:shade val="80000"/>
-      </a:schemeClr>
-    </dgm:fillClrLst>
-    <dgm:linClrLst meth="repeat">
-      <a:schemeClr val="accent1"/>
-    </dgm:linClrLst>
-    <dgm:effectClrLst/>
-    <dgm:txLinClrLst/>
-    <dgm:txFillClrLst meth="repeat">
-      <a:schemeClr val="lt1"/>
-    </dgm:txFillClrLst>
-    <dgm:txEffectClrLst/>
-  </dgm:styleLbl>
-  <dgm:styleLbl name="trBgShp">
-    <dgm:fillClrLst meth="repeat">
-      <a:schemeClr val="accent1">
-        <a:tint val="50000"/>
-        <a:alpha val="40000"/>
-      </a:schemeClr>
-    </dgm:fillClrLst>
-    <dgm:linClrLst meth="repeat">
-      <a:schemeClr val="accent1"/>
-    </dgm:linClrLst>
-    <dgm:effectClrLst/>
-    <dgm:txLinClrLst/>
-    <dgm:txFillClrLst meth="repeat">
-      <a:schemeClr val="lt1"/>
-    </dgm:txFillClrLst>
-    <dgm:txEffectClrLst/>
-  </dgm:styleLbl>
-  <dgm:styleLbl name="fgShp">
-    <dgm:fillClrLst meth="repeat">
-      <a:schemeClr val="accent1">
-        <a:tint val="60000"/>
-      </a:schemeClr>
-    </dgm:fillClrLst>
-    <dgm:linClrLst meth="repeat">
-      <a:schemeClr val="lt1"/>
-    </dgm:linClrLst>
-    <dgm:effectClrLst/>
-    <dgm:txLinClrLst/>
-    <dgm:txFillClrLst meth="repeat">
-      <a:schemeClr val="dk1"/>
-    </dgm:txFillClrLst>
-    <dgm:txEffectClrLst/>
-  </dgm:styleLbl>
-  <dgm:styleLbl name="revTx">
-    <dgm:fillClrLst meth="repeat">
-      <a:schemeClr val="lt1">
-        <a:alpha val="0"/>
-      </a:schemeClr>
-    </dgm:fillClrLst>
-    <dgm:linClrLst meth="repeat">
-      <a:schemeClr val="dk1">
-        <a:alpha val="0"/>
-      </a:schemeClr>
-    </dgm:linClrLst>
-    <dgm:effectClrLst/>
-    <dgm:txLinClrLst/>
-    <dgm:txFillClrLst meth="repeat">
-      <a:schemeClr val="tx1"/>
-    </dgm:txFillClrLst>
-    <dgm:txEffectClrLst/>
-  </dgm:styleLbl>
-</dgm:colorsDef>
-</file>
-
-<file path=ppt/diagrams/data1.xml><?xml version="1.0" encoding="utf-8"?>
-<dgm:dataModel xmlns:dgm="http://schemas.openxmlformats.org/drawingml/2006/diagram" xmlns:a="http://schemas.openxmlformats.org/drawingml/2006/main">
-  <dgm:ptLst>
-    <dgm:pt modelId="{29731825-D592-474D-B95C-8F746820CD6F}" type="doc">
-      <dgm:prSet loTypeId="urn:microsoft.com/office/officeart/2008/layout/VerticalCurvedList" loCatId="" qsTypeId="urn:microsoft.com/office/officeart/2005/8/quickstyle/simple4" qsCatId="simple" csTypeId="urn:microsoft.com/office/officeart/2005/8/colors/accent1_2" csCatId="accent1" phldr="1"/>
-      <dgm:spPr/>
-      <dgm:t>
-        <a:bodyPr/>
-        <a:lstStyle/>
-        <a:p>
-          <a:endParaRPr kumimoji="1" lang="ja-JP" altLang="en-US"/>
-        </a:p>
-      </dgm:t>
-    </dgm:pt>
-    <dgm:pt modelId="{3228E3B2-E20D-964B-81B5-014A4B1E2D18}">
-      <dgm:prSet phldrT="[テキスト]"/>
-      <dgm:spPr/>
-      <dgm:t>
-        <a:bodyPr/>
-        <a:lstStyle/>
-        <a:p>
-          <a:r>
-            <a:rPr kumimoji="1" lang="ja-JP" altLang="en-US" dirty="0" smtClean="0"/>
-            <a:t>コンセプト</a:t>
-          </a:r>
-          <a:endParaRPr kumimoji="1" lang="ja-JP" altLang="en-US" dirty="0"/>
-        </a:p>
-      </dgm:t>
-    </dgm:pt>
-    <dgm:pt modelId="{57452E40-0AFA-A546-8916-30F692566B94}" type="parTrans" cxnId="{6C11B6BA-EE5F-6B47-B3D8-82E2D93E79DA}">
-      <dgm:prSet/>
-      <dgm:spPr/>
-      <dgm:t>
-        <a:bodyPr/>
-        <a:lstStyle/>
-        <a:p>
-          <a:endParaRPr kumimoji="1" lang="ja-JP" altLang="en-US"/>
-        </a:p>
-      </dgm:t>
-    </dgm:pt>
-    <dgm:pt modelId="{6499395B-E8F5-004C-9F5F-5AFD3116A72C}" type="sibTrans" cxnId="{6C11B6BA-EE5F-6B47-B3D8-82E2D93E79DA}">
-      <dgm:prSet/>
-      <dgm:spPr/>
-      <dgm:t>
-        <a:bodyPr/>
-        <a:lstStyle/>
-        <a:p>
-          <a:endParaRPr kumimoji="1" lang="ja-JP" altLang="en-US"/>
-        </a:p>
-      </dgm:t>
-    </dgm:pt>
-    <dgm:pt modelId="{1DCD092B-E885-B948-A6E7-B6DE9690B856}">
-      <dgm:prSet phldrT="[テキスト]"/>
-      <dgm:spPr/>
-      <dgm:t>
-        <a:bodyPr/>
-        <a:lstStyle/>
-        <a:p>
-          <a:r>
-            <a:rPr kumimoji="1" lang="ja-JP" altLang="en-US" dirty="0" smtClean="0"/>
-            <a:t>活用方法</a:t>
-          </a:r>
-          <a:endParaRPr kumimoji="1" lang="en-US" altLang="ja-JP" dirty="0" smtClean="0"/>
-        </a:p>
-      </dgm:t>
-    </dgm:pt>
-    <dgm:pt modelId="{06088D07-25D6-384B-8031-E5344E3B8C69}" type="parTrans" cxnId="{A1A55811-1D60-7144-B544-238BF32F04F3}">
-      <dgm:prSet/>
-      <dgm:spPr/>
-      <dgm:t>
-        <a:bodyPr/>
-        <a:lstStyle/>
-        <a:p>
-          <a:endParaRPr kumimoji="1" lang="ja-JP" altLang="en-US"/>
-        </a:p>
-      </dgm:t>
-    </dgm:pt>
-    <dgm:pt modelId="{A5C31CA4-468C-0449-9E36-85452A937FB2}" type="sibTrans" cxnId="{A1A55811-1D60-7144-B544-238BF32F04F3}">
-      <dgm:prSet/>
-      <dgm:spPr/>
-      <dgm:t>
-        <a:bodyPr/>
-        <a:lstStyle/>
-        <a:p>
-          <a:endParaRPr kumimoji="1" lang="ja-JP" altLang="en-US"/>
-        </a:p>
-      </dgm:t>
-    </dgm:pt>
-    <dgm:pt modelId="{A2095930-F553-0E42-97FD-7519454CD5AA}">
-      <dgm:prSet phldrT="[テキスト]"/>
-      <dgm:spPr/>
-      <dgm:t>
-        <a:bodyPr/>
-        <a:lstStyle/>
-        <a:p>
-          <a:r>
-            <a:rPr kumimoji="1" lang="ja-JP" altLang="en-US" dirty="0" smtClean="0"/>
-            <a:t>使用方法</a:t>
-          </a:r>
-          <a:endParaRPr kumimoji="1" lang="ja-JP" altLang="en-US" dirty="0"/>
-        </a:p>
-      </dgm:t>
-    </dgm:pt>
-    <dgm:pt modelId="{714E3673-E401-064C-A3BD-7F358169981E}" type="parTrans" cxnId="{7548F599-0C23-4F4B-BD7C-074E8C1C6A6B}">
-      <dgm:prSet/>
-      <dgm:spPr/>
-      <dgm:t>
-        <a:bodyPr/>
-        <a:lstStyle/>
-        <a:p>
-          <a:endParaRPr kumimoji="1" lang="ja-JP" altLang="en-US"/>
-        </a:p>
-      </dgm:t>
-    </dgm:pt>
-    <dgm:pt modelId="{5DE9F0F9-7E61-194B-9A5F-4E839768591E}" type="sibTrans" cxnId="{7548F599-0C23-4F4B-BD7C-074E8C1C6A6B}">
-      <dgm:prSet/>
-      <dgm:spPr/>
-      <dgm:t>
-        <a:bodyPr/>
-        <a:lstStyle/>
-        <a:p>
-          <a:endParaRPr kumimoji="1" lang="ja-JP" altLang="en-US"/>
-        </a:p>
-      </dgm:t>
-    </dgm:pt>
-    <dgm:pt modelId="{79AE07C4-F4E6-464C-964F-A041D327027F}">
-      <dgm:prSet phldrT="[テキスト]"/>
-      <dgm:spPr/>
-      <dgm:t>
-        <a:bodyPr/>
-        <a:lstStyle/>
-        <a:p>
-          <a:r>
-            <a:rPr kumimoji="1" lang="ja-JP" altLang="en-US" dirty="0" smtClean="0"/>
-            <a:t>まとめ</a:t>
-          </a:r>
-          <a:endParaRPr kumimoji="1" lang="en-US" altLang="ja-JP" dirty="0" smtClean="0"/>
-        </a:p>
-      </dgm:t>
-    </dgm:pt>
-    <dgm:pt modelId="{A85F9573-A364-2440-9F2E-47D146E2BC1D}" type="parTrans" cxnId="{E6CCF0C6-1757-3945-B47F-755AF4FE2107}">
-      <dgm:prSet/>
-      <dgm:spPr/>
-      <dgm:t>
-        <a:bodyPr/>
-        <a:lstStyle/>
-        <a:p>
-          <a:endParaRPr kumimoji="1" lang="ja-JP" altLang="en-US"/>
-        </a:p>
-      </dgm:t>
-    </dgm:pt>
-    <dgm:pt modelId="{7B7BECBE-8710-504C-807D-AFB86C2ADB74}" type="sibTrans" cxnId="{E6CCF0C6-1757-3945-B47F-755AF4FE2107}">
-      <dgm:prSet/>
-      <dgm:spPr/>
-      <dgm:t>
-        <a:bodyPr/>
-        <a:lstStyle/>
-        <a:p>
-          <a:endParaRPr kumimoji="1" lang="ja-JP" altLang="en-US"/>
-        </a:p>
-      </dgm:t>
-    </dgm:pt>
-    <dgm:pt modelId="{9CDAF77D-16B0-5A4F-98CC-5DF58DE0B7C8}">
-      <dgm:prSet phldrT="[テキスト]"/>
-      <dgm:spPr/>
-      <dgm:t>
-        <a:bodyPr/>
-        <a:lstStyle/>
-        <a:p>
-          <a:r>
-            <a:rPr kumimoji="1" lang="ja-JP" altLang="en-US" dirty="0" smtClean="0"/>
-            <a:t>質疑応答</a:t>
-          </a:r>
-          <a:endParaRPr kumimoji="1" lang="en-US" altLang="ja-JP" dirty="0" smtClean="0"/>
-        </a:p>
-      </dgm:t>
-    </dgm:pt>
-    <dgm:pt modelId="{F36B0537-8EF1-4047-90D5-6DF446B37311}" type="parTrans" cxnId="{A74D7C88-B8C3-6241-A569-8ADB513527C7}">
-      <dgm:prSet/>
-      <dgm:spPr/>
-      <dgm:t>
-        <a:bodyPr/>
-        <a:lstStyle/>
-        <a:p>
-          <a:endParaRPr kumimoji="1" lang="ja-JP" altLang="en-US"/>
-        </a:p>
-      </dgm:t>
-    </dgm:pt>
-    <dgm:pt modelId="{58B53406-D0FE-6343-B713-CE3736B52289}" type="sibTrans" cxnId="{A74D7C88-B8C3-6241-A569-8ADB513527C7}">
-      <dgm:prSet/>
-      <dgm:spPr/>
-      <dgm:t>
-        <a:bodyPr/>
-        <a:lstStyle/>
-        <a:p>
-          <a:endParaRPr kumimoji="1" lang="ja-JP" altLang="en-US"/>
-        </a:p>
-      </dgm:t>
-    </dgm:pt>
-    <dgm:pt modelId="{7DFD809D-9AC8-014E-A8C4-868EB0809FC4}" type="pres">
-      <dgm:prSet presAssocID="{29731825-D592-474D-B95C-8F746820CD6F}" presName="Name0" presStyleCnt="0">
-        <dgm:presLayoutVars>
-          <dgm:chMax val="7"/>
-          <dgm:chPref val="7"/>
-          <dgm:dir/>
-        </dgm:presLayoutVars>
-      </dgm:prSet>
-      <dgm:spPr/>
-    </dgm:pt>
-    <dgm:pt modelId="{7BB6F11C-CD2D-AB44-BD48-FCF3E8A4A282}" type="pres">
-      <dgm:prSet presAssocID="{29731825-D592-474D-B95C-8F746820CD6F}" presName="Name1" presStyleCnt="0"/>
-      <dgm:spPr/>
-    </dgm:pt>
-    <dgm:pt modelId="{E55481C9-E071-0444-958A-B26C018A44EB}" type="pres">
-      <dgm:prSet presAssocID="{29731825-D592-474D-B95C-8F746820CD6F}" presName="cycle" presStyleCnt="0"/>
-      <dgm:spPr/>
-    </dgm:pt>
-    <dgm:pt modelId="{D2D04B61-6412-4B4D-8417-6140FC5858A3}" type="pres">
-      <dgm:prSet presAssocID="{29731825-D592-474D-B95C-8F746820CD6F}" presName="srcNode" presStyleLbl="node1" presStyleIdx="0" presStyleCnt="5"/>
-      <dgm:spPr/>
-    </dgm:pt>
-    <dgm:pt modelId="{35108CCA-A981-2049-8C7C-D9CF3A8DF667}" type="pres">
-      <dgm:prSet presAssocID="{29731825-D592-474D-B95C-8F746820CD6F}" presName="conn" presStyleLbl="parChTrans1D2" presStyleIdx="0" presStyleCnt="1"/>
-      <dgm:spPr/>
-    </dgm:pt>
-    <dgm:pt modelId="{D74887AA-C56F-7641-A466-3260196B624D}" type="pres">
-      <dgm:prSet presAssocID="{29731825-D592-474D-B95C-8F746820CD6F}" presName="extraNode" presStyleLbl="node1" presStyleIdx="0" presStyleCnt="5"/>
-      <dgm:spPr/>
-    </dgm:pt>
-    <dgm:pt modelId="{AFD93EB7-E4C2-E049-9F3B-40DE24B91D53}" type="pres">
-      <dgm:prSet presAssocID="{29731825-D592-474D-B95C-8F746820CD6F}" presName="dstNode" presStyleLbl="node1" presStyleIdx="0" presStyleCnt="5"/>
-      <dgm:spPr/>
-    </dgm:pt>
-    <dgm:pt modelId="{2AC9BB0A-9E23-3440-B412-139C41CDCBA8}" type="pres">
-      <dgm:prSet presAssocID="{3228E3B2-E20D-964B-81B5-014A4B1E2D18}" presName="text_1" presStyleLbl="node1" presStyleIdx="0" presStyleCnt="5">
-        <dgm:presLayoutVars>
-          <dgm:bulletEnabled val="1"/>
-        </dgm:presLayoutVars>
-      </dgm:prSet>
-      <dgm:spPr/>
-    </dgm:pt>
-    <dgm:pt modelId="{622F8897-324D-224D-905F-D0A82E33B308}" type="pres">
-      <dgm:prSet presAssocID="{3228E3B2-E20D-964B-81B5-014A4B1E2D18}" presName="accent_1" presStyleCnt="0"/>
-      <dgm:spPr/>
-    </dgm:pt>
-    <dgm:pt modelId="{5BB4B21A-8FA6-1842-9D6B-8DD5A5350EAE}" type="pres">
-      <dgm:prSet presAssocID="{3228E3B2-E20D-964B-81B5-014A4B1E2D18}" presName="accentRepeatNode" presStyleLbl="solidFgAcc1" presStyleIdx="0" presStyleCnt="5"/>
-      <dgm:spPr/>
-    </dgm:pt>
-    <dgm:pt modelId="{4903666B-D8A3-814D-87CB-C6354E677BE9}" type="pres">
-      <dgm:prSet presAssocID="{A2095930-F553-0E42-97FD-7519454CD5AA}" presName="text_2" presStyleLbl="node1" presStyleIdx="1" presStyleCnt="5">
-        <dgm:presLayoutVars>
-          <dgm:bulletEnabled val="1"/>
-        </dgm:presLayoutVars>
-      </dgm:prSet>
-      <dgm:spPr/>
-    </dgm:pt>
-    <dgm:pt modelId="{CBF361E1-C45C-8C45-92BA-C5BBEB94E23C}" type="pres">
-      <dgm:prSet presAssocID="{A2095930-F553-0E42-97FD-7519454CD5AA}" presName="accent_2" presStyleCnt="0"/>
-      <dgm:spPr/>
-    </dgm:pt>
-    <dgm:pt modelId="{A41B4874-9053-394F-8BD9-DD389D9E8DED}" type="pres">
-      <dgm:prSet presAssocID="{A2095930-F553-0E42-97FD-7519454CD5AA}" presName="accentRepeatNode" presStyleLbl="solidFgAcc1" presStyleIdx="1" presStyleCnt="5"/>
-      <dgm:spPr/>
-    </dgm:pt>
-    <dgm:pt modelId="{52B375A0-1304-3347-BCE9-4CE5E266AAD0}" type="pres">
-      <dgm:prSet presAssocID="{1DCD092B-E885-B948-A6E7-B6DE9690B856}" presName="text_3" presStyleLbl="node1" presStyleIdx="2" presStyleCnt="5">
-        <dgm:presLayoutVars>
-          <dgm:bulletEnabled val="1"/>
-        </dgm:presLayoutVars>
-      </dgm:prSet>
-      <dgm:spPr/>
-    </dgm:pt>
-    <dgm:pt modelId="{5DD9A300-460C-714D-8C83-7D9A22556A84}" type="pres">
-      <dgm:prSet presAssocID="{1DCD092B-E885-B948-A6E7-B6DE9690B856}" presName="accent_3" presStyleCnt="0"/>
-      <dgm:spPr/>
-    </dgm:pt>
-    <dgm:pt modelId="{57974CB6-9B12-0A49-B5F5-16B0024DF802}" type="pres">
-      <dgm:prSet presAssocID="{1DCD092B-E885-B948-A6E7-B6DE9690B856}" presName="accentRepeatNode" presStyleLbl="solidFgAcc1" presStyleIdx="2" presStyleCnt="5"/>
-      <dgm:spPr/>
-    </dgm:pt>
-    <dgm:pt modelId="{9788C95E-015D-3349-A589-09E1A699B9B0}" type="pres">
-      <dgm:prSet presAssocID="{79AE07C4-F4E6-464C-964F-A041D327027F}" presName="text_4" presStyleLbl="node1" presStyleIdx="3" presStyleCnt="5">
-        <dgm:presLayoutVars>
-          <dgm:bulletEnabled val="1"/>
-        </dgm:presLayoutVars>
-      </dgm:prSet>
-      <dgm:spPr/>
-    </dgm:pt>
-    <dgm:pt modelId="{0CD56C48-78B4-5E42-835A-6ECE9A1B9074}" type="pres">
-      <dgm:prSet presAssocID="{79AE07C4-F4E6-464C-964F-A041D327027F}" presName="accent_4" presStyleCnt="0"/>
-      <dgm:spPr/>
-    </dgm:pt>
-    <dgm:pt modelId="{65432DCF-4D0E-704D-8B22-61BFC5BEE187}" type="pres">
-      <dgm:prSet presAssocID="{79AE07C4-F4E6-464C-964F-A041D327027F}" presName="accentRepeatNode" presStyleLbl="solidFgAcc1" presStyleIdx="3" presStyleCnt="5"/>
-      <dgm:spPr/>
-    </dgm:pt>
-    <dgm:pt modelId="{9805492E-F0E1-E34F-AB81-42F240F6FB67}" type="pres">
-      <dgm:prSet presAssocID="{9CDAF77D-16B0-5A4F-98CC-5DF58DE0B7C8}" presName="text_5" presStyleLbl="node1" presStyleIdx="4" presStyleCnt="5">
-        <dgm:presLayoutVars>
-          <dgm:bulletEnabled val="1"/>
-        </dgm:presLayoutVars>
-      </dgm:prSet>
-      <dgm:spPr/>
-    </dgm:pt>
-    <dgm:pt modelId="{5023B187-1C2F-3645-99A6-07505CBDBABE}" type="pres">
-      <dgm:prSet presAssocID="{9CDAF77D-16B0-5A4F-98CC-5DF58DE0B7C8}" presName="accent_5" presStyleCnt="0"/>
-      <dgm:spPr/>
-    </dgm:pt>
-    <dgm:pt modelId="{53102505-5DDA-854B-BF42-37C00B828639}" type="pres">
-      <dgm:prSet presAssocID="{9CDAF77D-16B0-5A4F-98CC-5DF58DE0B7C8}" presName="accentRepeatNode" presStyleLbl="solidFgAcc1" presStyleIdx="4" presStyleCnt="5"/>
-      <dgm:spPr/>
-    </dgm:pt>
-  </dgm:ptLst>
-  <dgm:cxnLst>
-    <dgm:cxn modelId="{1B2B5076-8C68-B34F-A0D7-6FF9317ACA4F}" type="presOf" srcId="{A2095930-F553-0E42-97FD-7519454CD5AA}" destId="{4903666B-D8A3-814D-87CB-C6354E677BE9}" srcOrd="0" destOrd="0" presId="urn:microsoft.com/office/officeart/2008/layout/VerticalCurvedList"/>
-    <dgm:cxn modelId="{7548F599-0C23-4F4B-BD7C-074E8C1C6A6B}" srcId="{29731825-D592-474D-B95C-8F746820CD6F}" destId="{A2095930-F553-0E42-97FD-7519454CD5AA}" srcOrd="1" destOrd="0" parTransId="{714E3673-E401-064C-A3BD-7F358169981E}" sibTransId="{5DE9F0F9-7E61-194B-9A5F-4E839768591E}"/>
-    <dgm:cxn modelId="{F720387B-71EF-9645-8911-22A2CB257476}" type="presOf" srcId="{3228E3B2-E20D-964B-81B5-014A4B1E2D18}" destId="{2AC9BB0A-9E23-3440-B412-139C41CDCBA8}" srcOrd="0" destOrd="0" presId="urn:microsoft.com/office/officeart/2008/layout/VerticalCurvedList"/>
-    <dgm:cxn modelId="{C2A79A57-71A1-6842-90A2-702004E394D0}" type="presOf" srcId="{6499395B-E8F5-004C-9F5F-5AFD3116A72C}" destId="{35108CCA-A981-2049-8C7C-D9CF3A8DF667}" srcOrd="0" destOrd="0" presId="urn:microsoft.com/office/officeart/2008/layout/VerticalCurvedList"/>
-    <dgm:cxn modelId="{1FC365F2-99E8-054B-A091-DDD38B4D27FF}" type="presOf" srcId="{1DCD092B-E885-B948-A6E7-B6DE9690B856}" destId="{52B375A0-1304-3347-BCE9-4CE5E266AAD0}" srcOrd="0" destOrd="0" presId="urn:microsoft.com/office/officeart/2008/layout/VerticalCurvedList"/>
-    <dgm:cxn modelId="{FBC4A697-B006-8B46-834B-212AB7637556}" type="presOf" srcId="{9CDAF77D-16B0-5A4F-98CC-5DF58DE0B7C8}" destId="{9805492E-F0E1-E34F-AB81-42F240F6FB67}" srcOrd="0" destOrd="0" presId="urn:microsoft.com/office/officeart/2008/layout/VerticalCurvedList"/>
-    <dgm:cxn modelId="{6C11B6BA-EE5F-6B47-B3D8-82E2D93E79DA}" srcId="{29731825-D592-474D-B95C-8F746820CD6F}" destId="{3228E3B2-E20D-964B-81B5-014A4B1E2D18}" srcOrd="0" destOrd="0" parTransId="{57452E40-0AFA-A546-8916-30F692566B94}" sibTransId="{6499395B-E8F5-004C-9F5F-5AFD3116A72C}"/>
-    <dgm:cxn modelId="{FE4D1035-A6B5-3746-AD74-9B5BDF037655}" type="presOf" srcId="{79AE07C4-F4E6-464C-964F-A041D327027F}" destId="{9788C95E-015D-3349-A589-09E1A699B9B0}" srcOrd="0" destOrd="0" presId="urn:microsoft.com/office/officeart/2008/layout/VerticalCurvedList"/>
-    <dgm:cxn modelId="{A74D7C88-B8C3-6241-A569-8ADB513527C7}" srcId="{29731825-D592-474D-B95C-8F746820CD6F}" destId="{9CDAF77D-16B0-5A4F-98CC-5DF58DE0B7C8}" srcOrd="4" destOrd="0" parTransId="{F36B0537-8EF1-4047-90D5-6DF446B37311}" sibTransId="{58B53406-D0FE-6343-B713-CE3736B52289}"/>
-    <dgm:cxn modelId="{5E380485-CE22-E14B-8518-AF5DDDF46942}" type="presOf" srcId="{29731825-D592-474D-B95C-8F746820CD6F}" destId="{7DFD809D-9AC8-014E-A8C4-868EB0809FC4}" srcOrd="0" destOrd="0" presId="urn:microsoft.com/office/officeart/2008/layout/VerticalCurvedList"/>
-    <dgm:cxn modelId="{E6CCF0C6-1757-3945-B47F-755AF4FE2107}" srcId="{29731825-D592-474D-B95C-8F746820CD6F}" destId="{79AE07C4-F4E6-464C-964F-A041D327027F}" srcOrd="3" destOrd="0" parTransId="{A85F9573-A364-2440-9F2E-47D146E2BC1D}" sibTransId="{7B7BECBE-8710-504C-807D-AFB86C2ADB74}"/>
-    <dgm:cxn modelId="{A1A55811-1D60-7144-B544-238BF32F04F3}" srcId="{29731825-D592-474D-B95C-8F746820CD6F}" destId="{1DCD092B-E885-B948-A6E7-B6DE9690B856}" srcOrd="2" destOrd="0" parTransId="{06088D07-25D6-384B-8031-E5344E3B8C69}" sibTransId="{A5C31CA4-468C-0449-9E36-85452A937FB2}"/>
-    <dgm:cxn modelId="{D8174DA7-8E2B-B84C-A3D5-8886D55BE572}" type="presParOf" srcId="{7DFD809D-9AC8-014E-A8C4-868EB0809FC4}" destId="{7BB6F11C-CD2D-AB44-BD48-FCF3E8A4A282}" srcOrd="0" destOrd="0" presId="urn:microsoft.com/office/officeart/2008/layout/VerticalCurvedList"/>
-    <dgm:cxn modelId="{FF0C8680-1586-664D-B6F1-BC2DD4EB1EC4}" type="presParOf" srcId="{7BB6F11C-CD2D-AB44-BD48-FCF3E8A4A282}" destId="{E55481C9-E071-0444-958A-B26C018A44EB}" srcOrd="0" destOrd="0" presId="urn:microsoft.com/office/officeart/2008/layout/VerticalCurvedList"/>
-    <dgm:cxn modelId="{210E1CF7-7FA8-6C47-ABB1-76A94E9CD70D}" type="presParOf" srcId="{E55481C9-E071-0444-958A-B26C018A44EB}" destId="{D2D04B61-6412-4B4D-8417-6140FC5858A3}" srcOrd="0" destOrd="0" presId="urn:microsoft.com/office/officeart/2008/layout/VerticalCurvedList"/>
-    <dgm:cxn modelId="{F5EB52ED-F728-704D-AF9D-4E4DB7D10F4E}" type="presParOf" srcId="{E55481C9-E071-0444-958A-B26C018A44EB}" destId="{35108CCA-A981-2049-8C7C-D9CF3A8DF667}" srcOrd="1" destOrd="0" presId="urn:microsoft.com/office/officeart/2008/layout/VerticalCurvedList"/>
-    <dgm:cxn modelId="{799D7FA5-DCD4-3444-9267-51F1AF3CFF8C}" type="presParOf" srcId="{E55481C9-E071-0444-958A-B26C018A44EB}" destId="{D74887AA-C56F-7641-A466-3260196B624D}" srcOrd="2" destOrd="0" presId="urn:microsoft.com/office/officeart/2008/layout/VerticalCurvedList"/>
-    <dgm:cxn modelId="{85C01C02-17BA-FB42-8918-7A1D8A7D900F}" type="presParOf" srcId="{E55481C9-E071-0444-958A-B26C018A44EB}" destId="{AFD93EB7-E4C2-E049-9F3B-40DE24B91D53}" srcOrd="3" destOrd="0" presId="urn:microsoft.com/office/officeart/2008/layout/VerticalCurvedList"/>
-    <dgm:cxn modelId="{4E11D4CE-2AC5-F543-BB05-5CC7314BE485}" type="presParOf" srcId="{7BB6F11C-CD2D-AB44-BD48-FCF3E8A4A282}" destId="{2AC9BB0A-9E23-3440-B412-139C41CDCBA8}" srcOrd="1" destOrd="0" presId="urn:microsoft.com/office/officeart/2008/layout/VerticalCurvedList"/>
-    <dgm:cxn modelId="{591DEB37-53F4-0544-933A-BDACF2AF30D4}" type="presParOf" srcId="{7BB6F11C-CD2D-AB44-BD48-FCF3E8A4A282}" destId="{622F8897-324D-224D-905F-D0A82E33B308}" srcOrd="2" destOrd="0" presId="urn:microsoft.com/office/officeart/2008/layout/VerticalCurvedList"/>
-    <dgm:cxn modelId="{3473C5B8-973C-E941-A86C-4AD664B7E8AF}" type="presParOf" srcId="{622F8897-324D-224D-905F-D0A82E33B308}" destId="{5BB4B21A-8FA6-1842-9D6B-8DD5A5350EAE}" srcOrd="0" destOrd="0" presId="urn:microsoft.com/office/officeart/2008/layout/VerticalCurvedList"/>
-    <dgm:cxn modelId="{5B4A5EB9-A02F-554B-ABA1-63896B9D947A}" type="presParOf" srcId="{7BB6F11C-CD2D-AB44-BD48-FCF3E8A4A282}" destId="{4903666B-D8A3-814D-87CB-C6354E677BE9}" srcOrd="3" destOrd="0" presId="urn:microsoft.com/office/officeart/2008/layout/VerticalCurvedList"/>
-    <dgm:cxn modelId="{89B18FE8-4DE3-414F-A854-D5104EA00B97}" type="presParOf" srcId="{7BB6F11C-CD2D-AB44-BD48-FCF3E8A4A282}" destId="{CBF361E1-C45C-8C45-92BA-C5BBEB94E23C}" srcOrd="4" destOrd="0" presId="urn:microsoft.com/office/officeart/2008/layout/VerticalCurvedList"/>
-    <dgm:cxn modelId="{9B4CEC1D-5268-544F-8303-313DDDDC83C0}" type="presParOf" srcId="{CBF361E1-C45C-8C45-92BA-C5BBEB94E23C}" destId="{A41B4874-9053-394F-8BD9-DD389D9E8DED}" srcOrd="0" destOrd="0" presId="urn:microsoft.com/office/officeart/2008/layout/VerticalCurvedList"/>
-    <dgm:cxn modelId="{990E3ADD-79C5-9842-9D30-0FD1707F82C9}" type="presParOf" srcId="{7BB6F11C-CD2D-AB44-BD48-FCF3E8A4A282}" destId="{52B375A0-1304-3347-BCE9-4CE5E266AAD0}" srcOrd="5" destOrd="0" presId="urn:microsoft.com/office/officeart/2008/layout/VerticalCurvedList"/>
-    <dgm:cxn modelId="{8D76ECDD-A377-BB45-9166-45E6F8D37FEE}" type="presParOf" srcId="{7BB6F11C-CD2D-AB44-BD48-FCF3E8A4A282}" destId="{5DD9A300-460C-714D-8C83-7D9A22556A84}" srcOrd="6" destOrd="0" presId="urn:microsoft.com/office/officeart/2008/layout/VerticalCurvedList"/>
-    <dgm:cxn modelId="{7342433D-A5ED-A446-8E9C-3A4307D4C15A}" type="presParOf" srcId="{5DD9A300-460C-714D-8C83-7D9A22556A84}" destId="{57974CB6-9B12-0A49-B5F5-16B0024DF802}" srcOrd="0" destOrd="0" presId="urn:microsoft.com/office/officeart/2008/layout/VerticalCurvedList"/>
-    <dgm:cxn modelId="{702182CF-779F-D042-8697-FDDC908DEB1C}" type="presParOf" srcId="{7BB6F11C-CD2D-AB44-BD48-FCF3E8A4A282}" destId="{9788C95E-015D-3349-A589-09E1A699B9B0}" srcOrd="7" destOrd="0" presId="urn:microsoft.com/office/officeart/2008/layout/VerticalCurvedList"/>
-    <dgm:cxn modelId="{2FEC2946-1945-3C49-8B2A-0825E61CB14F}" type="presParOf" srcId="{7BB6F11C-CD2D-AB44-BD48-FCF3E8A4A282}" destId="{0CD56C48-78B4-5E42-835A-6ECE9A1B9074}" srcOrd="8" destOrd="0" presId="urn:microsoft.com/office/officeart/2008/layout/VerticalCurvedList"/>
-    <dgm:cxn modelId="{A6FD63F0-A474-4D4A-8676-D6C9925022BF}" type="presParOf" srcId="{0CD56C48-78B4-5E42-835A-6ECE9A1B9074}" destId="{65432DCF-4D0E-704D-8B22-61BFC5BEE187}" srcOrd="0" destOrd="0" presId="urn:microsoft.com/office/officeart/2008/layout/VerticalCurvedList"/>
-    <dgm:cxn modelId="{F9AB3AB0-57E1-DB4D-91BE-86CE36A7223E}" type="presParOf" srcId="{7BB6F11C-CD2D-AB44-BD48-FCF3E8A4A282}" destId="{9805492E-F0E1-E34F-AB81-42F240F6FB67}" srcOrd="9" destOrd="0" presId="urn:microsoft.com/office/officeart/2008/layout/VerticalCurvedList"/>
-    <dgm:cxn modelId="{2574D31F-460E-6547-83F3-82526F7F6AFF}" type="presParOf" srcId="{7BB6F11C-CD2D-AB44-BD48-FCF3E8A4A282}" destId="{5023B187-1C2F-3645-99A6-07505CBDBABE}" srcOrd="10" destOrd="0" presId="urn:microsoft.com/office/officeart/2008/layout/VerticalCurvedList"/>
-    <dgm:cxn modelId="{319848A1-7143-BC47-B09F-2B705507948B}" type="presParOf" srcId="{5023B187-1C2F-3645-99A6-07505CBDBABE}" destId="{53102505-5DDA-854B-BF42-37C00B828639}" srcOrd="0" destOrd="0" presId="urn:microsoft.com/office/officeart/2008/layout/VerticalCurvedList"/>
-  </dgm:cxnLst>
-  <dgm:bg/>
-  <dgm:whole/>
-  <dgm:extLst>
-    <a:ext uri="http://schemas.microsoft.com/office/drawing/2008/diagram">
-      <dsp:dataModelExt xmlns:dsp="http://schemas.microsoft.com/office/drawing/2008/diagram" relId="rId7" minVer="http://schemas.openxmlformats.org/drawingml/2006/diagram"/>
-    </a:ext>
-  </dgm:extLst>
-</dgm:dataModel>
-</file>
-
-<file path=ppt/diagrams/drawing1.xml><?xml version="1.0" encoding="utf-8"?>
-<dsp:drawing xmlns:dgm="http://schemas.openxmlformats.org/drawingml/2006/diagram" xmlns:dsp="http://schemas.microsoft.com/office/drawing/2008/diagram" xmlns:a="http://schemas.openxmlformats.org/drawingml/2006/main">
-  <dsp:spTree>
-    <dsp:nvGrpSpPr>
-      <dsp:cNvPr id="0" name=""/>
-      <dsp:cNvGrpSpPr/>
-    </dsp:nvGrpSpPr>
-    <dsp:grpSpPr/>
-    <dsp:sp modelId="{35108CCA-A981-2049-8C7C-D9CF3A8DF667}">
-      <dsp:nvSpPr>
-        <dsp:cNvPr id="0" name=""/>
-        <dsp:cNvSpPr/>
-      </dsp:nvSpPr>
-      <dsp:spPr>
-        <a:xfrm>
-          <a:off x="-6960955" y="-1064196"/>
-          <a:ext cx="8284189" cy="8284189"/>
-        </a:xfrm>
-        <a:prstGeom prst="blockArc">
-          <a:avLst>
-            <a:gd name="adj1" fmla="val 18900000"/>
-            <a:gd name="adj2" fmla="val 2700000"/>
-            <a:gd name="adj3" fmla="val 261"/>
-          </a:avLst>
-        </a:prstGeom>
-        <a:noFill/>
-        <a:ln w="6350" cap="flat" cmpd="sng" algn="ctr">
-          <a:solidFill>
-            <a:schemeClr val="accent1">
-              <a:shade val="60000"/>
-              <a:hueOff val="0"/>
-              <a:satOff val="0"/>
-              <a:lumOff val="0"/>
-              <a:alphaOff val="0"/>
-            </a:schemeClr>
-          </a:solidFill>
-          <a:prstDash val="solid"/>
-          <a:miter lim="800000"/>
-        </a:ln>
-        <a:effectLst/>
-      </dsp:spPr>
-      <dsp:style>
-        <a:lnRef idx="1">
-          <a:scrgbClr r="0" g="0" b="0"/>
-        </a:lnRef>
-        <a:fillRef idx="0">
-          <a:scrgbClr r="0" g="0" b="0"/>
-        </a:fillRef>
-        <a:effectRef idx="0">
-          <a:scrgbClr r="0" g="0" b="0"/>
-        </a:effectRef>
-        <a:fontRef idx="minor"/>
-      </dsp:style>
-    </dsp:sp>
-    <dsp:sp modelId="{2AC9BB0A-9E23-3440-B412-139C41CDCBA8}">
-      <dsp:nvSpPr>
-        <dsp:cNvPr id="0" name=""/>
-        <dsp:cNvSpPr/>
-      </dsp:nvSpPr>
-      <dsp:spPr>
-        <a:xfrm>
-          <a:off x="577832" y="384614"/>
-          <a:ext cx="7726640" cy="769720"/>
-        </a:xfrm>
-        <a:prstGeom prst="rect">
-          <a:avLst/>
-        </a:prstGeom>
-        <a:gradFill rotWithShape="0">
-          <a:gsLst>
-            <a:gs pos="0">
-              <a:schemeClr val="accent1">
-                <a:hueOff val="0"/>
-                <a:satOff val="0"/>
-                <a:lumOff val="0"/>
-                <a:alphaOff val="0"/>
-                <a:satMod val="103000"/>
-                <a:lumMod val="102000"/>
-                <a:tint val="94000"/>
-              </a:schemeClr>
-            </a:gs>
-            <a:gs pos="50000">
-              <a:schemeClr val="accent1">
-                <a:hueOff val="0"/>
-                <a:satOff val="0"/>
-                <a:lumOff val="0"/>
-                <a:alphaOff val="0"/>
-                <a:satMod val="110000"/>
-                <a:lumMod val="100000"/>
-                <a:shade val="100000"/>
-              </a:schemeClr>
-            </a:gs>
-            <a:gs pos="100000">
-              <a:schemeClr val="accent1">
-                <a:hueOff val="0"/>
-                <a:satOff val="0"/>
-                <a:lumOff val="0"/>
-                <a:alphaOff val="0"/>
-                <a:lumMod val="99000"/>
-                <a:satMod val="120000"/>
-                <a:shade val="78000"/>
-              </a:schemeClr>
-            </a:gs>
-          </a:gsLst>
-          <a:lin ang="5400000" scaled="0"/>
-        </a:gradFill>
-        <a:ln>
-          <a:noFill/>
-        </a:ln>
-        <a:effectLst/>
-      </dsp:spPr>
-      <dsp:style>
-        <a:lnRef idx="0">
-          <a:scrgbClr r="0" g="0" b="0"/>
-        </a:lnRef>
-        <a:fillRef idx="3">
-          <a:scrgbClr r="0" g="0" b="0"/>
-        </a:fillRef>
-        <a:effectRef idx="2">
-          <a:scrgbClr r="0" g="0" b="0"/>
-        </a:effectRef>
-        <a:fontRef idx="minor">
-          <a:schemeClr val="lt1"/>
-        </a:fontRef>
-      </dsp:style>
-      <dsp:txBody>
-        <a:bodyPr spcFirstLastPara="0" vert="horz" wrap="square" lIns="610966" tIns="96520" rIns="96520" bIns="96520" numCol="1" spcCol="1270" anchor="ctr" anchorCtr="0">
-          <a:noAutofit/>
-        </a:bodyPr>
-        <a:lstStyle/>
-        <a:p>
-          <a:pPr lvl="0" algn="l" defTabSz="1689100">
-            <a:lnSpc>
-              <a:spcPct val="90000"/>
-            </a:lnSpc>
-            <a:spcBef>
-              <a:spcPct val="0"/>
-            </a:spcBef>
-            <a:spcAft>
-              <a:spcPct val="35000"/>
-            </a:spcAft>
-          </a:pPr>
-          <a:r>
-            <a:rPr kumimoji="1" lang="ja-JP" altLang="en-US" sz="3800" kern="1200" dirty="0" smtClean="0"/>
-            <a:t>コンセプト</a:t>
-          </a:r>
-          <a:endParaRPr kumimoji="1" lang="ja-JP" altLang="en-US" sz="3800" kern="1200" dirty="0"/>
-        </a:p>
-      </dsp:txBody>
-      <dsp:txXfrm>
-        <a:off x="577832" y="384614"/>
-        <a:ext cx="7726640" cy="769720"/>
-      </dsp:txXfrm>
-    </dsp:sp>
-    <dsp:sp modelId="{5BB4B21A-8FA6-1842-9D6B-8DD5A5350EAE}">
-      <dsp:nvSpPr>
-        <dsp:cNvPr id="0" name=""/>
-        <dsp:cNvSpPr/>
-      </dsp:nvSpPr>
-      <dsp:spPr>
-        <a:xfrm>
-          <a:off x="96757" y="288399"/>
-          <a:ext cx="962150" cy="962150"/>
-        </a:xfrm>
-        <a:prstGeom prst="ellipse">
-          <a:avLst/>
-        </a:prstGeom>
-        <a:solidFill>
-          <a:schemeClr val="lt1">
-            <a:hueOff val="0"/>
-            <a:satOff val="0"/>
-            <a:lumOff val="0"/>
-            <a:alphaOff val="0"/>
-          </a:schemeClr>
-        </a:solidFill>
-        <a:ln w="6350" cap="flat" cmpd="sng" algn="ctr">
-          <a:solidFill>
-            <a:schemeClr val="accent1">
-              <a:hueOff val="0"/>
-              <a:satOff val="0"/>
-              <a:lumOff val="0"/>
-              <a:alphaOff val="0"/>
-            </a:schemeClr>
-          </a:solidFill>
-          <a:prstDash val="solid"/>
-          <a:miter lim="800000"/>
-        </a:ln>
-        <a:effectLst/>
-      </dsp:spPr>
-      <dsp:style>
-        <a:lnRef idx="1">
-          <a:scrgbClr r="0" g="0" b="0"/>
-        </a:lnRef>
-        <a:fillRef idx="1">
-          <a:scrgbClr r="0" g="0" b="0"/>
-        </a:fillRef>
-        <a:effectRef idx="0">
-          <a:scrgbClr r="0" g="0" b="0"/>
-        </a:effectRef>
-        <a:fontRef idx="minor"/>
-      </dsp:style>
-    </dsp:sp>
-    <dsp:sp modelId="{4903666B-D8A3-814D-87CB-C6354E677BE9}">
-      <dsp:nvSpPr>
-        <dsp:cNvPr id="0" name=""/>
-        <dsp:cNvSpPr/>
-      </dsp:nvSpPr>
-      <dsp:spPr>
-        <a:xfrm>
-          <a:off x="1129392" y="1538825"/>
-          <a:ext cx="7175081" cy="769720"/>
-        </a:xfrm>
-        <a:prstGeom prst="rect">
-          <a:avLst/>
-        </a:prstGeom>
-        <a:gradFill rotWithShape="0">
-          <a:gsLst>
-            <a:gs pos="0">
-              <a:schemeClr val="accent1">
-                <a:hueOff val="0"/>
-                <a:satOff val="0"/>
-                <a:lumOff val="0"/>
-                <a:alphaOff val="0"/>
-                <a:satMod val="103000"/>
-                <a:lumMod val="102000"/>
-                <a:tint val="94000"/>
-              </a:schemeClr>
-            </a:gs>
-            <a:gs pos="50000">
-              <a:schemeClr val="accent1">
-                <a:hueOff val="0"/>
-                <a:satOff val="0"/>
-                <a:lumOff val="0"/>
-                <a:alphaOff val="0"/>
-                <a:satMod val="110000"/>
-                <a:lumMod val="100000"/>
-                <a:shade val="100000"/>
-              </a:schemeClr>
-            </a:gs>
-            <a:gs pos="100000">
-              <a:schemeClr val="accent1">
-                <a:hueOff val="0"/>
-                <a:satOff val="0"/>
-                <a:lumOff val="0"/>
-                <a:alphaOff val="0"/>
-                <a:lumMod val="99000"/>
-                <a:satMod val="120000"/>
-                <a:shade val="78000"/>
-              </a:schemeClr>
-            </a:gs>
-          </a:gsLst>
-          <a:lin ang="5400000" scaled="0"/>
-        </a:gradFill>
-        <a:ln>
-          <a:noFill/>
-        </a:ln>
-        <a:effectLst/>
-      </dsp:spPr>
-      <dsp:style>
-        <a:lnRef idx="0">
-          <a:scrgbClr r="0" g="0" b="0"/>
-        </a:lnRef>
-        <a:fillRef idx="3">
-          <a:scrgbClr r="0" g="0" b="0"/>
-        </a:fillRef>
-        <a:effectRef idx="2">
-          <a:scrgbClr r="0" g="0" b="0"/>
-        </a:effectRef>
-        <a:fontRef idx="minor">
-          <a:schemeClr val="lt1"/>
-        </a:fontRef>
-      </dsp:style>
-      <dsp:txBody>
-        <a:bodyPr spcFirstLastPara="0" vert="horz" wrap="square" lIns="610966" tIns="96520" rIns="96520" bIns="96520" numCol="1" spcCol="1270" anchor="ctr" anchorCtr="0">
-          <a:noAutofit/>
-        </a:bodyPr>
-        <a:lstStyle/>
-        <a:p>
-          <a:pPr lvl="0" algn="l" defTabSz="1689100">
-            <a:lnSpc>
-              <a:spcPct val="90000"/>
-            </a:lnSpc>
-            <a:spcBef>
-              <a:spcPct val="0"/>
-            </a:spcBef>
-            <a:spcAft>
-              <a:spcPct val="35000"/>
-            </a:spcAft>
-          </a:pPr>
-          <a:r>
-            <a:rPr kumimoji="1" lang="ja-JP" altLang="en-US" sz="3800" kern="1200" dirty="0" smtClean="0"/>
-            <a:t>使用方法</a:t>
-          </a:r>
-          <a:endParaRPr kumimoji="1" lang="ja-JP" altLang="en-US" sz="3800" kern="1200" dirty="0"/>
-        </a:p>
-      </dsp:txBody>
-      <dsp:txXfrm>
-        <a:off x="1129392" y="1538825"/>
-        <a:ext cx="7175081" cy="769720"/>
-      </dsp:txXfrm>
-    </dsp:sp>
-    <dsp:sp modelId="{A41B4874-9053-394F-8BD9-DD389D9E8DED}">
-      <dsp:nvSpPr>
-        <dsp:cNvPr id="0" name=""/>
-        <dsp:cNvSpPr/>
-      </dsp:nvSpPr>
-      <dsp:spPr>
-        <a:xfrm>
-          <a:off x="648316" y="1442610"/>
-          <a:ext cx="962150" cy="962150"/>
-        </a:xfrm>
-        <a:prstGeom prst="ellipse">
-          <a:avLst/>
-        </a:prstGeom>
-        <a:solidFill>
-          <a:schemeClr val="lt1">
-            <a:hueOff val="0"/>
-            <a:satOff val="0"/>
-            <a:lumOff val="0"/>
-            <a:alphaOff val="0"/>
-          </a:schemeClr>
-        </a:solidFill>
-        <a:ln w="6350" cap="flat" cmpd="sng" algn="ctr">
-          <a:solidFill>
-            <a:schemeClr val="accent1">
-              <a:hueOff val="0"/>
-              <a:satOff val="0"/>
-              <a:lumOff val="0"/>
-              <a:alphaOff val="0"/>
-            </a:schemeClr>
-          </a:solidFill>
-          <a:prstDash val="solid"/>
-          <a:miter lim="800000"/>
-        </a:ln>
-        <a:effectLst/>
-      </dsp:spPr>
-      <dsp:style>
-        <a:lnRef idx="1">
-          <a:scrgbClr r="0" g="0" b="0"/>
-        </a:lnRef>
-        <a:fillRef idx="1">
-          <a:scrgbClr r="0" g="0" b="0"/>
-        </a:fillRef>
-        <a:effectRef idx="0">
-          <a:scrgbClr r="0" g="0" b="0"/>
-        </a:effectRef>
-        <a:fontRef idx="minor"/>
-      </dsp:style>
-    </dsp:sp>
-    <dsp:sp modelId="{52B375A0-1304-3347-BCE9-4CE5E266AAD0}">
-      <dsp:nvSpPr>
-        <dsp:cNvPr id="0" name=""/>
-        <dsp:cNvSpPr/>
-      </dsp:nvSpPr>
-      <dsp:spPr>
-        <a:xfrm>
-          <a:off x="1298676" y="2693037"/>
-          <a:ext cx="7005797" cy="769720"/>
-        </a:xfrm>
-        <a:prstGeom prst="rect">
-          <a:avLst/>
-        </a:prstGeom>
-        <a:gradFill rotWithShape="0">
-          <a:gsLst>
-            <a:gs pos="0">
-              <a:schemeClr val="accent1">
-                <a:hueOff val="0"/>
-                <a:satOff val="0"/>
-                <a:lumOff val="0"/>
-                <a:alphaOff val="0"/>
-                <a:satMod val="103000"/>
-                <a:lumMod val="102000"/>
-                <a:tint val="94000"/>
-              </a:schemeClr>
-            </a:gs>
-            <a:gs pos="50000">
-              <a:schemeClr val="accent1">
-                <a:hueOff val="0"/>
-                <a:satOff val="0"/>
-                <a:lumOff val="0"/>
-                <a:alphaOff val="0"/>
-                <a:satMod val="110000"/>
-                <a:lumMod val="100000"/>
-                <a:shade val="100000"/>
-              </a:schemeClr>
-            </a:gs>
-            <a:gs pos="100000">
-              <a:schemeClr val="accent1">
-                <a:hueOff val="0"/>
-                <a:satOff val="0"/>
-                <a:lumOff val="0"/>
-                <a:alphaOff val="0"/>
-                <a:lumMod val="99000"/>
-                <a:satMod val="120000"/>
-                <a:shade val="78000"/>
-              </a:schemeClr>
-            </a:gs>
-          </a:gsLst>
-          <a:lin ang="5400000" scaled="0"/>
-        </a:gradFill>
-        <a:ln>
-          <a:noFill/>
-        </a:ln>
-        <a:effectLst/>
-      </dsp:spPr>
-      <dsp:style>
-        <a:lnRef idx="0">
-          <a:scrgbClr r="0" g="0" b="0"/>
-        </a:lnRef>
-        <a:fillRef idx="3">
-          <a:scrgbClr r="0" g="0" b="0"/>
-        </a:fillRef>
-        <a:effectRef idx="2">
-          <a:scrgbClr r="0" g="0" b="0"/>
-        </a:effectRef>
-        <a:fontRef idx="minor">
-          <a:schemeClr val="lt1"/>
-        </a:fontRef>
-      </dsp:style>
-      <dsp:txBody>
-        <a:bodyPr spcFirstLastPara="0" vert="horz" wrap="square" lIns="610966" tIns="96520" rIns="96520" bIns="96520" numCol="1" spcCol="1270" anchor="ctr" anchorCtr="0">
-          <a:noAutofit/>
-        </a:bodyPr>
-        <a:lstStyle/>
-        <a:p>
-          <a:pPr lvl="0" algn="l" defTabSz="1689100">
-            <a:lnSpc>
-              <a:spcPct val="90000"/>
-            </a:lnSpc>
-            <a:spcBef>
-              <a:spcPct val="0"/>
-            </a:spcBef>
-            <a:spcAft>
-              <a:spcPct val="35000"/>
-            </a:spcAft>
-          </a:pPr>
-          <a:r>
-            <a:rPr kumimoji="1" lang="ja-JP" altLang="en-US" sz="3800" kern="1200" dirty="0" smtClean="0"/>
-            <a:t>活用方法</a:t>
-          </a:r>
-          <a:endParaRPr kumimoji="1" lang="en-US" altLang="ja-JP" sz="3800" kern="1200" dirty="0" smtClean="0"/>
-        </a:p>
-      </dsp:txBody>
-      <dsp:txXfrm>
-        <a:off x="1298676" y="2693037"/>
-        <a:ext cx="7005797" cy="769720"/>
-      </dsp:txXfrm>
-    </dsp:sp>
-    <dsp:sp modelId="{57974CB6-9B12-0A49-B5F5-16B0024DF802}">
-      <dsp:nvSpPr>
-        <dsp:cNvPr id="0" name=""/>
-        <dsp:cNvSpPr/>
-      </dsp:nvSpPr>
-      <dsp:spPr>
-        <a:xfrm>
-          <a:off x="817601" y="2596822"/>
-          <a:ext cx="962150" cy="962150"/>
-        </a:xfrm>
-        <a:prstGeom prst="ellipse">
-          <a:avLst/>
-        </a:prstGeom>
-        <a:solidFill>
-          <a:schemeClr val="lt1">
-            <a:hueOff val="0"/>
-            <a:satOff val="0"/>
-            <a:lumOff val="0"/>
-            <a:alphaOff val="0"/>
-          </a:schemeClr>
-        </a:solidFill>
-        <a:ln w="6350" cap="flat" cmpd="sng" algn="ctr">
-          <a:solidFill>
-            <a:schemeClr val="accent1">
-              <a:hueOff val="0"/>
-              <a:satOff val="0"/>
-              <a:lumOff val="0"/>
-              <a:alphaOff val="0"/>
-            </a:schemeClr>
-          </a:solidFill>
-          <a:prstDash val="solid"/>
-          <a:miter lim="800000"/>
-        </a:ln>
-        <a:effectLst/>
-      </dsp:spPr>
-      <dsp:style>
-        <a:lnRef idx="1">
-          <a:scrgbClr r="0" g="0" b="0"/>
-        </a:lnRef>
-        <a:fillRef idx="1">
-          <a:scrgbClr r="0" g="0" b="0"/>
-        </a:fillRef>
-        <a:effectRef idx="0">
-          <a:scrgbClr r="0" g="0" b="0"/>
-        </a:effectRef>
-        <a:fontRef idx="minor"/>
-      </dsp:style>
-    </dsp:sp>
-    <dsp:sp modelId="{9788C95E-015D-3349-A589-09E1A699B9B0}">
-      <dsp:nvSpPr>
-        <dsp:cNvPr id="0" name=""/>
-        <dsp:cNvSpPr/>
-      </dsp:nvSpPr>
-      <dsp:spPr>
-        <a:xfrm>
-          <a:off x="1129392" y="3847249"/>
-          <a:ext cx="7175081" cy="769720"/>
-        </a:xfrm>
-        <a:prstGeom prst="rect">
-          <a:avLst/>
-        </a:prstGeom>
-        <a:gradFill rotWithShape="0">
-          <a:gsLst>
-            <a:gs pos="0">
-              <a:schemeClr val="accent1">
-                <a:hueOff val="0"/>
-                <a:satOff val="0"/>
-                <a:lumOff val="0"/>
-                <a:alphaOff val="0"/>
-                <a:satMod val="103000"/>
-                <a:lumMod val="102000"/>
-                <a:tint val="94000"/>
-              </a:schemeClr>
-            </a:gs>
-            <a:gs pos="50000">
-              <a:schemeClr val="accent1">
-                <a:hueOff val="0"/>
-                <a:satOff val="0"/>
-                <a:lumOff val="0"/>
-                <a:alphaOff val="0"/>
-                <a:satMod val="110000"/>
-                <a:lumMod val="100000"/>
-                <a:shade val="100000"/>
-              </a:schemeClr>
-            </a:gs>
-            <a:gs pos="100000">
-              <a:schemeClr val="accent1">
-                <a:hueOff val="0"/>
-                <a:satOff val="0"/>
-                <a:lumOff val="0"/>
-                <a:alphaOff val="0"/>
-                <a:lumMod val="99000"/>
-                <a:satMod val="120000"/>
-                <a:shade val="78000"/>
-              </a:schemeClr>
-            </a:gs>
-          </a:gsLst>
-          <a:lin ang="5400000" scaled="0"/>
-        </a:gradFill>
-        <a:ln>
-          <a:noFill/>
-        </a:ln>
-        <a:effectLst/>
-      </dsp:spPr>
-      <dsp:style>
-        <a:lnRef idx="0">
-          <a:scrgbClr r="0" g="0" b="0"/>
-        </a:lnRef>
-        <a:fillRef idx="3">
-          <a:scrgbClr r="0" g="0" b="0"/>
-        </a:fillRef>
-        <a:effectRef idx="2">
-          <a:scrgbClr r="0" g="0" b="0"/>
-        </a:effectRef>
-        <a:fontRef idx="minor">
-          <a:schemeClr val="lt1"/>
-        </a:fontRef>
-      </dsp:style>
-      <dsp:txBody>
-        <a:bodyPr spcFirstLastPara="0" vert="horz" wrap="square" lIns="610966" tIns="96520" rIns="96520" bIns="96520" numCol="1" spcCol="1270" anchor="ctr" anchorCtr="0">
-          <a:noAutofit/>
-        </a:bodyPr>
-        <a:lstStyle/>
-        <a:p>
-          <a:pPr lvl="0" algn="l" defTabSz="1689100">
-            <a:lnSpc>
-              <a:spcPct val="90000"/>
-            </a:lnSpc>
-            <a:spcBef>
-              <a:spcPct val="0"/>
-            </a:spcBef>
-            <a:spcAft>
-              <a:spcPct val="35000"/>
-            </a:spcAft>
-          </a:pPr>
-          <a:r>
-            <a:rPr kumimoji="1" lang="ja-JP" altLang="en-US" sz="3800" kern="1200" dirty="0" smtClean="0"/>
-            <a:t>まとめ</a:t>
-          </a:r>
-          <a:endParaRPr kumimoji="1" lang="en-US" altLang="ja-JP" sz="3800" kern="1200" dirty="0" smtClean="0"/>
-        </a:p>
-      </dsp:txBody>
-      <dsp:txXfrm>
-        <a:off x="1129392" y="3847249"/>
-        <a:ext cx="7175081" cy="769720"/>
-      </dsp:txXfrm>
-    </dsp:sp>
-    <dsp:sp modelId="{65432DCF-4D0E-704D-8B22-61BFC5BEE187}">
-      <dsp:nvSpPr>
-        <dsp:cNvPr id="0" name=""/>
-        <dsp:cNvSpPr/>
-      </dsp:nvSpPr>
-      <dsp:spPr>
-        <a:xfrm>
-          <a:off x="648316" y="3751034"/>
-          <a:ext cx="962150" cy="962150"/>
-        </a:xfrm>
-        <a:prstGeom prst="ellipse">
-          <a:avLst/>
-        </a:prstGeom>
-        <a:solidFill>
-          <a:schemeClr val="lt1">
-            <a:hueOff val="0"/>
-            <a:satOff val="0"/>
-            <a:lumOff val="0"/>
-            <a:alphaOff val="0"/>
-          </a:schemeClr>
-        </a:solidFill>
-        <a:ln w="6350" cap="flat" cmpd="sng" algn="ctr">
-          <a:solidFill>
-            <a:schemeClr val="accent1">
-              <a:hueOff val="0"/>
-              <a:satOff val="0"/>
-              <a:lumOff val="0"/>
-              <a:alphaOff val="0"/>
-            </a:schemeClr>
-          </a:solidFill>
-          <a:prstDash val="solid"/>
-          <a:miter lim="800000"/>
-        </a:ln>
-        <a:effectLst/>
-      </dsp:spPr>
-      <dsp:style>
-        <a:lnRef idx="1">
-          <a:scrgbClr r="0" g="0" b="0"/>
-        </a:lnRef>
-        <a:fillRef idx="1">
-          <a:scrgbClr r="0" g="0" b="0"/>
-        </a:fillRef>
-        <a:effectRef idx="0">
-          <a:scrgbClr r="0" g="0" b="0"/>
-        </a:effectRef>
-        <a:fontRef idx="minor"/>
-      </dsp:style>
-    </dsp:sp>
-    <dsp:sp modelId="{9805492E-F0E1-E34F-AB81-42F240F6FB67}">
-      <dsp:nvSpPr>
-        <dsp:cNvPr id="0" name=""/>
-        <dsp:cNvSpPr/>
-      </dsp:nvSpPr>
-      <dsp:spPr>
-        <a:xfrm>
-          <a:off x="577832" y="5001461"/>
-          <a:ext cx="7726640" cy="769720"/>
-        </a:xfrm>
-        <a:prstGeom prst="rect">
-          <a:avLst/>
-        </a:prstGeom>
-        <a:gradFill rotWithShape="0">
-          <a:gsLst>
-            <a:gs pos="0">
-              <a:schemeClr val="accent1">
-                <a:hueOff val="0"/>
-                <a:satOff val="0"/>
-                <a:lumOff val="0"/>
-                <a:alphaOff val="0"/>
-                <a:satMod val="103000"/>
-                <a:lumMod val="102000"/>
-                <a:tint val="94000"/>
-              </a:schemeClr>
-            </a:gs>
-            <a:gs pos="50000">
-              <a:schemeClr val="accent1">
-                <a:hueOff val="0"/>
-                <a:satOff val="0"/>
-                <a:lumOff val="0"/>
-                <a:alphaOff val="0"/>
-                <a:satMod val="110000"/>
-                <a:lumMod val="100000"/>
-                <a:shade val="100000"/>
-              </a:schemeClr>
-            </a:gs>
-            <a:gs pos="100000">
-              <a:schemeClr val="accent1">
-                <a:hueOff val="0"/>
-                <a:satOff val="0"/>
-                <a:lumOff val="0"/>
-                <a:alphaOff val="0"/>
-                <a:lumMod val="99000"/>
-                <a:satMod val="120000"/>
-                <a:shade val="78000"/>
-              </a:schemeClr>
-            </a:gs>
-          </a:gsLst>
-          <a:lin ang="5400000" scaled="0"/>
-        </a:gradFill>
-        <a:ln>
-          <a:noFill/>
-        </a:ln>
-        <a:effectLst/>
-      </dsp:spPr>
-      <dsp:style>
-        <a:lnRef idx="0">
-          <a:scrgbClr r="0" g="0" b="0"/>
-        </a:lnRef>
-        <a:fillRef idx="3">
-          <a:scrgbClr r="0" g="0" b="0"/>
-        </a:fillRef>
-        <a:effectRef idx="2">
-          <a:scrgbClr r="0" g="0" b="0"/>
-        </a:effectRef>
-        <a:fontRef idx="minor">
-          <a:schemeClr val="lt1"/>
-        </a:fontRef>
-      </dsp:style>
-      <dsp:txBody>
-        <a:bodyPr spcFirstLastPara="0" vert="horz" wrap="square" lIns="610966" tIns="96520" rIns="96520" bIns="96520" numCol="1" spcCol="1270" anchor="ctr" anchorCtr="0">
-          <a:noAutofit/>
-        </a:bodyPr>
-        <a:lstStyle/>
-        <a:p>
-          <a:pPr lvl="0" algn="l" defTabSz="1689100">
-            <a:lnSpc>
-              <a:spcPct val="90000"/>
-            </a:lnSpc>
-            <a:spcBef>
-              <a:spcPct val="0"/>
-            </a:spcBef>
-            <a:spcAft>
-              <a:spcPct val="35000"/>
-            </a:spcAft>
-          </a:pPr>
-          <a:r>
-            <a:rPr kumimoji="1" lang="ja-JP" altLang="en-US" sz="3800" kern="1200" dirty="0" smtClean="0"/>
-            <a:t>質疑応答</a:t>
-          </a:r>
-          <a:endParaRPr kumimoji="1" lang="en-US" altLang="ja-JP" sz="3800" kern="1200" dirty="0" smtClean="0"/>
-        </a:p>
-      </dsp:txBody>
-      <dsp:txXfrm>
-        <a:off x="577832" y="5001461"/>
-        <a:ext cx="7726640" cy="769720"/>
-      </dsp:txXfrm>
-    </dsp:sp>
-    <dsp:sp modelId="{53102505-5DDA-854B-BF42-37C00B828639}">
-      <dsp:nvSpPr>
-        <dsp:cNvPr id="0" name=""/>
-        <dsp:cNvSpPr/>
-      </dsp:nvSpPr>
-      <dsp:spPr>
-        <a:xfrm>
-          <a:off x="96757" y="4905246"/>
-          <a:ext cx="962150" cy="962150"/>
-        </a:xfrm>
-        <a:prstGeom prst="ellipse">
-          <a:avLst/>
-        </a:prstGeom>
-        <a:solidFill>
-          <a:schemeClr val="lt1">
-            <a:hueOff val="0"/>
-            <a:satOff val="0"/>
-            <a:lumOff val="0"/>
-            <a:alphaOff val="0"/>
-          </a:schemeClr>
-        </a:solidFill>
-        <a:ln w="6350" cap="flat" cmpd="sng" algn="ctr">
-          <a:solidFill>
-            <a:schemeClr val="accent1">
-              <a:hueOff val="0"/>
-              <a:satOff val="0"/>
-              <a:lumOff val="0"/>
-              <a:alphaOff val="0"/>
-            </a:schemeClr>
-          </a:solidFill>
-          <a:prstDash val="solid"/>
-          <a:miter lim="800000"/>
-        </a:ln>
-        <a:effectLst/>
-      </dsp:spPr>
-      <dsp:style>
-        <a:lnRef idx="1">
-          <a:scrgbClr r="0" g="0" b="0"/>
-        </a:lnRef>
-        <a:fillRef idx="1">
-          <a:scrgbClr r="0" g="0" b="0"/>
-        </a:fillRef>
-        <a:effectRef idx="0">
-          <a:scrgbClr r="0" g="0" b="0"/>
-        </a:effectRef>
-        <a:fontRef idx="minor"/>
-      </dsp:style>
-    </dsp:sp>
-  </dsp:spTree>
-</dsp:drawing>
-</file>
-
-<file path=ppt/diagrams/layout1.xml><?xml version="1.0" encoding="utf-8"?>
-<dgm:layoutDef xmlns:dgm="http://schemas.openxmlformats.org/drawingml/2006/diagram" xmlns:a="http://schemas.openxmlformats.org/drawingml/2006/main" uniqueId="urn:microsoft.com/office/officeart/2008/layout/VerticalCurvedList">
-  <dgm:title val=""/>
-  <dgm:desc val=""/>
-  <dgm:catLst>
-    <dgm:cat type="list" pri="20000"/>
-  </dgm:catLst>
-  <dgm:sampData>
-    <dgm:dataModel>
-      <dgm:ptLst>
-        <dgm:pt modelId="0" type="doc"/>
-        <dgm:pt modelId="1">
-          <dgm:prSet phldr="1"/>
-        </dgm:pt>
-        <dgm:pt modelId="2">
-          <dgm:prSet phldr="1"/>
-        </dgm:pt>
-        <dgm:pt modelId="3">
-          <dgm:prSet phldr="1"/>
-        </dgm:pt>
-      </dgm:ptLst>
-      <dgm:cxnLst>
-        <dgm:cxn modelId="4" srcId="0" destId="1" srcOrd="0" destOrd="0"/>
-        <dgm:cxn modelId="5" srcId="0" destId="2" srcOrd="1" destOrd="0"/>
-        <dgm:cxn modelId="6" srcId="0" destId="3" srcOrd="2" destOrd="0"/>
-      </dgm:cxnLst>
-      <dgm:bg/>
-      <dgm:whole/>
-    </dgm:dataModel>
-  </dgm:sampData>
-  <dgm:styleData>
-    <dgm:dataModel>
-      <dgm:ptLst>
-        <dgm:pt modelId="0" type="doc"/>
-        <dgm:pt modelId="1">
-          <dgm:prSet phldr="1"/>
-        </dgm:pt>
-        <dgm:pt modelId="2">
-          <dgm:prSet phldr="1"/>
-        </dgm:pt>
-      </dgm:ptLst>
-      <dgm:cxnLst>
-        <dgm:cxn modelId="3" srcId="0" destId="1" srcOrd="0" destOrd="0"/>
-        <dgm:cxn modelId="4" srcId="0" destId="2" srcOrd="1" destOrd="0"/>
-      </dgm:cxnLst>
-      <dgm:bg/>
-      <dgm:whole/>
-    </dgm:dataModel>
-  </dgm:styleData>
-  <dgm:clrData>
-    <dgm:dataModel>
-      <dgm:ptLst>
-        <dgm:pt modelId="0" type="doc"/>
-        <dgm:pt modelId="1">
-          <dgm:prSet phldr="1"/>
-        </dgm:pt>
-        <dgm:pt modelId="2">
-          <dgm:prSet phldr="1"/>
-        </dgm:pt>
-        <dgm:pt modelId="3">
-          <dgm:prSet phldr="1"/>
-        </dgm:pt>
-        <dgm:pt modelId="4">
-          <dgm:prSet phldr="1"/>
-        </dgm:pt>
-      </dgm:ptLst>
-      <dgm:cxnLst>
-        <dgm:cxn modelId="5" srcId="0" destId="1" srcOrd="0" destOrd="0"/>
-        <dgm:cxn modelId="6" srcId="0" destId="2" srcOrd="1" destOrd="0"/>
-        <dgm:cxn modelId="7" srcId="0" destId="3" srcOrd="2" destOrd="0"/>
-        <dgm:cxn modelId="8" srcId="0" destId="4" srcOrd="3" destOrd="0"/>
-      </dgm:cxnLst>
-      <dgm:bg/>
-      <dgm:whole/>
-    </dgm:dataModel>
-  </dgm:clrData>
-  <dgm:layoutNode name="Name0">
-    <dgm:varLst>
-      <dgm:chMax val="7"/>
-      <dgm:chPref val="7"/>
-      <dgm:dir/>
-    </dgm:varLst>
-    <dgm:alg type="composite"/>
-    <dgm:shape xmlns:r="http://schemas.openxmlformats.org/officeDocument/2006/relationships" r:blip="">
-      <dgm:adjLst/>
-    </dgm:shape>
-    <dgm:constrLst>
-      <dgm:constr type="w" for="ch" refType="h" refFor="ch" op="gte" fact="0.8"/>
-    </dgm:constrLst>
-    <dgm:layoutNode name="Name1">
-      <dgm:alg type="composite"/>
-      <dgm:shape xmlns:r="http://schemas.openxmlformats.org/officeDocument/2006/relationships" r:blip="">
-        <dgm:adjLst/>
-      </dgm:shape>
-      <dgm:choose name="Name2">
-        <dgm:if name="Name3" func="var" arg="dir" op="equ" val="norm">
-          <dgm:choose name="Name4">
-            <dgm:if name="Name5" axis="ch" ptType="node" func="cnt" op="equ" val="1">
-              <dgm:constrLst>
-                <dgm:constr type="h" for="ch" forName="cycle" refType="h"/>
-                <dgm:constr type="w" for="ch" forName="cycle" refType="h" refFor="ch" refForName="cycle" fact="0.26"/>
-                <dgm:constr type="l" for="ch" forName="cycle"/>
-                <dgm:constr type="ctrY" for="ch" forName="cycle" refType="h" fact="0.5"/>
-                <dgm:constr type="diam" for="ch" forName="cycle" refType="h" fact="1.344"/>
-                <dgm:constr type="h" for="ch" forName="accent_1" refType="h" fact="0.625"/>
-                <dgm:constr type="w" for="ch" forName="accent_1" refType="h" refFor="ch" refForName="accent_1" op="equ"/>
-                <dgm:constr type="ctrY" for="ch" forName="accent_1" refType="h" fact="0.5"/>
-                <dgm:constr type="ctrX" for="ch" forName="accent_1" refType="h" fact="0.2253"/>
-                <dgm:constr type="l" for="ch" forName="text_1" refType="ctrX" refFor="ch" refForName="accent_1"/>
-                <dgm:constr type="r" for="ch" forName="text_1" refType="w"/>
-                <dgm:constr type="w" for="ch" forName="text_1" refType="h" refFor="ch" refForName="text_1" op="gte"/>
-                <dgm:constr type="h" for="ch" forName="text_1" refType="h" refFor="ch" refForName="accent_1" fact="0.8"/>
-                <dgm:constr type="ctrY" for="ch" forName="text_1" refType="ctrY" refFor="ch" refForName="accent_1"/>
-                <dgm:constr type="lMarg" for="ch" forName="text_1" refType="w" refFor="ch" refForName="accent_1" fact="1.8"/>
-                <dgm:constr type="primFontSz" for="ch" ptType="node" op="equ" val="65"/>
-              </dgm:constrLst>
-            </dgm:if>
-            <dgm:if name="Name6" axis="ch" ptType="node" func="cnt" op="equ" val="2">
-              <dgm:constrLst>
-                <dgm:constr type="h" for="ch" forName="cycle" refType="h"/>
-                <dgm:constr type="w" for="ch" forName="cycle" refType="h" refFor="ch" refForName="cycle" fact="0.26"/>
-                <dgm:constr type="l" for="ch" forName="cycle"/>
-                <dgm:constr type="ctrY" for="ch" forName="cycle" refType="h" fact="0.5"/>
-                <dgm:constr type="diam" for="ch" forName="cycle" refType="h" fact="1.344"/>
-                <dgm:constr type="h" for="ch" forName="accent_1" refType="h" fact="0.3571"/>
-                <dgm:constr type="w" for="ch" forName="accent_1" refType="h" refFor="ch" refForName="accent_1" op="equ"/>
-                <dgm:constr type="ctrY" for="ch" forName="accent_1" refType="h" fact="0.2857"/>
-                <dgm:constr type="ctrX" for="ch" forName="accent_1" refType="h" fact="0.1891"/>
-                <dgm:constr type="l" for="ch" forName="text_1" refType="ctrX" refFor="ch" refForName="accent_1"/>
-                <dgm:constr type="r" for="ch" forName="text_1" refType="w"/>
-                <dgm:constr type="w" for="ch" forName="text_1" refType="h" refFor="ch" refForName="text_1" op="gte"/>
-                <dgm:constr type="h" for="ch" forName="text_1" refType="h" refFor="ch" refForName="accent_1" fact="0.8"/>
-                <dgm:constr type="ctrY" for="ch" forName="text_1" refType="ctrY" refFor="ch" refForName="accent_1"/>
-                <dgm:constr type="lMarg" for="ch" forName="text_1" refType="w" refFor="ch" refForName="accent_1" fact="1.8"/>
-                <dgm:constr type="h" for="ch" forName="accent_2" refType="h" fact="0.3571"/>
-                <dgm:constr type="w" for="ch" forName="accent_2" refType="h" refFor="ch" refForName="accent_2" op="equ"/>
-                <dgm:constr type="ctrY" for="ch" forName="accent_2" refType="h" fact="0.7143"/>
-                <dgm:constr type="ctrX" for="ch" forName="accent_2" refType="h" fact="0.1891"/>
-                <dgm:constr type="l" for="ch" forName="text_2" refType="ctrX" refFor="ch" refForName="accent_2"/>
-                <dgm:constr type="r" for="ch" forName="text_2" refType="w"/>
-                <dgm:constr type="w" for="ch" forName="text_2" refType="h" refFor="ch" refForName="text_2" op="gte"/>
-                <dgm:constr type="h" for="ch" forName="text_2" refType="h" refFor="ch" refForName="accent_2" fact="0.8"/>
-                <dgm:constr type="ctrY" for="ch" forName="text_2" refType="ctrY" refFor="ch" refForName="accent_2"/>
-                <dgm:constr type="lMarg" for="ch" forName="text_2" refType="w" refFor="ch" refForName="accent_2" fact="1.8"/>
-                <dgm:constr type="primFontSz" for="ch" ptType="node" op="equ" val="65"/>
-              </dgm:constrLst>
-            </dgm:if>
-            <dgm:if name="Name7" axis="ch" ptType="node" func="cnt" op="equ" val="3">
-              <dgm:constrLst>
-                <dgm:constr type="h" for="ch" forName="cycle" refType="h"/>
-                <dgm:constr type="w" for="ch" forName="cycle" refType="h" refFor="ch" refForName="cycle" fact="0.26"/>
-                <dgm:constr type="l" for="ch" forName="cycle"/>
-                <dgm:constr type="ctrY" for="ch" forName="cycle" refType="h" fact="0.5"/>
-                <dgm:constr type="diam" for="ch" forName="cycle" refType="h" fact="1.344"/>
-                <dgm:constr type="h" for="ch" forName="accent_1" refType="h" fact="0.25"/>
-                <dgm:constr type="w" for="ch" forName="accent_1" refType="h" refFor="ch" refForName="accent_1" op="equ"/>
-                <dgm:constr type="ctrY" for="ch" forName="accent_1" refType="h" fact="0.2"/>
-                <dgm:constr type="ctrX" for="ch" forName="accent_1" refType="h" fact="0.1526"/>
-                <dgm:constr type="l" for="ch" forName="text_1" refType="ctrX" refFor="ch" refForName="accent_1"/>
-                <dgm:constr type="r" for="ch" forName="text_1" refType="w"/>
-                <dgm:constr type="w" for="ch" forName="text_1" refType="h" refFor="ch" refForName="text_1" op="gte"/>
-                <dgm:constr type="h" for="ch" forName="text_1" refType="h" refFor="ch" refForName="accent_1" fact="0.8"/>
-                <dgm:constr type="ctrY" for="ch" forName="text_1" refType="ctrY" refFor="ch" refForName="accent_1"/>
-                <dgm:constr type="lMarg" for="ch" forName="text_1" refType="w" refFor="ch" refForName="accent_1" fact="1.8"/>
-                <dgm:constr type="h" for="ch" forName="accent_2" refType="h" fact="0.25"/>
-                <dgm:constr type="w" for="ch" forName="accent_2" refType="h" refFor="ch" refForName="accent_2" op="equ"/>
-                <dgm:constr type="ctrY" for="ch" forName="accent_2" refType="h" fact="0.5"/>
-                <dgm:constr type="ctrX" for="ch" forName="accent_2" refType="h" fact="0.2253"/>
-                <dgm:constr type="l" for="ch" forName="text_2" refType="ctrX" refFor="ch" refForName="accent_2"/>
-                <dgm:constr type="r" for="ch" forName="text_2" refType="w"/>
-                <dgm:constr type="w" for="ch" forName="text_2" refType="h" refFor="ch" refForName="text_2" op="gte"/>
-                <dgm:constr type="h" for="ch" forName="text_2" refType="h" refFor="ch" refForName="accent_2" fact="0.8"/>
-                <dgm:constr type="ctrY" for="ch" forName="text_2" refType="ctrY" refFor="ch" refForName="accent_2"/>
-                <dgm:constr type="lMarg" for="ch" forName="text_2" refType="w" refFor="ch" refForName="accent_2" fact="1.8"/>
-                <dgm:constr type="h" for="ch" forName="accent_3" refType="h" fact="0.25"/>
-                <dgm:constr type="w" for="ch" forName="accent_3" refType="h" refFor="ch" refForName="accent_3" op="equ"/>
-                <dgm:constr type="ctrY" for="ch" forName="accent_3" refType="h" fact="0.8"/>
-                <dgm:constr type="ctrX" for="ch" forName="accent_3" refType="h" fact="0.1526"/>
-                <dgm:constr type="l" for="ch" forName="text_3" refType="ctrX" refFor="ch" refForName="accent_3"/>
-                <dgm:constr type="r" for="ch" forName="text_3" refType="w"/>
-                <dgm:constr type="w" for="ch" forName="text_3" refType="h" refFor="ch" refForName="text_3" op="gte"/>
-                <dgm:constr type="h" for="ch" forName="text_3" refType="h" refFor="ch" refForName="accent_3" fact="0.8"/>
-                <dgm:constr type="ctrY" for="ch" forName="text_3" refType="ctrY" refFor="ch" refForName="accent_3"/>
-                <dgm:constr type="lMarg" for="ch" forName="text_3" refType="w" refFor="ch" refForName="accent_3" fact="1.8"/>
-                <dgm:constr type="primFontSz" for="ch" ptType="node" op="equ" val="65"/>
-              </dgm:constrLst>
-            </dgm:if>
-            <dgm:if name="Name8" axis="ch" ptType="node" func="cnt" op="equ" val="4">
-              <dgm:constrLst>
-                <dgm:constr type="h" for="ch" forName="cycle" refType="h"/>
-                <dgm:constr type="w" for="ch" forName="cycle" refType="h" refFor="ch" refForName="cycle" fact="0.26"/>
-                <dgm:constr type="l" for="ch" forName="cycle"/>
-                <dgm:constr type="ctrY" for="ch" forName="cycle" refType="h" fact="0.5"/>
-                <dgm:constr type="diam" for="ch" forName="cycle" refType="h" fact="1.344"/>
-                <dgm:constr type="h" for="ch" forName="accent_1" refType="h" fact="0.1923"/>
-                <dgm:constr type="w" for="ch" forName="accent_1" refType="h" refFor="ch" refForName="accent_1" op="equ"/>
-                <dgm:constr type="ctrY" for="ch" forName="accent_1" refType="h" fact="0.1538"/>
-                <dgm:constr type="ctrX" for="ch" forName="accent_1" refType="h" fact="0.1268"/>
-                <dgm:constr type="l" for="ch" forName="text_1" refType="ctrX" refFor="ch" refForName="accent_1"/>
-                <dgm:constr type="r" for="ch" forName="text_1" refType="w"/>
-                <dgm:constr type="w" for="ch" forName="text_1" refType="h" refFor="ch" refForName="text_1" op="gte"/>
-                <dgm:constr type="h" for="ch" forName="text_1" refType="h" refFor="ch" refForName="accent_1" fact="0.8"/>
-                <dgm:constr type="ctrY" for="ch" forName="text_1" refType="ctrY" refFor="ch" refForName="accent_1"/>
-                <dgm:constr type="lMarg" for="ch" forName="text_1" refType="w" refFor="ch" refForName="accent_1" fact="1.8"/>
-                <dgm:constr type="h" for="ch" forName="accent_2" refType="h" fact="0.1923"/>
-                <dgm:constr type="w" for="ch" forName="accent_2" refType="h" refFor="ch" refForName="accent_2" op="equ"/>
-                <dgm:constr type="ctrY" for="ch" forName="accent_2" refType="h" fact="0.3846"/>
-                <dgm:constr type="ctrX" for="ch" forName="accent_2" refType="h" fact="0.215"/>
-                <dgm:constr type="l" for="ch" forName="text_2" refType="ctrX" refFor="ch" refForName="accent_2"/>
-                <dgm:constr type="r" for="ch" forName="text_2" refType="w"/>
-                <dgm:constr type="w" for="ch" forName="text_2" refType="h" refFor="ch" refForName="text_2" op="gte"/>
-                <dgm:constr type="h" for="ch" forName="text_2" refType="h" refFor="ch" refForName="accent_2" fact="0.8"/>
-                <dgm:constr type="ctrY" for="ch" forName="text_2" refType="ctrY" refFor="ch" refForName="accent_2"/>
-                <dgm:constr type="lMarg" for="ch" forName="text_2" refType="w" refFor="ch" refForName="accent_2" fact="1.8"/>
-                <dgm:constr type="h" for="ch" forName="accent_3" refType="h" fact="0.1923"/>
-                <dgm:constr type="w" for="ch" forName="accent_3" refType="h" refFor="ch" refForName="accent_3" op="equ"/>
-                <dgm:constr type="ctrY" for="ch" forName="accent_3" refType="h" fact="0.6154"/>
-                <dgm:constr type="ctrX" for="ch" forName="accent_3" refType="h" fact="0.215"/>
-                <dgm:constr type="l" for="ch" forName="text_3" refType="ctrX" refFor="ch" refForName="accent_3"/>
-                <dgm:constr type="r" for="ch" forName="text_3" refType="w"/>
-                <dgm:constr type="w" for="ch" forName="text_3" refType="h" refFor="ch" refForName="text_3" op="gte"/>
-                <dgm:constr type="h" for="ch" forName="text_3" refType="h" refFor="ch" refForName="accent_3" fact="0.8"/>
-                <dgm:constr type="ctrY" for="ch" forName="text_3" refType="ctrY" refFor="ch" refForName="accent_3"/>
-                <dgm:constr type="lMarg" for="ch" forName="text_3" refType="w" refFor="ch" refForName="accent_3" fact="1.8"/>
-                <dgm:constr type="h" for="ch" forName="accent_4" refType="h" fact="0.1923"/>
-                <dgm:constr type="w" for="ch" forName="accent_4" refType="h" refFor="ch" refForName="accent_4" op="equ"/>
-                <dgm:constr type="ctrY" for="ch" forName="accent_4" refType="h" fact="0.8462"/>
-                <dgm:constr type="ctrX" for="ch" forName="accent_4" refType="h" fact="0.1268"/>
-                <dgm:constr type="l" for="ch" forName="text_4" refType="ctrX" refFor="ch" refForName="accent_4"/>
-                <dgm:constr type="r" for="ch" forName="text_4" refType="w"/>
-                <dgm:constr type="w" for="ch" forName="text_4" refType="h" refFor="ch" refForName="text_4" op="gte"/>
-                <dgm:constr type="h" for="ch" forName="text_4" refType="h" refFor="ch" refForName="accent_4" fact="0.8"/>
-                <dgm:constr type="ctrY" for="ch" forName="text_4" refType="ctrY" refFor="ch" refForName="accent_4"/>
-                <dgm:constr type="lMarg" for="ch" forName="text_4" refType="w" refFor="ch" refForName="accent_4" fact="1.8"/>
-                <dgm:constr type="primFontSz" for="ch" ptType="node" op="equ" val="65"/>
-              </dgm:constrLst>
-            </dgm:if>
-            <dgm:if name="Name9" axis="ch" ptType="node" func="cnt" op="equ" val="5">
-              <dgm:constrLst>
-                <dgm:constr type="h" for="ch" forName="cycle" refType="h"/>
-                <dgm:constr type="w" for="ch" forName="cycle" refType="h" refFor="ch" refForName="cycle" fact="0.26"/>
-                <dgm:constr type="l" for="ch" forName="cycle"/>
-                <dgm:constr type="ctrY" for="ch" forName="cycle" refType="h" fact="0.5"/>
-                <dgm:constr type="diam" for="ch" forName="cycle" refType="h" fact="1.344"/>
-                <dgm:constr type="h" for="ch" forName="accent_1" refType="h" fact="0.1563"/>
-                <dgm:constr type="w" for="ch" forName="accent_1" refType="h" refFor="ch" refForName="accent_1" op="equ"/>
-                <dgm:constr type="ctrY" for="ch" forName="accent_1" refType="h" fact="0.125"/>
-                <dgm:constr type="ctrX" for="ch" forName="accent_1" refType="h" fact="0.1082"/>
-                <dgm:constr type="l" for="ch" forName="text_1" refType="ctrX" refFor="ch" refForName="accent_1"/>
-                <dgm:constr type="r" for="ch" forName="text_1" refType="w"/>
-                <dgm:constr type="w" for="ch" forName="text_1" refType="h" refFor="ch" refForName="text_1" op="gte"/>
-                <dgm:constr type="h" for="ch" forName="text_1" refType="h" refFor="ch" refForName="accent_1" fact="0.8"/>
-                <dgm:constr type="ctrY" for="ch" forName="text_1" refType="ctrY" refFor="ch" refForName="accent_1"/>
-                <dgm:constr type="lMarg" for="ch" forName="text_1" refType="w" refFor="ch" refForName="accent_1" fact="1.8"/>
-                <dgm:constr type="h" for="ch" forName="accent_2" refType="h" fact="0.1563"/>
-                <dgm:constr type="w" for="ch" forName="accent_2" refType="h" refFor="ch" refForName="accent_2" op="equ"/>
-                <dgm:constr type="ctrY" for="ch" forName="accent_2" refType="h" fact="0.3125"/>
-                <dgm:constr type="ctrX" for="ch" forName="accent_2" refType="h" fact="0.1978"/>
-                <dgm:constr type="l" for="ch" forName="text_2" refType="ctrX" refFor="ch" refForName="accent_2"/>
-                <dgm:constr type="r" for="ch" forName="text_2" refType="w"/>
-                <dgm:constr type="w" for="ch" forName="text_2" refType="h" refFor="ch" refForName="text_2" op="gte"/>
-                <dgm:constr type="h" for="ch" forName="text_2" refType="h" refFor="ch" refForName="accent_2" fact="0.8"/>
-                <dgm:constr type="ctrY" for="ch" forName="text_2" refType="ctrY" refFor="ch" refForName="accent_2"/>
-                <dgm:constr type="lMarg" for="ch" forName="text_2" refType="w" refFor="ch" refForName="accent_2" fact="1.8"/>
-                <dgm:constr type="h" for="ch" forName="accent_3" refType="h" fact="0.1563"/>
-                <dgm:constr type="w" for="ch" forName="accent_3" refType="h" refFor="ch" refForName="accent_3" op="equ"/>
-                <dgm:constr type="ctrY" for="ch" forName="accent_3" refType="h" fact="0.5"/>
-                <dgm:constr type="ctrX" for="ch" forName="accent_3" refType="h" fact="0.2253"/>
-                <dgm:constr type="l" for="ch" forName="text_3" refType="ctrX" refFor="ch" refForName="accent_3"/>
-                <dgm:constr type="r" for="ch" forName="text_3" refType="w"/>
-                <dgm:constr type="w" for="ch" forName="text_3" refType="h" refFor="ch" refForName="text_3" op="gte"/>
-                <dgm:constr type="h" for="ch" forName="text_3" refType="h" refFor="ch" refForName="accent_3" fact="0.8"/>
-                <dgm:constr type="ctrY" for="ch" forName="text_3" refType="ctrY" refFor="ch" refForName="accent_3"/>
-                <dgm:constr type="lMarg" for="ch" forName="text_3" refType="w" refFor="ch" refForName="accent_3" fact="1.8"/>
-                <dgm:constr type="h" for="ch" forName="accent_4" refType="h" fact="0.1563"/>
-                <dgm:constr type="w" for="ch" forName="accent_4" refType="h" refFor="ch" refForName="accent_4" op="equ"/>
-                <dgm:constr type="ctrY" for="ch" forName="accent_4" refType="h" fact="0.6875"/>
-                <dgm:constr type="ctrX" for="ch" forName="accent_4" refType="h" fact="0.1978"/>
-                <dgm:constr type="l" for="ch" forName="text_4" refType="ctrX" refFor="ch" refForName="accent_4"/>
-                <dgm:constr type="r" for="ch" forName="text_4" refType="w"/>
-                <dgm:constr type="w" for="ch" forName="text_4" refType="h" refFor="ch" refForName="text_4" op="gte"/>
-                <dgm:constr type="h" for="ch" forName="text_4" refType="h" refFor="ch" refForName="accent_4" fact="0.8"/>
-                <dgm:constr type="ctrY" for="ch" forName="text_4" refType="ctrY" refFor="ch" refForName="accent_4"/>
-                <dgm:constr type="lMarg" for="ch" forName="text_4" refType="w" refFor="ch" refForName="accent_4" fact="1.8"/>
-                <dgm:constr type="h" for="ch" forName="accent_5" refType="h" fact="0.1563"/>
-                <dgm:constr type="w" for="ch" forName="accent_5" refType="h" refFor="ch" refForName="accent_5" op="equ"/>
-                <dgm:constr type="ctrY" for="ch" forName="accent_5" refType="h" fact="0.875"/>
-                <dgm:constr type="ctrX" for="ch" forName="accent_5" refType="h" fact="0.1082"/>
-                <dgm:constr type="l" for="ch" forName="text_5" refType="ctrX" refFor="ch" refForName="accent_5"/>
-                <dgm:constr type="r" for="ch" forName="text_5" refType="w"/>
-                <dgm:constr type="w" for="ch" forName="text_5" refType="h" refFor="ch" refForName="text_5" op="gte"/>
-                <dgm:constr type="h" for="ch" forName="text_5" refType="h" refFor="ch" refForName="accent_5" fact="0.8"/>
-                <dgm:constr type="ctrY" for="ch" forName="text_5" refType="ctrY" refFor="ch" refForName="accent_5"/>
-                <dgm:constr type="lMarg" for="ch" forName="text_5" refType="w" refFor="ch" refForName="accent_5" fact="1.8"/>
-                <dgm:constr type="primFontSz" for="ch" ptType="node" op="equ" val="65"/>
-              </dgm:constrLst>
-            </dgm:if>
-            <dgm:if name="Name10" axis="ch" ptType="node" func="cnt" op="equ" val="6">
-              <dgm:constrLst>
-                <dgm:constr type="h" for="ch" forName="cycle" refType="h"/>
-                <dgm:constr type="w" for="ch" forName="cycle" refType="h" refFor="ch" refForName="cycle" fact="0.26"/>
-                <dgm:constr type="l" for="ch" forName="cycle"/>
-                <dgm:constr type="ctrY" for="ch" forName="cycle" refType="h" fact="0.5"/>
-                <dgm:constr type="diam" for="ch" forName="cycle" refType="h" fact="1.344"/>
-                <dgm:constr type="h" for="ch" forName="accent_1" refType="h" fact="0.1316"/>
-                <dgm:constr type="w" for="ch" forName="accent_1" refType="h" refFor="ch" refForName="accent_1" op="equ"/>
-                <dgm:constr type="ctrY" for="ch" forName="accent_1" refType="h" fact="0.1053"/>
-                <dgm:constr type="ctrX" for="ch" forName="accent_1" refType="h" fact="0.0943"/>
-                <dgm:constr type="l" for="ch" forName="text_1" refType="ctrX" refFor="ch" refForName="accent_1"/>
-                <dgm:constr type="r" for="ch" forName="text_1" refType="w"/>
-                <dgm:constr type="w" for="ch" forName="text_1" refType="h" refFor="ch" refForName="text_1" op="gte"/>
-                <dgm:constr type="h" for="ch" forName="text_1" refType="h" refFor="ch" refForName="accent_1" fact="0.8"/>
-                <dgm:constr type="ctrY" for="ch" forName="text_1" refType="ctrY" refFor="ch" refForName="accent_1"/>
-                <dgm:constr type="lMarg" for="ch" forName="text_1" refType="w" refFor="ch" refForName="accent_1" fact="1.8"/>
-                <dgm:constr type="h" for="ch" forName="accent_2" refType="h" fact="0.1316"/>
-                <dgm:constr type="w" for="ch" forName="accent_2" refType="h" refFor="ch" refForName="accent_2" op="equ"/>
-                <dgm:constr type="ctrY" for="ch" forName="accent_2" refType="h" fact="0.2632"/>
-                <dgm:constr type="ctrX" for="ch" forName="accent_2" refType="h" fact="0.1809"/>
-                <dgm:constr type="l" for="ch" forName="text_2" refType="ctrX" refFor="ch" refForName="accent_2"/>
-                <dgm:constr type="r" for="ch" forName="text_2" refType="w"/>
-                <dgm:constr type="w" for="ch" forName="text_2" refType="h" refFor="ch" refForName="text_2" op="gte"/>
-                <dgm:constr type="h" for="ch" forName="text_2" refType="h" refFor="ch" refForName="accent_2" fact="0.8"/>
-                <dgm:constr type="ctrY" for="ch" forName="text_2" refType="ctrY" refFor="ch" refForName="accent_2"/>
-                <dgm:constr type="lMarg" for="ch" forName="text_2" refType="w" refFor="ch" refForName="accent_2" fact="1.8"/>
-                <dgm:constr type="h" for="ch" forName="accent_3" refType="h" fact="0.1316"/>
-                <dgm:constr type="w" for="ch" forName="accent_3" refType="h" refFor="ch" refForName="accent_3" op="equ"/>
-                <dgm:constr type="ctrY" for="ch" forName="accent_3" refType="h" fact="0.4211"/>
-                <dgm:constr type="ctrX" for="ch" forName="accent_3" refType="h" fact="0.2205"/>
-                <dgm:constr type="l" for="ch" forName="text_3" refType="ctrX" refFor="ch" refForName="accent_3"/>
-                <dgm:constr type="r" for="ch" forName="text_3" refType="w"/>
-                <dgm:constr type="w" for="ch" forName="text_3" refType="h" refFor="ch" refForName="text_3" op="gte"/>
-                <dgm:constr type="h" for="ch" forName="text_3" refType="h" refFor="ch" refForName="accent_3" fact="0.8"/>
-                <dgm:constr type="ctrY" for="ch" forName="text_3" refType="ctrY" refFor="ch" refForName="accent_3"/>
-                <dgm:constr type="lMarg" for="ch" forName="text_3" refType="w" refFor="ch" refForName="accent_3" fact="1.8"/>
-                <dgm:constr type="h" for="ch" forName="accent_4" refType="h" fact="0.1316"/>
-                <dgm:constr type="w" for="ch" forName="accent_4" refType="h" refFor="ch" refForName="accent_4" op="equ"/>
-                <dgm:constr type="ctrY" for="ch" forName="accent_4" refType="h" fact="0.5789"/>
-                <dgm:constr type="ctrX" for="ch" forName="accent_4" refType="h" fact="0.2205"/>
-                <dgm:constr type="l" for="ch" forName="text_4" refType="ctrX" refFor="ch" refForName="accent_4"/>
-                <dgm:constr type="r" for="ch" forName="text_4" refType="w"/>
-                <dgm:constr type="w" for="ch" forName="text_4" refType="h" refFor="ch" refForName="text_4" op="gte"/>
-                <dgm:constr type="h" for="ch" forName="text_4" refType="h" refFor="ch" refForName="accent_4" fact="0.8"/>
-                <dgm:constr type="ctrY" for="ch" forName="text_4" refType="ctrY" refFor="ch" refForName="accent_4"/>
-                <dgm:constr type="lMarg" for="ch" forName="text_4" refType="w" refFor="ch" refForName="accent_4" fact="1.8"/>
-                <dgm:constr type="h" for="ch" forName="accent_5" refType="h" fact="0.1316"/>
-                <dgm:constr type="w" for="ch" forName="accent_5" refType="h" refFor="ch" refForName="accent_5" op="equ"/>
-                <dgm:constr type="ctrY" for="ch" forName="accent_5" refType="h" fact="0.7368"/>
-                <dgm:constr type="ctrX" for="ch" forName="accent_5" refType="h" fact="0.1809"/>
-                <dgm:constr type="l" for="ch" forName="text_5" refType="ctrX" refFor="ch" refForName="accent_5"/>
-                <dgm:constr type="r" for="ch" forName="text_5" refType="w"/>
-                <dgm:constr type="w" for="ch" forName="text_5" refType="h" refFor="ch" refForName="text_5" op="gte"/>
-                <dgm:constr type="h" for="ch" forName="text_5" refType="h" refFor="ch" refForName="accent_5" fact="0.8"/>
-                <dgm:constr type="ctrY" for="ch" forName="text_5" refType="ctrY" refFor="ch" refForName="accent_5"/>
-                <dgm:constr type="lMarg" for="ch" forName="text_5" refType="w" refFor="ch" refForName="accent_5" fact="1.8"/>
-                <dgm:constr type="h" for="ch" forName="accent_6" refType="h" fact="0.1316"/>
-                <dgm:constr type="w" for="ch" forName="accent_6" refType="h" refFor="ch" refForName="accent_6" op="equ"/>
-                <dgm:constr type="ctrY" for="ch" forName="accent_6" refType="h" fact="0.8947"/>
-                <dgm:constr type="ctrX" for="ch" forName="accent_6" refType="h" fact="0.0943"/>
-                <dgm:constr type="l" for="ch" forName="text_6" refType="ctrX" refFor="ch" refForName="accent_6"/>
-                <dgm:constr type="r" for="ch" forName="text_6" refType="w"/>
-                <dgm:constr type="w" for="ch" forName="text_6" refType="h" refFor="ch" refForName="text_6" op="gte"/>
-                <dgm:constr type="h" for="ch" forName="text_6" refType="h" refFor="ch" refForName="accent_6" fact="0.8"/>
-                <dgm:constr type="ctrY" for="ch" forName="text_6" refType="ctrY" refFor="ch" refForName="accent_6"/>
-                <dgm:constr type="lMarg" for="ch" forName="text_6" refType="w" refFor="ch" refForName="accent_6" fact="1.8"/>
-                <dgm:constr type="primFontSz" for="ch" ptType="node" op="equ" val="65"/>
-              </dgm:constrLst>
-            </dgm:if>
-            <dgm:else name="Name11">
-              <dgm:constrLst>
-                <dgm:constr type="h" for="ch" forName="cycle" refType="h"/>
-                <dgm:constr type="w" for="ch" forName="cycle" refType="h" refFor="ch" refForName="cycle" fact="0.26"/>
-                <dgm:constr type="l" for="ch" forName="cycle"/>
-                <dgm:constr type="ctrY" for="ch" forName="cycle" refType="h" fact="0.5"/>
-                <dgm:constr type="diam" for="ch" forName="cycle" refType="h" fact="1.344"/>
-                <dgm:constr type="h" for="ch" forName="accent_1" refType="h" fact="0.1136"/>
-                <dgm:constr type="w" for="ch" forName="accent_1" refType="h" refFor="ch" refForName="accent_1" op="equ"/>
-                <dgm:constr type="ctrY" for="ch" forName="accent_1" refType="h" fact="0.0909"/>
-                <dgm:constr type="ctrX" for="ch" forName="accent_1" refType="h" fact="0.0835"/>
-                <dgm:constr type="l" for="ch" forName="text_1" refType="ctrX" refFor="ch" refForName="accent_1"/>
-                <dgm:constr type="r" for="ch" forName="text_1" refType="w"/>
-                <dgm:constr type="w" for="ch" forName="text_1" refType="h" refFor="ch" refForName="text_1" op="gte"/>
-                <dgm:constr type="h" for="ch" forName="text_1" refType="h" refFor="ch" refForName="accent_1" fact="0.8"/>
-                <dgm:constr type="ctrY" for="ch" forName="text_1" refType="ctrY" refFor="ch" refForName="accent_1"/>
-                <dgm:constr type="lMarg" for="ch" forName="text_1" refType="w" refFor="ch" refForName="accent_1" fact="1.8"/>
-                <dgm:constr type="h" for="ch" forName="accent_2" refType="h" fact="0.1136"/>
-                <dgm:constr type="w" for="ch" forName="accent_2" refType="h" refFor="ch" refForName="accent_2" op="equ"/>
-                <dgm:constr type="ctrY" for="ch" forName="accent_2" refType="h" fact="0.2273"/>
-                <dgm:constr type="ctrX" for="ch" forName="accent_2" refType="h" fact="0.1658"/>
-                <dgm:constr type="l" for="ch" forName="text_2" refType="ctrX" refFor="ch" refForName="accent_2"/>
-                <dgm:constr type="r" for="ch" forName="text_2" refType="w"/>
-                <dgm:constr type="w" for="ch" forName="text_2" refType="h" refFor="ch" refForName="text_2" op="gte"/>
-                <dgm:constr type="h" for="ch" forName="text_2" refType="h" refFor="ch" refForName="accent_2" fact="0.8"/>
-                <dgm:constr type="ctrY" for="ch" forName="text_2" refType="ctrY" refFor="ch" refForName="accent_2"/>
-                <dgm:constr type="lMarg" for="ch" forName="text_2" refType="w" refFor="ch" refForName="accent_2" fact="1.8"/>
-                <dgm:constr type="h" for="ch" forName="accent_3" refType="h" fact="0.1136"/>
-                <dgm:constr type="w" for="ch" forName="accent_3" refType="h" refFor="ch" refForName="accent_3" op="equ"/>
-                <dgm:constr type="ctrY" for="ch" forName="accent_3" refType="h" fact="0.3636"/>
-                <dgm:constr type="ctrX" for="ch" forName="accent_3" refType="h" fact="0.2109"/>
-                <dgm:constr type="l" for="ch" forName="text_3" refType="ctrX" refFor="ch" refForName="accent_3"/>
-                <dgm:constr type="r" for="ch" forName="text_3" refType="w"/>
-                <dgm:constr type="w" for="ch" forName="text_3" refType="h" refFor="ch" refForName="text_3" op="gte"/>
-                <dgm:constr type="h" for="ch" forName="text_3" refType="h" refFor="ch" refForName="accent_3" fact="0.8"/>
-                <dgm:constr type="ctrY" for="ch" forName="text_3" refType="ctrY" refFor="ch" refForName="accent_3"/>
-                <dgm:constr type="lMarg" for="ch" forName="text_3" refType="w" refFor="ch" refForName="accent_3" fact="1.8"/>
-                <dgm:constr type="h" for="ch" forName="accent_4" refType="h" fact="0.1136"/>
-                <dgm:constr type="w" for="ch" forName="accent_4" refType="h" refFor="ch" refForName="accent_4" op="equ"/>
-                <dgm:constr type="ctrY" for="ch" forName="accent_4" refType="h" fact="0.5"/>
-                <dgm:constr type="ctrX" for="ch" forName="accent_4" refType="h" fact="0.2253"/>
-                <dgm:constr type="l" for="ch" forName="text_4" refType="ctrX" refFor="ch" refForName="accent_4"/>
-                <dgm:constr type="r" for="ch" forName="text_4" refType="w"/>
-                <dgm:constr type="w" for="ch" forName="text_4" refType="h" refFor="ch" refForName="text_4" op="gte"/>
-                <dgm:constr type="h" for="ch" forName="text_4" refType="h" refFor="ch" refForName="accent_4" fact="0.8"/>
-                <dgm:constr type="ctrY" for="ch" forName="text_4" refType="ctrY" refFor="ch" refForName="accent_4"/>
-                <dgm:constr type="lMarg" for="ch" forName="text_4" refType="w" refFor="ch" refForName="accent_4" fact="1.8"/>
-                <dgm:constr type="h" for="ch" forName="accent_5" refType="h" fact="0.1136"/>
-                <dgm:constr type="w" for="ch" forName="accent_5" refType="h" refFor="ch" refForName="accent_5" op="equ"/>
-                <dgm:constr type="ctrY" for="ch" forName="accent_5" refType="h" fact="0.6364"/>
-                <dgm:constr type="ctrX" for="ch" forName="accent_5" refType="h" fact="0.2109"/>
-                <dgm:constr type="l" for="ch" forName="text_5" refType="ctrX" refFor="ch" refForName="accent_5"/>
-                <dgm:constr type="r" for="ch" forName="text_5" refType="w"/>
-                <dgm:constr type="w" for="ch" forName="text_5" refType="h" refFor="ch" refForName="text_5" op="gte"/>
-                <dgm:constr type="h" for="ch" forName="text_5" refType="h" refFor="ch" refForName="accent_5" fact="0.8"/>
-                <dgm:constr type="ctrY" for="ch" forName="text_5" refType="ctrY" refFor="ch" refForName="accent_5"/>
-                <dgm:constr type="lMarg" for="ch" forName="text_5" refType="w" refFor="ch" refForName="accent_5" fact="1.8"/>
-                <dgm:constr type="h" for="ch" forName="accent_6" refType="h" fact="0.1136"/>
-                <dgm:constr type="w" for="ch" forName="accent_6" refType="h" refFor="ch" refForName="accent_6" op="equ"/>
-                <dgm:constr type="ctrY" for="ch" forName="accent_6" refType="h" fact="0.7727"/>
-                <dgm:constr type="ctrX" for="ch" forName="accent_6" refType="h" fact="0.1658"/>
-                <dgm:constr type="l" for="ch" forName="text_6" refType="ctrX" refFor="ch" refForName="accent_6"/>
-                <dgm:constr type="r" for="ch" forName="text_6" refType="w"/>
-                <dgm:constr type="w" for="ch" forName="text_6" refType="h" refFor="ch" refForName="text_6" op="gte"/>
-                <dgm:constr type="h" for="ch" forName="text_6" refType="h" refFor="ch" refForName="accent_6" fact="0.8"/>
-                <dgm:constr type="ctrY" for="ch" forName="text_6" refType="ctrY" refFor="ch" refForName="accent_6"/>
-                <dgm:constr type="lMarg" for="ch" forName="text_6" refType="w" refFor="ch" refForName="accent_6" fact="1.8"/>
-                <dgm:constr type="h" for="ch" forName="accent_7" refType="h" fact="0.1136"/>
-                <dgm:constr type="w" for="ch" forName="accent_7" refType="h" refFor="ch" refForName="accent_7" op="equ"/>
-                <dgm:constr type="ctrY" for="ch" forName="accent_7" refType="h" fact="0.9091"/>
-                <dgm:constr type="ctrX" for="ch" forName="accent_7" refType="h" fact="0.0835"/>
-                <dgm:constr type="l" for="ch" forName="text_7" refType="ctrX" refFor="ch" refForName="accent_7"/>
-                <dgm:constr type="r" for="ch" forName="text_7" refType="w"/>
-                <dgm:constr type="w" for="ch" forName="text_7" refType="h" refFor="ch" refForName="text_7" op="gte"/>
-                <dgm:constr type="h" for="ch" forName="text_7" refType="h" refFor="ch" refForName="accent_7" fact="0.8"/>
-                <dgm:constr type="ctrY" for="ch" forName="text_7" refType="ctrY" refFor="ch" refForName="accent_7"/>
-                <dgm:constr type="lMarg" for="ch" forName="text_7" refType="w" refFor="ch" refForName="accent_7" fact="1.8"/>
-                <dgm:constr type="primFontSz" for="ch" ptType="node" op="equ" val="65"/>
-              </dgm:constrLst>
-            </dgm:else>
-          </dgm:choose>
-        </dgm:if>
-        <dgm:else name="Name12">
-          <dgm:choose name="Name13">
-            <dgm:if name="Name14" axis="ch" ptType="node" func="cnt" op="equ" val="1">
-              <dgm:constrLst>
-                <dgm:constr type="h" for="ch" forName="cycle" refType="h"/>
-                <dgm:constr type="w" for="ch" forName="cycle" refType="h" refFor="ch" refForName="cycle" fact="0.26"/>
-                <dgm:constr type="r" for="ch" forName="cycle" refType="w"/>
-                <dgm:constr type="ctrY" for="ch" forName="cycle" refType="h" fact="0.5"/>
-                <dgm:constr type="diam" for="ch" forName="cycle" refType="h" fact="1.344"/>
-                <dgm:constr type="h" for="ch" forName="accent_1" refType="h" fact="0.625"/>
-                <dgm:constr type="w" for="ch" forName="accent_1" refType="h" refFor="ch" refForName="accent_1" op="equ"/>
-                <dgm:constr type="ctrY" for="ch" forName="accent_1" refType="h" fact="0.5"/>
-                <dgm:constr type="ctrX" for="ch" forName="accent_1" refType="w"/>
-                <dgm:constr type="ctrXOff" for="ch" forName="accent_1" refType="h" fact="-0.2253"/>
-                <dgm:constr type="r" for="ch" forName="text_1" refType="ctrX" refFor="ch" refForName="accent_1"/>
-                <dgm:constr type="rOff" for="ch" forName="text_1" refType="ctrXOff" refFor="ch" refForName="accent_1"/>
-                <dgm:constr type="l" for="ch" forName="text_1"/>
-                <dgm:constr type="w" for="ch" forName="text_1" refType="h" refFor="ch" refForName="text_1" op="gte"/>
-                <dgm:constr type="h" for="ch" forName="text_1" refType="h" refFor="ch" refForName="accent_1" fact="0.8"/>
-                <dgm:constr type="ctrY" for="ch" forName="text_1" refType="ctrY" refFor="ch" refForName="accent_1"/>
-                <dgm:constr type="rMarg" for="ch" forName="text_1" refType="w" refFor="ch" refForName="accent_1" fact="1.8"/>
-                <dgm:constr type="primFontSz" for="ch" ptType="node" op="equ" val="65"/>
-              </dgm:constrLst>
-            </dgm:if>
-            <dgm:if name="Name15" axis="ch" ptType="node" func="cnt" op="equ" val="2">
-              <dgm:constrLst>
-                <dgm:constr type="h" for="ch" forName="cycle" refType="h"/>
-                <dgm:constr type="w" for="ch" forName="cycle" refType="h" refFor="ch" refForName="cycle" fact="0.26"/>
-                <dgm:constr type="r" for="ch" forName="cycle" refType="w"/>
-                <dgm:constr type="ctrY" for="ch" forName="cycle" refType="h" fact="0.5"/>
-                <dgm:constr type="diam" for="ch" forName="cycle" refType="h" fact="1.344"/>
-                <dgm:constr type="h" for="ch" forName="accent_1" refType="h" fact="0.3571"/>
-                <dgm:constr type="w" for="ch" forName="accent_1" refType="h" refFor="ch" refForName="accent_1" op="equ"/>
-                <dgm:constr type="ctrY" for="ch" forName="accent_1" refType="h" fact="0.2857"/>
-                <dgm:constr type="ctrX" for="ch" forName="accent_1" refType="w"/>
-                <dgm:constr type="ctrXOff" for="ch" forName="accent_1" refType="h" fact="-0.1891"/>
-                <dgm:constr type="r" for="ch" forName="text_1" refType="ctrX" refFor="ch" refForName="accent_1"/>
-                <dgm:constr type="rOff" for="ch" forName="text_1" refType="ctrXOff" refFor="ch" refForName="accent_1"/>
-                <dgm:constr type="l" for="ch" forName="text_1"/>
-                <dgm:constr type="w" for="ch" forName="text_1" refType="h" refFor="ch" refForName="text_1" op="gte"/>
-                <dgm:constr type="h" for="ch" forName="text_1" refType="h" refFor="ch" refForName="accent_1" fact="0.8"/>
-                <dgm:constr type="ctrY" for="ch" forName="text_1" refType="ctrY" refFor="ch" refForName="accent_1"/>
-                <dgm:constr type="rMarg" for="ch" forName="text_1" refType="w" refFor="ch" refForName="accent_1" fact="1.8"/>
-                <dgm:constr type="h" for="ch" forName="accent_2" refType="h" fact="0.3571"/>
-                <dgm:constr type="w" for="ch" forName="accent_2" refType="h" refFor="ch" refForName="accent_2" op="equ"/>
-                <dgm:constr type="ctrY" for="ch" forName="accent_2" refType="h" fact="0.7143"/>
-                <dgm:constr type="ctrX" for="ch" forName="accent_2" refType="w"/>
-                <dgm:constr type="ctrXOff" for="ch" forName="accent_2" refType="h" fact="-0.1891"/>
-                <dgm:constr type="r" for="ch" forName="text_2" refType="ctrX" refFor="ch" refForName="accent_2"/>
-                <dgm:constr type="rOff" for="ch" forName="text_2" refType="ctrXOff" refFor="ch" refForName="accent_2"/>
-                <dgm:constr type="l" for="ch" forName="text_2"/>
-                <dgm:constr type="w" for="ch" forName="text_2" refType="h" refFor="ch" refForName="text_2" op="gte"/>
-                <dgm:constr type="h" for="ch" forName="text_2" refType="h" refFor="ch" refForName="accent_2" fact="0.8"/>
-                <dgm:constr type="ctrY" for="ch" forName="text_2" refType="ctrY" refFor="ch" refForName="accent_2"/>
-                <dgm:constr type="rMarg" for="ch" forName="text_2" refType="w" refFor="ch" refForName="accent_2" fact="1.8"/>
-                <dgm:constr type="primFontSz" for="ch" ptType="node" op="equ" val="65"/>
-              </dgm:constrLst>
-            </dgm:if>
-            <dgm:if name="Name16" axis="ch" ptType="node" func="cnt" op="equ" val="3">
-              <dgm:constrLst>
-                <dgm:constr type="h" for="ch" forName="cycle" refType="h"/>
-                <dgm:constr type="w" for="ch" forName="cycle" refType="h" refFor="ch" refForName="cycle" fact="0.26"/>
-                <dgm:constr type="r" for="ch" forName="cycle" refType="w"/>
-                <dgm:constr type="ctrY" for="ch" forName="cycle" refType="h" fact="0.5"/>
-                <dgm:constr type="diam" for="ch" forName="cycle" refType="h" fact="1.344"/>
-                <dgm:constr type="h" for="ch" forName="accent_1" refType="h" fact="0.25"/>
-                <dgm:constr type="w" for="ch" forName="accent_1" refType="h" refFor="ch" refForName="accent_1" op="equ"/>
-                <dgm:constr type="ctrY" for="ch" forName="accent_1" refType="h" fact="0.2"/>
-                <dgm:constr type="ctrX" for="ch" forName="accent_1" refType="w"/>
-                <dgm:constr type="ctrXOff" for="ch" forName="accent_1" refType="h" fact="-0.1526"/>
-                <dgm:constr type="r" for="ch" forName="text_1" refType="ctrX" refFor="ch" refForName="accent_1"/>
-                <dgm:constr type="rOff" for="ch" forName="text_1" refType="ctrXOff" refFor="ch" refForName="accent_1"/>
-                <dgm:constr type="l" for="ch" forName="text_1"/>
-                <dgm:constr type="w" for="ch" forName="text_1" refType="h" refFor="ch" refForName="text_1" op="gte"/>
-                <dgm:constr type="h" for="ch" forName="text_1" refType="h" refFor="ch" refForName="accent_1" fact="0.8"/>
-                <dgm:constr type="ctrY" for="ch" forName="text_1" refType="ctrY" refFor="ch" refForName="accent_1"/>
-                <dgm:constr type="rMarg" for="ch" forName="text_1" refType="w" refFor="ch" refForName="accent_1" fact="1.8"/>
-                <dgm:constr type="h" for="ch" forName="accent_2" refType="h" fact="0.25"/>
-                <dgm:constr type="w" for="ch" forName="accent_2" refType="h" refFor="ch" refForName="accent_2" op="equ"/>
-                <dgm:constr type="ctrY" for="ch" forName="accent_2" refType="h" fact="0.5"/>
-                <dgm:constr type="ctrX" for="ch" forName="accent_2" refType="w"/>
-                <dgm:constr type="ctrXOff" for="ch" forName="accent_2" refType="h" fact="-0.2253"/>
-                <dgm:constr type="r" for="ch" forName="text_2" refType="ctrX" refFor="ch" refForName="accent_2"/>
-                <dgm:constr type="rOff" for="ch" forName="text_2" refType="ctrXOff" refFor="ch" refForName="accent_2"/>
-                <dgm:constr type="l" for="ch" forName="text_2"/>
-                <dgm:constr type="w" for="ch" forName="text_2" refType="h" refFor="ch" refForName="text_2" op="gte"/>
-                <dgm:constr type="h" for="ch" forName="text_2" refType="h" refFor="ch" refForName="accent_2" fact="0.8"/>
-                <dgm:constr type="ctrY" for="ch" forName="text_2" refType="ctrY" refFor="ch" refForName="accent_2"/>
-                <dgm:constr type="rMarg" for="ch" forName="text_2" refType="w" refFor="ch" refForName="accent_2" fact="1.8"/>
-                <dgm:constr type="h" for="ch" forName="accent_3" refType="h" fact="0.25"/>
-                <dgm:constr type="w" for="ch" forName="accent_3" refType="h" refFor="ch" refForName="accent_3" op="equ"/>
-                <dgm:constr type="ctrY" for="ch" forName="accent_3" refType="h" fact="0.8"/>
-                <dgm:constr type="ctrX" for="ch" forName="accent_3" refType="w"/>
-                <dgm:constr type="ctrXOff" for="ch" forName="accent_3" refType="h" fact="-0.1526"/>
-                <dgm:constr type="r" for="ch" forName="text_3" refType="ctrX" refFor="ch" refForName="accent_3"/>
-                <dgm:constr type="rOff" for="ch" forName="text_3" refType="ctrXOff" refFor="ch" refForName="accent_3"/>
-                <dgm:constr type="l" for="ch" forName="text_3"/>
-                <dgm:constr type="w" for="ch" forName="text_3" refType="h" refFor="ch" refForName="text_3" op="gte"/>
-                <dgm:constr type="h" for="ch" forName="text_3" refType="h" refFor="ch" refForName="accent_3" fact="0.8"/>
-                <dgm:constr type="ctrY" for="ch" forName="text_3" refType="ctrY" refFor="ch" refForName="accent_3"/>
-                <dgm:constr type="rMarg" for="ch" forName="text_3" refType="w" refFor="ch" refForName="accent_3" fact="1.8"/>
-                <dgm:constr type="primFontSz" for="ch" ptType="node" op="equ" val="65"/>
-              </dgm:constrLst>
-            </dgm:if>
-            <dgm:if name="Name17" axis="ch" ptType="node" func="cnt" op="equ" val="4">
-              <dgm:constrLst>
-                <dgm:constr type="h" for="ch" forName="cycle" refType="h"/>
-                <dgm:constr type="w" for="ch" forName="cycle" refType="h" refFor="ch" refForName="cycle" fact="0.26"/>
-                <dgm:constr type="r" for="ch" forName="cycle" refType="w"/>
-                <dgm:constr type="ctrY" for="ch" forName="cycle" refType="h" fact="0.5"/>
-                <dgm:constr type="diam" for="ch" forName="cycle" refType="h" fact="1.344"/>
-                <dgm:constr type="h" for="ch" forName="accent_1" refType="h" fact="0.1923"/>
-                <dgm:constr type="w" for="ch" forName="accent_1" refType="h" refFor="ch" refForName="accent_1" op="equ"/>
-                <dgm:constr type="ctrY" for="ch" forName="accent_1" refType="h" fact="0.1538"/>
-                <dgm:constr type="ctrX" for="ch" forName="accent_1" refType="w"/>
-                <dgm:constr type="ctrXOff" for="ch" forName="accent_1" refType="h" fact="-0.1268"/>
-                <dgm:constr type="r" for="ch" forName="text_1" refType="ctrX" refFor="ch" refForName="accent_1"/>
-                <dgm:constr type="rOff" for="ch" forName="text_1" refType="ctrXOff" refFor="ch" refForName="accent_1"/>
-                <dgm:constr type="l" for="ch" forName="text_1"/>
-                <dgm:constr type="w" for="ch" forName="text_1" refType="h" refFor="ch" refForName="text_1" op="gte"/>
-                <dgm:constr type="h" for="ch" forName="text_1" refType="h" refFor="ch" refForName="accent_1" fact="0.8"/>
-                <dgm:constr type="ctrY" for="ch" forName="text_1" refType="ctrY" refFor="ch" refForName="accent_1"/>
-                <dgm:constr type="rMarg" for="ch" forName="text_1" refType="w" refFor="ch" refForName="accent_1" fact="1.8"/>
-                <dgm:constr type="h" for="ch" forName="accent_2" refType="h" fact="0.1923"/>
-                <dgm:constr type="w" for="ch" forName="accent_2" refType="h" refFor="ch" refForName="accent_2" op="equ"/>
-                <dgm:constr type="ctrY" for="ch" forName="accent_2" refType="h" fact="0.3846"/>
-                <dgm:constr type="ctrX" for="ch" forName="accent_2" refType="w"/>
-                <dgm:constr type="ctrXOff" for="ch" forName="accent_2" refType="h" fact="-0.215"/>
-                <dgm:constr type="r" for="ch" forName="text_2" refType="ctrX" refFor="ch" refForName="accent_2"/>
-                <dgm:constr type="rOff" for="ch" forName="text_2" refType="ctrXOff" refFor="ch" refForName="accent_2"/>
-                <dgm:constr type="l" for="ch" forName="text_2"/>
-                <dgm:constr type="w" for="ch" forName="text_2" refType="h" refFor="ch" refForName="text_2" op="gte"/>
-                <dgm:constr type="h" for="ch" forName="text_2" refType="h" refFor="ch" refForName="accent_2" fact="0.8"/>
-                <dgm:constr type="ctrY" for="ch" forName="text_2" refType="ctrY" refFor="ch" refForName="accent_2"/>
-                <dgm:constr type="rMarg" for="ch" forName="text_2" refType="w" refFor="ch" refForName="accent_2" fact="1.8"/>
-                <dgm:constr type="h" for="ch" forName="accent_3" refType="h" fact="0.1923"/>
-                <dgm:constr type="w" for="ch" forName="accent_3" refType="h" refFor="ch" refForName="accent_3" op="equ"/>
-                <dgm:constr type="ctrY" for="ch" forName="accent_3" refType="h" fact="0.6154"/>
-                <dgm:constr type="ctrX" for="ch" forName="accent_3" refType="w"/>
-                <dgm:constr type="ctrXOff" for="ch" forName="accent_3" refType="h" fact="-0.215"/>
-                <dgm:constr type="r" for="ch" forName="text_3" refType="ctrX" refFor="ch" refForName="accent_3"/>
-                <dgm:constr type="rOff" for="ch" forName="text_3" refType="ctrXOff" refFor="ch" refForName="accent_3"/>
-                <dgm:constr type="l" for="ch" forName="text_3"/>
-                <dgm:constr type="w" for="ch" forName="text_3" refType="h" refFor="ch" refForName="text_3" op="gte"/>
-                <dgm:constr type="h" for="ch" forName="text_3" refType="h" refFor="ch" refForName="accent_3" fact="0.8"/>
-                <dgm:constr type="ctrY" for="ch" forName="text_3" refType="ctrY" refFor="ch" refForName="accent_3"/>
-                <dgm:constr type="rMarg" for="ch" forName="text_3" refType="w" refFor="ch" refForName="accent_3" fact="1.8"/>
-                <dgm:constr type="h" for="ch" forName="accent_4" refType="h" fact="0.1923"/>
-                <dgm:constr type="w" for="ch" forName="accent_4" refType="h" refFor="ch" refForName="accent_4" op="equ"/>
-                <dgm:constr type="ctrY" for="ch" forName="accent_4" refType="h" fact="0.8462"/>
-                <dgm:constr type="ctrX" for="ch" forName="accent_4" refType="w"/>
-                <dgm:constr type="ctrXOff" for="ch" forName="accent_4" refType="h" fact="-0.1268"/>
-                <dgm:constr type="r" for="ch" forName="text_4" refType="ctrX" refFor="ch" refForName="accent_4"/>
-                <dgm:constr type="rOff" for="ch" forName="text_4" refType="ctrXOff" refFor="ch" refForName="accent_4"/>
-                <dgm:constr type="l" for="ch" forName="text_4"/>
-                <dgm:constr type="w" for="ch" forName="text_4" refType="h" refFor="ch" refForName="text_4" op="gte"/>
-                <dgm:constr type="h" for="ch" forName="text_4" refType="h" refFor="ch" refForName="accent_4" fact="0.8"/>
-                <dgm:constr type="ctrY" for="ch" forName="text_4" refType="ctrY" refFor="ch" refForName="accent_4"/>
-                <dgm:constr type="rMarg" for="ch" forName="text_4" refType="w" refFor="ch" refForName="accent_4" fact="1.8"/>
-                <dgm:constr type="primFontSz" for="ch" ptType="node" op="equ" val="65"/>
-              </dgm:constrLst>
-            </dgm:if>
-            <dgm:if name="Name18" axis="ch" ptType="node" func="cnt" op="equ" val="5">
-              <dgm:constrLst>
-                <dgm:constr type="h" for="ch" forName="cycle" refType="h"/>
-                <dgm:constr type="w" for="ch" forName="cycle" refType="h" refFor="ch" refForName="cycle" fact="0.26"/>
-                <dgm:constr type="r" for="ch" forName="cycle" refType="w"/>
-                <dgm:constr type="ctrY" for="ch" forName="cycle" refType="h" fact="0.5"/>
-                <dgm:constr type="diam" for="ch" forName="cycle" refType="h" fact="1.344"/>
-                <dgm:constr type="h" for="ch" forName="accent_1" refType="h" fact="0.1563"/>
-                <dgm:constr type="w" for="ch" forName="accent_1" refType="h" refFor="ch" refForName="accent_1" op="equ"/>
-                <dgm:constr type="ctrY" for="ch" forName="accent_1" refType="h" fact="0.125"/>
-                <dgm:constr type="ctrX" for="ch" forName="accent_1" refType="w"/>
-                <dgm:constr type="ctrXOff" for="ch" forName="accent_1" refType="h" fact="-0.1082"/>
-                <dgm:constr type="r" for="ch" forName="text_1" refType="ctrX" refFor="ch" refForName="accent_1"/>
-                <dgm:constr type="rOff" for="ch" forName="text_1" refType="ctrXOff" refFor="ch" refForName="accent_1"/>
-                <dgm:constr type="l" for="ch" forName="text_1"/>
-                <dgm:constr type="w" for="ch" forName="text_1" refType="h" refFor="ch" refForName="text_1" op="gte"/>
-                <dgm:constr type="h" for="ch" forName="text_1" refType="h" refFor="ch" refForName="accent_1" fact="0.8"/>
-                <dgm:constr type="ctrY" for="ch" forName="text_1" refType="ctrY" refFor="ch" refForName="accent_1"/>
-                <dgm:constr type="rMarg" for="ch" forName="text_1" refType="w" refFor="ch" refForName="accent_1" fact="1.8"/>
-                <dgm:constr type="h" for="ch" forName="accent_2" refType="h" fact="0.1563"/>
-                <dgm:constr type="w" for="ch" forName="accent_2" refType="h" refFor="ch" refForName="accent_2" op="equ"/>
-                <dgm:constr type="ctrY" for="ch" forName="accent_2" refType="h" fact="0.3125"/>
-                <dgm:constr type="ctrX" for="ch" forName="accent_2" refType="w"/>
-                <dgm:constr type="ctrXOff" for="ch" forName="accent_2" refType="h" fact="-0.1978"/>
-                <dgm:constr type="r" for="ch" forName="text_2" refType="ctrX" refFor="ch" refForName="accent_2"/>
-                <dgm:constr type="rOff" for="ch" forName="text_2" refType="ctrXOff" refFor="ch" refForName="accent_2"/>
-                <dgm:constr type="l" for="ch" forName="text_2"/>
-                <dgm:constr type="w" for="ch" forName="text_2" refType="h" refFor="ch" refForName="text_2" op="gte"/>
-                <dgm:constr type="h" for="ch" forName="text_2" refType="h" refFor="ch" refForName="accent_2" fact="0.8"/>
-                <dgm:constr type="ctrY" for="ch" forName="text_2" refType="ctrY" refFor="ch" refForName="accent_2"/>
-                <dgm:constr type="rMarg" for="ch" forName="text_2" refType="w" refFor="ch" refForName="accent_2" fact="1.8"/>
-                <dgm:constr type="h" for="ch" forName="accent_3" refType="h" fact="0.1563"/>
-                <dgm:constr type="w" for="ch" forName="accent_3" refType="h" refFor="ch" refForName="accent_3" op="equ"/>
-                <dgm:constr type="ctrY" for="ch" forName="accent_3" refType="h" fact="0.5"/>
-                <dgm:constr type="ctrX" for="ch" forName="accent_3" refType="w"/>
-                <dgm:constr type="ctrXOff" for="ch" forName="accent_3" refType="h" fact="-0.2253"/>
-                <dgm:constr type="r" for="ch" forName="text_3" refType="ctrX" refFor="ch" refForName="accent_3"/>
-                <dgm:constr type="rOff" for="ch" forName="text_3" refType="ctrXOff" refFor="ch" refForName="accent_3"/>
-                <dgm:constr type="l" for="ch" forName="text_3"/>
-                <dgm:constr type="w" for="ch" forName="text_3" refType="h" refFor="ch" refForName="text_3" op="gte"/>
-                <dgm:constr type="h" for="ch" forName="text_3" refType="h" refFor="ch" refForName="accent_3" fact="0.8"/>
-                <dgm:constr type="ctrY" for="ch" forName="text_3" refType="ctrY" refFor="ch" refForName="accent_3"/>
-                <dgm:constr type="rMarg" for="ch" forName="text_3" refType="w" refFor="ch" refForName="accent_3" fact="1.8"/>
-                <dgm:constr type="h" for="ch" forName="accent_4" refType="h" fact="0.1563"/>
-                <dgm:constr type="w" for="ch" forName="accent_4" refType="h" refFor="ch" refForName="accent_4" op="equ"/>
-                <dgm:constr type="ctrY" for="ch" forName="accent_4" refType="h" fact="0.6875"/>
-                <dgm:constr type="ctrX" for="ch" forName="accent_4" refType="w"/>
-                <dgm:constr type="ctrXOff" for="ch" forName="accent_4" refType="h" fact="-0.1978"/>
-                <dgm:constr type="r" for="ch" forName="text_4" refType="ctrX" refFor="ch" refForName="accent_4"/>
-                <dgm:constr type="rOff" for="ch" forName="text_4" refType="ctrXOff" refFor="ch" refForName="accent_4"/>
-                <dgm:constr type="l" for="ch" forName="text_4"/>
-                <dgm:constr type="w" for="ch" forName="text_4" refType="h" refFor="ch" refForName="text_4" op="gte"/>
-                <dgm:constr type="h" for="ch" forName="text_4" refType="h" refFor="ch" refForName="accent_4" fact="0.8"/>
-                <dgm:constr type="ctrY" for="ch" forName="text_4" refType="ctrY" refFor="ch" refForName="accent_4"/>
-                <dgm:constr type="rMarg" for="ch" forName="text_4" refType="w" refFor="ch" refForName="accent_4" fact="1.8"/>
-                <dgm:constr type="h" for="ch" forName="accent_5" refType="h" fact="0.1563"/>
-                <dgm:constr type="w" for="ch" forName="accent_5" refType="h" refFor="ch" refForName="accent_5" op="equ"/>
-                <dgm:constr type="ctrY" for="ch" forName="accent_5" refType="h" fact="0.875"/>
-                <dgm:constr type="ctrX" for="ch" forName="accent_5" refType="w"/>
-                <dgm:constr type="ctrXOff" for="ch" forName="accent_5" refType="h" fact="-0.1082"/>
-                <dgm:constr type="r" for="ch" forName="text_5" refType="ctrX" refFor="ch" refForName="accent_5"/>
-                <dgm:constr type="rOff" for="ch" forName="text_5" refType="ctrXOff" refFor="ch" refForName="accent_5"/>
-                <dgm:constr type="l" for="ch" forName="text_5"/>
-                <dgm:constr type="w" for="ch" forName="text_5" refType="h" refFor="ch" refForName="text_5" op="gte"/>
-                <dgm:constr type="h" for="ch" forName="text_5" refType="h" refFor="ch" refForName="accent_5" fact="0.8"/>
-                <dgm:constr type="ctrY" for="ch" forName="text_5" refType="ctrY" refFor="ch" refForName="accent_5"/>
-                <dgm:constr type="rMarg" for="ch" forName="text_5" refType="w" refFor="ch" refForName="accent_5" fact="1.8"/>
-                <dgm:constr type="primFontSz" for="ch" ptType="node" op="equ" val="65"/>
-              </dgm:constrLst>
-            </dgm:if>
-            <dgm:if name="Name19" axis="ch" ptType="node" func="cnt" op="equ" val="6">
-              <dgm:constrLst>
-                <dgm:constr type="h" for="ch" forName="cycle" refType="h"/>
-                <dgm:constr type="w" for="ch" forName="cycle" refType="h" refFor="ch" refForName="cycle" fact="0.26"/>
-                <dgm:constr type="r" for="ch" forName="cycle" refType="w"/>
-                <dgm:constr type="ctrY" for="ch" forName="cycle" refType="h" fact="0.5"/>
-                <dgm:constr type="diam" for="ch" forName="cycle" refType="h" fact="1.344"/>
-                <dgm:constr type="h" for="ch" forName="accent_1" refType="h" fact="0.1316"/>
-                <dgm:constr type="w" for="ch" forName="accent_1" refType="h" refFor="ch" refForName="accent_1" op="equ"/>
-                <dgm:constr type="ctrY" for="ch" forName="accent_1" refType="h" fact="0.1053"/>
-                <dgm:constr type="ctrX" for="ch" forName="accent_1" refType="w"/>
-                <dgm:constr type="ctrXOff" for="ch" forName="accent_1" refType="h" fact="-0.0943"/>
-                <dgm:constr type="r" for="ch" forName="text_1" refType="ctrX" refFor="ch" refForName="accent_1"/>
-                <dgm:constr type="rOff" for="ch" forName="text_1" refType="ctrXOff" refFor="ch" refForName="accent_1"/>
-                <dgm:constr type="l" for="ch" forName="text_1"/>
-                <dgm:constr type="w" for="ch" forName="text_1" refType="h" refFor="ch" refForName="text_1" op="gte"/>
-                <dgm:constr type="h" for="ch" forName="text_1" refType="h" refFor="ch" refForName="accent_1" fact="0.8"/>
-                <dgm:constr type="ctrY" for="ch" forName="text_1" refType="ctrY" refFor="ch" refForName="accent_1"/>
-                <dgm:constr type="rMarg" for="ch" forName="text_1" refType="w" refFor="ch" refForName="accent_1" fact="1.8"/>
-                <dgm:constr type="h" for="ch" forName="accent_2" refType="h" fact="0.1316"/>
-                <dgm:constr type="w" for="ch" forName="accent_2" refType="h" refFor="ch" refForName="accent_2" op="equ"/>
-                <dgm:constr type="ctrY" for="ch" forName="accent_2" refType="h" fact="0.2632"/>
-                <dgm:constr type="ctrX" for="ch" forName="accent_2" refType="w"/>
-                <dgm:constr type="ctrXOff" for="ch" forName="accent_2" refType="h" fact="-0.1809"/>
-                <dgm:constr type="r" for="ch" forName="text_2" refType="ctrX" refFor="ch" refForName="accent_2"/>
-                <dgm:constr type="rOff" for="ch" forName="text_2" refType="ctrXOff" refFor="ch" refForName="accent_2"/>
-                <dgm:constr type="l" for="ch" forName="text_2"/>
-                <dgm:constr type="w" for="ch" forName="text_2" refType="h" refFor="ch" refForName="text_2" op="gte"/>
-                <dgm:constr type="h" for="ch" forName="text_2" refType="h" refFor="ch" refForName="accent_2" fact="0.8"/>
-                <dgm:constr type="ctrY" for="ch" forName="text_2" refType="ctrY" refFor="ch" refForName="accent_2"/>
-                <dgm:constr type="rMarg" for="ch" forName="text_2" refType="w" refFor="ch" refForName="accent_2" fact="1.8"/>
-                <dgm:constr type="h" for="ch" forName="accent_3" refType="h" fact="0.1316"/>
-                <dgm:constr type="w" for="ch" forName="accent_3" refType="h" refFor="ch" refForName="accent_3" op="equ"/>
-                <dgm:constr type="ctrY" for="ch" forName="accent_3" refType="h" fact="0.4211"/>
-                <dgm:constr type="ctrX" for="ch" forName="accent_3" refType="w"/>
-                <dgm:constr type="ctrXOff" for="ch" forName="accent_3" refType="h" fact="-0.2205"/>
-                <dgm:constr type="r" for="ch" forName="text_3" refType="ctrX" refFor="ch" refForName="accent_3"/>
-                <dgm:constr type="rOff" for="ch" forName="text_3" refType="ctrXOff" refFor="ch" refForName="accent_3"/>
-                <dgm:constr type="l" for="ch" forName="text_3"/>
-                <dgm:constr type="w" for="ch" forName="text_3" refType="h" refFor="ch" refForName="text_3" op="gte"/>
-                <dgm:constr type="h" for="ch" forName="text_3" refType="h" refFor="ch" refForName="accent_3" fact="0.8"/>
-                <dgm:constr type="ctrY" for="ch" forName="text_3" refType="ctrY" refFor="ch" refForName="accent_3"/>
-                <dgm:constr type="rMarg" for="ch" forName="text_3" refType="w" refFor="ch" refForName="accent_3" fact="1.8"/>
-                <dgm:constr type="h" for="ch" forName="accent_4" refType="h" fact="0.1316"/>
-                <dgm:constr type="w" for="ch" forName="accent_4" refType="h" refFor="ch" refForName="accent_4" op="equ"/>
-                <dgm:constr type="ctrY" for="ch" forName="accent_4" refType="h" fact="0.5789"/>
-                <dgm:constr type="ctrX" for="ch" forName="accent_4" refType="w"/>
-                <dgm:constr type="ctrXOff" for="ch" forName="accent_4" refType="h" fact="-0.2205"/>
-                <dgm:constr type="r" for="ch" forName="text_4" refType="ctrX" refFor="ch" refForName="accent_4"/>
-                <dgm:constr type="rOff" for="ch" forName="text_4" refType="ctrXOff" refFor="ch" refForName="accent_4"/>
-                <dgm:constr type="l" for="ch" forName="text_4"/>
-                <dgm:constr type="w" for="ch" forName="text_4" refType="h" refFor="ch" refForName="text_4" op="gte"/>
-                <dgm:constr type="h" for="ch" forName="text_4" refType="h" refFor="ch" refForName="accent_4" fact="0.8"/>
-                <dgm:constr type="ctrY" for="ch" forName="text_4" refType="ctrY" refFor="ch" refForName="accent_4"/>
-                <dgm:constr type="rMarg" for="ch" forName="text_4" refType="w" refFor="ch" refForName="accent_4" fact="1.8"/>
-                <dgm:constr type="h" for="ch" forName="accent_5" refType="h" fact="0.1316"/>
-                <dgm:constr type="w" for="ch" forName="accent_5" refType="h" refFor="ch" refForName="accent_5" op="equ"/>
-                <dgm:constr type="ctrY" for="ch" forName="accent_5" refType="h" fact="0.7368"/>
-                <dgm:constr type="ctrX" for="ch" forName="accent_5" refType="w"/>
-                <dgm:constr type="ctrXOff" for="ch" forName="accent_5" refType="h" fact="-0.1809"/>
-                <dgm:constr type="r" for="ch" forName="text_5" refType="ctrX" refFor="ch" refForName="accent_5"/>
-                <dgm:constr type="rOff" for="ch" forName="text_5" refType="ctrXOff" refFor="ch" refForName="accent_5"/>
-                <dgm:constr type="l" for="ch" forName="text_5"/>
-                <dgm:constr type="w" for="ch" forName="text_5" refType="h" refFor="ch" refForName="text_5" op="gte"/>
-                <dgm:constr type="h" for="ch" forName="text_5" refType="h" refFor="ch" refForName="accent_5" fact="0.8"/>
-                <dgm:constr type="ctrY" for="ch" forName="text_5" refType="ctrY" refFor="ch" refForName="accent_5"/>
-                <dgm:constr type="rMarg" for="ch" forName="text_5" refType="w" refFor="ch" refForName="accent_5" fact="1.8"/>
-                <dgm:constr type="h" for="ch" forName="accent_6" refType="h" fact="0.1316"/>
-                <dgm:constr type="w" for="ch" forName="accent_6" refType="h" refFor="ch" refForName="accent_6" op="equ"/>
-                <dgm:constr type="ctrY" for="ch" forName="accent_6" refType="h" fact="0.8947"/>
-                <dgm:constr type="ctrX" for="ch" forName="accent_6" refType="w"/>
-                <dgm:constr type="ctrXOff" for="ch" forName="accent_6" refType="h" fact="-0.0943"/>
-                <dgm:constr type="r" for="ch" forName="text_6" refType="ctrX" refFor="ch" refForName="accent_6"/>
-                <dgm:constr type="rOff" for="ch" forName="text_6" refType="ctrXOff" refFor="ch" refForName="accent_6"/>
-                <dgm:constr type="l" for="ch" forName="text_6"/>
-                <dgm:constr type="w" for="ch" forName="text_6" refType="h" refFor="ch" refForName="text_6" op="gte"/>
-                <dgm:constr type="h" for="ch" forName="text_6" refType="h" refFor="ch" refForName="accent_6" fact="0.8"/>
-                <dgm:constr type="ctrY" for="ch" forName="text_6" refType="ctrY" refFor="ch" refForName="accent_6"/>
-                <dgm:constr type="rMarg" for="ch" forName="text_6" refType="w" refFor="ch" refForName="accent_6" fact="1.8"/>
-                <dgm:constr type="primFontSz" for="ch" ptType="node" op="equ" val="65"/>
-              </dgm:constrLst>
-            </dgm:if>
-            <dgm:else name="Name20">
-              <dgm:constrLst>
-                <dgm:constr type="h" for="ch" forName="cycle" refType="h"/>
-                <dgm:constr type="w" for="ch" forName="cycle" refType="h" refFor="ch" refForName="cycle" fact="0.26"/>
-                <dgm:constr type="r" for="ch" forName="cycle" refType="w"/>
-                <dgm:constr type="ctrY" for="ch" forName="cycle" refType="h" fact="0.5"/>
-                <dgm:constr type="diam" for="ch" forName="cycle" refType="h" fact="1.344"/>
-                <dgm:constr type="h" for="ch" forName="accent_1" refType="h" fact="0.1136"/>
-                <dgm:constr type="w" for="ch" forName="accent_1" refType="h" refFor="ch" refForName="accent_1" op="equ"/>
-                <dgm:constr type="ctrY" for="ch" forName="accent_1" refType="h" fact="0.0909"/>
-                <dgm:constr type="ctrX" for="ch" forName="accent_1" refType="w"/>
-                <dgm:constr type="ctrXOff" for="ch" forName="accent_1" refType="h" fact="-0.0835"/>
-                <dgm:constr type="r" for="ch" forName="text_1" refType="ctrX" refFor="ch" refForName="accent_1"/>
-                <dgm:constr type="rOff" for="ch" forName="text_1" refType="ctrXOff" refFor="ch" refForName="accent_1"/>
-                <dgm:constr type="l" for="ch" forName="text_1"/>
-                <dgm:constr type="w" for="ch" forName="text_1" refType="h" refFor="ch" refForName="text_1" op="gte"/>
-                <dgm:constr type="h" for="ch" forName="text_1" refType="h" refFor="ch" refForName="accent_1" fact="0.8"/>
-                <dgm:constr type="ctrY" for="ch" forName="text_1" refType="ctrY" refFor="ch" refForName="accent_1"/>
-                <dgm:constr type="rMarg" for="ch" forName="text_1" refType="w" refFor="ch" refForName="accent_1" fact="1.8"/>
-                <dgm:constr type="h" for="ch" forName="accent_2" refType="h" fact="0.1136"/>
-                <dgm:constr type="w" for="ch" forName="accent_2" refType="h" refFor="ch" refForName="accent_2" op="equ"/>
-                <dgm:constr type="ctrY" for="ch" forName="accent_2" refType="h" fact="0.2273"/>
-                <dgm:constr type="ctrX" for="ch" forName="accent_2" refType="w"/>
-                <dgm:constr type="ctrXOff" for="ch" forName="accent_2" refType="h" fact="-0.1658"/>
-                <dgm:constr type="r" for="ch" forName="text_2" refType="ctrX" refFor="ch" refForName="accent_2"/>
-                <dgm:constr type="rOff" for="ch" forName="text_2" refType="ctrXOff" refFor="ch" refForName="accent_2"/>
-                <dgm:constr type="l" for="ch" forName="text_2"/>
-                <dgm:constr type="w" for="ch" forName="text_2" refType="h" refFor="ch" refForName="text_2" op="gte"/>
-                <dgm:constr type="h" for="ch" forName="text_2" refType="h" refFor="ch" refForName="accent_2" fact="0.8"/>
-                <dgm:constr type="ctrY" for="ch" forName="text_2" refType="ctrY" refFor="ch" refForName="accent_2"/>
-                <dgm:constr type="rMarg" for="ch" forName="text_2" refType="w" refFor="ch" refForName="accent_2" fact="1.8"/>
-                <dgm:constr type="h" for="ch" forName="accent_3" refType="h" fact="0.1136"/>
-                <dgm:constr type="w" for="ch" forName="accent_3" refType="h" refFor="ch" refForName="accent_3" op="equ"/>
-                <dgm:constr type="ctrY" for="ch" forName="accent_3" refType="h" fact="0.3636"/>
-                <dgm:constr type="ctrX" for="ch" forName="accent_3" refType="w"/>
-                <dgm:constr type="ctrXOff" for="ch" forName="accent_3" refType="h" fact="-0.2109"/>
-                <dgm:constr type="r" for="ch" forName="text_3" refType="ctrX" refFor="ch" refForName="accent_3"/>
-                <dgm:constr type="rOff" for="ch" forName="text_3" refType="ctrXOff" refFor="ch" refForName="accent_3"/>
-                <dgm:constr type="l" for="ch" forName="text_3"/>
-                <dgm:constr type="w" for="ch" forName="text_3" refType="h" refFor="ch" refForName="text_3" op="gte"/>
-                <dgm:constr type="h" for="ch" forName="text_3" refType="h" refFor="ch" refForName="accent_3" fact="0.8"/>
-                <dgm:constr type="ctrY" for="ch" forName="text_3" refType="ctrY" refFor="ch" refForName="accent_3"/>
-                <dgm:constr type="rMarg" for="ch" forName="text_3" refType="w" refFor="ch" refForName="accent_3" fact="1.8"/>
-                <dgm:constr type="h" for="ch" forName="accent_4" refType="h" fact="0.1136"/>
-                <dgm:constr type="w" for="ch" forName="accent_4" refType="h" refFor="ch" refForName="accent_4" op="equ"/>
-                <dgm:constr type="ctrY" for="ch" forName="accent_4" refType="h" fact="0.5"/>
-                <dgm:constr type="ctrX" for="ch" forName="accent_4" refType="w"/>
-                <dgm:constr type="ctrXOff" for="ch" forName="accent_4" refType="h" fact="-0.2253"/>
-                <dgm:constr type="r" for="ch" forName="text_4" refType="ctrX" refFor="ch" refForName="accent_4"/>
-                <dgm:constr type="rOff" for="ch" forName="text_4" refType="ctrXOff" refFor="ch" refForName="accent_4"/>
-                <dgm:constr type="l" for="ch" forName="text_4"/>
-                <dgm:constr type="w" for="ch" forName="text_4" refType="h" refFor="ch" refForName="text_4" op="gte"/>
-                <dgm:constr type="h" for="ch" forName="text_4" refType="h" refFor="ch" refForName="accent_4" fact="0.8"/>
-                <dgm:constr type="ctrY" for="ch" forName="text_4" refType="ctrY" refFor="ch" refForName="accent_4"/>
-                <dgm:constr type="rMarg" for="ch" forName="text_4" refType="w" refFor="ch" refForName="accent_4" fact="1.8"/>
-                <dgm:constr type="h" for="ch" forName="accent_5" refType="h" fact="0.1136"/>
-                <dgm:constr type="w" for="ch" forName="accent_5" refType="h" refFor="ch" refForName="accent_5" op="equ"/>
-                <dgm:constr type="ctrY" for="ch" forName="accent_5" refType="h" fact="0.6364"/>
-                <dgm:constr type="ctrX" for="ch" forName="accent_5" refType="w"/>
-                <dgm:constr type="ctrXOff" for="ch" forName="accent_5" refType="h" fact="-0.2109"/>
-                <dgm:constr type="r" for="ch" forName="text_5" refType="ctrX" refFor="ch" refForName="accent_5"/>
-                <dgm:constr type="rOff" for="ch" forName="text_5" refType="ctrXOff" refFor="ch" refForName="accent_5"/>
-                <dgm:constr type="l" for="ch" forName="text_5"/>
-                <dgm:constr type="w" for="ch" forName="text_5" refType="h" refFor="ch" refForName="text_5" op="gte"/>
-                <dgm:constr type="h" for="ch" forName="text_5" refType="h" refFor="ch" refForName="accent_5" fact="0.8"/>
-                <dgm:constr type="ctrY" for="ch" forName="text_5" refType="ctrY" refFor="ch" refForName="accent_5"/>
-                <dgm:constr type="rMarg" for="ch" forName="text_5" refType="w" refFor="ch" refForName="accent_5" fact="1.8"/>
-                <dgm:constr type="h" for="ch" forName="accent_6" refType="h" fact="0.1136"/>
-                <dgm:constr type="w" for="ch" forName="accent_6" refType="h" refFor="ch" refForName="accent_6" op="equ"/>
-                <dgm:constr type="ctrY" for="ch" forName="accent_6" refType="h" fact="0.7727"/>
-                <dgm:constr type="ctrX" for="ch" forName="accent_6" refType="w"/>
-                <dgm:constr type="ctrXOff" for="ch" forName="accent_6" refType="h" fact="-0.1658"/>
-                <dgm:constr type="r" for="ch" forName="text_6" refType="ctrX" refFor="ch" refForName="accent_6"/>
-                <dgm:constr type="rOff" for="ch" forName="text_6" refType="ctrXOff" refFor="ch" refForName="accent_6"/>
-                <dgm:constr type="l" for="ch" forName="text_6"/>
-                <dgm:constr type="w" for="ch" forName="text_6" refType="h" refFor="ch" refForName="text_6" op="gte"/>
-                <dgm:constr type="h" for="ch" forName="text_6" refType="h" refFor="ch" refForName="accent_6" fact="0.8"/>
-                <dgm:constr type="ctrY" for="ch" forName="text_6" refType="ctrY" refFor="ch" refForName="accent_6"/>
-                <dgm:constr type="rMarg" for="ch" forName="text_6" refType="w" refFor="ch" refForName="accent_6" fact="1.8"/>
-                <dgm:constr type="h" for="ch" forName="accent_7" refType="h" fact="0.1136"/>
-                <dgm:constr type="w" for="ch" forName="accent_7" refType="h" refFor="ch" refForName="accent_7" op="equ"/>
-                <dgm:constr type="ctrY" for="ch" forName="accent_7" refType="h" fact="0.9091"/>
-                <dgm:constr type="ctrX" for="ch" forName="accent_7" refType="w"/>
-                <dgm:constr type="ctrXOff" for="ch" forName="accent_7" refType="h" fact="-0.0835"/>
-                <dgm:constr type="r" for="ch" forName="text_7" refType="ctrX" refFor="ch" refForName="accent_7"/>
-                <dgm:constr type="rOff" for="ch" forName="text_7" refType="ctrXOff" refFor="ch" refForName="accent_7"/>
-                <dgm:constr type="l" for="ch" forName="text_7"/>
-                <dgm:constr type="w" for="ch" forName="text_7" refType="h" refFor="ch" refForName="text_7" op="gte"/>
-                <dgm:constr type="h" for="ch" forName="text_7" refType="h" refFor="ch" refForName="accent_7" fact="0.8"/>
-                <dgm:constr type="ctrY" for="ch" forName="text_7" refType="ctrY" refFor="ch" refForName="accent_7"/>
-                <dgm:constr type="rMarg" for="ch" forName="text_7" refType="w" refFor="ch" refForName="accent_7" fact="1.8"/>
-                <dgm:constr type="primFontSz" for="ch" ptType="node" op="equ" val="65"/>
-              </dgm:constrLst>
-            </dgm:else>
-          </dgm:choose>
-        </dgm:else>
-      </dgm:choose>
-      <dgm:layoutNode name="cycle">
-        <dgm:choose name="Name21">
-          <dgm:if name="Name22" func="var" arg="dir" op="equ" val="norm">
-            <dgm:alg type="cycle">
-              <dgm:param type="stAng" val="45"/>
-              <dgm:param type="spanAng" val="90"/>
-            </dgm:alg>
-          </dgm:if>
-          <dgm:else name="Name23">
-            <dgm:alg type="cycle">
-              <dgm:param type="stAng" val="225"/>
-              <dgm:param type="spanAng" val="90"/>
-            </dgm:alg>
-          </dgm:else>
-        </dgm:choose>
-        <dgm:shape xmlns:r="http://schemas.openxmlformats.org/officeDocument/2006/relationships" r:blip="">
-          <dgm:adjLst/>
-        </dgm:shape>
-        <dgm:presOf/>
-        <dgm:constrLst>
-          <dgm:constr type="w" for="ch" val="1"/>
-          <dgm:constr type="h" for="ch" val="1"/>
-          <dgm:constr type="diam" for="ch" forName="conn" refType="diam"/>
-        </dgm:constrLst>
-        <dgm:layoutNode name="srcNode">
-          <dgm:alg type="sp"/>
-          <dgm:shape xmlns:r="http://schemas.openxmlformats.org/officeDocument/2006/relationships" type="rect" r:blip="" hideGeom="1">
-            <dgm:adjLst/>
-          </dgm:shape>
-          <dgm:presOf/>
-        </dgm:layoutNode>
-        <dgm:layoutNode name="conn" styleLbl="parChTrans1D2">
-          <dgm:alg type="conn">
-            <dgm:param type="connRout" val="curve"/>
-            <dgm:param type="srcNode" val="srcNode"/>
-            <dgm:param type="dstNode" val="dstNode"/>
-            <dgm:param type="begPts" val="ctr"/>
-            <dgm:param type="endPts" val="ctr"/>
-            <dgm:param type="endSty" val="noArr"/>
-          </dgm:alg>
-          <dgm:shape xmlns:r="http://schemas.openxmlformats.org/officeDocument/2006/relationships" type="conn" r:blip="">
-            <dgm:adjLst/>
-          </dgm:shape>
-          <dgm:presOf axis="desOrSelf" ptType="sibTrans" hideLastTrans="0" st="0" cnt="1"/>
-          <dgm:constrLst>
-            <dgm:constr type="begPad"/>
-            <dgm:constr type="endPad"/>
-          </dgm:constrLst>
-        </dgm:layoutNode>
-        <dgm:layoutNode name="extraNode">
-          <dgm:alg type="sp"/>
-          <dgm:shape xmlns:r="http://schemas.openxmlformats.org/officeDocument/2006/relationships" type="rect" r:blip="" hideGeom="1">
-            <dgm:adjLst/>
-          </dgm:shape>
-          <dgm:presOf/>
-        </dgm:layoutNode>
-        <dgm:layoutNode name="dstNode">
-          <dgm:alg type="sp"/>
-          <dgm:shape xmlns:r="http://schemas.openxmlformats.org/officeDocument/2006/relationships" type="rect" r:blip="" hideGeom="1">
-            <dgm:adjLst/>
-          </dgm:shape>
-          <dgm:presOf/>
-        </dgm:layoutNode>
-      </dgm:layoutNode>
-      <dgm:forEach name="wrapper" axis="self" ptType="parTrans">
-        <dgm:forEach name="wrapper2" axis="self" ptType="sibTrans" st="2">
-          <dgm:forEach name="accentRepeat" axis="self">
-            <dgm:layoutNode name="accentRepeatNode" styleLbl="solidFgAcc1">
-              <dgm:alg type="sp"/>
-              <dgm:shape xmlns:r="http://schemas.openxmlformats.org/officeDocument/2006/relationships" type="ellipse" r:blip="">
-                <dgm:adjLst/>
-              </dgm:shape>
-              <dgm:presOf/>
-            </dgm:layoutNode>
-          </dgm:forEach>
-        </dgm:forEach>
-      </dgm:forEach>
-      <dgm:forEach name="Name24" axis="ch" ptType="node" cnt="1">
-        <dgm:layoutNode name="text_1" styleLbl="node1">
-          <dgm:varLst>
-            <dgm:bulletEnabled val="1"/>
-          </dgm:varLst>
-          <dgm:choose name="Name25">
-            <dgm:if name="Name26" func="var" arg="dir" op="equ" val="norm">
-              <dgm:alg type="tx">
-                <dgm:param type="parTxLTRAlign" val="l"/>
-                <dgm:param type="shpTxLTRAlignCh" val="l"/>
-                <dgm:param type="parTxRTLAlign" val="l"/>
-                <dgm:param type="shpTxRTLAlignCh" val="l"/>
-              </dgm:alg>
-            </dgm:if>
-            <dgm:else name="Name27">
-              <dgm:alg type="tx">
-                <dgm:param type="parTxLTRAlign" val="r"/>
-                <dgm:param type="shpTxLTRAlignCh" val="r"/>
-                <dgm:param type="parTxRTLAlign" val="r"/>
-                <dgm:param type="shpTxRTLAlignCh" val="r"/>
-              </dgm:alg>
-            </dgm:else>
-          </dgm:choose>
-          <dgm:shape xmlns:r="http://schemas.openxmlformats.org/officeDocument/2006/relationships" type="rect" r:blip="">
-            <dgm:adjLst/>
-          </dgm:shape>
-          <dgm:presOf axis="desOrSelf" ptType="node"/>
-          <dgm:constrLst>
-            <dgm:constr type="primFontSz" val="65"/>
-            <dgm:constr type="lMarg" refType="primFontSz" fact="0.2"/>
-            <dgm:constr type="rMarg" refType="primFontSz" fact="0.2"/>
-            <dgm:constr type="tMarg" refType="primFontSz" fact="0.2"/>
-            <dgm:constr type="bMarg" refType="primFontSz" fact="0.2"/>
-          </dgm:constrLst>
-          <dgm:ruleLst>
-            <dgm:rule type="primFontSz" val="5" fact="NaN" max="NaN"/>
-          </dgm:ruleLst>
-        </dgm:layoutNode>
-        <dgm:layoutNode name="accent_1">
-          <dgm:alg type="sp"/>
-          <dgm:shape xmlns:r="http://schemas.openxmlformats.org/officeDocument/2006/relationships" r:blip="">
-            <dgm:adjLst/>
-          </dgm:shape>
-          <dgm:presOf/>
-          <dgm:constrLst/>
-          <dgm:forEach name="Name28" ref="accentRepeat"/>
-        </dgm:layoutNode>
-      </dgm:forEach>
-      <dgm:forEach name="Name29" axis="ch" ptType="node" st="2" cnt="1">
-        <dgm:layoutNode name="text_2" styleLbl="node1">
-          <dgm:varLst>
-            <dgm:bulletEnabled val="1"/>
-          </dgm:varLst>
-          <dgm:choose name="Name30">
-            <dgm:if name="Name31" func="var" arg="dir" op="equ" val="norm">
-              <dgm:alg type="tx">
-                <dgm:param type="parTxLTRAlign" val="l"/>
-                <dgm:param type="shpTxLTRAlignCh" val="l"/>
-                <dgm:param type="parTxRTLAlign" val="l"/>
-                <dgm:param type="shpTxRTLAlignCh" val="l"/>
-              </dgm:alg>
-            </dgm:if>
-            <dgm:else name="Name32">
-              <dgm:alg type="tx">
-                <dgm:param type="parTxLTRAlign" val="r"/>
-                <dgm:param type="shpTxLTRAlignCh" val="r"/>
-                <dgm:param type="parTxRTLAlign" val="r"/>
-                <dgm:param type="shpTxRTLAlignCh" val="r"/>
-              </dgm:alg>
-            </dgm:else>
-          </dgm:choose>
-          <dgm:shape xmlns:r="http://schemas.openxmlformats.org/officeDocument/2006/relationships" type="rect" r:blip="">
-            <dgm:adjLst/>
-          </dgm:shape>
-          <dgm:presOf axis="desOrSelf" ptType="node"/>
-          <dgm:constrLst>
-            <dgm:constr type="primFontSz" val="65"/>
-            <dgm:constr type="lMarg" refType="primFontSz" fact="0.2"/>
-            <dgm:constr type="rMarg" refType="primFontSz" fact="0.2"/>
-            <dgm:constr type="tMarg" refType="primFontSz" fact="0.2"/>
-            <dgm:constr type="bMarg" refType="primFontSz" fact="0.2"/>
-          </dgm:constrLst>
-          <dgm:ruleLst>
-            <dgm:rule type="primFontSz" val="5" fact="NaN" max="NaN"/>
-          </dgm:ruleLst>
-        </dgm:layoutNode>
-        <dgm:layoutNode name="accent_2">
-          <dgm:alg type="sp"/>
-          <dgm:shape xmlns:r="http://schemas.openxmlformats.org/officeDocument/2006/relationships" r:blip="">
-            <dgm:adjLst/>
-          </dgm:shape>
-          <dgm:presOf/>
-          <dgm:constrLst/>
-          <dgm:forEach name="Name33" ref="accentRepeat"/>
-        </dgm:layoutNode>
-      </dgm:forEach>
-      <dgm:forEach name="Name34" axis="ch" ptType="node" st="3" cnt="1">
-        <dgm:layoutNode name="text_3" styleLbl="node1">
-          <dgm:varLst>
-            <dgm:bulletEnabled val="1"/>
-          </dgm:varLst>
-          <dgm:choose name="Name35">
-            <dgm:if name="Name36" func="var" arg="dir" op="equ" val="norm">
-              <dgm:alg type="tx">
-                <dgm:param type="parTxLTRAlign" val="l"/>
-                <dgm:param type="shpTxLTRAlignCh" val="l"/>
-                <dgm:param type="parTxRTLAlign" val="l"/>
-                <dgm:param type="shpTxRTLAlignCh" val="l"/>
-              </dgm:alg>
-            </dgm:if>
-            <dgm:else name="Name37">
-              <dgm:alg type="tx">
-                <dgm:param type="parTxLTRAlign" val="r"/>
-                <dgm:param type="shpTxLTRAlignCh" val="r"/>
-                <dgm:param type="parTxRTLAlign" val="r"/>
-                <dgm:param type="shpTxRTLAlignCh" val="r"/>
-              </dgm:alg>
-            </dgm:else>
-          </dgm:choose>
-          <dgm:shape xmlns:r="http://schemas.openxmlformats.org/officeDocument/2006/relationships" type="rect" r:blip="">
-            <dgm:adjLst/>
-          </dgm:shape>
-          <dgm:presOf axis="desOrSelf" ptType="node"/>
-          <dgm:constrLst>
-            <dgm:constr type="primFontSz" val="65"/>
-            <dgm:constr type="lMarg" refType="primFontSz" fact="0.2"/>
-            <dgm:constr type="rMarg" refType="primFontSz" fact="0.2"/>
-            <dgm:constr type="tMarg" refType="primFontSz" fact="0.2"/>
-            <dgm:constr type="bMarg" refType="primFontSz" fact="0.2"/>
-          </dgm:constrLst>
-          <dgm:ruleLst>
-            <dgm:rule type="primFontSz" val="5" fact="NaN" max="NaN"/>
-          </dgm:ruleLst>
-        </dgm:layoutNode>
-        <dgm:layoutNode name="accent_3">
-          <dgm:alg type="sp"/>
-          <dgm:shape xmlns:r="http://schemas.openxmlformats.org/officeDocument/2006/relationships" r:blip="">
-            <dgm:adjLst/>
-          </dgm:shape>
-          <dgm:presOf/>
-          <dgm:constrLst/>
-          <dgm:forEach name="Name38" ref="accentRepeat"/>
-        </dgm:layoutNode>
-      </dgm:forEach>
-      <dgm:forEach name="Name39" axis="ch" ptType="node" st="4" cnt="1">
-        <dgm:layoutNode name="text_4" styleLbl="node1">
-          <dgm:varLst>
-            <dgm:bulletEnabled val="1"/>
-          </dgm:varLst>
-          <dgm:choose name="Name40">
-            <dgm:if name="Name41" func="var" arg="dir" op="equ" val="norm">
-              <dgm:alg type="tx">
-                <dgm:param type="parTxLTRAlign" val="l"/>
-                <dgm:param type="shpTxLTRAlignCh" val="l"/>
-                <dgm:param type="parTxRTLAlign" val="l"/>
-                <dgm:param type="shpTxRTLAlignCh" val="l"/>
-              </dgm:alg>
-            </dgm:if>
-            <dgm:else name="Name42">
-              <dgm:alg type="tx">
-                <dgm:param type="parTxLTRAlign" val="r"/>
-                <dgm:param type="shpTxLTRAlignCh" val="r"/>
-                <dgm:param type="parTxRTLAlign" val="r"/>
-                <dgm:param type="shpTxRTLAlignCh" val="r"/>
-              </dgm:alg>
-            </dgm:else>
-          </dgm:choose>
-          <dgm:shape xmlns:r="http://schemas.openxmlformats.org/officeDocument/2006/relationships" type="rect" r:blip="">
-            <dgm:adjLst/>
-          </dgm:shape>
-          <dgm:presOf axis="desOrSelf" ptType="node"/>
-          <dgm:constrLst>
-            <dgm:constr type="primFontSz" val="65"/>
-            <dgm:constr type="lMarg" refType="primFontSz" fact="0.2"/>
-            <dgm:constr type="rMarg" refType="primFontSz" fact="0.2"/>
-            <dgm:constr type="tMarg" refType="primFontSz" fact="0.2"/>
-            <dgm:constr type="bMarg" refType="primFontSz" fact="0.2"/>
-          </dgm:constrLst>
-          <dgm:ruleLst>
-            <dgm:rule type="primFontSz" val="5" fact="NaN" max="NaN"/>
-          </dgm:ruleLst>
-        </dgm:layoutNode>
-        <dgm:layoutNode name="accent_4">
-          <dgm:alg type="sp"/>
-          <dgm:shape xmlns:r="http://schemas.openxmlformats.org/officeDocument/2006/relationships" r:blip="">
-            <dgm:adjLst/>
-          </dgm:shape>
-          <dgm:presOf/>
-          <dgm:constrLst/>
-          <dgm:forEach name="Name43" ref="accentRepeat"/>
-        </dgm:layoutNode>
-      </dgm:forEach>
-      <dgm:forEach name="Name44" axis="ch" ptType="node" st="5" cnt="1">
-        <dgm:layoutNode name="text_5" styleLbl="node1">
-          <dgm:varLst>
-            <dgm:bulletEnabled val="1"/>
-          </dgm:varLst>
-          <dgm:choose name="Name45">
-            <dgm:if name="Name46" func="var" arg="dir" op="equ" val="norm">
-              <dgm:alg type="tx">
-                <dgm:param type="parTxLTRAlign" val="l"/>
-                <dgm:param type="shpTxLTRAlignCh" val="l"/>
-                <dgm:param type="parTxRTLAlign" val="l"/>
-                <dgm:param type="shpTxRTLAlignCh" val="l"/>
-              </dgm:alg>
-            </dgm:if>
-            <dgm:else name="Name47">
-              <dgm:alg type="tx">
-                <dgm:param type="parTxLTRAlign" val="r"/>
-                <dgm:param type="shpTxLTRAlignCh" val="r"/>
-                <dgm:param type="parTxRTLAlign" val="r"/>
-                <dgm:param type="shpTxRTLAlignCh" val="r"/>
-              </dgm:alg>
-            </dgm:else>
-          </dgm:choose>
-          <dgm:shape xmlns:r="http://schemas.openxmlformats.org/officeDocument/2006/relationships" type="rect" r:blip="">
-            <dgm:adjLst/>
-          </dgm:shape>
-          <dgm:presOf axis="desOrSelf" ptType="node"/>
-          <dgm:constrLst>
-            <dgm:constr type="primFontSz" val="65"/>
-            <dgm:constr type="lMarg" refType="primFontSz" fact="0.2"/>
-            <dgm:constr type="rMarg" refType="primFontSz" fact="0.2"/>
-            <dgm:constr type="tMarg" refType="primFontSz" fact="0.2"/>
-            <dgm:constr type="bMarg" refType="primFontSz" fact="0.2"/>
-          </dgm:constrLst>
-          <dgm:ruleLst>
-            <dgm:rule type="primFontSz" val="5" fact="NaN" max="NaN"/>
-          </dgm:ruleLst>
-        </dgm:layoutNode>
-        <dgm:layoutNode name="accent_5">
-          <dgm:alg type="sp"/>
-          <dgm:shape xmlns:r="http://schemas.openxmlformats.org/officeDocument/2006/relationships" r:blip="">
-            <dgm:adjLst/>
-          </dgm:shape>
-          <dgm:presOf/>
-          <dgm:constrLst/>
-          <dgm:forEach name="Name48" ref="accentRepeat"/>
-        </dgm:layoutNode>
-      </dgm:forEach>
-      <dgm:forEach name="Name49" axis="ch" ptType="node" st="6" cnt="1">
-        <dgm:layoutNode name="text_6" styleLbl="node1">
-          <dgm:varLst>
-            <dgm:bulletEnabled val="1"/>
-          </dgm:varLst>
-          <dgm:choose name="Name50">
-            <dgm:if name="Name51" func="var" arg="dir" op="equ" val="norm">
-              <dgm:alg type="tx">
-                <dgm:param type="parTxLTRAlign" val="l"/>
-                <dgm:param type="shpTxLTRAlignCh" val="l"/>
-                <dgm:param type="parTxRTLAlign" val="l"/>
-                <dgm:param type="shpTxRTLAlignCh" val="l"/>
-              </dgm:alg>
-            </dgm:if>
-            <dgm:else name="Name52">
-              <dgm:alg type="tx">
-                <dgm:param type="parTxLTRAlign" val="r"/>
-                <dgm:param type="shpTxLTRAlignCh" val="r"/>
-                <dgm:param type="parTxRTLAlign" val="r"/>
-                <dgm:param type="shpTxRTLAlignCh" val="r"/>
-              </dgm:alg>
-            </dgm:else>
-          </dgm:choose>
-          <dgm:shape xmlns:r="http://schemas.openxmlformats.org/officeDocument/2006/relationships" type="rect" r:blip="">
-            <dgm:adjLst/>
-          </dgm:shape>
-          <dgm:presOf axis="desOrSelf" ptType="node"/>
-          <dgm:constrLst>
-            <dgm:constr type="primFontSz" val="65"/>
-            <dgm:constr type="lMarg" refType="primFontSz" fact="0.2"/>
-            <dgm:constr type="rMarg" refType="primFontSz" fact="0.2"/>
-            <dgm:constr type="tMarg" refType="primFontSz" fact="0.2"/>
-            <dgm:constr type="bMarg" refType="primFontSz" fact="0.2"/>
-          </dgm:constrLst>
-          <dgm:ruleLst>
-            <dgm:rule type="primFontSz" val="5" fact="NaN" max="NaN"/>
-          </dgm:ruleLst>
-        </dgm:layoutNode>
-        <dgm:layoutNode name="accent_6">
-          <dgm:alg type="sp"/>
-          <dgm:shape xmlns:r="http://schemas.openxmlformats.org/officeDocument/2006/relationships" r:blip="">
-            <dgm:adjLst/>
-          </dgm:shape>
-          <dgm:presOf/>
-          <dgm:constrLst/>
-          <dgm:forEach name="Name53" ref="accentRepeat"/>
-        </dgm:layoutNode>
-      </dgm:forEach>
-      <dgm:forEach name="Name54" axis="ch" ptType="node" st="7" cnt="1">
-        <dgm:layoutNode name="text_7" styleLbl="node1">
-          <dgm:varLst>
-            <dgm:bulletEnabled val="1"/>
-          </dgm:varLst>
-          <dgm:choose name="Name55">
-            <dgm:if name="Name56" func="var" arg="dir" op="equ" val="norm">
-              <dgm:alg type="tx">
-                <dgm:param type="parTxLTRAlign" val="l"/>
-                <dgm:param type="shpTxLTRAlignCh" val="l"/>
-                <dgm:param type="parTxRTLAlign" val="l"/>
-                <dgm:param type="shpTxRTLAlignCh" val="l"/>
-              </dgm:alg>
-            </dgm:if>
-            <dgm:else name="Name57">
-              <dgm:alg type="tx">
-                <dgm:param type="parTxLTRAlign" val="r"/>
-                <dgm:param type="shpTxLTRAlignCh" val="r"/>
-                <dgm:param type="parTxRTLAlign" val="r"/>
-                <dgm:param type="shpTxRTLAlignCh" val="r"/>
-              </dgm:alg>
-            </dgm:else>
-          </dgm:choose>
-          <dgm:shape xmlns:r="http://schemas.openxmlformats.org/officeDocument/2006/relationships" type="rect" r:blip="">
-            <dgm:adjLst/>
-          </dgm:shape>
-          <dgm:presOf axis="desOrSelf" ptType="node"/>
-          <dgm:constrLst>
-            <dgm:constr type="primFontSz" val="65"/>
-            <dgm:constr type="lMarg" refType="primFontSz" fact="0.2"/>
-            <dgm:constr type="rMarg" refType="primFontSz" fact="0.2"/>
-            <dgm:constr type="tMarg" refType="primFontSz" fact="0.2"/>
-            <dgm:constr type="bMarg" refType="primFontSz" fact="0.2"/>
-          </dgm:constrLst>
-          <dgm:ruleLst>
-            <dgm:rule type="primFontSz" val="5" fact="NaN" max="NaN"/>
-          </dgm:ruleLst>
-        </dgm:layoutNode>
-        <dgm:layoutNode name="accent_7">
-          <dgm:alg type="sp"/>
-          <dgm:shape xmlns:r="http://schemas.openxmlformats.org/officeDocument/2006/relationships" r:blip="">
-            <dgm:adjLst/>
-          </dgm:shape>
-          <dgm:presOf/>
-          <dgm:constrLst/>
-          <dgm:forEach name="Name58" ref="accentRepeat"/>
-        </dgm:layoutNode>
-      </dgm:forEach>
-    </dgm:layoutNode>
-  </dgm:layoutNode>
-</dgm:layoutDef>
-</file>
-
-<file path=ppt/diagrams/quickStyle1.xml><?xml version="1.0" encoding="utf-8"?>
-<dgm:styleDef xmlns:dgm="http://schemas.openxmlformats.org/drawingml/2006/diagram" xmlns:a="http://schemas.openxmlformats.org/drawingml/2006/main" uniqueId="urn:microsoft.com/office/officeart/2005/8/quickstyle/simple4">
-  <dgm:title val=""/>
-  <dgm:desc val=""/>
-  <dgm:catLst>
-    <dgm:cat type="simple" pri="10400"/>
-  </dgm:catLst>
-  <dgm:scene3d>
-    <a:camera prst="orthographicFront"/>
-    <a:lightRig rig="threePt" dir="t"/>
-  </dgm:scene3d>
-  <dgm:styleLbl name="node0">
-    <dgm:scene3d>
-      <a:camera prst="orthographicFront"/>
-      <a:lightRig rig="threePt" dir="t"/>
-    </dgm:scene3d>
-    <dgm:sp3d/>
-    <dgm:txPr/>
-    <dgm:style>
-      <a:lnRef idx="0">
-        <a:scrgbClr r="0" g="0" b="0"/>
-      </a:lnRef>
-      <a:fillRef idx="3">
-        <a:scrgbClr r="0" g="0" b="0"/>
-      </a:fillRef>
-      <a:effectRef idx="2">
-        <a:scrgbClr r="0" g="0" b="0"/>
-      </a:effectRef>
-      <a:fontRef idx="minor">
-        <a:schemeClr val="lt1"/>
-      </a:fontRef>
-    </dgm:style>
-  </dgm:styleLbl>
-  <dgm:styleLbl name="lnNode1">
-    <dgm:scene3d>
-      <a:camera prst="orthographicFront"/>
-      <a:lightRig rig="threePt" dir="t"/>
-    </dgm:scene3d>
-    <dgm:sp3d/>
-    <dgm:txPr/>
-    <dgm:style>
-      <a:lnRef idx="1">
-        <a:scrgbClr r="0" g="0" b="0"/>
-      </a:lnRef>
-      <a:fillRef idx="3">
-        <a:scrgbClr r="0" g="0" b="0"/>
-      </a:fillRef>
-      <a:effectRef idx="2">
-        <a:scrgbClr r="0" g="0" b="0"/>
-      </a:effectRef>
-      <a:fontRef idx="minor">
-        <a:schemeClr val="lt1"/>
-      </a:fontRef>
-    </dgm:style>
-  </dgm:styleLbl>
-  <dgm:styleLbl name="vennNode1">
-    <dgm:scene3d>
-      <a:camera prst="orthographicFront"/>
-      <a:lightRig rig="threePt" dir="t"/>
-    </dgm:scene3d>
-    <dgm:sp3d/>
-    <dgm:txPr/>
-    <dgm:style>
-      <a:lnRef idx="0">
-        <a:scrgbClr r="0" g="0" b="0"/>
-      </a:lnRef>
-      <a:fillRef idx="3">
-        <a:scrgbClr r="0" g="0" b="0"/>
-      </a:fillRef>
-      <a:effectRef idx="0">
-        <a:scrgbClr r="0" g="0" b="0"/>
-      </a:effectRef>
-      <a:fontRef idx="minor">
-        <a:schemeClr val="tx1"/>
-      </a:fontRef>
-    </dgm:style>
-  </dgm:styleLbl>
-  <dgm:styleLbl name="alignNode1">
-    <dgm:scene3d>
-      <a:camera prst="orthographicFront"/>
-      <a:lightRig rig="threePt" dir="t"/>
-    </dgm:scene3d>
-    <dgm:sp3d/>
-    <dgm:txPr/>
-    <dgm:style>
-      <a:lnRef idx="1">
-        <a:scrgbClr r="0" g="0" b="0"/>
-      </a:lnRef>
-      <a:fillRef idx="3">
-        <a:scrgbClr r="0" g="0" b="0"/>
-      </a:fillRef>
-      <a:effectRef idx="2">
-        <a:scrgbClr r="0" g="0" b="0"/>
-      </a:effectRef>
-      <a:fontRef idx="minor">
-        <a:schemeClr val="lt1"/>
-      </a:fontRef>
-    </dgm:style>
-  </dgm:styleLbl>
-  <dgm:styleLbl name="node1">
-    <dgm:scene3d>
-      <a:camera prst="orthographicFront"/>
-      <a:lightRig rig="threePt" dir="t"/>
-    </dgm:scene3d>
-    <dgm:sp3d/>
-    <dgm:txPr/>
-    <dgm:style>
-      <a:lnRef idx="0">
-        <a:scrgbClr r="0" g="0" b="0"/>
-      </a:lnRef>
-      <a:fillRef idx="3">
-        <a:scrgbClr r="0" g="0" b="0"/>
-      </a:fillRef>
-      <a:effectRef idx="2">
-        <a:scrgbClr r="0" g="0" b="0"/>
-      </a:effectRef>
-      <a:fontRef idx="minor">
-        <a:schemeClr val="lt1"/>
-      </a:fontRef>
-    </dgm:style>
-  </dgm:styleLbl>
-  <dgm:styleLbl name="node2">
-    <dgm:scene3d>
-      <a:camera prst="orthographicFront"/>
-      <a:lightRig rig="threePt" dir="t"/>
-    </dgm:scene3d>
-    <dgm:sp3d/>
-    <dgm:txPr/>
-    <dgm:style>
-      <a:lnRef idx="0">
-        <a:scrgbClr r="0" g="0" b="0"/>
-      </a:lnRef>
-      <a:fillRef idx="3">
-        <a:scrgbClr r="0" g="0" b="0"/>
-      </a:fillRef>
-      <a:effectRef idx="2">
-        <a:scrgbClr r="0" g="0" b="0"/>
-      </a:effectRef>
-      <a:fontRef idx="minor">
-        <a:schemeClr val="lt1"/>
-      </a:fontRef>
-    </dgm:style>
-  </dgm:styleLbl>
-  <dgm:styleLbl name="node3">
-    <dgm:scene3d>
-      <a:camera prst="orthographicFront"/>
-      <a:lightRig rig="threePt" dir="t"/>
-    </dgm:scene3d>
-    <dgm:sp3d/>
-    <dgm:txPr/>
-    <dgm:style>
-      <a:lnRef idx="0">
-        <a:scrgbClr r="0" g="0" b="0"/>
-      </a:lnRef>
-      <a:fillRef idx="3">
-        <a:scrgbClr r="0" g="0" b="0"/>
-      </a:fillRef>
-      <a:effectRef idx="2">
-        <a:scrgbClr r="0" g="0" b="0"/>
-      </a:effectRef>
-      <a:fontRef idx="minor">
-        <a:schemeClr val="lt1"/>
-      </a:fontRef>
-    </dgm:style>
-  </dgm:styleLbl>
-  <dgm:styleLbl name="node4">
-    <dgm:scene3d>
-      <a:camera prst="orthographicFront"/>
-      <a:lightRig rig="threePt" dir="t"/>
-    </dgm:scene3d>
-    <dgm:sp3d/>
-    <dgm:txPr/>
-    <dgm:style>
-      <a:lnRef idx="0">
-        <a:scrgbClr r="0" g="0" b="0"/>
-      </a:lnRef>
-      <a:fillRef idx="3">
-        <a:scrgbClr r="0" g="0" b="0"/>
-      </a:fillRef>
-      <a:effectRef idx="2">
-        <a:scrgbClr r="0" g="0" b="0"/>
-      </a:effectRef>
-      <a:fontRef idx="minor">
-        <a:schemeClr val="lt1"/>
-      </a:fontRef>
-    </dgm:style>
-  </dgm:styleLbl>
-  <dgm:styleLbl name="fgImgPlace1">
-    <dgm:scene3d>
-      <a:camera prst="orthographicFront"/>
-      <a:lightRig rig="threePt" dir="t"/>
-    </dgm:scene3d>
-    <dgm:sp3d/>
-    <dgm:txPr/>
-    <dgm:style>
-      <a:lnRef idx="0">
-        <a:scrgbClr r="0" g="0" b="0"/>
-      </a:lnRef>
-      <a:fillRef idx="1">
-        <a:scrgbClr r="0" g="0" b="0"/>
-      </a:fillRef>
-      <a:effectRef idx="2">
-        <a:scrgbClr r="0" g="0" b="0"/>
-      </a:effectRef>
-      <a:fontRef idx="minor"/>
-    </dgm:style>
-  </dgm:styleLbl>
-  <dgm:styleLbl name="alignImgPlace1">
-    <dgm:scene3d>
-      <a:camera prst="orthographicFront"/>
-      <a:lightRig rig="threePt" dir="t"/>
-    </dgm:scene3d>
-    <dgm:sp3d/>
-    <dgm:txPr/>
-    <dgm:style>
-      <a:lnRef idx="0">
-        <a:scrgbClr r="0" g="0" b="0"/>
-      </a:lnRef>
-      <a:fillRef idx="1">
-        <a:scrgbClr r="0" g="0" b="0"/>
-      </a:fillRef>
-      <a:effectRef idx="2">
-        <a:scrgbClr r="0" g="0" b="0"/>
-      </a:effectRef>
-      <a:fontRef idx="minor"/>
-    </dgm:style>
-  </dgm:styleLbl>
-  <dgm:styleLbl name="bgImgPlace1">
-    <dgm:scene3d>
-      <a:camera prst="orthographicFront"/>
-      <a:lightRig rig="threePt" dir="t"/>
-    </dgm:scene3d>
-    <dgm:sp3d/>
-    <dgm:txPr/>
-    <dgm:style>
-      <a:lnRef idx="0">
-        <a:scrgbClr r="0" g="0" b="0"/>
-      </a:lnRef>
-      <a:fillRef idx="1">
-        <a:scrgbClr r="0" g="0" b="0"/>
-      </a:fillRef>
-      <a:effectRef idx="2">
-        <a:scrgbClr r="0" g="0" b="0"/>
-      </a:effectRef>
-      <a:fontRef idx="minor"/>
-    </dgm:style>
-  </dgm:styleLbl>
-  <dgm:styleLbl name="sibTrans2D1">
-    <dgm:scene3d>
-      <a:camera prst="orthographicFront"/>
-      <a:lightRig rig="threePt" dir="t"/>
-    </dgm:scene3d>
-    <dgm:sp3d/>
-    <dgm:txPr/>
-    <dgm:style>
-      <a:lnRef idx="0">
-        <a:scrgbClr r="0" g="0" b="0"/>
-      </a:lnRef>
-      <a:fillRef idx="3">
-        <a:scrgbClr r="0" g="0" b="0"/>
-      </a:fillRef>
-      <a:effectRef idx="2">
-        <a:scrgbClr r="0" g="0" b="0"/>
-      </a:effectRef>
-      <a:fontRef idx="minor">
-        <a:schemeClr val="lt1"/>
-      </a:fontRef>
-    </dgm:style>
-  </dgm:styleLbl>
-  <dgm:styleLbl name="fgSibTrans2D1">
-    <dgm:scene3d>
-      <a:camera prst="orthographicFront"/>
-      <a:lightRig rig="threePt" dir="t"/>
-    </dgm:scene3d>
-    <dgm:sp3d/>
-    <dgm:txPr/>
-    <dgm:style>
-      <a:lnRef idx="0">
-        <a:scrgbClr r="0" g="0" b="0"/>
-      </a:lnRef>
-      <a:fillRef idx="3">
-        <a:scrgbClr r="0" g="0" b="0"/>
-      </a:fillRef>
-      <a:effectRef idx="2">
-        <a:scrgbClr r="0" g="0" b="0"/>
-      </a:effectRef>
-      <a:fontRef idx="minor">
-        <a:schemeClr val="lt1"/>
-      </a:fontRef>
-    </dgm:style>
-  </dgm:styleLbl>
-  <dgm:styleLbl name="bgSibTrans2D1">
-    <dgm:scene3d>
-      <a:camera prst="orthographicFront"/>
-      <a:lightRig rig="threePt" dir="t"/>
-    </dgm:scene3d>
-    <dgm:sp3d/>
-    <dgm:txPr/>
-    <dgm:style>
-      <a:lnRef idx="0">
-        <a:scrgbClr r="0" g="0" b="0"/>
-      </a:lnRef>
-      <a:fillRef idx="3">
-        <a:scrgbClr r="0" g="0" b="0"/>
-      </a:fillRef>
-      <a:effectRef idx="2">
-        <a:scrgbClr r="0" g="0" b="0"/>
-      </a:effectRef>
-      <a:fontRef idx="minor">
-        <a:schemeClr val="lt1"/>
-      </a:fontRef>
-    </dgm:style>
-  </dgm:styleLbl>
-  <dgm:styleLbl name="sibTrans1D1">
-    <dgm:scene3d>
-      <a:camera prst="orthographicFront"/>
-      <a:lightRig rig="threePt" dir="t"/>
-    </dgm:scene3d>
-    <dgm:sp3d/>
-    <dgm:txPr/>
-    <dgm:style>
-      <a:lnRef idx="1">
-        <a:scrgbClr r="0" g="0" b="0"/>
-      </a:lnRef>
-      <a:fillRef idx="0">
-        <a:scrgbClr r="0" g="0" b="0"/>
-      </a:fillRef>
-      <a:effectRef idx="0">
-        <a:scrgbClr r="0" g="0" b="0"/>
-      </a:effectRef>
-      <a:fontRef idx="minor"/>
-    </dgm:style>
-  </dgm:styleLbl>
-  <dgm:styleLbl name="callout">
-    <dgm:scene3d>
-      <a:camera prst="orthographicFront"/>
-      <a:lightRig rig="threePt" dir="t"/>
-    </dgm:scene3d>
-    <dgm:sp3d/>
-    <dgm:txPr/>
-    <dgm:style>
-      <a:lnRef idx="2">
-        <a:scrgbClr r="0" g="0" b="0"/>
-      </a:lnRef>
-      <a:fillRef idx="1">
-        <a:scrgbClr r="0" g="0" b="0"/>
-      </a:fillRef>
-      <a:effectRef idx="1">
-        <a:scrgbClr r="0" g="0" b="0"/>
-      </a:effectRef>
-      <a:fontRef idx="minor"/>
-    </dgm:style>
-  </dgm:styleLbl>
-  <dgm:styleLbl name="asst0">
-    <dgm:scene3d>
-      <a:camera prst="orthographicFront"/>
-      <a:lightRig rig="threePt" dir="t"/>
-    </dgm:scene3d>
-    <dgm:sp3d/>
-    <dgm:txPr/>
-    <dgm:style>
-      <a:lnRef idx="0">
-        <a:scrgbClr r="0" g="0" b="0"/>
-      </a:lnRef>
-      <a:fillRef idx="3">
-        <a:scrgbClr r="0" g="0" b="0"/>
-      </a:fillRef>
-      <a:effectRef idx="2">
-        <a:scrgbClr r="0" g="0" b="0"/>
-      </a:effectRef>
-      <a:fontRef idx="minor">
-        <a:schemeClr val="lt1"/>
-      </a:fontRef>
-    </dgm:style>
-  </dgm:styleLbl>
-  <dgm:styleLbl name="asst1">
-    <dgm:scene3d>
-      <a:camera prst="orthographicFront"/>
-      <a:lightRig rig="threePt" dir="t"/>
-    </dgm:scene3d>
-    <dgm:sp3d/>
-    <dgm:txPr/>
-    <dgm:style>
-      <a:lnRef idx="0">
-        <a:scrgbClr r="0" g="0" b="0"/>
-      </a:lnRef>
-      <a:fillRef idx="3">
-        <a:scrgbClr r="0" g="0" b="0"/>
-      </a:fillRef>
-      <a:effectRef idx="2">
-        <a:scrgbClr r="0" g="0" b="0"/>
-      </a:effectRef>
-      <a:fontRef idx="minor">
-        <a:schemeClr val="lt1"/>
-      </a:fontRef>
-    </dgm:style>
-  </dgm:styleLbl>
-  <dgm:styleLbl name="asst2">
-    <dgm:scene3d>
-      <a:camera prst="orthographicFront"/>
-      <a:lightRig rig="threePt" dir="t"/>
-    </dgm:scene3d>
-    <dgm:sp3d/>
-    <dgm:txPr/>
-    <dgm:style>
-      <a:lnRef idx="0">
-        <a:scrgbClr r="0" g="0" b="0"/>
-      </a:lnRef>
-      <a:fillRef idx="3">
-        <a:scrgbClr r="0" g="0" b="0"/>
-      </a:fillRef>
-      <a:effectRef idx="2">
-        <a:scrgbClr r="0" g="0" b="0"/>
-      </a:effectRef>
-      <a:fontRef idx="minor">
-        <a:schemeClr val="lt1"/>
-      </a:fontRef>
-    </dgm:style>
-  </dgm:styleLbl>
-  <dgm:styleLbl name="asst3">
-    <dgm:scene3d>
-      <a:camera prst="orthographicFront"/>
-      <a:lightRig rig="threePt" dir="t"/>
-    </dgm:scene3d>
-    <dgm:sp3d/>
-    <dgm:txPr/>
-    <dgm:style>
-      <a:lnRef idx="0">
-        <a:scrgbClr r="0" g="0" b="0"/>
-      </a:lnRef>
-      <a:fillRef idx="3">
-        <a:scrgbClr r="0" g="0" b="0"/>
-      </a:fillRef>
-      <a:effectRef idx="2">
-        <a:scrgbClr r="0" g="0" b="0"/>
-      </a:effectRef>
-      <a:fontRef idx="minor">
-        <a:schemeClr val="lt1"/>
-      </a:fontRef>
-    </dgm:style>
-  </dgm:styleLbl>
-  <dgm:styleLbl name="asst4">
-    <dgm:scene3d>
-      <a:camera prst="orthographicFront"/>
-      <a:lightRig rig="threePt" dir="t"/>
-    </dgm:scene3d>
-    <dgm:sp3d/>
-    <dgm:txPr/>
-    <dgm:style>
-      <a:lnRef idx="0">
-        <a:scrgbClr r="0" g="0" b="0"/>
-      </a:lnRef>
-      <a:fillRef idx="3">
-        <a:scrgbClr r="0" g="0" b="0"/>
-      </a:fillRef>
-      <a:effectRef idx="2">
-        <a:scrgbClr r="0" g="0" b="0"/>
-      </a:effectRef>
-      <a:fontRef idx="minor">
-        <a:schemeClr val="lt1"/>
-      </a:fontRef>
-    </dgm:style>
-  </dgm:styleLbl>
-  <dgm:styleLbl name="parChTrans2D1">
-    <dgm:scene3d>
-      <a:camera prst="orthographicFront"/>
-      <a:lightRig rig="threePt" dir="t"/>
-    </dgm:scene3d>
-    <dgm:sp3d/>
-    <dgm:txPr/>
-    <dgm:style>
-      <a:lnRef idx="0">
-        <a:scrgbClr r="0" g="0" b="0"/>
-      </a:lnRef>
-      <a:fillRef idx="3">
-        <a:scrgbClr r="0" g="0" b="0"/>
-      </a:fillRef>
-      <a:effectRef idx="2">
-        <a:scrgbClr r="0" g="0" b="0"/>
-      </a:effectRef>
-      <a:fontRef idx="minor">
-        <a:schemeClr val="lt1"/>
-      </a:fontRef>
-    </dgm:style>
-  </dgm:styleLbl>
-  <dgm:styleLbl name="parChTrans2D2">
-    <dgm:scene3d>
-      <a:camera prst="orthographicFront"/>
-      <a:lightRig rig="threePt" dir="t"/>
-    </dgm:scene3d>
-    <dgm:sp3d/>
-    <dgm:txPr/>
-    <dgm:style>
-      <a:lnRef idx="0">
-        <a:scrgbClr r="0" g="0" b="0"/>
-      </a:lnRef>
-      <a:fillRef idx="3">
-        <a:scrgbClr r="0" g="0" b="0"/>
-      </a:fillRef>
-      <a:effectRef idx="2">
-        <a:scrgbClr r="0" g="0" b="0"/>
-      </a:effectRef>
-      <a:fontRef idx="minor">
-        <a:schemeClr val="lt1"/>
-      </a:fontRef>
-    </dgm:style>
-  </dgm:styleLbl>
-  <dgm:styleLbl name="parChTrans2D3">
-    <dgm:scene3d>
-      <a:camera prst="orthographicFront"/>
-      <a:lightRig rig="threePt" dir="t"/>
-    </dgm:scene3d>
-    <dgm:sp3d/>
-    <dgm:txPr/>
-    <dgm:style>
-      <a:lnRef idx="1">
-        <a:scrgbClr r="0" g="0" b="0"/>
-      </a:lnRef>
-      <a:fillRef idx="3">
-        <a:scrgbClr r="0" g="0" b="0"/>
-      </a:fillRef>
-      <a:effectRef idx="2">
-        <a:scrgbClr r="0" g="0" b="0"/>
-      </a:effectRef>
-      <a:fontRef idx="minor">
-        <a:schemeClr val="lt1"/>
-      </a:fontRef>
-    </dgm:style>
-  </dgm:styleLbl>
-  <dgm:styleLbl name="parChTrans2D4">
-    <dgm:scene3d>
-      <a:camera prst="orthographicFront"/>
-      <a:lightRig rig="threePt" dir="t"/>
-    </dgm:scene3d>
-    <dgm:sp3d/>
-    <dgm:txPr/>
-    <dgm:style>
-      <a:lnRef idx="1">
-        <a:scrgbClr r="0" g="0" b="0"/>
-      </a:lnRef>
-      <a:fillRef idx="3">
-        <a:scrgbClr r="0" g="0" b="0"/>
-      </a:fillRef>
-      <a:effectRef idx="2">
-        <a:scrgbClr r="0" g="0" b="0"/>
-      </a:effectRef>
-      <a:fontRef idx="minor">
-        <a:schemeClr val="lt1"/>
-      </a:fontRef>
-    </dgm:style>
-  </dgm:styleLbl>
-  <dgm:styleLbl name="parChTrans1D1">
-    <dgm:scene3d>
-      <a:camera prst="orthographicFront"/>
-      <a:lightRig rig="threePt" dir="t"/>
-    </dgm:scene3d>
-    <dgm:sp3d/>
-    <dgm:txPr/>
-    <dgm:style>
-      <a:lnRef idx="1">
-        <a:scrgbClr r="0" g="0" b="0"/>
-      </a:lnRef>
-      <a:fillRef idx="0">
-        <a:scrgbClr r="0" g="0" b="0"/>
-      </a:fillRef>
-      <a:effectRef idx="0">
-        <a:scrgbClr r="0" g="0" b="0"/>
-      </a:effectRef>
-      <a:fontRef idx="minor"/>
-    </dgm:style>
-  </dgm:styleLbl>
-  <dgm:styleLbl name="parChTrans1D2">
-    <dgm:scene3d>
-      <a:camera prst="orthographicFront"/>
-      <a:lightRig rig="threePt" dir="t"/>
-    </dgm:scene3d>
-    <dgm:sp3d/>
-    <dgm:txPr/>
-    <dgm:style>
-      <a:lnRef idx="1">
-        <a:scrgbClr r="0" g="0" b="0"/>
-      </a:lnRef>
-      <a:fillRef idx="0">
-        <a:scrgbClr r="0" g="0" b="0"/>
-      </a:fillRef>
-      <a:effectRef idx="0">
-        <a:scrgbClr r="0" g="0" b="0"/>
-      </a:effectRef>
-      <a:fontRef idx="minor"/>
-    </dgm:style>
-  </dgm:styleLbl>
-  <dgm:styleLbl name="parChTrans1D3">
-    <dgm:scene3d>
-      <a:camera prst="orthographicFront"/>
-      <a:lightRig rig="threePt" dir="t"/>
-    </dgm:scene3d>
-    <dgm:sp3d/>
-    <dgm:txPr/>
-    <dgm:style>
-      <a:lnRef idx="1">
-        <a:scrgbClr r="0" g="0" b="0"/>
-      </a:lnRef>
-      <a:fillRef idx="0">
-        <a:scrgbClr r="0" g="0" b="0"/>
-      </a:fillRef>
-      <a:effectRef idx="0">
-        <a:scrgbClr r="0" g="0" b="0"/>
-      </a:effectRef>
-      <a:fontRef idx="minor"/>
-    </dgm:style>
-  </dgm:styleLbl>
-  <dgm:styleLbl name="parChTrans1D4">
-    <dgm:scene3d>
-      <a:camera prst="orthographicFront"/>
-      <a:lightRig rig="threePt" dir="t"/>
-    </dgm:scene3d>
-    <dgm:sp3d/>
-    <dgm:txPr/>
-    <dgm:style>
-      <a:lnRef idx="1">
-        <a:scrgbClr r="0" g="0" b="0"/>
-      </a:lnRef>
-      <a:fillRef idx="0">
-        <a:scrgbClr r="0" g="0" b="0"/>
-      </a:fillRef>
-      <a:effectRef idx="0">
-        <a:scrgbClr r="0" g="0" b="0"/>
-      </a:effectRef>
-      <a:fontRef idx="minor"/>
-    </dgm:style>
-  </dgm:styleLbl>
-  <dgm:styleLbl name="fgAcc1">
-    <dgm:scene3d>
-      <a:camera prst="orthographicFront"/>
-      <a:lightRig rig="threePt" dir="t"/>
-    </dgm:scene3d>
-    <dgm:sp3d/>
-    <dgm:txPr/>
-    <dgm:style>
-      <a:lnRef idx="1">
-        <a:scrgbClr r="0" g="0" b="0"/>
-      </a:lnRef>
-      <a:fillRef idx="1">
-        <a:scrgbClr r="0" g="0" b="0"/>
-      </a:fillRef>
-      <a:effectRef idx="0">
-        <a:scrgbClr r="0" g="0" b="0"/>
-      </a:effectRef>
-      <a:fontRef idx="minor"/>
-    </dgm:style>
-  </dgm:styleLbl>
-  <dgm:styleLbl name="conFgAcc1">
-    <dgm:scene3d>
-      <a:camera prst="orthographicFront"/>
-      <a:lightRig rig="threePt" dir="t"/>
-    </dgm:scene3d>
-    <dgm:sp3d/>
-    <dgm:txPr/>
-    <dgm:style>
-      <a:lnRef idx="1">
-        <a:scrgbClr r="0" g="0" b="0"/>
-      </a:lnRef>
-      <a:fillRef idx="1">
-        <a:scrgbClr r="0" g="0" b="0"/>
-      </a:fillRef>
-      <a:effectRef idx="0">
-        <a:scrgbClr r="0" g="0" b="0"/>
-      </a:effectRef>
-      <a:fontRef idx="minor"/>
-    </dgm:style>
-  </dgm:styleLbl>
-  <dgm:styleLbl name="alignAcc1">
-    <dgm:scene3d>
-      <a:camera prst="orthographicFront"/>
-      <a:lightRig rig="threePt" dir="t"/>
-    </dgm:scene3d>
-    <dgm:sp3d/>
-    <dgm:txPr/>
-    <dgm:style>
-      <a:lnRef idx="1">
-        <a:scrgbClr r="0" g="0" b="0"/>
-      </a:lnRef>
-      <a:fillRef idx="1">
-        <a:scrgbClr r="0" g="0" b="0"/>
-      </a:fillRef>
-      <a:effectRef idx="0">
-        <a:scrgbClr r="0" g="0" b="0"/>
-      </a:effectRef>
-      <a:fontRef idx="minor"/>
-    </dgm:style>
-  </dgm:styleLbl>
-  <dgm:styleLbl name="trAlignAcc1">
-    <dgm:scene3d>
-      <a:camera prst="orthographicFront"/>
-      <a:lightRig rig="threePt" dir="t"/>
-    </dgm:scene3d>
-    <dgm:sp3d/>
-    <dgm:txPr/>
-    <dgm:style>
-      <a:lnRef idx="1">
-        <a:scrgbClr r="0" g="0" b="0"/>
-      </a:lnRef>
-      <a:fillRef idx="1">
-        <a:scrgbClr r="0" g="0" b="0"/>
-      </a:fillRef>
-      <a:effectRef idx="0">
-        <a:scrgbClr r="0" g="0" b="0"/>
-      </a:effectRef>
-      <a:fontRef idx="minor"/>
-    </dgm:style>
-  </dgm:styleLbl>
-  <dgm:styleLbl name="bgAcc1">
-    <dgm:scene3d>
-      <a:camera prst="orthographicFront"/>
-      <a:lightRig rig="threePt" dir="t"/>
-    </dgm:scene3d>
-    <dgm:sp3d/>
-    <dgm:txPr/>
-    <dgm:style>
-      <a:lnRef idx="1">
-        <a:scrgbClr r="0" g="0" b="0"/>
-      </a:lnRef>
-      <a:fillRef idx="1">
-        <a:scrgbClr r="0" g="0" b="0"/>
-      </a:fillRef>
-      <a:effectRef idx="0">
-        <a:scrgbClr r="0" g="0" b="0"/>
-      </a:effectRef>
-      <a:fontRef idx="minor"/>
-    </dgm:style>
-  </dgm:styleLbl>
-  <dgm:styleLbl name="solidFgAcc1">
-    <dgm:scene3d>
-      <a:camera prst="orthographicFront"/>
-      <a:lightRig rig="threePt" dir="t"/>
-    </dgm:scene3d>
-    <dgm:sp3d/>
-    <dgm:txPr/>
-    <dgm:style>
-      <a:lnRef idx="1">
-        <a:scrgbClr r="0" g="0" b="0"/>
-      </a:lnRef>
-      <a:fillRef idx="1">
-        <a:scrgbClr r="0" g="0" b="0"/>
-      </a:fillRef>
-      <a:effectRef idx="0">
-        <a:scrgbClr r="0" g="0" b="0"/>
-      </a:effectRef>
-      <a:fontRef idx="minor"/>
-    </dgm:style>
-  </dgm:styleLbl>
-  <dgm:styleLbl name="solidAlignAcc1">
-    <dgm:scene3d>
-      <a:camera prst="orthographicFront"/>
-      <a:lightRig rig="threePt" dir="t"/>
-    </dgm:scene3d>
-    <dgm:sp3d/>
-    <dgm:txPr/>
-    <dgm:style>
-      <a:lnRef idx="1">
-        <a:scrgbClr r="0" g="0" b="0"/>
-      </a:lnRef>
-      <a:fillRef idx="1">
-        <a:scrgbClr r="0" g="0" b="0"/>
-      </a:fillRef>
-      <a:effectRef idx="0">
-        <a:scrgbClr r="0" g="0" b="0"/>
-      </a:effectRef>
-      <a:fontRef idx="minor"/>
-    </dgm:style>
-  </dgm:styleLbl>
-  <dgm:styleLbl name="solidBgAcc1">
-    <dgm:scene3d>
-      <a:camera prst="orthographicFront"/>
-      <a:lightRig rig="threePt" dir="t"/>
-    </dgm:scene3d>
-    <dgm:sp3d/>
-    <dgm:txPr/>
-    <dgm:style>
-      <a:lnRef idx="1">
-        <a:scrgbClr r="0" g="0" b="0"/>
-      </a:lnRef>
-      <a:fillRef idx="1">
-        <a:scrgbClr r="0" g="0" b="0"/>
-      </a:fillRef>
-      <a:effectRef idx="0">
-        <a:scrgbClr r="0" g="0" b="0"/>
-      </a:effectRef>
-      <a:fontRef idx="minor"/>
-    </dgm:style>
-  </dgm:styleLbl>
-  <dgm:styleLbl name="fgAccFollowNode1">
-    <dgm:scene3d>
-      <a:camera prst="orthographicFront"/>
-      <a:lightRig rig="threePt" dir="t"/>
-    </dgm:scene3d>
-    <dgm:sp3d/>
-    <dgm:txPr/>
-    <dgm:style>
-      <a:lnRef idx="1">
-        <a:scrgbClr r="0" g="0" b="0"/>
-      </a:lnRef>
-      <a:fillRef idx="1">
-        <a:scrgbClr r="0" g="0" b="0"/>
-      </a:fillRef>
-      <a:effectRef idx="0">
-        <a:scrgbClr r="0" g="0" b="0"/>
-      </a:effectRef>
-      <a:fontRef idx="minor"/>
-    </dgm:style>
-  </dgm:styleLbl>
-  <dgm:styleLbl name="alignAccFollowNode1">
-    <dgm:scene3d>
-      <a:camera prst="orthographicFront"/>
-      <a:lightRig rig="threePt" dir="t"/>
-    </dgm:scene3d>
-    <dgm:sp3d/>
-    <dgm:txPr/>
-    <dgm:style>
-      <a:lnRef idx="1">
-        <a:scrgbClr r="0" g="0" b="0"/>
-      </a:lnRef>
-      <a:fillRef idx="1">
-        <a:scrgbClr r="0" g="0" b="0"/>
-      </a:fillRef>
-      <a:effectRef idx="0">
-        <a:scrgbClr r="0" g="0" b="0"/>
-      </a:effectRef>
-      <a:fontRef idx="minor"/>
-    </dgm:style>
-  </dgm:styleLbl>
-  <dgm:styleLbl name="bgAccFollowNode1">
-    <dgm:scene3d>
-      <a:camera prst="orthographicFront"/>
-      <a:lightRig rig="threePt" dir="t"/>
-    </dgm:scene3d>
-    <dgm:sp3d/>
-    <dgm:txPr/>
-    <dgm:style>
-      <a:lnRef idx="1">
-        <a:scrgbClr r="0" g="0" b="0"/>
-      </a:lnRef>
-      <a:fillRef idx="1">
-        <a:scrgbClr r="0" g="0" b="0"/>
-      </a:fillRef>
-      <a:effectRef idx="0">
-        <a:scrgbClr r="0" g="0" b="0"/>
-      </a:effectRef>
-      <a:fontRef idx="minor"/>
-    </dgm:style>
-  </dgm:styleLbl>
-  <dgm:styleLbl name="fgAcc0">
-    <dgm:scene3d>
-      <a:camera prst="orthographicFront"/>
-      <a:lightRig rig="threePt" dir="t"/>
-    </dgm:scene3d>
-    <dgm:sp3d/>
-    <dgm:txPr/>
-    <dgm:style>
-      <a:lnRef idx="1">
-        <a:scrgbClr r="0" g="0" b="0"/>
-      </a:lnRef>
-      <a:fillRef idx="1">
-        <a:scrgbClr r="0" g="0" b="0"/>
-      </a:fillRef>
-      <a:effectRef idx="0">
-        <a:scrgbClr r="0" g="0" b="0"/>
-      </a:effectRef>
-      <a:fontRef idx="minor"/>
-    </dgm:style>
-  </dgm:styleLbl>
-  <dgm:styleLbl name="fgAcc2">
-    <dgm:scene3d>
-      <a:camera prst="orthographicFront"/>
-      <a:lightRig rig="threePt" dir="t"/>
-    </dgm:scene3d>
-    <dgm:sp3d/>
-    <dgm:txPr/>
-    <dgm:style>
-      <a:lnRef idx="1">
-        <a:scrgbClr r="0" g="0" b="0"/>
-      </a:lnRef>
-      <a:fillRef idx="1">
-        <a:scrgbClr r="0" g="0" b="0"/>
-      </a:fillRef>
-      <a:effectRef idx="0">
-        <a:scrgbClr r="0" g="0" b="0"/>
-      </a:effectRef>
-      <a:fontRef idx="minor"/>
-    </dgm:style>
-  </dgm:styleLbl>
-  <dgm:styleLbl name="fgAcc3">
-    <dgm:scene3d>
-      <a:camera prst="orthographicFront"/>
-      <a:lightRig rig="threePt" dir="t"/>
-    </dgm:scene3d>
-    <dgm:sp3d/>
-    <dgm:txPr/>
-    <dgm:style>
-      <a:lnRef idx="1">
-        <a:scrgbClr r="0" g="0" b="0"/>
-      </a:lnRef>
-      <a:fillRef idx="1">
-        <a:scrgbClr r="0" g="0" b="0"/>
-      </a:fillRef>
-      <a:effectRef idx="0">
-        <a:scrgbClr r="0" g="0" b="0"/>
-      </a:effectRef>
-      <a:fontRef idx="minor"/>
-    </dgm:style>
-  </dgm:styleLbl>
-  <dgm:styleLbl name="fgAcc4">
-    <dgm:scene3d>
-      <a:camera prst="orthographicFront"/>
-      <a:lightRig rig="threePt" dir="t"/>
-    </dgm:scene3d>
-    <dgm:sp3d/>
-    <dgm:txPr/>
-    <dgm:style>
-      <a:lnRef idx="1">
-        <a:scrgbClr r="0" g="0" b="0"/>
-      </a:lnRef>
-      <a:fillRef idx="1">
-        <a:scrgbClr r="0" g="0" b="0"/>
-      </a:fillRef>
-      <a:effectRef idx="0">
-        <a:scrgbClr r="0" g="0" b="0"/>
-      </a:effectRef>
-      <a:fontRef idx="minor"/>
-    </dgm:style>
-  </dgm:styleLbl>
-  <dgm:styleLbl name="bgShp">
-    <dgm:scene3d>
-      <a:camera prst="orthographicFront"/>
-      <a:lightRig rig="threePt" dir="t"/>
-    </dgm:scene3d>
-    <dgm:sp3d/>
-    <dgm:txPr/>
-    <dgm:style>
-      <a:lnRef idx="0">
-        <a:scrgbClr r="0" g="0" b="0"/>
-      </a:lnRef>
-      <a:fillRef idx="1">
-        <a:scrgbClr r="0" g="0" b="0"/>
-      </a:fillRef>
-      <a:effectRef idx="2">
-        <a:scrgbClr r="0" g="0" b="0"/>
-      </a:effectRef>
-      <a:fontRef idx="minor"/>
-    </dgm:style>
-  </dgm:styleLbl>
-  <dgm:styleLbl name="dkBgShp">
-    <dgm:scene3d>
-      <a:camera prst="orthographicFront"/>
-      <a:lightRig rig="threePt" dir="t"/>
-    </dgm:scene3d>
-    <dgm:sp3d/>
-    <dgm:txPr/>
-    <dgm:style>
-      <a:lnRef idx="0">
-        <a:scrgbClr r="0" g="0" b="0"/>
-      </a:lnRef>
-      <a:fillRef idx="1">
-        <a:scrgbClr r="0" g="0" b="0"/>
-      </a:fillRef>
-      <a:effectRef idx="2">
-        <a:scrgbClr r="0" g="0" b="0"/>
-      </a:effectRef>
-      <a:fontRef idx="minor"/>
-    </dgm:style>
-  </dgm:styleLbl>
-  <dgm:styleLbl name="trBgShp">
-    <dgm:scene3d>
-      <a:camera prst="orthographicFront"/>
-      <a:lightRig rig="threePt" dir="t"/>
-    </dgm:scene3d>
-    <dgm:sp3d/>
-    <dgm:txPr/>
-    <dgm:style>
-      <a:lnRef idx="0">
-        <a:scrgbClr r="0" g="0" b="0"/>
-      </a:lnRef>
-      <a:fillRef idx="1">
-        <a:scrgbClr r="0" g="0" b="0"/>
-      </a:fillRef>
-      <a:effectRef idx="0">
-        <a:scrgbClr r="0" g="0" b="0"/>
-      </a:effectRef>
-      <a:fontRef idx="minor"/>
-    </dgm:style>
-  </dgm:styleLbl>
-  <dgm:styleLbl name="fgShp">
-    <dgm:scene3d>
-      <a:camera prst="orthographicFront"/>
-      <a:lightRig rig="threePt" dir="t"/>
-    </dgm:scene3d>
-    <dgm:sp3d/>
-    <dgm:txPr/>
-    <dgm:style>
-      <a:lnRef idx="0">
-        <a:scrgbClr r="0" g="0" b="0"/>
-      </a:lnRef>
-      <a:fillRef idx="3">
-        <a:scrgbClr r="0" g="0" b="0"/>
-      </a:fillRef>
-      <a:effectRef idx="2">
-        <a:scrgbClr r="0" g="0" b="0"/>
-      </a:effectRef>
-      <a:fontRef idx="minor"/>
-    </dgm:style>
-  </dgm:styleLbl>
-  <dgm:styleLbl name="revTx">
-    <dgm:scene3d>
-      <a:camera prst="orthographicFront"/>
-      <a:lightRig rig="threePt" dir="t"/>
-    </dgm:scene3d>
-    <dgm:sp3d/>
-    <dgm:txPr/>
-    <dgm:style>
-      <a:lnRef idx="0">
-        <a:scrgbClr r="0" g="0" b="0"/>
-      </a:lnRef>
-      <a:fillRef idx="0">
-        <a:scrgbClr r="0" g="0" b="0"/>
-      </a:fillRef>
-      <a:effectRef idx="0">
-        <a:scrgbClr r="0" g="0" b="0"/>
-      </a:effectRef>
-      <a:fontRef idx="minor"/>
-    </dgm:style>
-  </dgm:styleLbl>
-</dgm:styleDef>
-</file>
-
 <file path=ppt/notesMasters/notesMaster1.xml><?xml version="1.0" encoding="utf-8"?>
 <p:notesMaster xmlns:a="http://schemas.openxmlformats.org/drawingml/2006/main" xmlns:r="http://schemas.openxmlformats.org/officeDocument/2006/relationships" xmlns:p="http://schemas.openxmlformats.org/presentationml/2006/main">
   <p:cSld>
@@ -4428,7 +221,7 @@
           <a:p>
             <a:fld id="{16A84BB9-E5BE-9C4B-B464-6F4CBDEBFE50}" type="datetimeFigureOut">
               <a:rPr kumimoji="1" lang="ja-JP" altLang="en-US" smtClean="0"/>
-              <a:t>2018/6/14</a:t>
+              <a:t>2018/6/15</a:t>
             </a:fld>
             <a:endParaRPr kumimoji="1" lang="ja-JP" altLang="en-US"/>
           </a:p>
@@ -4746,7 +539,25 @@
           <a:bodyPr/>
           <a:lstStyle/>
           <a:p>
-            <a:endParaRPr kumimoji="1" lang="ja-JP" altLang="en-US"/>
+            <a:r>
+              <a:rPr kumimoji="1" lang="ja-JP" altLang="en-US" dirty="0"/>
+              <a:t>いまからグループ①の発表を始めたいと思いますよろしくお願いします（礼）</a:t>
+            </a:r>
+            <a:endParaRPr kumimoji="1" lang="en-US" altLang="ja-JP" dirty="0"/>
+          </a:p>
+          <a:p>
+            <a:r>
+              <a:rPr kumimoji="1" lang="ja-JP" altLang="en-US" dirty="0"/>
+              <a:t>私たちは</a:t>
+            </a:r>
+            <a:r>
+              <a:rPr kumimoji="1" lang="en-US" altLang="ja-JP" dirty="0" err="1"/>
+              <a:t>Funana</a:t>
+            </a:r>
+            <a:r>
+              <a:rPr kumimoji="1" lang="ja-JP" altLang="en-US" dirty="0"/>
+              <a:t>というコミュニケーション支援サイトを作りました。</a:t>
+            </a:r>
           </a:p>
         </p:txBody>
       </p:sp>
@@ -4830,7 +641,14 @@
           <a:bodyPr/>
           <a:lstStyle/>
           <a:p>
-            <a:endParaRPr kumimoji="1" lang="ja-JP" altLang="en-US"/>
+            <a:endParaRPr kumimoji="1" lang="en-US" altLang="ja-JP" dirty="0"/>
+          </a:p>
+          <a:p>
+            <a:r>
+              <a:rPr kumimoji="1" lang="ja-JP" altLang="en-US" dirty="0"/>
+              <a:t>皮の部分ではその人の能力などを知ることができ仕事が効率的に進むことを想定しています</a:t>
+            </a:r>
+            <a:endParaRPr kumimoji="1" lang="en-US" altLang="ja-JP" dirty="0"/>
           </a:p>
         </p:txBody>
       </p:sp>
@@ -4860,7 +678,7 @@
     </p:spTree>
     <p:extLst>
       <p:ext uri="{BB962C8B-B14F-4D97-AF65-F5344CB8AC3E}">
-        <p14:creationId xmlns:p14="http://schemas.microsoft.com/office/powerpoint/2010/main" val="405500609"/>
+        <p14:creationId xmlns:p14="http://schemas.microsoft.com/office/powerpoint/2010/main" val="1113697816"/>
       </p:ext>
     </p:extLst>
   </p:cSld>
@@ -4914,35 +732,21 @@
           <a:bodyPr/>
           <a:lstStyle/>
           <a:p>
-            <a:pPr marL="0" marR="0" indent="0" algn="l" defTabSz="914400" rtl="0" eaLnBrk="1" fontAlgn="auto" latinLnBrk="0" hangingPunct="1">
-              <a:lnSpc>
-                <a:spcPct val="100000"/>
-              </a:lnSpc>
-              <a:spcBef>
-                <a:spcPts val="0"/>
-              </a:spcBef>
-              <a:spcAft>
-                <a:spcPts val="0"/>
-              </a:spcAft>
-              <a:buClrTx/>
-              <a:buSzTx/>
-              <a:buFontTx/>
-              <a:buNone/>
-              <a:tabLst/>
-              <a:defRPr/>
-            </a:pPr>
-            <a:r>
-              <a:rPr kumimoji="1" lang="ja-JP" altLang="en-US" dirty="0" smtClean="0"/>
-              <a:t>実際に</a:t>
-            </a:r>
-            <a:r>
-              <a:rPr kumimoji="1" lang="en-US" altLang="ja-JP" dirty="0" smtClean="0"/>
-              <a:t>QR</a:t>
-            </a:r>
-            <a:r>
-              <a:rPr kumimoji="1" lang="ja-JP" altLang="en-US" dirty="0" smtClean="0"/>
-              <a:t>コードを読み込んだ後に画面上にフルーツが表示されるので、アニメーションで相手のフルーツが自分のアカウントにデータ登録されるようになる機能です。</a:t>
-            </a:r>
+            <a:endParaRPr kumimoji="1" lang="en-US" altLang="ja-JP" dirty="0"/>
+          </a:p>
+          <a:p>
+            <a:r>
+              <a:rPr kumimoji="1" lang="ja-JP" altLang="en-US" dirty="0"/>
+              <a:t>実の部分では話の話題のきっかけとなるような趣味や自分が相手に知ってほしいことをカスタムしてかけるようにしました。</a:t>
+            </a:r>
+            <a:endParaRPr kumimoji="1" lang="en-US" altLang="ja-JP" dirty="0"/>
+          </a:p>
+          <a:p>
+            <a:r>
+              <a:rPr kumimoji="1" lang="ja-JP" altLang="en-US" dirty="0"/>
+              <a:t>そうすることで人見知りの人でも相手と話しやすくなるのではと想定しています。</a:t>
+            </a:r>
+            <a:endParaRPr kumimoji="1" lang="en-US" altLang="ja-JP" dirty="0"/>
           </a:p>
         </p:txBody>
       </p:sp>
@@ -4972,7 +776,7 @@
     </p:spTree>
     <p:extLst>
       <p:ext uri="{BB962C8B-B14F-4D97-AF65-F5344CB8AC3E}">
-        <p14:creationId xmlns:p14="http://schemas.microsoft.com/office/powerpoint/2010/main" val="1934219309"/>
+        <p14:creationId xmlns:p14="http://schemas.microsoft.com/office/powerpoint/2010/main" val="536944652"/>
       </p:ext>
     </p:extLst>
   </p:cSld>
@@ -5026,46 +830,17 @@
           <a:bodyPr/>
           <a:lstStyle/>
           <a:p>
-            <a:pPr marL="0" marR="0" indent="0" algn="l" defTabSz="914400" rtl="0" eaLnBrk="1" fontAlgn="auto" latinLnBrk="0" hangingPunct="1">
-              <a:lnSpc>
-                <a:spcPct val="100000"/>
-              </a:lnSpc>
-              <a:spcBef>
-                <a:spcPts val="0"/>
-              </a:spcBef>
-              <a:spcAft>
-                <a:spcPts val="0"/>
-              </a:spcAft>
-              <a:buClrTx/>
-              <a:buSzTx/>
-              <a:buFontTx/>
-              <a:buNone/>
-              <a:tabLst/>
-              <a:defRPr/>
-            </a:pPr>
-            <a:r>
-              <a:rPr kumimoji="1" lang="en-US" altLang="ja-JP" dirty="0" smtClean="0"/>
-              <a:t>Bluetooth</a:t>
-            </a:r>
-            <a:r>
-              <a:rPr kumimoji="1" lang="ja-JP" altLang="en-US" dirty="0" smtClean="0"/>
-              <a:t>や</a:t>
-            </a:r>
-            <a:r>
-              <a:rPr kumimoji="1" lang="en-US" altLang="ja-JP" dirty="0" smtClean="0"/>
-              <a:t>LINE</a:t>
-            </a:r>
-            <a:r>
-              <a:rPr kumimoji="1" lang="ja-JP" altLang="en-US" dirty="0" smtClean="0"/>
-              <a:t>のフルフル機能などをまねて大勢の人と同時に交換することを</a:t>
-            </a:r>
-            <a:r>
-              <a:rPr kumimoji="1" lang="en-US" altLang="ja-JP" dirty="0" err="1" smtClean="0"/>
+            <a:r>
+              <a:rPr kumimoji="1" lang="ja-JP" altLang="en-US" dirty="0"/>
+              <a:t>ここからは実際の</a:t>
+            </a:r>
+            <a:r>
+              <a:rPr kumimoji="1" lang="en-US" altLang="ja-JP" dirty="0" err="1"/>
               <a:t>Funana</a:t>
             </a:r>
             <a:r>
-              <a:rPr kumimoji="1" lang="ja-JP" altLang="en-US" dirty="0" smtClean="0"/>
-              <a:t>上でフルーツバスケットと呼び、バスケットの中にフルーツが入って友達として登録できるという活用方法です。</a:t>
+              <a:rPr kumimoji="1" lang="ja-JP" altLang="en-US" dirty="0"/>
+              <a:t>の動き、流れを動画でみていただきたいと思います</a:t>
             </a:r>
           </a:p>
         </p:txBody>
@@ -5096,7 +871,7 @@
     </p:spTree>
     <p:extLst>
       <p:ext uri="{BB962C8B-B14F-4D97-AF65-F5344CB8AC3E}">
-        <p14:creationId xmlns:p14="http://schemas.microsoft.com/office/powerpoint/2010/main" val="211947468"/>
+        <p14:creationId xmlns:p14="http://schemas.microsoft.com/office/powerpoint/2010/main" val="405500609"/>
       </p:ext>
     </p:extLst>
   </p:cSld>
@@ -5151,10 +926,17 @@
           <a:lstStyle/>
           <a:p>
             <a:r>
-              <a:rPr kumimoji="1" lang="ja-JP" altLang="en-US" dirty="0" smtClean="0"/>
-              <a:t>システムのコンセプトであるフルーツを生かして、集まりや飲み会などを開催する際にミックスジュースという名前の機能で集合を呼びかけることができたらと思います。</a:t>
-            </a:r>
-            <a:endParaRPr kumimoji="1" lang="en-US" altLang="ja-JP" dirty="0" smtClean="0"/>
+              <a:rPr kumimoji="1" lang="ja-JP" altLang="en-US" dirty="0"/>
+              <a:t>今見てもらった</a:t>
+            </a:r>
+            <a:r>
+              <a:rPr kumimoji="1" lang="en-US" altLang="ja-JP" dirty="0" err="1"/>
+              <a:t>Funana</a:t>
+            </a:r>
+            <a:r>
+              <a:rPr kumimoji="1" lang="ja-JP" altLang="en-US" dirty="0"/>
+              <a:t>を使ってできること、将来的にしたいことをお話ししていきます。</a:t>
+            </a:r>
           </a:p>
         </p:txBody>
       </p:sp>
@@ -5184,7 +966,7 @@
     </p:spTree>
     <p:extLst>
       <p:ext uri="{BB962C8B-B14F-4D97-AF65-F5344CB8AC3E}">
-        <p14:creationId xmlns:p14="http://schemas.microsoft.com/office/powerpoint/2010/main" val="6150691"/>
+        <p14:creationId xmlns:p14="http://schemas.microsoft.com/office/powerpoint/2010/main" val="1101934132"/>
       </p:ext>
     </p:extLst>
   </p:cSld>
@@ -5238,38 +1020,34 @@
           <a:bodyPr/>
           <a:lstStyle/>
           <a:p>
-            <a:pPr marL="0" marR="0" indent="0" algn="l" defTabSz="914400" rtl="0" eaLnBrk="1" fontAlgn="auto" latinLnBrk="0" hangingPunct="1">
-              <a:lnSpc>
-                <a:spcPct val="100000"/>
-              </a:lnSpc>
-              <a:spcBef>
-                <a:spcPts val="0"/>
-              </a:spcBef>
-              <a:spcAft>
-                <a:spcPts val="0"/>
-              </a:spcAft>
-              <a:buClrTx/>
-              <a:buSzTx/>
-              <a:buFontTx/>
-              <a:buNone/>
-              <a:tabLst/>
-              <a:defRPr/>
-            </a:pPr>
-            <a:r>
-              <a:rPr kumimoji="1" lang="ja-JP" altLang="en-US" dirty="0" smtClean="0"/>
-              <a:t>先ほどのミックスジュースなどのように集会を開く際に、このシステム上でついでにお店や施設を予約できるという機能も考えています。事前に個人個人が</a:t>
-            </a:r>
-            <a:r>
-              <a:rPr kumimoji="1" lang="en-US" altLang="ja-JP" dirty="0" err="1" smtClean="0"/>
+            <a:r>
+              <a:rPr kumimoji="1" lang="ja-JP" altLang="en-US" dirty="0"/>
+              <a:t>これは現在使える機能となっていて名刺交換などをする際に活用できます。</a:t>
+            </a:r>
+            <a:endParaRPr kumimoji="1" lang="en-US" altLang="ja-JP" dirty="0"/>
+          </a:p>
+          <a:p>
+            <a:r>
+              <a:rPr kumimoji="1" lang="ja-JP" altLang="en-US" dirty="0"/>
+              <a:t>名刺上に自分の情報が入っている</a:t>
+            </a:r>
+            <a:r>
+              <a:rPr kumimoji="1" lang="en-US" altLang="ja-JP" dirty="0"/>
+              <a:t>QR</a:t>
+            </a:r>
+            <a:r>
+              <a:rPr kumimoji="1" lang="ja-JP" altLang="en-US" dirty="0"/>
+              <a:t>コードを載せることで相手はあとから</a:t>
+            </a:r>
+            <a:r>
+              <a:rPr kumimoji="1" lang="en-US" altLang="ja-JP" dirty="0" err="1"/>
               <a:t>Funana</a:t>
             </a:r>
             <a:r>
-              <a:rPr kumimoji="1" lang="ja-JP" altLang="en-US" dirty="0" smtClean="0"/>
-              <a:t>に登録をしてもらう際には、アカウント情報といって電話番号認証やメールアドレスの設定が必須となっているため、お店側も架空の人物ではないという安心感もあり、このシステムの活用発展につながると考えています。また、広告としてお店側施設側には登録してもらうのでマネタイズの面でも補えるとだろうと思います。</a:t>
-            </a:r>
-          </a:p>
-          <a:p>
-            <a:endParaRPr kumimoji="1" lang="ja-JP" altLang="en-US" dirty="0"/>
+              <a:rPr kumimoji="1" lang="ja-JP" altLang="en-US" dirty="0"/>
+              <a:t>でその人のことを詳しく知ることが可能です</a:t>
+            </a:r>
+            <a:endParaRPr kumimoji="1" lang="en-US" altLang="ja-JP" dirty="0"/>
           </a:p>
         </p:txBody>
       </p:sp>
@@ -5290,7 +1068,7 @@
           <a:p>
             <a:fld id="{20EEE82F-7875-8F43-B19A-046036A8FC5E}" type="slidenum">
               <a:rPr kumimoji="1" lang="ja-JP" altLang="en-US" smtClean="0"/>
-              <a:t>15</a:t>
+              <a:t>14</a:t>
             </a:fld>
             <a:endParaRPr kumimoji="1" lang="ja-JP" altLang="en-US"/>
           </a:p>
@@ -5299,7 +1077,7 @@
     </p:spTree>
     <p:extLst>
       <p:ext uri="{BB962C8B-B14F-4D97-AF65-F5344CB8AC3E}">
-        <p14:creationId xmlns:p14="http://schemas.microsoft.com/office/powerpoint/2010/main" val="356459768"/>
+        <p14:creationId xmlns:p14="http://schemas.microsoft.com/office/powerpoint/2010/main" val="2593815503"/>
       </p:ext>
     </p:extLst>
   </p:cSld>
@@ -5353,48 +1131,46 @@
           <a:bodyPr/>
           <a:lstStyle/>
           <a:p>
-            <a:pPr marL="0" marR="0" indent="0" algn="l" defTabSz="914400" rtl="0" eaLnBrk="1" fontAlgn="auto" latinLnBrk="0" hangingPunct="1">
-              <a:lnSpc>
-                <a:spcPct val="100000"/>
-              </a:lnSpc>
-              <a:spcBef>
-                <a:spcPts val="0"/>
-              </a:spcBef>
-              <a:spcAft>
-                <a:spcPts val="0"/>
-              </a:spcAft>
-              <a:buClrTx/>
-              <a:buSzTx/>
-              <a:buFontTx/>
-              <a:buNone/>
-              <a:tabLst/>
-              <a:defRPr/>
-            </a:pPr>
-            <a:r>
-              <a:rPr kumimoji="1" lang="ja-JP" altLang="en-US" dirty="0" smtClean="0"/>
-              <a:t>ミックスジュースではみんなが</a:t>
-            </a:r>
-            <a:r>
-              <a:rPr kumimoji="1" lang="en-US" altLang="ja-JP" dirty="0" err="1" smtClean="0"/>
+            <a:r>
+              <a:rPr kumimoji="1" lang="ja-JP" altLang="en-US" dirty="0"/>
+              <a:t>また</a:t>
+            </a:r>
+            <a:r>
+              <a:rPr kumimoji="1" lang="en-US" altLang="ja-JP" dirty="0" err="1"/>
               <a:t>Funana</a:t>
             </a:r>
             <a:r>
-              <a:rPr kumimoji="1" lang="ja-JP" altLang="en-US" dirty="0" smtClean="0"/>
-              <a:t>上で交換していることを前提として集まってもらうことを想定していますが、フルーツサンドではこの機能を使う本人が仲介役となって合わせたい人と会を開くという使い方を想定しています。</a:t>
-            </a:r>
-            <a:r>
-              <a:rPr kumimoji="1" lang="en-US" altLang="ja-JP" dirty="0" err="1" smtClean="0"/>
-              <a:t>Funana</a:t>
-            </a:r>
-            <a:r>
-              <a:rPr kumimoji="1" lang="ja-JP" altLang="en-US" dirty="0" smtClean="0"/>
-              <a:t>にはメッセージ交換機能はないので、メッセージのやり取りは本人がそれぞれしてもらう形にはなりますが、どういったシチュエーションでの仲介なのか、規模はどれくらいなのかによってお店やプランを提案していける機能になれたらいいなと思っています。またフルーツサンドを実際に行った人の感想や意見、アドバイスを載せるページも作れたら、と思って</a:t>
-            </a:r>
-            <a:r>
-              <a:rPr kumimoji="1" lang="ja-JP" altLang="en-US" smtClean="0"/>
-              <a:t>います。</a:t>
-            </a:r>
-            <a:endParaRPr kumimoji="1" lang="en-US" altLang="ja-JP" smtClean="0"/>
+              <a:rPr kumimoji="1" lang="ja-JP" altLang="en-US" dirty="0"/>
+              <a:t>未登録の人でもこのページを閲覧できるようにしており、</a:t>
+            </a:r>
+            <a:r>
+              <a:rPr kumimoji="1" lang="en-US" altLang="ja-JP" dirty="0"/>
+              <a:t>A</a:t>
+            </a:r>
+            <a:r>
+              <a:rPr kumimoji="1" lang="ja-JP" altLang="en-US" dirty="0" err="1"/>
+              <a:t>さんが</a:t>
+            </a:r>
+            <a:r>
+              <a:rPr kumimoji="1" lang="ja-JP" altLang="en-US" dirty="0"/>
+              <a:t>持っている専用パスワードを入れることで、未登録者である</a:t>
+            </a:r>
+            <a:r>
+              <a:rPr kumimoji="1" lang="en-US" altLang="ja-JP" dirty="0"/>
+              <a:t>B</a:t>
+            </a:r>
+            <a:r>
+              <a:rPr kumimoji="1" lang="ja-JP" altLang="en-US" dirty="0" err="1"/>
+              <a:t>さんも</a:t>
+            </a:r>
+            <a:r>
+              <a:rPr kumimoji="1" lang="ja-JP" altLang="en-US" dirty="0"/>
+              <a:t>閲覧が可能となる仕組みです。</a:t>
+            </a:r>
+            <a:endParaRPr kumimoji="1" lang="en-US" altLang="ja-JP" dirty="0"/>
+          </a:p>
+          <a:p>
+            <a:endParaRPr kumimoji="1" lang="ja-JP" altLang="en-US" dirty="0"/>
           </a:p>
         </p:txBody>
       </p:sp>
@@ -5415,7 +1191,7 @@
           <a:p>
             <a:fld id="{20EEE82F-7875-8F43-B19A-046036A8FC5E}" type="slidenum">
               <a:rPr kumimoji="1" lang="ja-JP" altLang="en-US" smtClean="0"/>
-              <a:t>16</a:t>
+              <a:t>15</a:t>
             </a:fld>
             <a:endParaRPr kumimoji="1" lang="ja-JP" altLang="en-US"/>
           </a:p>
@@ -5424,7 +1200,7 @@
     </p:spTree>
     <p:extLst>
       <p:ext uri="{BB962C8B-B14F-4D97-AF65-F5344CB8AC3E}">
-        <p14:creationId xmlns:p14="http://schemas.microsoft.com/office/powerpoint/2010/main" val="1743680837"/>
+        <p14:creationId xmlns:p14="http://schemas.microsoft.com/office/powerpoint/2010/main" val="1287594298"/>
       </p:ext>
     </p:extLst>
   </p:cSld>
@@ -5478,7 +1254,25 @@
           <a:bodyPr/>
           <a:lstStyle/>
           <a:p>
-            <a:endParaRPr kumimoji="1" lang="ja-JP" altLang="en-US"/>
+            <a:r>
+              <a:rPr kumimoji="1" lang="ja-JP" altLang="en-US" dirty="0"/>
+              <a:t>続いて今できている</a:t>
+            </a:r>
+            <a:r>
+              <a:rPr kumimoji="1" lang="en-US" altLang="ja-JP" dirty="0" err="1"/>
+              <a:t>Funana</a:t>
+            </a:r>
+            <a:r>
+              <a:rPr kumimoji="1" lang="ja-JP" altLang="en-US" dirty="0"/>
+              <a:t>を基盤としてもっと便利に使っていける将来性を話していきたいと思います。</a:t>
+            </a:r>
+            <a:endParaRPr kumimoji="1" lang="en-US" altLang="ja-JP" dirty="0"/>
+          </a:p>
+          <a:p>
+            <a:r>
+              <a:rPr kumimoji="1" lang="ja-JP" altLang="en-US" dirty="0"/>
+              <a:t>果実園から順に説明していきたいと思います。</a:t>
+            </a:r>
           </a:p>
         </p:txBody>
       </p:sp>
@@ -5499,7 +1293,7 @@
           <a:p>
             <a:fld id="{20EEE82F-7875-8F43-B19A-046036A8FC5E}" type="slidenum">
               <a:rPr kumimoji="1" lang="ja-JP" altLang="en-US" smtClean="0"/>
-              <a:t>17</a:t>
+              <a:t>16</a:t>
             </a:fld>
             <a:endParaRPr kumimoji="1" lang="ja-JP" altLang="en-US"/>
           </a:p>
@@ -5508,7 +1302,7 @@
     </p:spTree>
     <p:extLst>
       <p:ext uri="{BB962C8B-B14F-4D97-AF65-F5344CB8AC3E}">
-        <p14:creationId xmlns:p14="http://schemas.microsoft.com/office/powerpoint/2010/main" val="1101934132"/>
+        <p14:creationId xmlns:p14="http://schemas.microsoft.com/office/powerpoint/2010/main" val="1010831282"/>
       </p:ext>
     </p:extLst>
   </p:cSld>
@@ -5562,7 +1356,18 @@
           <a:bodyPr/>
           <a:lstStyle/>
           <a:p>
-            <a:endParaRPr kumimoji="1" lang="ja-JP" altLang="en-US"/>
+            <a:r>
+              <a:rPr kumimoji="1" lang="ja-JP" altLang="en-US" dirty="0"/>
+              <a:t>まずはミックスジュールという機能です。</a:t>
+            </a:r>
+            <a:endParaRPr kumimoji="1" lang="en-US" altLang="ja-JP" dirty="0"/>
+          </a:p>
+          <a:p>
+            <a:r>
+              <a:rPr kumimoji="1" lang="ja-JP" altLang="en-US" dirty="0"/>
+              <a:t>これは、フルーツを交換して友達になったことある人同士が集まりを開きたかったりのみに行きたかったりする場合に活用できる機能を想定しています。</a:t>
+            </a:r>
+            <a:endParaRPr kumimoji="1" lang="en-US" altLang="ja-JP" dirty="0"/>
           </a:p>
         </p:txBody>
       </p:sp>
@@ -5583,7 +1388,7 @@
           <a:p>
             <a:fld id="{20EEE82F-7875-8F43-B19A-046036A8FC5E}" type="slidenum">
               <a:rPr kumimoji="1" lang="ja-JP" altLang="en-US" smtClean="0"/>
-              <a:t>18</a:t>
+              <a:t>17</a:t>
             </a:fld>
             <a:endParaRPr kumimoji="1" lang="ja-JP" altLang="en-US"/>
           </a:p>
@@ -5592,7 +1397,7 @@
     </p:spTree>
     <p:extLst>
       <p:ext uri="{BB962C8B-B14F-4D97-AF65-F5344CB8AC3E}">
-        <p14:creationId xmlns:p14="http://schemas.microsoft.com/office/powerpoint/2010/main" val="1260504120"/>
+        <p14:creationId xmlns:p14="http://schemas.microsoft.com/office/powerpoint/2010/main" val="776485664"/>
       </p:ext>
     </p:extLst>
   </p:cSld>
@@ -5646,7 +1451,68 @@
           <a:bodyPr/>
           <a:lstStyle/>
           <a:p>
-            <a:endParaRPr kumimoji="1" lang="ja-JP" altLang="en-US"/>
+            <a:r>
+              <a:rPr kumimoji="1" lang="en-US" altLang="ja-JP" dirty="0"/>
+              <a:t>A</a:t>
+            </a:r>
+            <a:r>
+              <a:rPr kumimoji="1" lang="ja-JP" altLang="en-US" dirty="0" err="1"/>
+              <a:t>さんが</a:t>
+            </a:r>
+            <a:r>
+              <a:rPr kumimoji="1" lang="ja-JP" altLang="en-US" dirty="0"/>
+              <a:t>集まりを開きたいと思い、</a:t>
+            </a:r>
+            <a:r>
+              <a:rPr kumimoji="1" lang="en-US" altLang="ja-JP" dirty="0"/>
+              <a:t>B</a:t>
+            </a:r>
+            <a:r>
+              <a:rPr kumimoji="1" lang="ja-JP" altLang="en-US" dirty="0" err="1"/>
+              <a:t>さん</a:t>
+            </a:r>
+            <a:r>
+              <a:rPr kumimoji="1" lang="en-US" altLang="ja-JP" dirty="0"/>
+              <a:t>C</a:t>
+            </a:r>
+            <a:r>
+              <a:rPr kumimoji="1" lang="ja-JP" altLang="en-US" dirty="0" err="1"/>
+              <a:t>さん</a:t>
+            </a:r>
+            <a:r>
+              <a:rPr kumimoji="1" lang="en-US" altLang="ja-JP" dirty="0"/>
+              <a:t>D</a:t>
+            </a:r>
+            <a:r>
+              <a:rPr kumimoji="1" lang="ja-JP" altLang="en-US" dirty="0" err="1"/>
+              <a:t>さんを</a:t>
+            </a:r>
+            <a:r>
+              <a:rPr kumimoji="1" lang="ja-JP" altLang="en-US" dirty="0"/>
+              <a:t>会に誘うとき、</a:t>
+            </a:r>
+            <a:endParaRPr kumimoji="1" lang="en-US" altLang="ja-JP" dirty="0"/>
+          </a:p>
+          <a:p>
+            <a:r>
+              <a:rPr kumimoji="1" lang="ja-JP" altLang="en-US" dirty="0"/>
+              <a:t>みんなの意見を取り入れて決めていく方法と、</a:t>
+            </a:r>
+            <a:endParaRPr kumimoji="1" lang="en-US" altLang="ja-JP" dirty="0"/>
+          </a:p>
+          <a:p>
+            <a:r>
+              <a:rPr kumimoji="1" lang="en-US" altLang="ja-JP" dirty="0"/>
+              <a:t>A</a:t>
+            </a:r>
+            <a:r>
+              <a:rPr kumimoji="1" lang="ja-JP" altLang="en-US" dirty="0" err="1"/>
+              <a:t>さんが</a:t>
+            </a:r>
+            <a:r>
+              <a:rPr kumimoji="1" lang="ja-JP" altLang="en-US" dirty="0"/>
+              <a:t>事前に決めた予定に対して参加の可否を決定していく場合などを考えています。</a:t>
+            </a:r>
           </a:p>
         </p:txBody>
       </p:sp>
@@ -5667,7 +1533,7 @@
           <a:p>
             <a:fld id="{20EEE82F-7875-8F43-B19A-046036A8FC5E}" type="slidenum">
               <a:rPr kumimoji="1" lang="ja-JP" altLang="en-US" smtClean="0"/>
-              <a:t>19</a:t>
+              <a:t>18</a:t>
             </a:fld>
             <a:endParaRPr kumimoji="1" lang="ja-JP" altLang="en-US"/>
           </a:p>
@@ -5676,7 +1542,7 @@
     </p:spTree>
     <p:extLst>
       <p:ext uri="{BB962C8B-B14F-4D97-AF65-F5344CB8AC3E}">
-        <p14:creationId xmlns:p14="http://schemas.microsoft.com/office/powerpoint/2010/main" val="818856426"/>
+        <p14:creationId xmlns:p14="http://schemas.microsoft.com/office/powerpoint/2010/main" val="4087521741"/>
       </p:ext>
     </p:extLst>
   </p:cSld>
@@ -5730,7 +1596,21 @@
           <a:bodyPr/>
           <a:lstStyle/>
           <a:p>
-            <a:endParaRPr kumimoji="1" lang="ja-JP" altLang="en-US"/>
+            <a:r>
+              <a:rPr kumimoji="1" lang="ja-JP" altLang="en-US" dirty="0"/>
+              <a:t>続いては果実園です。</a:t>
+            </a:r>
+            <a:endParaRPr kumimoji="1" lang="en-US" altLang="ja-JP" dirty="0"/>
+          </a:p>
+          <a:p>
+            <a:r>
+              <a:rPr kumimoji="1" lang="ja-JP" altLang="en-US" dirty="0"/>
+              <a:t>先ほどのミックスジュースをする際に主に活用してほしいと思っている機能です。</a:t>
+            </a:r>
+            <a:endParaRPr kumimoji="1" lang="en-US" altLang="ja-JP" dirty="0"/>
+          </a:p>
+          <a:p>
+            <a:endParaRPr kumimoji="1" lang="en-US" altLang="ja-JP" dirty="0"/>
           </a:p>
         </p:txBody>
       </p:sp>
@@ -5751,7 +1631,7 @@
           <a:p>
             <a:fld id="{20EEE82F-7875-8F43-B19A-046036A8FC5E}" type="slidenum">
               <a:rPr kumimoji="1" lang="ja-JP" altLang="en-US" smtClean="0"/>
-              <a:t>20</a:t>
+              <a:t>19</a:t>
             </a:fld>
             <a:endParaRPr kumimoji="1" lang="ja-JP" altLang="en-US"/>
           </a:p>
@@ -5760,7 +1640,7 @@
     </p:spTree>
     <p:extLst>
       <p:ext uri="{BB962C8B-B14F-4D97-AF65-F5344CB8AC3E}">
-        <p14:creationId xmlns:p14="http://schemas.microsoft.com/office/powerpoint/2010/main" val="587460252"/>
+        <p14:creationId xmlns:p14="http://schemas.microsoft.com/office/powerpoint/2010/main" val="330188862"/>
       </p:ext>
     </p:extLst>
   </p:cSld>
@@ -5814,10 +1694,18 @@
           <a:bodyPr/>
           <a:lstStyle/>
           <a:p>
-            <a:endParaRPr kumimoji="1" lang="en-US" altLang="ja-JP" dirty="0"/>
-          </a:p>
-          <a:p>
-            <a:endParaRPr kumimoji="1" lang="ja-JP" altLang="en-US"/>
+            <a:r>
+              <a:rPr kumimoji="1" lang="ja-JP" altLang="en-US" dirty="0"/>
+              <a:t>本日の目次はこちらです。（</a:t>
+            </a:r>
+            <a:r>
+              <a:rPr kumimoji="1" lang="en-US" altLang="ja-JP" dirty="0"/>
+              <a:t>5</a:t>
+            </a:r>
+            <a:r>
+              <a:rPr kumimoji="1" lang="ja-JP" altLang="en-US" dirty="0"/>
+              <a:t>秒くらい停止）</a:t>
+            </a:r>
           </a:p>
         </p:txBody>
       </p:sp>
@@ -5847,7 +1735,7 @@
     </p:spTree>
     <p:extLst>
       <p:ext uri="{BB962C8B-B14F-4D97-AF65-F5344CB8AC3E}">
-        <p14:creationId xmlns:p14="http://schemas.microsoft.com/office/powerpoint/2010/main" val="1991325190"/>
+        <p14:creationId xmlns:p14="http://schemas.microsoft.com/office/powerpoint/2010/main" val="214124948"/>
       </p:ext>
     </p:extLst>
   </p:cSld>
@@ -5901,7 +1789,122 @@
           <a:bodyPr/>
           <a:lstStyle/>
           <a:p>
+            <a:r>
+              <a:rPr kumimoji="1" lang="ja-JP" altLang="en-US" dirty="0"/>
+              <a:t>その集まりの規模や雰囲気に合わせてイベント施設、居酒屋、カフェを提案しそのまま施設や店を予約できるというシステムです。</a:t>
+            </a:r>
+            <a:endParaRPr kumimoji="1" lang="en-US" altLang="ja-JP" dirty="0"/>
+          </a:p>
+          <a:p>
+            <a:endParaRPr kumimoji="1" lang="en-US" altLang="ja-JP" dirty="0"/>
+          </a:p>
+          <a:p>
+            <a:r>
+              <a:rPr kumimoji="1" lang="en-US" altLang="ja-JP" dirty="0" err="1"/>
+              <a:t>Funana</a:t>
+            </a:r>
+            <a:r>
+              <a:rPr kumimoji="1" lang="ja-JP" altLang="en-US" dirty="0"/>
+              <a:t>の登録には電話番号やメールアドレスなどある程度の個人情報が入っているので架空のアカウントからの予約を防ぐこともでき店や施設側も安心して予約を受けることができると考えています。</a:t>
+            </a:r>
+            <a:endParaRPr kumimoji="1" lang="en-US" altLang="ja-JP" dirty="0"/>
+          </a:p>
+          <a:p>
+            <a:endParaRPr kumimoji="1" lang="en-US" altLang="ja-JP" dirty="0"/>
+          </a:p>
+          <a:p>
+            <a:r>
+              <a:rPr kumimoji="1" lang="ja-JP" altLang="en-US" dirty="0"/>
+              <a:t>また店や施設の掲載は広告として取ると考えるとマネタイズの面でもシステムを補えるのでは、と考えています。</a:t>
+            </a:r>
+            <a:endParaRPr kumimoji="1" lang="en-US" altLang="ja-JP" dirty="0"/>
+          </a:p>
+        </p:txBody>
+      </p:sp>
+      <p:sp>
+        <p:nvSpPr>
+          <p:cNvPr id="4" name="スライド番号プレースホルダー 3"/>
+          <p:cNvSpPr>
+            <a:spLocks noGrp="1"/>
+          </p:cNvSpPr>
+          <p:nvPr>
+            <p:ph type="sldNum" sz="quarter" idx="10"/>
+          </p:nvPr>
+        </p:nvSpPr>
+        <p:spPr/>
+        <p:txBody>
+          <a:bodyPr/>
+          <a:lstStyle/>
+          <a:p>
+            <a:fld id="{20EEE82F-7875-8F43-B19A-046036A8FC5E}" type="slidenum">
+              <a:rPr kumimoji="1" lang="ja-JP" altLang="en-US" smtClean="0"/>
+              <a:t>20</a:t>
+            </a:fld>
             <a:endParaRPr kumimoji="1" lang="ja-JP" altLang="en-US"/>
+          </a:p>
+        </p:txBody>
+      </p:sp>
+    </p:spTree>
+    <p:extLst>
+      <p:ext uri="{BB962C8B-B14F-4D97-AF65-F5344CB8AC3E}">
+        <p14:creationId xmlns:p14="http://schemas.microsoft.com/office/powerpoint/2010/main" val="225294900"/>
+      </p:ext>
+    </p:extLst>
+  </p:cSld>
+  <p:clrMapOvr>
+    <a:masterClrMapping/>
+  </p:clrMapOvr>
+</p:notes>
+</file>
+
+<file path=ppt/notesSlides/notesSlide21.xml><?xml version="1.0" encoding="utf-8"?>
+<p:notes xmlns:a="http://schemas.openxmlformats.org/drawingml/2006/main" xmlns:r="http://schemas.openxmlformats.org/officeDocument/2006/relationships" xmlns:p="http://schemas.openxmlformats.org/presentationml/2006/main">
+  <p:cSld>
+    <p:spTree>
+      <p:nvGrpSpPr>
+        <p:cNvPr id="1" name=""/>
+        <p:cNvGrpSpPr/>
+        <p:nvPr/>
+      </p:nvGrpSpPr>
+      <p:grpSpPr>
+        <a:xfrm>
+          <a:off x="0" y="0"/>
+          <a:ext cx="0" cy="0"/>
+          <a:chOff x="0" y="0"/>
+          <a:chExt cx="0" cy="0"/>
+        </a:xfrm>
+      </p:grpSpPr>
+      <p:sp>
+        <p:nvSpPr>
+          <p:cNvPr id="2" name="スライド イメージ プレースホルダー 1"/>
+          <p:cNvSpPr>
+            <a:spLocks noGrp="1" noRot="1" noChangeAspect="1"/>
+          </p:cNvSpPr>
+          <p:nvPr>
+            <p:ph type="sldImg"/>
+          </p:nvPr>
+        </p:nvSpPr>
+        <p:spPr/>
+      </p:sp>
+      <p:sp>
+        <p:nvSpPr>
+          <p:cNvPr id="3" name="ノート プレースホルダー 2"/>
+          <p:cNvSpPr>
+            <a:spLocks noGrp="1"/>
+          </p:cNvSpPr>
+          <p:nvPr>
+            <p:ph type="body" idx="1"/>
+          </p:nvPr>
+        </p:nvSpPr>
+        <p:spPr/>
+        <p:txBody>
+          <a:bodyPr/>
+          <a:lstStyle/>
+          <a:p>
+            <a:r>
+              <a:rPr kumimoji="1" lang="ja-JP" altLang="en-US" dirty="0"/>
+              <a:t>フルーツバスケットの機能は、実際にフルーツを交換してもらうときに現在の機能では一人対ひとりとなっているところを大勢で同時にできるという機能です</a:t>
+            </a:r>
           </a:p>
         </p:txBody>
       </p:sp>
@@ -5923,6 +1926,285 @@
             <a:fld id="{20EEE82F-7875-8F43-B19A-046036A8FC5E}" type="slidenum">
               <a:rPr kumimoji="1" lang="ja-JP" altLang="en-US" smtClean="0"/>
               <a:t>21</a:t>
+            </a:fld>
+            <a:endParaRPr kumimoji="1" lang="ja-JP" altLang="en-US"/>
+          </a:p>
+        </p:txBody>
+      </p:sp>
+    </p:spTree>
+    <p:extLst>
+      <p:ext uri="{BB962C8B-B14F-4D97-AF65-F5344CB8AC3E}">
+        <p14:creationId xmlns:p14="http://schemas.microsoft.com/office/powerpoint/2010/main" val="2347422453"/>
+      </p:ext>
+    </p:extLst>
+  </p:cSld>
+  <p:clrMapOvr>
+    <a:masterClrMapping/>
+  </p:clrMapOvr>
+</p:notes>
+</file>
+
+<file path=ppt/notesSlides/notesSlide22.xml><?xml version="1.0" encoding="utf-8"?>
+<p:notes xmlns:a="http://schemas.openxmlformats.org/drawingml/2006/main" xmlns:r="http://schemas.openxmlformats.org/officeDocument/2006/relationships" xmlns:p="http://schemas.openxmlformats.org/presentationml/2006/main">
+  <p:cSld>
+    <p:spTree>
+      <p:nvGrpSpPr>
+        <p:cNvPr id="1" name=""/>
+        <p:cNvGrpSpPr/>
+        <p:nvPr/>
+      </p:nvGrpSpPr>
+      <p:grpSpPr>
+        <a:xfrm>
+          <a:off x="0" y="0"/>
+          <a:ext cx="0" cy="0"/>
+          <a:chOff x="0" y="0"/>
+          <a:chExt cx="0" cy="0"/>
+        </a:xfrm>
+      </p:grpSpPr>
+      <p:sp>
+        <p:nvSpPr>
+          <p:cNvPr id="2" name="スライド イメージ プレースホルダー 1"/>
+          <p:cNvSpPr>
+            <a:spLocks noGrp="1" noRot="1" noChangeAspect="1"/>
+          </p:cNvSpPr>
+          <p:nvPr>
+            <p:ph type="sldImg"/>
+          </p:nvPr>
+        </p:nvSpPr>
+        <p:spPr/>
+      </p:sp>
+      <p:sp>
+        <p:nvSpPr>
+          <p:cNvPr id="3" name="ノート プレースホルダー 2"/>
+          <p:cNvSpPr>
+            <a:spLocks noGrp="1"/>
+          </p:cNvSpPr>
+          <p:nvPr>
+            <p:ph type="body" idx="1"/>
+          </p:nvPr>
+        </p:nvSpPr>
+        <p:spPr/>
+        <p:txBody>
+          <a:bodyPr/>
+          <a:lstStyle/>
+          <a:p>
+            <a:r>
+              <a:rPr kumimoji="1" lang="ja-JP" altLang="en-US" dirty="0"/>
+              <a:t>そしてフルーツサンドでは自分自身を仲介役として合わせたい人を合わせるというシステムです。</a:t>
+            </a:r>
+            <a:endParaRPr kumimoji="1" lang="en-US" altLang="ja-JP" dirty="0"/>
+          </a:p>
+          <a:p>
+            <a:r>
+              <a:rPr kumimoji="1" lang="ja-JP" altLang="en-US" dirty="0"/>
+              <a:t>ここでは合わせたい人がどういう関係やつながりで合わせたいかによってプランやお店を提案しながら交流の輪を広げることを目的としたシステムです。</a:t>
+            </a:r>
+          </a:p>
+        </p:txBody>
+      </p:sp>
+      <p:sp>
+        <p:nvSpPr>
+          <p:cNvPr id="4" name="スライド番号プレースホルダー 3"/>
+          <p:cNvSpPr>
+            <a:spLocks noGrp="1"/>
+          </p:cNvSpPr>
+          <p:nvPr>
+            <p:ph type="sldNum" sz="quarter" idx="10"/>
+          </p:nvPr>
+        </p:nvSpPr>
+        <p:spPr/>
+        <p:txBody>
+          <a:bodyPr/>
+          <a:lstStyle/>
+          <a:p>
+            <a:fld id="{20EEE82F-7875-8F43-B19A-046036A8FC5E}" type="slidenum">
+              <a:rPr kumimoji="1" lang="ja-JP" altLang="en-US" smtClean="0"/>
+              <a:t>22</a:t>
+            </a:fld>
+            <a:endParaRPr kumimoji="1" lang="ja-JP" altLang="en-US"/>
+          </a:p>
+        </p:txBody>
+      </p:sp>
+    </p:spTree>
+    <p:extLst>
+      <p:ext uri="{BB962C8B-B14F-4D97-AF65-F5344CB8AC3E}">
+        <p14:creationId xmlns:p14="http://schemas.microsoft.com/office/powerpoint/2010/main" val="825429658"/>
+      </p:ext>
+    </p:extLst>
+  </p:cSld>
+  <p:clrMapOvr>
+    <a:masterClrMapping/>
+  </p:clrMapOvr>
+</p:notes>
+</file>
+
+<file path=ppt/notesSlides/notesSlide23.xml><?xml version="1.0" encoding="utf-8"?>
+<p:notes xmlns:a="http://schemas.openxmlformats.org/drawingml/2006/main" xmlns:r="http://schemas.openxmlformats.org/officeDocument/2006/relationships" xmlns:p="http://schemas.openxmlformats.org/presentationml/2006/main">
+  <p:cSld>
+    <p:spTree>
+      <p:nvGrpSpPr>
+        <p:cNvPr id="1" name=""/>
+        <p:cNvGrpSpPr/>
+        <p:nvPr/>
+      </p:nvGrpSpPr>
+      <p:grpSpPr>
+        <a:xfrm>
+          <a:off x="0" y="0"/>
+          <a:ext cx="0" cy="0"/>
+          <a:chOff x="0" y="0"/>
+          <a:chExt cx="0" cy="0"/>
+        </a:xfrm>
+      </p:grpSpPr>
+      <p:sp>
+        <p:nvSpPr>
+          <p:cNvPr id="2" name="スライド イメージ プレースホルダー 1"/>
+          <p:cNvSpPr>
+            <a:spLocks noGrp="1" noRot="1" noChangeAspect="1"/>
+          </p:cNvSpPr>
+          <p:nvPr>
+            <p:ph type="sldImg"/>
+          </p:nvPr>
+        </p:nvSpPr>
+        <p:spPr/>
+      </p:sp>
+      <p:sp>
+        <p:nvSpPr>
+          <p:cNvPr id="3" name="ノート プレースホルダー 2"/>
+          <p:cNvSpPr>
+            <a:spLocks noGrp="1"/>
+          </p:cNvSpPr>
+          <p:nvPr>
+            <p:ph type="body" idx="1"/>
+          </p:nvPr>
+        </p:nvSpPr>
+        <p:spPr/>
+        <p:txBody>
+          <a:bodyPr/>
+          <a:lstStyle/>
+          <a:p>
+            <a:r>
+              <a:rPr kumimoji="1" lang="ja-JP" altLang="en-US" dirty="0"/>
+              <a:t>コンセプト、現在の機能から将来の発展まで聞いてもらいましたが私たちのシステムはあくまで基盤でありここからどこまででもユーザーが使いやすいように発展があるシステムです。</a:t>
+            </a:r>
+          </a:p>
+        </p:txBody>
+      </p:sp>
+      <p:sp>
+        <p:nvSpPr>
+          <p:cNvPr id="4" name="スライド番号プレースホルダー 3"/>
+          <p:cNvSpPr>
+            <a:spLocks noGrp="1"/>
+          </p:cNvSpPr>
+          <p:nvPr>
+            <p:ph type="sldNum" sz="quarter" idx="10"/>
+          </p:nvPr>
+        </p:nvSpPr>
+        <p:spPr/>
+        <p:txBody>
+          <a:bodyPr/>
+          <a:lstStyle/>
+          <a:p>
+            <a:fld id="{20EEE82F-7875-8F43-B19A-046036A8FC5E}" type="slidenum">
+              <a:rPr kumimoji="1" lang="ja-JP" altLang="en-US" smtClean="0"/>
+              <a:t>23</a:t>
+            </a:fld>
+            <a:endParaRPr kumimoji="1" lang="ja-JP" altLang="en-US"/>
+          </a:p>
+        </p:txBody>
+      </p:sp>
+    </p:spTree>
+    <p:extLst>
+      <p:ext uri="{BB962C8B-B14F-4D97-AF65-F5344CB8AC3E}">
+        <p14:creationId xmlns:p14="http://schemas.microsoft.com/office/powerpoint/2010/main" val="587460252"/>
+      </p:ext>
+    </p:extLst>
+  </p:cSld>
+  <p:clrMapOvr>
+    <a:masterClrMapping/>
+  </p:clrMapOvr>
+</p:notes>
+</file>
+
+<file path=ppt/notesSlides/notesSlide24.xml><?xml version="1.0" encoding="utf-8"?>
+<p:notes xmlns:a="http://schemas.openxmlformats.org/drawingml/2006/main" xmlns:r="http://schemas.openxmlformats.org/officeDocument/2006/relationships" xmlns:p="http://schemas.openxmlformats.org/presentationml/2006/main">
+  <p:cSld>
+    <p:spTree>
+      <p:nvGrpSpPr>
+        <p:cNvPr id="1" name=""/>
+        <p:cNvGrpSpPr/>
+        <p:nvPr/>
+      </p:nvGrpSpPr>
+      <p:grpSpPr>
+        <a:xfrm>
+          <a:off x="0" y="0"/>
+          <a:ext cx="0" cy="0"/>
+          <a:chOff x="0" y="0"/>
+          <a:chExt cx="0" cy="0"/>
+        </a:xfrm>
+      </p:grpSpPr>
+      <p:sp>
+        <p:nvSpPr>
+          <p:cNvPr id="2" name="スライド イメージ プレースホルダー 1"/>
+          <p:cNvSpPr>
+            <a:spLocks noGrp="1" noRot="1" noChangeAspect="1"/>
+          </p:cNvSpPr>
+          <p:nvPr>
+            <p:ph type="sldImg"/>
+          </p:nvPr>
+        </p:nvSpPr>
+        <p:spPr/>
+      </p:sp>
+      <p:sp>
+        <p:nvSpPr>
+          <p:cNvPr id="3" name="ノート プレースホルダー 2"/>
+          <p:cNvSpPr>
+            <a:spLocks noGrp="1"/>
+          </p:cNvSpPr>
+          <p:nvPr>
+            <p:ph type="body" idx="1"/>
+          </p:nvPr>
+        </p:nvSpPr>
+        <p:spPr/>
+        <p:txBody>
+          <a:bodyPr/>
+          <a:lstStyle/>
+          <a:p>
+            <a:r>
+              <a:rPr kumimoji="1" lang="ja-JP" altLang="en-US" dirty="0"/>
+              <a:t>システムを利用して、皆さんのコミュニケーションが円滑となり、仕事だけで知り合った人とも仕事以上の関係になることができ、</a:t>
+            </a:r>
+            <a:endParaRPr kumimoji="1" lang="en-US" altLang="ja-JP" dirty="0"/>
+          </a:p>
+          <a:p>
+            <a:r>
+              <a:rPr kumimoji="1" lang="ja-JP" altLang="en-US" dirty="0"/>
+              <a:t>コミュニケーションの促進効果に繋がればいいなと思っています</a:t>
+            </a:r>
+            <a:endParaRPr kumimoji="1" lang="en-US" altLang="ja-JP" dirty="0"/>
+          </a:p>
+          <a:p>
+            <a:endParaRPr kumimoji="1" lang="ja-JP" altLang="en-US" dirty="0"/>
+          </a:p>
+        </p:txBody>
+      </p:sp>
+      <p:sp>
+        <p:nvSpPr>
+          <p:cNvPr id="4" name="スライド番号プレースホルダー 3"/>
+          <p:cNvSpPr>
+            <a:spLocks noGrp="1"/>
+          </p:cNvSpPr>
+          <p:nvPr>
+            <p:ph type="sldNum" sz="quarter" idx="10"/>
+          </p:nvPr>
+        </p:nvSpPr>
+        <p:spPr/>
+        <p:txBody>
+          <a:bodyPr/>
+          <a:lstStyle/>
+          <a:p>
+            <a:fld id="{20EEE82F-7875-8F43-B19A-046036A8FC5E}" type="slidenum">
+              <a:rPr kumimoji="1" lang="ja-JP" altLang="en-US" smtClean="0"/>
+              <a:t>24</a:t>
             </a:fld>
             <a:endParaRPr kumimoji="1" lang="ja-JP" altLang="en-US"/>
           </a:p>
@@ -5985,7 +2267,10 @@
           <a:bodyPr/>
           <a:lstStyle/>
           <a:p>
-            <a:endParaRPr kumimoji="1" lang="ja-JP" altLang="en-US"/>
+            <a:r>
+              <a:rPr kumimoji="1" lang="ja-JP" altLang="en-US" dirty="0"/>
+              <a:t>ではコンセプトから順に説明していきたいと思います。</a:t>
+            </a:r>
           </a:p>
         </p:txBody>
       </p:sp>
@@ -6069,7 +2354,55 @@
           <a:bodyPr/>
           <a:lstStyle/>
           <a:p>
-            <a:endParaRPr kumimoji="1" lang="ja-JP" altLang="en-US"/>
+            <a:r>
+              <a:rPr kumimoji="1" lang="ja-JP" altLang="en-US" dirty="0"/>
+              <a:t>私たちのコミュニケーション支援サイト</a:t>
+            </a:r>
+            <a:r>
+              <a:rPr kumimoji="1" lang="en-US" altLang="ja-JP" dirty="0" err="1"/>
+              <a:t>Funana</a:t>
+            </a:r>
+            <a:r>
+              <a:rPr kumimoji="1" lang="ja-JP" altLang="en-US" dirty="0"/>
+              <a:t>のコンセプトはフルーツ</a:t>
+            </a:r>
+            <a:r>
+              <a:rPr kumimoji="1" lang="en-US" altLang="ja-JP" dirty="0"/>
+              <a:t>×</a:t>
+            </a:r>
+            <a:r>
+              <a:rPr kumimoji="1" lang="ja-JP" altLang="en-US" dirty="0"/>
+              <a:t>コミュニケーションです。</a:t>
+            </a:r>
+            <a:endParaRPr kumimoji="1" lang="en-US" altLang="ja-JP" dirty="0"/>
+          </a:p>
+          <a:p>
+            <a:r>
+              <a:rPr kumimoji="1" lang="ja-JP" altLang="en-US" dirty="0"/>
+              <a:t>最近では</a:t>
+            </a:r>
+            <a:r>
+              <a:rPr kumimoji="1" lang="en-US" altLang="ja-JP" dirty="0"/>
+              <a:t>SNS</a:t>
+            </a:r>
+            <a:r>
+              <a:rPr kumimoji="1" lang="ja-JP" altLang="en-US" dirty="0"/>
+              <a:t>が活発化し様々な人とコミュニケーションを取りやすくなっていると思います。</a:t>
+            </a:r>
+            <a:endParaRPr kumimoji="1" lang="en-US" altLang="ja-JP" dirty="0"/>
+          </a:p>
+          <a:p>
+            <a:r>
+              <a:rPr kumimoji="1" lang="ja-JP" altLang="en-US" dirty="0"/>
+              <a:t>しかし初対面の人とは誰しもなかなかうまく付き合えていないと私たちは考え、コミュニケーションにおいて何か支援できるものはないかと考えこのコンセプトにしました。</a:t>
+            </a:r>
+            <a:endParaRPr kumimoji="1" lang="en-US" altLang="ja-JP" dirty="0"/>
+          </a:p>
+          <a:p>
+            <a:r>
+              <a:rPr kumimoji="1" lang="ja-JP" altLang="en-US" dirty="0"/>
+              <a:t>たとえば、</a:t>
+            </a:r>
           </a:p>
         </p:txBody>
       </p:sp>
@@ -6153,7 +2486,18 @@
           <a:bodyPr/>
           <a:lstStyle/>
           <a:p>
-            <a:endParaRPr kumimoji="1" lang="ja-JP" altLang="en-US"/>
+            <a:r>
+              <a:rPr kumimoji="1" lang="ja-JP" altLang="en-US" dirty="0"/>
+              <a:t>グループワークで効率的に仕事が進まなかったりスケジュール通りにいかなかったりすることがあると思います。</a:t>
+            </a:r>
+            <a:endParaRPr kumimoji="1" lang="en-US" altLang="ja-JP" dirty="0"/>
+          </a:p>
+          <a:p>
+            <a:r>
+              <a:rPr kumimoji="1" lang="ja-JP" altLang="en-US" dirty="0"/>
+              <a:t>なんで相手は思った通りに動かないのか？と。</a:t>
+            </a:r>
+            <a:endParaRPr kumimoji="1" lang="en-US" altLang="ja-JP" dirty="0"/>
           </a:p>
         </p:txBody>
       </p:sp>
@@ -6237,7 +2581,35 @@
           <a:bodyPr/>
           <a:lstStyle/>
           <a:p>
-            <a:endParaRPr kumimoji="1" lang="ja-JP" altLang="en-US"/>
+            <a:r>
+              <a:rPr kumimoji="1" lang="ja-JP" altLang="en-US" dirty="0"/>
+              <a:t>また、人見知りをしない人でも合わないな</a:t>
+            </a:r>
+            <a:r>
+              <a:rPr kumimoji="1" lang="en-US" altLang="ja-JP" dirty="0"/>
+              <a:t>…</a:t>
+            </a:r>
+            <a:r>
+              <a:rPr kumimoji="1" lang="ja-JP" altLang="en-US" dirty="0"/>
+              <a:t>と感じている人とはなかなか会話が弾まない</a:t>
+            </a:r>
+            <a:r>
+              <a:rPr kumimoji="1" lang="en-US" altLang="ja-JP" dirty="0"/>
+              <a:t>…</a:t>
+            </a:r>
+          </a:p>
+          <a:p>
+            <a:r>
+              <a:rPr kumimoji="1" lang="ja-JP" altLang="en-US" dirty="0"/>
+              <a:t>しかし時間がたってその人のことを知ってみたら意外と合って仲良くなれた！</a:t>
+            </a:r>
+            <a:endParaRPr kumimoji="1" lang="en-US" altLang="ja-JP" dirty="0"/>
+          </a:p>
+          <a:p>
+            <a:r>
+              <a:rPr kumimoji="1" lang="ja-JP" altLang="en-US" dirty="0"/>
+              <a:t>という経験がある人はいませんか？</a:t>
+            </a:r>
           </a:p>
         </p:txBody>
       </p:sp>
@@ -6321,7 +2693,38 @@
           <a:bodyPr/>
           <a:lstStyle/>
           <a:p>
-            <a:endParaRPr kumimoji="1" lang="ja-JP" altLang="en-US"/>
+            <a:r>
+              <a:rPr kumimoji="1" lang="ja-JP" altLang="en-US" dirty="0"/>
+              <a:t>原因はお互いのことをあまり知らないことだとおもいます。</a:t>
+            </a:r>
+            <a:endParaRPr kumimoji="1" lang="en-US" altLang="ja-JP" dirty="0"/>
+          </a:p>
+          <a:p>
+            <a:endParaRPr kumimoji="1" lang="en-US" altLang="ja-JP" dirty="0"/>
+          </a:p>
+          <a:p>
+            <a:r>
+              <a:rPr kumimoji="1" lang="ja-JP" altLang="en-US" dirty="0"/>
+              <a:t>学校に通っていれば何年も一緒にいるので自然とよく知るかもしれませんが、</a:t>
+            </a:r>
+            <a:endParaRPr kumimoji="1" lang="en-US" altLang="ja-JP" dirty="0"/>
+          </a:p>
+          <a:p>
+            <a:r>
+              <a:rPr kumimoji="1" lang="ja-JP" altLang="en-US" dirty="0"/>
+              <a:t>実際仕事ではたくさんの人と仕事をしますし、グループワークをするイベントなどではほぼ初対面の人と何日かで制作しなければならないなどがあり、なかなか相手のことを簡単に知れないと思います。</a:t>
+            </a:r>
+            <a:endParaRPr kumimoji="1" lang="en-US" altLang="ja-JP" dirty="0"/>
+          </a:p>
+          <a:p>
+            <a:endParaRPr kumimoji="1" lang="en-US" altLang="ja-JP" dirty="0"/>
+          </a:p>
+          <a:p>
+            <a:r>
+              <a:rPr kumimoji="1" lang="ja-JP" altLang="en-US" dirty="0"/>
+              <a:t>ではどうすればいいのか？</a:t>
+            </a:r>
+            <a:endParaRPr kumimoji="1" lang="en-US" altLang="ja-JP" dirty="0"/>
           </a:p>
         </p:txBody>
       </p:sp>
@@ -6405,7 +2808,45 @@
           <a:bodyPr/>
           <a:lstStyle/>
           <a:p>
-            <a:endParaRPr kumimoji="1" lang="ja-JP" altLang="en-US"/>
+            <a:r>
+              <a:rPr kumimoji="1" lang="ja-JP" altLang="en-US" dirty="0"/>
+              <a:t>そこで私たちは「自分をフルーツで表現」することを考えました。</a:t>
+            </a:r>
+            <a:endParaRPr kumimoji="1" lang="en-US" altLang="ja-JP" dirty="0"/>
+          </a:p>
+          <a:p>
+            <a:r>
+              <a:rPr kumimoji="1" lang="ja-JP" altLang="en-US" dirty="0"/>
+              <a:t>そうすることで自分のことを簡略かつ多角的に伝えられ、相手のことも同じように知れるという風に考えました。</a:t>
+            </a:r>
+            <a:endParaRPr kumimoji="1" lang="en-US" altLang="ja-JP" dirty="0"/>
+          </a:p>
+          <a:p>
+            <a:pPr marL="0" marR="0" lvl="0" indent="0" algn="l" defTabSz="914400" rtl="0" eaLnBrk="1" fontAlgn="auto" latinLnBrk="0" hangingPunct="1">
+              <a:lnSpc>
+                <a:spcPct val="100000"/>
+              </a:lnSpc>
+              <a:spcBef>
+                <a:spcPts val="0"/>
+              </a:spcBef>
+              <a:spcAft>
+                <a:spcPts val="0"/>
+              </a:spcAft>
+              <a:buClrTx/>
+              <a:buSzTx/>
+              <a:buFontTx/>
+              <a:buNone/>
+              <a:tabLst/>
+              <a:defRPr/>
+            </a:pPr>
+            <a:r>
+              <a:rPr kumimoji="1" lang="ja-JP" altLang="en-US" dirty="0"/>
+              <a:t>それでは一体フルーツで表すとはどういうことなのか？</a:t>
+            </a:r>
+            <a:endParaRPr kumimoji="1" lang="en-US" altLang="ja-JP" dirty="0"/>
+          </a:p>
+          <a:p>
+            <a:endParaRPr kumimoji="1" lang="ja-JP" altLang="en-US" dirty="0"/>
           </a:p>
         </p:txBody>
       </p:sp>
@@ -6435,7 +2876,7 @@
     </p:spTree>
     <p:extLst>
       <p:ext uri="{BB962C8B-B14F-4D97-AF65-F5344CB8AC3E}">
-        <p14:creationId xmlns:p14="http://schemas.microsoft.com/office/powerpoint/2010/main" val="3938622242"/>
+        <p14:creationId xmlns:p14="http://schemas.microsoft.com/office/powerpoint/2010/main" val="1231669361"/>
       </p:ext>
     </p:extLst>
   </p:cSld>
@@ -6489,7 +2930,31 @@
           <a:bodyPr/>
           <a:lstStyle/>
           <a:p>
-            <a:endParaRPr kumimoji="1" lang="ja-JP" altLang="en-US"/>
+            <a:r>
+              <a:rPr kumimoji="1" lang="ja-JP" altLang="en-US" dirty="0"/>
+              <a:t>それはフルーツに存在する皮と実を生かした表現です。</a:t>
+            </a:r>
+            <a:endParaRPr kumimoji="1" lang="en-US" altLang="ja-JP" dirty="0"/>
+          </a:p>
+          <a:p>
+            <a:endParaRPr kumimoji="1" lang="en-US" altLang="ja-JP" dirty="0"/>
+          </a:p>
+          <a:p>
+            <a:endParaRPr kumimoji="1" lang="en-US" altLang="ja-JP" dirty="0"/>
+          </a:p>
+          <a:p>
+            <a:r>
+              <a:rPr kumimoji="1" lang="ja-JP" altLang="en-US" dirty="0"/>
+              <a:t>なんの仕事をしているかなや能力を発揮しやすい項目、を記入する部分をフルーツの皮で表現。</a:t>
+            </a:r>
+            <a:endParaRPr kumimoji="1" lang="en-US" altLang="ja-JP" dirty="0"/>
+          </a:p>
+          <a:p>
+            <a:r>
+              <a:rPr kumimoji="1" lang="ja-JP" altLang="en-US" dirty="0"/>
+              <a:t>プライベートや好きなことを記入する部分をフルーツの実で表現しようと考えました。</a:t>
+            </a:r>
+            <a:endParaRPr kumimoji="1" lang="en-US" altLang="ja-JP" dirty="0"/>
           </a:p>
         </p:txBody>
       </p:sp>
@@ -6519,7 +2984,7 @@
     </p:spTree>
     <p:extLst>
       <p:ext uri="{BB962C8B-B14F-4D97-AF65-F5344CB8AC3E}">
-        <p14:creationId xmlns:p14="http://schemas.microsoft.com/office/powerpoint/2010/main" val="1231669361"/>
+        <p14:creationId xmlns:p14="http://schemas.microsoft.com/office/powerpoint/2010/main" val="1569449825"/>
       </p:ext>
     </p:extLst>
   </p:cSld>
@@ -6719,7 +3184,7 @@
           <a:p>
             <a:fld id="{6031A710-8DCF-41AD-B432-F49C9633E7CA}" type="datetimeFigureOut">
               <a:rPr kumimoji="1" lang="ja-JP" altLang="en-US" smtClean="0"/>
-              <a:t>2018/6/14</a:t>
+              <a:t>2018/6/15</a:t>
             </a:fld>
             <a:endParaRPr kumimoji="1" lang="ja-JP" altLang="en-US"/>
           </a:p>
@@ -7547,7 +4012,7 @@
           <a:p>
             <a:fld id="{6031A710-8DCF-41AD-B432-F49C9633E7CA}" type="datetimeFigureOut">
               <a:rPr kumimoji="1" lang="ja-JP" altLang="en-US" smtClean="0"/>
-              <a:t>2018/6/14</a:t>
+              <a:t>2018/6/15</a:t>
             </a:fld>
             <a:endParaRPr kumimoji="1" lang="ja-JP" altLang="en-US"/>
           </a:p>
@@ -8385,7 +4850,7 @@
           <a:p>
             <a:fld id="{6031A710-8DCF-41AD-B432-F49C9633E7CA}" type="datetimeFigureOut">
               <a:rPr kumimoji="1" lang="ja-JP" altLang="en-US" smtClean="0"/>
-              <a:t>2018/6/14</a:t>
+              <a:t>2018/6/15</a:t>
             </a:fld>
             <a:endParaRPr kumimoji="1" lang="ja-JP" altLang="en-US"/>
           </a:p>
@@ -9233,7 +5698,7 @@
           <a:p>
             <a:fld id="{6031A710-8DCF-41AD-B432-F49C9633E7CA}" type="datetimeFigureOut">
               <a:rPr kumimoji="1" lang="ja-JP" altLang="en-US" smtClean="0"/>
-              <a:t>2018/6/14</a:t>
+              <a:t>2018/6/15</a:t>
             </a:fld>
             <a:endParaRPr kumimoji="1" lang="ja-JP" altLang="en-US"/>
           </a:p>
@@ -10165,7 +6630,7 @@
           <a:p>
             <a:fld id="{6031A710-8DCF-41AD-B432-F49C9633E7CA}" type="datetimeFigureOut">
               <a:rPr kumimoji="1" lang="ja-JP" altLang="en-US" smtClean="0"/>
-              <a:t>2018/6/14</a:t>
+              <a:t>2018/6/15</a:t>
             </a:fld>
             <a:endParaRPr kumimoji="1" lang="ja-JP" altLang="en-US"/>
           </a:p>
@@ -11063,7 +7528,7 @@
           <a:p>
             <a:fld id="{6031A710-8DCF-41AD-B432-F49C9633E7CA}" type="datetimeFigureOut">
               <a:rPr kumimoji="1" lang="ja-JP" altLang="en-US" smtClean="0"/>
-              <a:t>2018/6/14</a:t>
+              <a:t>2018/6/15</a:t>
             </a:fld>
             <a:endParaRPr kumimoji="1" lang="ja-JP" altLang="en-US"/>
           </a:p>
@@ -12170,7 +8635,7 @@
           <a:p>
             <a:fld id="{6031A710-8DCF-41AD-B432-F49C9633E7CA}" type="datetimeFigureOut">
               <a:rPr kumimoji="1" lang="ja-JP" altLang="en-US" smtClean="0"/>
-              <a:t>2018/6/14</a:t>
+              <a:t>2018/6/15</a:t>
             </a:fld>
             <a:endParaRPr kumimoji="1" lang="ja-JP" altLang="en-US"/>
           </a:p>
@@ -12938,7 +9403,7 @@
           <a:p>
             <a:fld id="{6031A710-8DCF-41AD-B432-F49C9633E7CA}" type="datetimeFigureOut">
               <a:rPr kumimoji="1" lang="ja-JP" altLang="en-US" smtClean="0"/>
-              <a:t>2018/6/14</a:t>
+              <a:t>2018/6/15</a:t>
             </a:fld>
             <a:endParaRPr kumimoji="1" lang="ja-JP" altLang="en-US"/>
           </a:p>
@@ -13683,7 +10148,7 @@
           <a:p>
             <a:fld id="{6031A710-8DCF-41AD-B432-F49C9633E7CA}" type="datetimeFigureOut">
               <a:rPr kumimoji="1" lang="ja-JP" altLang="en-US" smtClean="0"/>
-              <a:t>2018/6/14</a:t>
+              <a:t>2018/6/15</a:t>
             </a:fld>
             <a:endParaRPr kumimoji="1" lang="ja-JP" altLang="en-US"/>
           </a:p>
@@ -14004,7 +10469,7 @@
           <a:p>
             <a:fld id="{6031A710-8DCF-41AD-B432-F49C9633E7CA}" type="datetimeFigureOut">
               <a:rPr kumimoji="1" lang="ja-JP" altLang="en-US" smtClean="0"/>
-              <a:t>2018/6/14</a:t>
+              <a:t>2018/6/15</a:t>
             </a:fld>
             <a:endParaRPr kumimoji="1" lang="ja-JP" altLang="en-US"/>
           </a:p>
@@ -14947,7 +11412,7 @@
           <a:p>
             <a:fld id="{6031A710-8DCF-41AD-B432-F49C9633E7CA}" type="datetimeFigureOut">
               <a:rPr kumimoji="1" lang="ja-JP" altLang="en-US" smtClean="0"/>
-              <a:t>2018/6/14</a:t>
+              <a:t>2018/6/15</a:t>
             </a:fld>
             <a:endParaRPr kumimoji="1" lang="ja-JP" altLang="en-US"/>
           </a:p>
@@ -15890,7 +12355,7 @@
           <a:p>
             <a:fld id="{6031A710-8DCF-41AD-B432-F49C9633E7CA}" type="datetimeFigureOut">
               <a:rPr kumimoji="1" lang="ja-JP" altLang="en-US" smtClean="0"/>
-              <a:t>2018/6/14</a:t>
+              <a:t>2018/6/15</a:t>
             </a:fld>
             <a:endParaRPr kumimoji="1" lang="ja-JP" altLang="en-US"/>
           </a:p>
@@ -16399,56 +12864,142 @@
       </p:grpSpPr>
       <p:sp>
         <p:nvSpPr>
-          <p:cNvPr id="2" name="タイトル 1"/>
+          <p:cNvPr id="3" name="コンテンツ プレースホルダー 2">
+            <a:extLst>
+              <a:ext uri="{FF2B5EF4-FFF2-40B4-BE49-F238E27FC236}">
+                <a16:creationId xmlns:a16="http://schemas.microsoft.com/office/drawing/2014/main" id="{2DFCB7F6-076F-4B0A-81FB-FE1DCD4A9579}"/>
+              </a:ext>
+            </a:extLst>
+          </p:cNvPr>
           <p:cNvSpPr>
             <a:spLocks noGrp="1"/>
           </p:cNvSpPr>
           <p:nvPr>
-            <p:ph type="title"/>
+            <p:ph idx="1"/>
           </p:nvPr>
         </p:nvSpPr>
         <p:spPr>
           <a:xfrm>
-            <a:off x="1285875" y="3075346"/>
-            <a:ext cx="8670876" cy="1461188"/>
+            <a:off x="1285874" y="619433"/>
+            <a:ext cx="8670877" cy="6189526"/>
           </a:xfrm>
         </p:spPr>
         <p:txBody>
-          <a:bodyPr>
-            <a:normAutofit/>
-          </a:bodyPr>
-          <a:lstStyle/>
-          <a:p>
-            <a:pPr algn="ctr"/>
-            <a:r>
-              <a:rPr lang="en-US" altLang="ja-JP" sz="5400" dirty="0" err="1"/>
-              <a:t>Funana</a:t>
-            </a:r>
-            <a:r>
-              <a:rPr lang="ja-JP" altLang="en-US" sz="5400"/>
-              <a:t>の使用</a:t>
-            </a:r>
-            <a:endParaRPr kumimoji="1" lang="ja-JP" altLang="en-US" sz="5400"/>
+          <a:bodyPr/>
+          <a:lstStyle/>
+          <a:p>
+            <a:endParaRPr kumimoji="1" lang="en-US" altLang="ja-JP" dirty="0"/>
+          </a:p>
+          <a:p>
+            <a:pPr marL="0" indent="0">
+              <a:buNone/>
+            </a:pPr>
+            <a:endParaRPr kumimoji="1" lang="en-US" altLang="ja-JP" dirty="0"/>
+          </a:p>
+          <a:p>
+            <a:r>
+              <a:rPr kumimoji="1" lang="ja-JP" altLang="en-US" dirty="0">
+                <a:solidFill>
+                  <a:schemeClr val="tx1"/>
+                </a:solidFill>
+              </a:rPr>
+              <a:t>仕事の取組みやフォーマルな面</a:t>
+            </a:r>
+            <a:endParaRPr lang="en-US" altLang="ja-JP" dirty="0">
+              <a:solidFill>
+                <a:schemeClr val="tx1"/>
+              </a:solidFill>
+            </a:endParaRPr>
+          </a:p>
+          <a:p>
+            <a:pPr marL="0" indent="0">
+              <a:buNone/>
+            </a:pPr>
+            <a:r>
+              <a:rPr lang="ja-JP" altLang="en-US" dirty="0">
+                <a:solidFill>
+                  <a:schemeClr val="tx1"/>
+                </a:solidFill>
+              </a:rPr>
+              <a:t>　→フルーツの皮で表現</a:t>
+            </a:r>
+            <a:endParaRPr lang="en-US" altLang="ja-JP" dirty="0">
+              <a:solidFill>
+                <a:schemeClr val="tx1"/>
+              </a:solidFill>
+            </a:endParaRPr>
+          </a:p>
+          <a:p>
+            <a:pPr marL="0" indent="0">
+              <a:buNone/>
+            </a:pPr>
+            <a:endParaRPr lang="en-US" altLang="ja-JP" dirty="0"/>
+          </a:p>
+          <a:p>
+            <a:pPr marL="0" indent="0">
+              <a:buNone/>
+            </a:pPr>
+            <a:endParaRPr lang="en-US" altLang="ja-JP" dirty="0"/>
+          </a:p>
+          <a:p>
+            <a:pPr marL="0" indent="0">
+              <a:buNone/>
+            </a:pPr>
+            <a:endParaRPr lang="en-US" altLang="ja-JP" dirty="0"/>
+          </a:p>
+          <a:p>
+            <a:r>
+              <a:rPr lang="ja-JP" altLang="en-US" dirty="0">
+                <a:solidFill>
+                  <a:schemeClr val="bg1">
+                    <a:lumMod val="65000"/>
+                  </a:schemeClr>
+                </a:solidFill>
+              </a:rPr>
+              <a:t>プライベートや趣味</a:t>
+            </a:r>
+            <a:endParaRPr lang="en-US" altLang="ja-JP" dirty="0">
+              <a:solidFill>
+                <a:schemeClr val="bg1">
+                  <a:lumMod val="65000"/>
+                </a:schemeClr>
+              </a:solidFill>
+            </a:endParaRPr>
+          </a:p>
+          <a:p>
+            <a:pPr marL="0" indent="0">
+              <a:buNone/>
+            </a:pPr>
+            <a:r>
+              <a:rPr lang="ja-JP" altLang="en-US" dirty="0">
+                <a:solidFill>
+                  <a:schemeClr val="bg1">
+                    <a:lumMod val="65000"/>
+                  </a:schemeClr>
+                </a:solidFill>
+              </a:rPr>
+              <a:t>　→フルーツの実で表現</a:t>
+            </a:r>
+            <a:endParaRPr lang="en-US" altLang="ja-JP" dirty="0">
+              <a:solidFill>
+                <a:schemeClr val="bg1">
+                  <a:lumMod val="65000"/>
+                </a:schemeClr>
+              </a:solidFill>
+            </a:endParaRPr>
           </a:p>
         </p:txBody>
       </p:sp>
     </p:spTree>
     <p:extLst>
       <p:ext uri="{BB962C8B-B14F-4D97-AF65-F5344CB8AC3E}">
-        <p14:creationId xmlns:p14="http://schemas.microsoft.com/office/powerpoint/2010/main" val="2227201469"/>
+        <p14:creationId xmlns:p14="http://schemas.microsoft.com/office/powerpoint/2010/main" val="2084654607"/>
       </p:ext>
     </p:extLst>
   </p:cSld>
   <p:clrMapOvr>
     <a:masterClrMapping/>
   </p:clrMapOvr>
-  <p:timing>
-    <p:tnLst>
-      <p:par>
-        <p:cTn id="1" dur="indefinite" restart="never" nodeType="tmRoot"/>
-      </p:par>
-    </p:tnLst>
-  </p:timing>
 </p:sld>
 </file>
 
@@ -16471,10 +13022,10 @@
       </p:grpSpPr>
       <p:sp>
         <p:nvSpPr>
-          <p:cNvPr id="2" name="タイトル 1">
+          <p:cNvPr id="3" name="コンテンツ プレースホルダー 2">
             <a:extLst>
               <a:ext uri="{FF2B5EF4-FFF2-40B4-BE49-F238E27FC236}">
-                <a16:creationId xmlns:a16="http://schemas.microsoft.com/office/drawing/2014/main" xmlns="" id="{181D8B21-9C5E-3342-A88B-F33420E77706}"/>
+                <a16:creationId xmlns:a16="http://schemas.microsoft.com/office/drawing/2014/main" id="{2DFCB7F6-076F-4B0A-81FB-FE1DCD4A9579}"/>
               </a:ext>
             </a:extLst>
           </p:cNvPr>
@@ -16482,44 +13033,131 @@
             <a:spLocks noGrp="1"/>
           </p:cNvSpPr>
           <p:nvPr>
-            <p:ph type="title"/>
+            <p:ph idx="1"/>
           </p:nvPr>
         </p:nvSpPr>
         <p:spPr>
           <a:xfrm>
-            <a:off x="1539094" y="2582976"/>
-            <a:ext cx="8670876" cy="1461188"/>
+            <a:off x="1285874" y="619433"/>
+            <a:ext cx="8670877" cy="6189526"/>
           </a:xfrm>
         </p:spPr>
         <p:txBody>
           <a:bodyPr/>
           <a:lstStyle/>
           <a:p>
-            <a:r>
-              <a:rPr kumimoji="1" lang="ja-JP" altLang="en-US" dirty="0" smtClean="0"/>
-              <a:t>フルーツ交換</a:t>
-            </a:r>
-            <a:endParaRPr kumimoji="1" lang="ja-JP" altLang="en-US" dirty="0"/>
+            <a:endParaRPr kumimoji="1" lang="en-US" altLang="ja-JP" dirty="0"/>
+          </a:p>
+          <a:p>
+            <a:pPr marL="0" indent="0">
+              <a:buNone/>
+            </a:pPr>
+            <a:endParaRPr kumimoji="1" lang="en-US" altLang="ja-JP" dirty="0"/>
+          </a:p>
+          <a:p>
+            <a:r>
+              <a:rPr kumimoji="1" lang="ja-JP" altLang="en-US" dirty="0">
+                <a:solidFill>
+                  <a:schemeClr val="bg1">
+                    <a:lumMod val="75000"/>
+                  </a:schemeClr>
+                </a:solidFill>
+              </a:rPr>
+              <a:t>仕事の取組みやフォーマルな面</a:t>
+            </a:r>
+            <a:endParaRPr lang="en-US" altLang="ja-JP" dirty="0">
+              <a:solidFill>
+                <a:schemeClr val="bg1">
+                  <a:lumMod val="75000"/>
+                </a:schemeClr>
+              </a:solidFill>
+            </a:endParaRPr>
+          </a:p>
+          <a:p>
+            <a:pPr marL="0" indent="0">
+              <a:buNone/>
+            </a:pPr>
+            <a:r>
+              <a:rPr lang="ja-JP" altLang="en-US" dirty="0">
+                <a:solidFill>
+                  <a:schemeClr val="bg1">
+                    <a:lumMod val="75000"/>
+                  </a:schemeClr>
+                </a:solidFill>
+              </a:rPr>
+              <a:t>　→フルーツの皮で表現</a:t>
+            </a:r>
+            <a:endParaRPr lang="en-US" altLang="ja-JP" dirty="0">
+              <a:solidFill>
+                <a:schemeClr val="bg1">
+                  <a:lumMod val="75000"/>
+                </a:schemeClr>
+              </a:solidFill>
+            </a:endParaRPr>
+          </a:p>
+          <a:p>
+            <a:pPr marL="0" indent="0">
+              <a:buNone/>
+            </a:pPr>
+            <a:endParaRPr lang="en-US" altLang="ja-JP" dirty="0"/>
+          </a:p>
+          <a:p>
+            <a:pPr marL="0" indent="0">
+              <a:buNone/>
+            </a:pPr>
+            <a:endParaRPr lang="en-US" altLang="ja-JP" dirty="0"/>
+          </a:p>
+          <a:p>
+            <a:pPr marL="0" indent="0">
+              <a:buNone/>
+            </a:pPr>
+            <a:endParaRPr lang="en-US" altLang="ja-JP" dirty="0"/>
+          </a:p>
+          <a:p>
+            <a:r>
+              <a:rPr lang="ja-JP" altLang="en-US" dirty="0">
+                <a:solidFill>
+                  <a:schemeClr val="tx1"/>
+                </a:solidFill>
+              </a:rPr>
+              <a:t>プライベートや趣味</a:t>
+            </a:r>
+            <a:endParaRPr lang="en-US" altLang="ja-JP" dirty="0">
+              <a:solidFill>
+                <a:schemeClr val="tx1"/>
+              </a:solidFill>
+            </a:endParaRPr>
+          </a:p>
+          <a:p>
+            <a:pPr marL="0" indent="0">
+              <a:buNone/>
+            </a:pPr>
+            <a:r>
+              <a:rPr lang="ja-JP" altLang="en-US" dirty="0">
+                <a:solidFill>
+                  <a:schemeClr val="tx1"/>
+                </a:solidFill>
+              </a:rPr>
+              <a:t>　→フルーツの実で表現</a:t>
+            </a:r>
+            <a:endParaRPr lang="en-US" altLang="ja-JP" dirty="0">
+              <a:solidFill>
+                <a:schemeClr val="tx1"/>
+              </a:solidFill>
+            </a:endParaRPr>
           </a:p>
         </p:txBody>
       </p:sp>
     </p:spTree>
     <p:extLst>
       <p:ext uri="{BB962C8B-B14F-4D97-AF65-F5344CB8AC3E}">
-        <p14:creationId xmlns:p14="http://schemas.microsoft.com/office/powerpoint/2010/main" val="4219085798"/>
+        <p14:creationId xmlns:p14="http://schemas.microsoft.com/office/powerpoint/2010/main" val="3719027072"/>
       </p:ext>
     </p:extLst>
   </p:cSld>
   <p:clrMapOvr>
     <a:masterClrMapping/>
   </p:clrMapOvr>
-  <p:timing>
-    <p:tnLst>
-      <p:par>
-        <p:cTn id="1" dur="indefinite" restart="never" nodeType="tmRoot"/>
-      </p:par>
-    </p:tnLst>
-  </p:timing>
 </p:sld>
 </file>
 
@@ -16552,39 +13190,39 @@
         </p:nvSpPr>
         <p:spPr>
           <a:xfrm>
-            <a:off x="1426552" y="2892466"/>
+            <a:off x="1285875" y="3075346"/>
             <a:ext cx="8670876" cy="1461188"/>
           </a:xfrm>
         </p:spPr>
         <p:txBody>
-          <a:bodyPr/>
-          <a:lstStyle/>
-          <a:p>
-            <a:r>
-              <a:rPr kumimoji="1" lang="ja-JP" altLang="en-US" dirty="0" smtClean="0"/>
-              <a:t>フルーツバスケット</a:t>
-            </a:r>
-            <a:endParaRPr kumimoji="1" lang="ja-JP" altLang="en-US" dirty="0"/>
+          <a:bodyPr>
+            <a:normAutofit/>
+          </a:bodyPr>
+          <a:lstStyle/>
+          <a:p>
+            <a:pPr algn="ctr"/>
+            <a:r>
+              <a:rPr lang="en-US" altLang="ja-JP" sz="5400" dirty="0" err="1"/>
+              <a:t>Funana</a:t>
+            </a:r>
+            <a:r>
+              <a:rPr lang="ja-JP" altLang="en-US" sz="5400" dirty="0"/>
+              <a:t>の使用</a:t>
+            </a:r>
+            <a:endParaRPr kumimoji="1" lang="ja-JP" altLang="en-US" sz="5400" dirty="0"/>
           </a:p>
         </p:txBody>
       </p:sp>
     </p:spTree>
     <p:extLst>
       <p:ext uri="{BB962C8B-B14F-4D97-AF65-F5344CB8AC3E}">
-        <p14:creationId xmlns:p14="http://schemas.microsoft.com/office/powerpoint/2010/main" val="371084169"/>
+        <p14:creationId xmlns:p14="http://schemas.microsoft.com/office/powerpoint/2010/main" val="2227201469"/>
       </p:ext>
     </p:extLst>
   </p:cSld>
   <p:clrMapOvr>
     <a:masterClrMapping/>
   </p:clrMapOvr>
-  <p:timing>
-    <p:tnLst>
-      <p:par>
-        <p:cTn id="1" dur="indefinite" restart="never" nodeType="tmRoot"/>
-      </p:par>
-    </p:tnLst>
-  </p:timing>
 </p:sld>
 </file>
 
@@ -16617,39 +13255,38 @@
         </p:nvSpPr>
         <p:spPr>
           <a:xfrm>
-            <a:off x="1454687" y="3005007"/>
+            <a:off x="1285875" y="3075346"/>
             <a:ext cx="8670876" cy="1461188"/>
           </a:xfrm>
         </p:spPr>
         <p:txBody>
-          <a:bodyPr/>
-          <a:lstStyle/>
-          <a:p>
-            <a:r>
-              <a:rPr kumimoji="1" lang="ja-JP" altLang="en-US" dirty="0" smtClean="0"/>
-              <a:t>ミックスジュース</a:t>
-            </a:r>
-            <a:endParaRPr kumimoji="1" lang="ja-JP" altLang="en-US" dirty="0"/>
+          <a:bodyPr>
+            <a:normAutofit/>
+          </a:bodyPr>
+          <a:lstStyle/>
+          <a:p>
+            <a:pPr algn="ctr"/>
+            <a:r>
+              <a:rPr kumimoji="1" lang="en-US" altLang="ja-JP" sz="5400" dirty="0" err="1"/>
+              <a:t>Funana</a:t>
+            </a:r>
+            <a:r>
+              <a:rPr kumimoji="1" lang="ja-JP" altLang="en-US" sz="5400"/>
+              <a:t>の活用</a:t>
+            </a:r>
           </a:p>
         </p:txBody>
       </p:sp>
     </p:spTree>
     <p:extLst>
       <p:ext uri="{BB962C8B-B14F-4D97-AF65-F5344CB8AC3E}">
-        <p14:creationId xmlns:p14="http://schemas.microsoft.com/office/powerpoint/2010/main" val="1817976966"/>
+        <p14:creationId xmlns:p14="http://schemas.microsoft.com/office/powerpoint/2010/main" val="210974799"/>
       </p:ext>
     </p:extLst>
   </p:cSld>
   <p:clrMapOvr>
     <a:masterClrMapping/>
   </p:clrMapOvr>
-  <p:timing>
-    <p:tnLst>
-      <p:par>
-        <p:cTn id="1" dur="indefinite" restart="never" nodeType="tmRoot"/>
-      </p:par>
-    </p:tnLst>
-  </p:timing>
 </p:sld>
 </file>
 
@@ -16672,112 +13309,52 @@
       </p:grpSpPr>
       <p:sp>
         <p:nvSpPr>
-          <p:cNvPr id="3" name="コンテンツ プレースホルダー 2"/>
+          <p:cNvPr id="2" name="タイトル 1"/>
           <p:cNvSpPr>
             <a:spLocks noGrp="1"/>
           </p:cNvSpPr>
           <p:nvPr>
-            <p:ph sz="half" idx="1"/>
+            <p:ph type="title"/>
           </p:nvPr>
         </p:nvSpPr>
         <p:spPr>
           <a:xfrm>
-            <a:off x="1285874" y="647114"/>
-            <a:ext cx="4161533" cy="6161844"/>
+            <a:off x="1285875" y="3075346"/>
+            <a:ext cx="8670876" cy="1461188"/>
           </a:xfrm>
         </p:spPr>
         <p:txBody>
           <a:bodyPr>
-            <a:normAutofit fontScale="77500" lnSpcReduction="20000"/>
+            <a:normAutofit/>
           </a:bodyPr>
           <a:lstStyle/>
           <a:p>
-            <a:endParaRPr lang="en-US" altLang="ja-JP" dirty="0"/>
-          </a:p>
-          <a:p>
-            <a:endParaRPr lang="en-US" altLang="ja-JP" dirty="0"/>
-          </a:p>
-          <a:p>
-            <a:r>
-              <a:rPr lang="ja-JP" altLang="en-US" dirty="0"/>
-              <a:t>集合する全員がフルーツ交換をしていること前提での集まり</a:t>
-            </a:r>
-            <a:endParaRPr lang="en-US" altLang="ja-JP" dirty="0"/>
-          </a:p>
-          <a:p>
-            <a:endParaRPr lang="en-US" altLang="ja-JP" dirty="0"/>
-          </a:p>
-          <a:p>
-            <a:endParaRPr lang="en-US" altLang="ja-JP" dirty="0"/>
-          </a:p>
-          <a:p>
-            <a:r>
-              <a:rPr lang="ja-JP" altLang="en-US" dirty="0"/>
-              <a:t>ある程度のプランは主催側が決定するが、アンケートの機能も搭載し全員で決定してくことも可能</a:t>
-            </a:r>
-            <a:endParaRPr lang="en-US" altLang="ja-JP" dirty="0"/>
-          </a:p>
-          <a:p>
-            <a:endParaRPr lang="en-US" altLang="ja-JP" dirty="0"/>
-          </a:p>
-          <a:p>
-            <a:endParaRPr lang="en-US" altLang="ja-JP" dirty="0"/>
-          </a:p>
-          <a:p>
-            <a:r>
-              <a:rPr lang="ja-JP" altLang="en-US" dirty="0"/>
-              <a:t>主催側はすでにプランが決定しているのであれば参加の可否のみを取ることも可能</a:t>
-            </a:r>
-            <a:endParaRPr lang="en-US" altLang="ja-JP" dirty="0"/>
-          </a:p>
-          <a:p>
-            <a:endParaRPr kumimoji="1" lang="ja-JP" altLang="en-US" dirty="0"/>
-          </a:p>
-        </p:txBody>
-      </p:sp>
-      <p:sp>
-        <p:nvSpPr>
-          <p:cNvPr id="4" name="コンテンツ プレースホルダー 3"/>
-          <p:cNvSpPr>
-            <a:spLocks noGrp="1"/>
-          </p:cNvSpPr>
-          <p:nvPr>
-            <p:ph sz="half" idx="2"/>
-          </p:nvPr>
-        </p:nvSpPr>
-        <p:spPr>
-          <a:xfrm>
-            <a:off x="5806894" y="647114"/>
-            <a:ext cx="4161533" cy="6161844"/>
-          </a:xfrm>
-        </p:spPr>
-        <p:txBody>
-          <a:bodyPr>
-            <a:normAutofit fontScale="77500" lnSpcReduction="20000"/>
-          </a:bodyPr>
-          <a:lstStyle/>
-          <a:p>
-            <a:endParaRPr kumimoji="1" lang="ja-JP" altLang="en-US"/>
+            <a:pPr algn="ctr"/>
+            <a:r>
+              <a:rPr kumimoji="1" lang="ja-JP" altLang="en-US" sz="5400"/>
+              <a:t>名刺に</a:t>
+            </a:r>
+            <a:r>
+              <a:rPr kumimoji="1" lang="en-US" altLang="ja-JP" sz="5400" dirty="0"/>
+              <a:t>QR</a:t>
+            </a:r>
+            <a:r>
+              <a:rPr kumimoji="1" lang="ja-JP" altLang="en-US" sz="5400"/>
+              <a:t>コードを印字</a:t>
+            </a:r>
           </a:p>
         </p:txBody>
       </p:sp>
     </p:spTree>
     <p:extLst>
       <p:ext uri="{BB962C8B-B14F-4D97-AF65-F5344CB8AC3E}">
-        <p14:creationId xmlns:p14="http://schemas.microsoft.com/office/powerpoint/2010/main" val="90945513"/>
+        <p14:creationId xmlns:p14="http://schemas.microsoft.com/office/powerpoint/2010/main" val="3485260044"/>
       </p:ext>
     </p:extLst>
   </p:cSld>
   <p:clrMapOvr>
     <a:masterClrMapping/>
   </p:clrMapOvr>
-  <p:timing>
-    <p:tnLst>
-      <p:par>
-        <p:cTn id="1" dur="indefinite" restart="never" nodeType="tmRoot"/>
-      </p:par>
-    </p:tnLst>
-  </p:timing>
 </p:sld>
 </file>
 
@@ -16798,51 +13375,51 @@
           <a:chExt cx="0" cy="0"/>
         </a:xfrm>
       </p:grpSpPr>
-      <p:sp>
-        <p:nvSpPr>
-          <p:cNvPr id="2" name="タイトル 1"/>
-          <p:cNvSpPr>
-            <a:spLocks noGrp="1"/>
-          </p:cNvSpPr>
-          <p:nvPr>
-            <p:ph type="title"/>
-          </p:nvPr>
-        </p:nvSpPr>
+      <p:pic>
+        <p:nvPicPr>
+          <p:cNvPr id="5" name="コンテンツ プレースホルダー 4">
+            <a:extLst>
+              <a:ext uri="{FF2B5EF4-FFF2-40B4-BE49-F238E27FC236}">
+                <a16:creationId xmlns:a16="http://schemas.microsoft.com/office/drawing/2014/main" id="{1D25A8DB-8233-44C4-8427-892F1B55504E}"/>
+              </a:ext>
+            </a:extLst>
+          </p:cNvPr>
+          <p:cNvPicPr>
+            <a:picLocks noGrp="1" noChangeAspect="1"/>
+          </p:cNvPicPr>
+          <p:nvPr>
+            <p:ph idx="1"/>
+          </p:nvPr>
+        </p:nvPicPr>
+        <p:blipFill>
+          <a:blip r:embed="rId3">
+            <a:extLst>
+              <a:ext uri="{28A0092B-C50C-407E-A947-70E740481C1C}">
+                <a14:useLocalDpi xmlns:a14="http://schemas.microsoft.com/office/drawing/2010/main" val="0"/>
+              </a:ext>
+            </a:extLst>
+          </a:blip>
+          <a:stretch>
+            <a:fillRect/>
+          </a:stretch>
+        </p:blipFill>
         <p:spPr>
           <a:xfrm>
-            <a:off x="1384349" y="2822127"/>
-            <a:ext cx="8670876" cy="1461188"/>
+            <a:off x="1667241" y="1180305"/>
+            <a:ext cx="7357329" cy="5199063"/>
           </a:xfrm>
         </p:spPr>
-        <p:txBody>
-          <a:bodyPr/>
-          <a:lstStyle/>
-          <a:p>
-            <a:r>
-              <a:rPr kumimoji="1" lang="ja-JP" altLang="en-US" dirty="0" smtClean="0"/>
-              <a:t>果実園</a:t>
-            </a:r>
-            <a:endParaRPr kumimoji="1" lang="ja-JP" altLang="en-US" dirty="0"/>
-          </a:p>
-        </p:txBody>
-      </p:sp>
+      </p:pic>
     </p:spTree>
     <p:extLst>
       <p:ext uri="{BB962C8B-B14F-4D97-AF65-F5344CB8AC3E}">
-        <p14:creationId xmlns:p14="http://schemas.microsoft.com/office/powerpoint/2010/main" val="1973095489"/>
+        <p14:creationId xmlns:p14="http://schemas.microsoft.com/office/powerpoint/2010/main" val="1756797156"/>
       </p:ext>
     </p:extLst>
   </p:cSld>
   <p:clrMapOvr>
     <a:masterClrMapping/>
   </p:clrMapOvr>
-  <p:timing>
-    <p:tnLst>
-      <p:par>
-        <p:cTn id="1" dur="indefinite" restart="never" nodeType="tmRoot"/>
-      </p:par>
-    </p:tnLst>
-  </p:timing>
 </p:sld>
 </file>
 
@@ -16865,49 +13442,88 @@
       </p:grpSpPr>
       <p:sp>
         <p:nvSpPr>
-          <p:cNvPr id="2" name="タイトル 1"/>
+          <p:cNvPr id="3" name="コンテンツ プレースホルダー 2">
+            <a:extLst>
+              <a:ext uri="{FF2B5EF4-FFF2-40B4-BE49-F238E27FC236}">
+                <a16:creationId xmlns:a16="http://schemas.microsoft.com/office/drawing/2014/main" id="{D6372519-07AA-4FD0-976C-A5DFAF5FEBDA}"/>
+              </a:ext>
+            </a:extLst>
+          </p:cNvPr>
           <p:cNvSpPr>
             <a:spLocks noGrp="1"/>
           </p:cNvSpPr>
           <p:nvPr>
-            <p:ph type="title"/>
+            <p:ph idx="1"/>
           </p:nvPr>
         </p:nvSpPr>
         <p:spPr>
           <a:xfrm>
-            <a:off x="1454688" y="2850262"/>
-            <a:ext cx="8670876" cy="1461188"/>
+            <a:off x="1010467" y="633455"/>
+            <a:ext cx="8670877" cy="6292764"/>
           </a:xfrm>
         </p:spPr>
         <p:txBody>
-          <a:bodyPr/>
-          <a:lstStyle/>
-          <a:p>
-            <a:r>
-              <a:rPr kumimoji="1" lang="ja-JP" altLang="en-US" dirty="0" smtClean="0"/>
+          <a:bodyPr>
+            <a:normAutofit/>
+          </a:bodyPr>
+          <a:lstStyle/>
+          <a:p>
+            <a:r>
+              <a:rPr lang="ja-JP" altLang="en-US" dirty="0"/>
+              <a:t>ミックスジュース</a:t>
+            </a:r>
+            <a:endParaRPr lang="en-US" altLang="ja-JP" dirty="0"/>
+          </a:p>
+          <a:p>
+            <a:endParaRPr lang="en-US" altLang="ja-JP" dirty="0"/>
+          </a:p>
+          <a:p>
+            <a:endParaRPr lang="en-US" altLang="ja-JP" dirty="0"/>
+          </a:p>
+          <a:p>
+            <a:r>
+              <a:rPr lang="ja-JP" altLang="en-US" dirty="0"/>
+              <a:t>果実園</a:t>
+            </a:r>
+            <a:endParaRPr lang="en-US" altLang="ja-JP" dirty="0"/>
+          </a:p>
+          <a:p>
+            <a:endParaRPr lang="en-US" altLang="ja-JP" dirty="0"/>
+          </a:p>
+          <a:p>
+            <a:endParaRPr lang="en-US" altLang="ja-JP" dirty="0"/>
+          </a:p>
+          <a:p>
+            <a:r>
+              <a:rPr kumimoji="1" lang="ja-JP" altLang="en-US" dirty="0"/>
+              <a:t>フルーツバスケット</a:t>
+            </a:r>
+            <a:endParaRPr kumimoji="1" lang="en-US" altLang="ja-JP" dirty="0"/>
+          </a:p>
+          <a:p>
+            <a:endParaRPr lang="en-US" altLang="ja-JP" dirty="0"/>
+          </a:p>
+          <a:p>
+            <a:endParaRPr lang="en-US" altLang="ja-JP" dirty="0"/>
+          </a:p>
+          <a:p>
+            <a:r>
+              <a:rPr kumimoji="1" lang="ja-JP" altLang="en-US" dirty="0"/>
               <a:t>フルーツサンド</a:t>
             </a:r>
-            <a:endParaRPr kumimoji="1" lang="ja-JP" altLang="en-US" dirty="0"/>
           </a:p>
         </p:txBody>
       </p:sp>
     </p:spTree>
     <p:extLst>
       <p:ext uri="{BB962C8B-B14F-4D97-AF65-F5344CB8AC3E}">
-        <p14:creationId xmlns:p14="http://schemas.microsoft.com/office/powerpoint/2010/main" val="1687429293"/>
+        <p14:creationId xmlns:p14="http://schemas.microsoft.com/office/powerpoint/2010/main" val="737870525"/>
       </p:ext>
     </p:extLst>
   </p:cSld>
   <p:clrMapOvr>
     <a:masterClrMapping/>
   </p:clrMapOvr>
-  <p:timing>
-    <p:tnLst>
-      <p:par>
-        <p:cTn id="1" dur="indefinite" restart="never" nodeType="tmRoot"/>
-      </p:par>
-    </p:tnLst>
-  </p:timing>
 </p:sld>
 </file>
 
@@ -16930,18 +13546,24 @@
       </p:grpSpPr>
       <p:sp>
         <p:nvSpPr>
-          <p:cNvPr id="2" name="タイトル 1"/>
+          <p:cNvPr id="3" name="コンテンツ プレースホルダー 2">
+            <a:extLst>
+              <a:ext uri="{FF2B5EF4-FFF2-40B4-BE49-F238E27FC236}">
+                <a16:creationId xmlns:a16="http://schemas.microsoft.com/office/drawing/2014/main" id="{D6372519-07AA-4FD0-976C-A5DFAF5FEBDA}"/>
+              </a:ext>
+            </a:extLst>
+          </p:cNvPr>
           <p:cNvSpPr>
             <a:spLocks noGrp="1"/>
           </p:cNvSpPr>
           <p:nvPr>
-            <p:ph type="title"/>
+            <p:ph idx="1"/>
           </p:nvPr>
         </p:nvSpPr>
         <p:spPr>
           <a:xfrm>
-            <a:off x="1285875" y="3075346"/>
-            <a:ext cx="8670876" cy="1461188"/>
+            <a:off x="1010467" y="633455"/>
+            <a:ext cx="8670877" cy="6292764"/>
           </a:xfrm>
         </p:spPr>
         <p:txBody>
@@ -16950,14 +13572,110 @@
           </a:bodyPr>
           <a:lstStyle/>
           <a:p>
-            <a:pPr algn="ctr"/>
-            <a:r>
-              <a:rPr kumimoji="1" lang="en-US" altLang="ja-JP" sz="5400" dirty="0" err="1"/>
-              <a:t>Funana</a:t>
-            </a:r>
-            <a:r>
-              <a:rPr kumimoji="1" lang="ja-JP" altLang="en-US" sz="5400"/>
-              <a:t>の活用</a:t>
+            <a:r>
+              <a:rPr lang="ja-JP" altLang="en-US" dirty="0">
+                <a:solidFill>
+                  <a:schemeClr val="tx1"/>
+                </a:solidFill>
+              </a:rPr>
+              <a:t>ミックスジュース</a:t>
+            </a:r>
+            <a:endParaRPr kumimoji="1" lang="en-US" altLang="ja-JP" dirty="0">
+              <a:solidFill>
+                <a:schemeClr val="tx1"/>
+              </a:solidFill>
+            </a:endParaRPr>
+          </a:p>
+          <a:p>
+            <a:endParaRPr lang="en-US" altLang="ja-JP" dirty="0"/>
+          </a:p>
+          <a:p>
+            <a:endParaRPr lang="en-US" altLang="ja-JP" dirty="0"/>
+          </a:p>
+          <a:p>
+            <a:r>
+              <a:rPr lang="ja-JP" altLang="en-US" dirty="0">
+                <a:solidFill>
+                  <a:schemeClr val="bg1">
+                    <a:lumMod val="75000"/>
+                  </a:schemeClr>
+                </a:solidFill>
+              </a:rPr>
+              <a:t>果実園</a:t>
+            </a:r>
+            <a:endParaRPr kumimoji="1" lang="en-US" altLang="ja-JP" dirty="0">
+              <a:solidFill>
+                <a:schemeClr val="bg1">
+                  <a:lumMod val="75000"/>
+                </a:schemeClr>
+              </a:solidFill>
+            </a:endParaRPr>
+          </a:p>
+          <a:p>
+            <a:endParaRPr lang="en-US" altLang="ja-JP" dirty="0">
+              <a:solidFill>
+                <a:schemeClr val="bg1">
+                  <a:lumMod val="75000"/>
+                </a:schemeClr>
+              </a:solidFill>
+            </a:endParaRPr>
+          </a:p>
+          <a:p>
+            <a:endParaRPr lang="en-US" altLang="ja-JP" dirty="0">
+              <a:solidFill>
+                <a:schemeClr val="bg1">
+                  <a:lumMod val="75000"/>
+                </a:schemeClr>
+              </a:solidFill>
+            </a:endParaRPr>
+          </a:p>
+          <a:p>
+            <a:r>
+              <a:rPr kumimoji="1" lang="ja-JP" altLang="en-US" dirty="0">
+                <a:solidFill>
+                  <a:schemeClr val="bg1">
+                    <a:lumMod val="75000"/>
+                  </a:schemeClr>
+                </a:solidFill>
+              </a:rPr>
+              <a:t>フルーツバスケット</a:t>
+            </a:r>
+            <a:endParaRPr kumimoji="1" lang="en-US" altLang="ja-JP" dirty="0">
+              <a:solidFill>
+                <a:schemeClr val="bg1">
+                  <a:lumMod val="75000"/>
+                </a:schemeClr>
+              </a:solidFill>
+            </a:endParaRPr>
+          </a:p>
+          <a:p>
+            <a:endParaRPr lang="en-US" altLang="ja-JP" dirty="0">
+              <a:solidFill>
+                <a:schemeClr val="bg1">
+                  <a:lumMod val="75000"/>
+                </a:schemeClr>
+              </a:solidFill>
+            </a:endParaRPr>
+          </a:p>
+          <a:p>
+            <a:endParaRPr lang="en-US" altLang="ja-JP" dirty="0">
+              <a:solidFill>
+                <a:schemeClr val="bg1">
+                  <a:lumMod val="75000"/>
+                </a:schemeClr>
+              </a:solidFill>
+            </a:endParaRPr>
+          </a:p>
+          <a:p>
+            <a:r>
+              <a:rPr kumimoji="1" lang="ja-JP" altLang="en-US" dirty="0">
+                <a:solidFill>
+                  <a:schemeClr val="bg1">
+                    <a:lumMod val="75000"/>
+                  </a:schemeClr>
+                </a:solidFill>
+              </a:rPr>
+              <a:t>フルーツサンド</a:t>
             </a:r>
           </a:p>
         </p:txBody>
@@ -16965,20 +13683,13 @@
     </p:spTree>
     <p:extLst>
       <p:ext uri="{BB962C8B-B14F-4D97-AF65-F5344CB8AC3E}">
-        <p14:creationId xmlns:p14="http://schemas.microsoft.com/office/powerpoint/2010/main" val="210974799"/>
+        <p14:creationId xmlns:p14="http://schemas.microsoft.com/office/powerpoint/2010/main" val="4109060319"/>
       </p:ext>
     </p:extLst>
   </p:cSld>
   <p:clrMapOvr>
     <a:masterClrMapping/>
   </p:clrMapOvr>
-  <p:timing>
-    <p:tnLst>
-      <p:par>
-        <p:cTn id="1" dur="indefinite" restart="never" nodeType="tmRoot"/>
-      </p:par>
-    </p:tnLst>
-  </p:timing>
 </p:sld>
 </file>
 
@@ -16999,53 +13710,52 @@
           <a:chExt cx="0" cy="0"/>
         </a:xfrm>
       </p:grpSpPr>
-      <p:sp>
-        <p:nvSpPr>
-          <p:cNvPr id="2" name="タイトル 1"/>
-          <p:cNvSpPr>
-            <a:spLocks noGrp="1"/>
-          </p:cNvSpPr>
-          <p:nvPr>
-            <p:ph type="title"/>
-          </p:nvPr>
-        </p:nvSpPr>
+      <p:pic>
+        <p:nvPicPr>
+          <p:cNvPr id="3" name="図 2">
+            <a:extLst>
+              <a:ext uri="{FF2B5EF4-FFF2-40B4-BE49-F238E27FC236}">
+                <a16:creationId xmlns:a16="http://schemas.microsoft.com/office/drawing/2014/main" id="{DF29B8AD-8F4F-4AF4-AAF9-74B82BD489BE}"/>
+              </a:ext>
+            </a:extLst>
+          </p:cNvPr>
+          <p:cNvPicPr>
+            <a:picLocks noChangeAspect="1"/>
+          </p:cNvPicPr>
+          <p:nvPr/>
+        </p:nvPicPr>
+        <p:blipFill>
+          <a:blip r:embed="rId3">
+            <a:extLst>
+              <a:ext uri="{28A0092B-C50C-407E-A947-70E740481C1C}">
+                <a14:useLocalDpi xmlns:a14="http://schemas.microsoft.com/office/drawing/2010/main" val="0"/>
+              </a:ext>
+            </a:extLst>
+          </a:blip>
+          <a:stretch>
+            <a:fillRect/>
+          </a:stretch>
+        </p:blipFill>
         <p:spPr>
           <a:xfrm>
-            <a:off x="1285875" y="3075346"/>
-            <a:ext cx="8670876" cy="1461188"/>
+            <a:off x="1335881" y="946149"/>
+            <a:ext cx="8020050" cy="5667375"/>
           </a:xfrm>
+          <a:prstGeom prst="rect">
+            <a:avLst/>
+          </a:prstGeom>
         </p:spPr>
-        <p:txBody>
-          <a:bodyPr>
-            <a:normAutofit/>
-          </a:bodyPr>
-          <a:lstStyle/>
-          <a:p>
-            <a:pPr algn="ctr"/>
-            <a:r>
-              <a:rPr kumimoji="1" lang="ja-JP" altLang="en-US" sz="5400"/>
-              <a:t>グループワークでの使用</a:t>
-            </a:r>
-          </a:p>
-        </p:txBody>
-      </p:sp>
+      </p:pic>
     </p:spTree>
     <p:extLst>
       <p:ext uri="{BB962C8B-B14F-4D97-AF65-F5344CB8AC3E}">
-        <p14:creationId xmlns:p14="http://schemas.microsoft.com/office/powerpoint/2010/main" val="4046696943"/>
+        <p14:creationId xmlns:p14="http://schemas.microsoft.com/office/powerpoint/2010/main" val="2319938735"/>
       </p:ext>
     </p:extLst>
   </p:cSld>
   <p:clrMapOvr>
     <a:masterClrMapping/>
   </p:clrMapOvr>
-  <p:timing>
-    <p:tnLst>
-      <p:par>
-        <p:cTn id="1" dur="indefinite" restart="never" nodeType="tmRoot"/>
-      </p:par>
-    </p:tnLst>
-  </p:timing>
 </p:sld>
 </file>
 
@@ -17068,18 +13778,24 @@
       </p:grpSpPr>
       <p:sp>
         <p:nvSpPr>
-          <p:cNvPr id="2" name="タイトル 1"/>
+          <p:cNvPr id="3" name="コンテンツ プレースホルダー 2">
+            <a:extLst>
+              <a:ext uri="{FF2B5EF4-FFF2-40B4-BE49-F238E27FC236}">
+                <a16:creationId xmlns:a16="http://schemas.microsoft.com/office/drawing/2014/main" id="{D6372519-07AA-4FD0-976C-A5DFAF5FEBDA}"/>
+              </a:ext>
+            </a:extLst>
+          </p:cNvPr>
           <p:cNvSpPr>
             <a:spLocks noGrp="1"/>
           </p:cNvSpPr>
           <p:nvPr>
-            <p:ph type="title"/>
+            <p:ph idx="1"/>
           </p:nvPr>
         </p:nvSpPr>
         <p:spPr>
           <a:xfrm>
-            <a:off x="1285875" y="3075346"/>
-            <a:ext cx="8670876" cy="1461188"/>
+            <a:off x="1010467" y="633455"/>
+            <a:ext cx="8670877" cy="6292764"/>
           </a:xfrm>
         </p:spPr>
         <p:txBody>
@@ -17088,18 +13804,98 @@
           </a:bodyPr>
           <a:lstStyle/>
           <a:p>
-            <a:pPr algn="ctr"/>
-            <a:r>
-              <a:rPr kumimoji="1" lang="ja-JP" altLang="en-US" sz="5400"/>
-              <a:t>名刺に</a:t>
-            </a:r>
-            <a:r>
-              <a:rPr kumimoji="1" lang="en-US" altLang="ja-JP" sz="5400" dirty="0"/>
-              <a:t>QR</a:t>
-            </a:r>
-            <a:r>
-              <a:rPr kumimoji="1" lang="ja-JP" altLang="en-US" sz="5400"/>
-              <a:t>コードを印字</a:t>
+            <a:r>
+              <a:rPr lang="ja-JP" altLang="en-US" dirty="0">
+                <a:solidFill>
+                  <a:schemeClr val="bg1">
+                    <a:lumMod val="75000"/>
+                  </a:schemeClr>
+                </a:solidFill>
+              </a:rPr>
+              <a:t>ミックスジュース</a:t>
+            </a:r>
+            <a:endParaRPr kumimoji="1" lang="en-US" altLang="ja-JP" dirty="0">
+              <a:solidFill>
+                <a:schemeClr val="bg1">
+                  <a:lumMod val="75000"/>
+                </a:schemeClr>
+              </a:solidFill>
+            </a:endParaRPr>
+          </a:p>
+          <a:p>
+            <a:endParaRPr lang="en-US" altLang="ja-JP" dirty="0"/>
+          </a:p>
+          <a:p>
+            <a:endParaRPr lang="en-US" altLang="ja-JP" dirty="0"/>
+          </a:p>
+          <a:p>
+            <a:r>
+              <a:rPr lang="ja-JP" altLang="en-US" dirty="0">
+                <a:solidFill>
+                  <a:schemeClr val="tx1"/>
+                </a:solidFill>
+              </a:rPr>
+              <a:t>果実園</a:t>
+            </a:r>
+            <a:endParaRPr kumimoji="1" lang="en-US" altLang="ja-JP" dirty="0">
+              <a:solidFill>
+                <a:schemeClr val="tx1"/>
+              </a:solidFill>
+            </a:endParaRPr>
+          </a:p>
+          <a:p>
+            <a:endParaRPr lang="en-US" altLang="ja-JP" dirty="0"/>
+          </a:p>
+          <a:p>
+            <a:endParaRPr lang="en-US" altLang="ja-JP" dirty="0"/>
+          </a:p>
+          <a:p>
+            <a:r>
+              <a:rPr kumimoji="1" lang="ja-JP" altLang="en-US" dirty="0">
+                <a:solidFill>
+                  <a:schemeClr val="bg1">
+                    <a:lumMod val="75000"/>
+                  </a:schemeClr>
+                </a:solidFill>
+              </a:rPr>
+              <a:t>フルーツバスケット</a:t>
+            </a:r>
+            <a:endParaRPr kumimoji="1" lang="en-US" altLang="ja-JP" dirty="0">
+              <a:solidFill>
+                <a:schemeClr val="bg1">
+                  <a:lumMod val="75000"/>
+                </a:schemeClr>
+              </a:solidFill>
+            </a:endParaRPr>
+          </a:p>
+          <a:p>
+            <a:endParaRPr lang="en-US" altLang="ja-JP" dirty="0">
+              <a:solidFill>
+                <a:schemeClr val="bg1">
+                  <a:lumMod val="75000"/>
+                </a:schemeClr>
+              </a:solidFill>
+            </a:endParaRPr>
+          </a:p>
+          <a:p>
+            <a:endParaRPr lang="en-US" altLang="ja-JP" dirty="0">
+              <a:solidFill>
+                <a:schemeClr val="bg1">
+                  <a:lumMod val="75000"/>
+                </a:schemeClr>
+              </a:solidFill>
+            </a:endParaRPr>
+          </a:p>
+          <a:p>
+            <a:r>
+              <a:rPr kumimoji="1" lang="ja-JP" altLang="en-US" dirty="0">
+                <a:solidFill>
+                  <a:schemeClr val="bg1">
+                    <a:lumMod val="75000"/>
+                  </a:schemeClr>
+                </a:solidFill>
+              </a:rPr>
+              <a:t>フルーツサンド</a:t>
             </a:r>
           </a:p>
         </p:txBody>
@@ -17107,20 +13903,13 @@
     </p:spTree>
     <p:extLst>
       <p:ext uri="{BB962C8B-B14F-4D97-AF65-F5344CB8AC3E}">
-        <p14:creationId xmlns:p14="http://schemas.microsoft.com/office/powerpoint/2010/main" val="4216379226"/>
+        <p14:creationId xmlns:p14="http://schemas.microsoft.com/office/powerpoint/2010/main" val="1187594847"/>
       </p:ext>
     </p:extLst>
   </p:cSld>
   <p:clrMapOvr>
     <a:masterClrMapping/>
   </p:clrMapOvr>
-  <p:timing>
-    <p:tnLst>
-      <p:par>
-        <p:cTn id="1" dur="indefinite" restart="never" nodeType="tmRoot"/>
-      </p:par>
-    </p:tnLst>
-  </p:timing>
 </p:sld>
 </file>
 
@@ -17143,7 +13932,13 @@
       </p:grpSpPr>
       <p:sp>
         <p:nvSpPr>
-          <p:cNvPr id="2" name="タイトル 1"/>
+          <p:cNvPr id="2" name="タイトル 1">
+            <a:extLst>
+              <a:ext uri="{FF2B5EF4-FFF2-40B4-BE49-F238E27FC236}">
+                <a16:creationId xmlns:a16="http://schemas.microsoft.com/office/drawing/2014/main" id="{E6842D27-86DD-4F76-BBB0-305F077A37C2}"/>
+              </a:ext>
+            </a:extLst>
+          </p:cNvPr>
           <p:cNvSpPr>
             <a:spLocks noGrp="1"/>
           </p:cNvSpPr>
@@ -17163,32 +13958,66 @@
           </a:p>
         </p:txBody>
       </p:sp>
-      <p:graphicFrame>
-        <p:nvGraphicFramePr>
-          <p:cNvPr id="6" name="図表 5"/>
-          <p:cNvGraphicFramePr/>
-          <p:nvPr>
-            <p:extLst>
-              <p:ext uri="{D42A27DB-BD31-4B8C-83A1-F6EECF244321}">
-                <p14:modId xmlns:p14="http://schemas.microsoft.com/office/powerpoint/2010/main" val="85509842"/>
-              </p:ext>
-            </p:extLst>
-          </p:nvPr>
-        </p:nvGraphicFramePr>
-        <p:xfrm>
-          <a:off x="1285874" y="1207449"/>
-          <a:ext cx="8392698" cy="6155796"/>
-        </p:xfrm>
-        <a:graphic>
-          <a:graphicData uri="http://schemas.openxmlformats.org/drawingml/2006/diagram">
-            <dgm:relIds xmlns:dgm="http://schemas.openxmlformats.org/drawingml/2006/diagram" xmlns:r="http://schemas.openxmlformats.org/officeDocument/2006/relationships" r:dm="rId3" r:lo="rId4" r:qs="rId5" r:cs="rId6"/>
-          </a:graphicData>
-        </a:graphic>
-      </p:graphicFrame>
+      <p:sp>
+        <p:nvSpPr>
+          <p:cNvPr id="3" name="コンテンツ プレースホルダー 2">
+            <a:extLst>
+              <a:ext uri="{FF2B5EF4-FFF2-40B4-BE49-F238E27FC236}">
+                <a16:creationId xmlns:a16="http://schemas.microsoft.com/office/drawing/2014/main" id="{84A615E1-A15B-466B-8AC0-D4257550260D}"/>
+              </a:ext>
+            </a:extLst>
+          </p:cNvPr>
+          <p:cNvSpPr>
+            <a:spLocks noGrp="1"/>
+          </p:cNvSpPr>
+          <p:nvPr>
+            <p:ph idx="1"/>
+          </p:nvPr>
+        </p:nvSpPr>
+        <p:spPr/>
+        <p:txBody>
+          <a:bodyPr/>
+          <a:lstStyle/>
+          <a:p>
+            <a:r>
+              <a:rPr kumimoji="1" lang="ja-JP" altLang="en-US" dirty="0"/>
+              <a:t>コンセプト</a:t>
+            </a:r>
+            <a:endParaRPr kumimoji="1" lang="en-US" altLang="ja-JP" dirty="0"/>
+          </a:p>
+          <a:p>
+            <a:r>
+              <a:rPr lang="ja-JP" altLang="en-US" dirty="0"/>
+              <a:t>使用方法</a:t>
+            </a:r>
+            <a:endParaRPr lang="en-US" altLang="ja-JP" dirty="0"/>
+          </a:p>
+          <a:p>
+            <a:r>
+              <a:rPr kumimoji="1" lang="ja-JP" altLang="en-US" dirty="0"/>
+              <a:t>活用方法</a:t>
+            </a:r>
+            <a:endParaRPr kumimoji="1" lang="en-US" altLang="ja-JP" dirty="0"/>
+          </a:p>
+          <a:p>
+            <a:r>
+              <a:rPr lang="ja-JP" altLang="en-US" dirty="0"/>
+              <a:t>まとめ</a:t>
+            </a:r>
+            <a:endParaRPr lang="en-US" altLang="ja-JP" dirty="0"/>
+          </a:p>
+          <a:p>
+            <a:r>
+              <a:rPr kumimoji="1" lang="ja-JP" altLang="en-US" dirty="0"/>
+              <a:t>質疑応答</a:t>
+            </a:r>
+          </a:p>
+        </p:txBody>
+      </p:sp>
     </p:spTree>
     <p:extLst>
       <p:ext uri="{BB962C8B-B14F-4D97-AF65-F5344CB8AC3E}">
-        <p14:creationId xmlns:p14="http://schemas.microsoft.com/office/powerpoint/2010/main" val="2199538518"/>
+        <p14:creationId xmlns:p14="http://schemas.microsoft.com/office/powerpoint/2010/main" val="4082081217"/>
       </p:ext>
     </p:extLst>
   </p:cSld>
@@ -17215,37 +14044,153 @@
           <a:chExt cx="0" cy="0"/>
         </a:xfrm>
       </p:grpSpPr>
-      <p:sp>
-        <p:nvSpPr>
-          <p:cNvPr id="2" name="タイトル 1"/>
-          <p:cNvSpPr>
-            <a:spLocks noGrp="1"/>
-          </p:cNvSpPr>
-          <p:nvPr>
-            <p:ph type="title"/>
-          </p:nvPr>
-        </p:nvSpPr>
+      <p:pic>
+        <p:nvPicPr>
+          <p:cNvPr id="5" name="コンテンツ プレースホルダー 4">
+            <a:extLst>
+              <a:ext uri="{FF2B5EF4-FFF2-40B4-BE49-F238E27FC236}">
+                <a16:creationId xmlns:a16="http://schemas.microsoft.com/office/drawing/2014/main" id="{EFA36CBE-F87E-4899-9AF7-39CDBAC05E01}"/>
+              </a:ext>
+            </a:extLst>
+          </p:cNvPr>
+          <p:cNvPicPr>
+            <a:picLocks noGrp="1" noChangeAspect="1"/>
+          </p:cNvPicPr>
+          <p:nvPr>
+            <p:ph idx="1"/>
+          </p:nvPr>
+        </p:nvPicPr>
+        <p:blipFill>
+          <a:blip r:embed="rId3">
+            <a:extLst>
+              <a:ext uri="{28A0092B-C50C-407E-A947-70E740481C1C}">
+                <a14:useLocalDpi xmlns:a14="http://schemas.microsoft.com/office/drawing/2010/main" val="0"/>
+              </a:ext>
+            </a:extLst>
+          </a:blip>
+          <a:stretch>
+            <a:fillRect/>
+          </a:stretch>
+        </p:blipFill>
         <p:spPr>
           <a:xfrm>
-            <a:off x="1285875" y="3075346"/>
-            <a:ext cx="8670876" cy="1461188"/>
+            <a:off x="1461295" y="4295468"/>
+            <a:ext cx="2371198" cy="2361318"/>
           </a:xfrm>
         </p:spPr>
-        <p:txBody>
-          <a:bodyPr>
-            <a:normAutofit/>
-          </a:bodyPr>
-          <a:lstStyle/>
-          <a:p>
-            <a:pPr algn="ctr"/>
-            <a:endParaRPr kumimoji="1" lang="ja-JP" altLang="en-US" sz="5400"/>
-          </a:p>
-        </p:txBody>
-      </p:sp>
+      </p:pic>
+      <p:pic>
+        <p:nvPicPr>
+          <p:cNvPr id="7" name="図 6">
+            <a:extLst>
+              <a:ext uri="{FF2B5EF4-FFF2-40B4-BE49-F238E27FC236}">
+                <a16:creationId xmlns:a16="http://schemas.microsoft.com/office/drawing/2014/main" id="{2B725FCF-7E70-4B61-BF45-80AE04EC2C15}"/>
+              </a:ext>
+            </a:extLst>
+          </p:cNvPr>
+          <p:cNvPicPr>
+            <a:picLocks noChangeAspect="1"/>
+          </p:cNvPicPr>
+          <p:nvPr/>
+        </p:nvPicPr>
+        <p:blipFill>
+          <a:blip r:embed="rId4">
+            <a:extLst>
+              <a:ext uri="{28A0092B-C50C-407E-A947-70E740481C1C}">
+                <a14:useLocalDpi xmlns:a14="http://schemas.microsoft.com/office/drawing/2010/main" val="0"/>
+              </a:ext>
+            </a:extLst>
+          </a:blip>
+          <a:stretch>
+            <a:fillRect/>
+          </a:stretch>
+        </p:blipFill>
+        <p:spPr>
+          <a:xfrm>
+            <a:off x="7241457" y="257492"/>
+            <a:ext cx="3145263" cy="2237727"/>
+          </a:xfrm>
+          <a:prstGeom prst="rect">
+            <a:avLst/>
+          </a:prstGeom>
+        </p:spPr>
+      </p:pic>
+      <p:pic>
+        <p:nvPicPr>
+          <p:cNvPr id="11" name="図 10">
+            <a:extLst>
+              <a:ext uri="{FF2B5EF4-FFF2-40B4-BE49-F238E27FC236}">
+                <a16:creationId xmlns:a16="http://schemas.microsoft.com/office/drawing/2014/main" id="{F6179CCD-6915-4A21-807A-1EC8C34B73EA}"/>
+              </a:ext>
+            </a:extLst>
+          </p:cNvPr>
+          <p:cNvPicPr>
+            <a:picLocks noChangeAspect="1"/>
+          </p:cNvPicPr>
+          <p:nvPr/>
+        </p:nvPicPr>
+        <p:blipFill>
+          <a:blip r:embed="rId5">
+            <a:extLst>
+              <a:ext uri="{28A0092B-C50C-407E-A947-70E740481C1C}">
+                <a14:useLocalDpi xmlns:a14="http://schemas.microsoft.com/office/drawing/2010/main" val="0"/>
+              </a:ext>
+            </a:extLst>
+          </a:blip>
+          <a:stretch>
+            <a:fillRect/>
+          </a:stretch>
+        </p:blipFill>
+        <p:spPr>
+          <a:xfrm>
+            <a:off x="5023613" y="4219010"/>
+            <a:ext cx="5363107" cy="2437776"/>
+          </a:xfrm>
+          <a:prstGeom prst="rect">
+            <a:avLst/>
+          </a:prstGeom>
+        </p:spPr>
+      </p:pic>
+      <p:pic>
+        <p:nvPicPr>
+          <p:cNvPr id="13" name="図 12">
+            <a:extLst>
+              <a:ext uri="{FF2B5EF4-FFF2-40B4-BE49-F238E27FC236}">
+                <a16:creationId xmlns:a16="http://schemas.microsoft.com/office/drawing/2014/main" id="{61D25E41-B0BA-4655-BA71-605ABD4FB6FF}"/>
+              </a:ext>
+            </a:extLst>
+          </p:cNvPr>
+          <p:cNvPicPr>
+            <a:picLocks noChangeAspect="1"/>
+          </p:cNvPicPr>
+          <p:nvPr/>
+        </p:nvPicPr>
+        <p:blipFill>
+          <a:blip r:embed="rId6">
+            <a:extLst>
+              <a:ext uri="{28A0092B-C50C-407E-A947-70E740481C1C}">
+                <a14:useLocalDpi xmlns:a14="http://schemas.microsoft.com/office/drawing/2010/main" val="0"/>
+              </a:ext>
+            </a:extLst>
+          </a:blip>
+          <a:stretch>
+            <a:fillRect/>
+          </a:stretch>
+        </p:blipFill>
+        <p:spPr>
+          <a:xfrm>
+            <a:off x="1461295" y="257492"/>
+            <a:ext cx="5363108" cy="3573171"/>
+          </a:xfrm>
+          <a:prstGeom prst="rect">
+            <a:avLst/>
+          </a:prstGeom>
+        </p:spPr>
+      </p:pic>
     </p:spTree>
     <p:extLst>
       <p:ext uri="{BB962C8B-B14F-4D97-AF65-F5344CB8AC3E}">
-        <p14:creationId xmlns:p14="http://schemas.microsoft.com/office/powerpoint/2010/main" val="3913710703"/>
+        <p14:creationId xmlns:p14="http://schemas.microsoft.com/office/powerpoint/2010/main" val="2898663071"/>
       </p:ext>
     </p:extLst>
   </p:cSld>
@@ -17255,7 +14200,224 @@
   <p:timing>
     <p:tnLst>
       <p:par>
-        <p:cTn id="1" dur="indefinite" restart="never" nodeType="tmRoot"/>
+        <p:cTn id="1" dur="indefinite" restart="never" nodeType="tmRoot">
+          <p:childTnLst>
+            <p:seq concurrent="1" nextAc="seek">
+              <p:cTn id="2" dur="indefinite" nodeType="mainSeq">
+                <p:childTnLst>
+                  <p:par>
+                    <p:cTn id="3" fill="hold">
+                      <p:stCondLst>
+                        <p:cond delay="indefinite"/>
+                      </p:stCondLst>
+                      <p:childTnLst>
+                        <p:par>
+                          <p:cTn id="4" fill="hold">
+                            <p:stCondLst>
+                              <p:cond delay="0"/>
+                            </p:stCondLst>
+                            <p:childTnLst>
+                              <p:par>
+                                <p:cTn id="5" presetID="10" presetClass="entr" presetSubtype="0" fill="hold" nodeType="clickEffect">
+                                  <p:stCondLst>
+                                    <p:cond delay="0"/>
+                                  </p:stCondLst>
+                                  <p:childTnLst>
+                                    <p:set>
+                                      <p:cBhvr>
+                                        <p:cTn id="6" dur="1" fill="hold">
+                                          <p:stCondLst>
+                                            <p:cond delay="0"/>
+                                          </p:stCondLst>
+                                        </p:cTn>
+                                        <p:tgtEl>
+                                          <p:spTgt spid="13"/>
+                                        </p:tgtEl>
+                                        <p:attrNameLst>
+                                          <p:attrName>style.visibility</p:attrName>
+                                        </p:attrNameLst>
+                                      </p:cBhvr>
+                                      <p:to>
+                                        <p:strVal val="visible"/>
+                                      </p:to>
+                                    </p:set>
+                                    <p:animEffect transition="in" filter="fade">
+                                      <p:cBhvr>
+                                        <p:cTn id="7" dur="500"/>
+                                        <p:tgtEl>
+                                          <p:spTgt spid="13"/>
+                                        </p:tgtEl>
+                                      </p:cBhvr>
+                                    </p:animEffect>
+                                  </p:childTnLst>
+                                </p:cTn>
+                              </p:par>
+                            </p:childTnLst>
+                          </p:cTn>
+                        </p:par>
+                      </p:childTnLst>
+                    </p:cTn>
+                  </p:par>
+                  <p:par>
+                    <p:cTn id="8" fill="hold">
+                      <p:stCondLst>
+                        <p:cond delay="indefinite"/>
+                      </p:stCondLst>
+                      <p:childTnLst>
+                        <p:par>
+                          <p:cTn id="9" fill="hold">
+                            <p:stCondLst>
+                              <p:cond delay="0"/>
+                            </p:stCondLst>
+                            <p:childTnLst>
+                              <p:par>
+                                <p:cTn id="10" presetID="10" presetClass="entr" presetSubtype="0" fill="hold" nodeType="clickEffect">
+                                  <p:stCondLst>
+                                    <p:cond delay="0"/>
+                                  </p:stCondLst>
+                                  <p:childTnLst>
+                                    <p:set>
+                                      <p:cBhvr>
+                                        <p:cTn id="11" dur="1" fill="hold">
+                                          <p:stCondLst>
+                                            <p:cond delay="0"/>
+                                          </p:stCondLst>
+                                        </p:cTn>
+                                        <p:tgtEl>
+                                          <p:spTgt spid="7"/>
+                                        </p:tgtEl>
+                                        <p:attrNameLst>
+                                          <p:attrName>style.visibility</p:attrName>
+                                        </p:attrNameLst>
+                                      </p:cBhvr>
+                                      <p:to>
+                                        <p:strVal val="visible"/>
+                                      </p:to>
+                                    </p:set>
+                                    <p:animEffect transition="in" filter="fade">
+                                      <p:cBhvr>
+                                        <p:cTn id="12" dur="500"/>
+                                        <p:tgtEl>
+                                          <p:spTgt spid="7"/>
+                                        </p:tgtEl>
+                                      </p:cBhvr>
+                                    </p:animEffect>
+                                  </p:childTnLst>
+                                </p:cTn>
+                              </p:par>
+                              <p:par>
+                                <p:cTn id="13" presetID="10" presetClass="entr" presetSubtype="0" fill="hold" nodeType="withEffect">
+                                  <p:stCondLst>
+                                    <p:cond delay="0"/>
+                                  </p:stCondLst>
+                                  <p:childTnLst>
+                                    <p:set>
+                                      <p:cBhvr>
+                                        <p:cTn id="14" dur="1" fill="hold">
+                                          <p:stCondLst>
+                                            <p:cond delay="0"/>
+                                          </p:stCondLst>
+                                        </p:cTn>
+                                        <p:tgtEl>
+                                          <p:spTgt spid="5"/>
+                                        </p:tgtEl>
+                                        <p:attrNameLst>
+                                          <p:attrName>style.visibility</p:attrName>
+                                        </p:attrNameLst>
+                                      </p:cBhvr>
+                                      <p:to>
+                                        <p:strVal val="visible"/>
+                                      </p:to>
+                                    </p:set>
+                                    <p:animEffect transition="in" filter="fade">
+                                      <p:cBhvr>
+                                        <p:cTn id="15" dur="500"/>
+                                        <p:tgtEl>
+                                          <p:spTgt spid="5"/>
+                                        </p:tgtEl>
+                                      </p:cBhvr>
+                                    </p:animEffect>
+                                  </p:childTnLst>
+                                </p:cTn>
+                              </p:par>
+                            </p:childTnLst>
+                          </p:cTn>
+                        </p:par>
+                      </p:childTnLst>
+                    </p:cTn>
+                  </p:par>
+                  <p:par>
+                    <p:cTn id="16" fill="hold">
+                      <p:stCondLst>
+                        <p:cond delay="indefinite"/>
+                      </p:stCondLst>
+                      <p:childTnLst>
+                        <p:par>
+                          <p:cTn id="17" fill="hold">
+                            <p:stCondLst>
+                              <p:cond delay="0"/>
+                            </p:stCondLst>
+                            <p:childTnLst>
+                              <p:par>
+                                <p:cTn id="18" presetID="10" presetClass="entr" presetSubtype="0" fill="hold" nodeType="clickEffect">
+                                  <p:stCondLst>
+                                    <p:cond delay="0"/>
+                                  </p:stCondLst>
+                                  <p:childTnLst>
+                                    <p:set>
+                                      <p:cBhvr>
+                                        <p:cTn id="19" dur="1" fill="hold">
+                                          <p:stCondLst>
+                                            <p:cond delay="0"/>
+                                          </p:stCondLst>
+                                        </p:cTn>
+                                        <p:tgtEl>
+                                          <p:spTgt spid="11"/>
+                                        </p:tgtEl>
+                                        <p:attrNameLst>
+                                          <p:attrName>style.visibility</p:attrName>
+                                        </p:attrNameLst>
+                                      </p:cBhvr>
+                                      <p:to>
+                                        <p:strVal val="visible"/>
+                                      </p:to>
+                                    </p:set>
+                                    <p:animEffect transition="in" filter="fade">
+                                      <p:cBhvr>
+                                        <p:cTn id="20" dur="500"/>
+                                        <p:tgtEl>
+                                          <p:spTgt spid="11"/>
+                                        </p:tgtEl>
+                                      </p:cBhvr>
+                                    </p:animEffect>
+                                  </p:childTnLst>
+                                </p:cTn>
+                              </p:par>
+                            </p:childTnLst>
+                          </p:cTn>
+                        </p:par>
+                      </p:childTnLst>
+                    </p:cTn>
+                  </p:par>
+                </p:childTnLst>
+              </p:cTn>
+              <p:prevCondLst>
+                <p:cond evt="onPrev" delay="0">
+                  <p:tgtEl>
+                    <p:sldTgt/>
+                  </p:tgtEl>
+                </p:cond>
+              </p:prevCondLst>
+              <p:nextCondLst>
+                <p:cond evt="onNext" delay="0">
+                  <p:tgtEl>
+                    <p:sldTgt/>
+                  </p:tgtEl>
+                </p:cond>
+              </p:nextCondLst>
+            </p:seq>
+          </p:childTnLst>
+        </p:cTn>
       </p:par>
     </p:tnLst>
   </p:timing>
@@ -17281,6 +14443,388 @@
       </p:grpSpPr>
       <p:sp>
         <p:nvSpPr>
+          <p:cNvPr id="3" name="コンテンツ プレースホルダー 2">
+            <a:extLst>
+              <a:ext uri="{FF2B5EF4-FFF2-40B4-BE49-F238E27FC236}">
+                <a16:creationId xmlns:a16="http://schemas.microsoft.com/office/drawing/2014/main" id="{D6372519-07AA-4FD0-976C-A5DFAF5FEBDA}"/>
+              </a:ext>
+            </a:extLst>
+          </p:cNvPr>
+          <p:cNvSpPr>
+            <a:spLocks noGrp="1"/>
+          </p:cNvSpPr>
+          <p:nvPr>
+            <p:ph idx="1"/>
+          </p:nvPr>
+        </p:nvSpPr>
+        <p:spPr>
+          <a:xfrm>
+            <a:off x="1010467" y="633455"/>
+            <a:ext cx="8670877" cy="6292764"/>
+          </a:xfrm>
+        </p:spPr>
+        <p:txBody>
+          <a:bodyPr>
+            <a:normAutofit/>
+          </a:bodyPr>
+          <a:lstStyle/>
+          <a:p>
+            <a:r>
+              <a:rPr lang="ja-JP" altLang="en-US" dirty="0">
+                <a:solidFill>
+                  <a:schemeClr val="bg1">
+                    <a:lumMod val="75000"/>
+                  </a:schemeClr>
+                </a:solidFill>
+              </a:rPr>
+              <a:t>ミックスジュース</a:t>
+            </a:r>
+            <a:endParaRPr kumimoji="1" lang="en-US" altLang="ja-JP" dirty="0">
+              <a:solidFill>
+                <a:schemeClr val="bg1">
+                  <a:lumMod val="75000"/>
+                </a:schemeClr>
+              </a:solidFill>
+            </a:endParaRPr>
+          </a:p>
+          <a:p>
+            <a:endParaRPr lang="en-US" altLang="ja-JP" dirty="0">
+              <a:solidFill>
+                <a:schemeClr val="bg1">
+                  <a:lumMod val="75000"/>
+                </a:schemeClr>
+              </a:solidFill>
+            </a:endParaRPr>
+          </a:p>
+          <a:p>
+            <a:endParaRPr lang="en-US" altLang="ja-JP" dirty="0">
+              <a:solidFill>
+                <a:schemeClr val="bg1">
+                  <a:lumMod val="75000"/>
+                </a:schemeClr>
+              </a:solidFill>
+            </a:endParaRPr>
+          </a:p>
+          <a:p>
+            <a:r>
+              <a:rPr lang="ja-JP" altLang="en-US" dirty="0">
+                <a:solidFill>
+                  <a:schemeClr val="bg1">
+                    <a:lumMod val="75000"/>
+                  </a:schemeClr>
+                </a:solidFill>
+              </a:rPr>
+              <a:t>果実園</a:t>
+            </a:r>
+            <a:endParaRPr kumimoji="1" lang="en-US" altLang="ja-JP" dirty="0">
+              <a:solidFill>
+                <a:schemeClr val="bg1">
+                  <a:lumMod val="75000"/>
+                </a:schemeClr>
+              </a:solidFill>
+            </a:endParaRPr>
+          </a:p>
+          <a:p>
+            <a:endParaRPr lang="en-US" altLang="ja-JP" dirty="0"/>
+          </a:p>
+          <a:p>
+            <a:endParaRPr lang="en-US" altLang="ja-JP" dirty="0"/>
+          </a:p>
+          <a:p>
+            <a:r>
+              <a:rPr kumimoji="1" lang="ja-JP" altLang="en-US" dirty="0">
+                <a:solidFill>
+                  <a:schemeClr val="tx1"/>
+                </a:solidFill>
+              </a:rPr>
+              <a:t>フルーツバスケット</a:t>
+            </a:r>
+            <a:endParaRPr kumimoji="1" lang="en-US" altLang="ja-JP" dirty="0">
+              <a:solidFill>
+                <a:schemeClr val="tx1"/>
+              </a:solidFill>
+            </a:endParaRPr>
+          </a:p>
+          <a:p>
+            <a:endParaRPr lang="en-US" altLang="ja-JP" dirty="0"/>
+          </a:p>
+          <a:p>
+            <a:endParaRPr lang="en-US" altLang="ja-JP" dirty="0"/>
+          </a:p>
+          <a:p>
+            <a:r>
+              <a:rPr kumimoji="1" lang="ja-JP" altLang="en-US" dirty="0">
+                <a:solidFill>
+                  <a:schemeClr val="bg1">
+                    <a:lumMod val="75000"/>
+                  </a:schemeClr>
+                </a:solidFill>
+              </a:rPr>
+              <a:t>フルーツサンド</a:t>
+            </a:r>
+          </a:p>
+        </p:txBody>
+      </p:sp>
+    </p:spTree>
+    <p:extLst>
+      <p:ext uri="{BB962C8B-B14F-4D97-AF65-F5344CB8AC3E}">
+        <p14:creationId xmlns:p14="http://schemas.microsoft.com/office/powerpoint/2010/main" val="3368627099"/>
+      </p:ext>
+    </p:extLst>
+  </p:cSld>
+  <p:clrMapOvr>
+    <a:masterClrMapping/>
+  </p:clrMapOvr>
+</p:sld>
+</file>
+
+<file path=ppt/slides/slide22.xml><?xml version="1.0" encoding="utf-8"?>
+<p:sld xmlns:a="http://schemas.openxmlformats.org/drawingml/2006/main" xmlns:r="http://schemas.openxmlformats.org/officeDocument/2006/relationships" xmlns:p="http://schemas.openxmlformats.org/presentationml/2006/main">
+  <p:cSld>
+    <p:spTree>
+      <p:nvGrpSpPr>
+        <p:cNvPr id="1" name=""/>
+        <p:cNvGrpSpPr/>
+        <p:nvPr/>
+      </p:nvGrpSpPr>
+      <p:grpSpPr>
+        <a:xfrm>
+          <a:off x="0" y="0"/>
+          <a:ext cx="0" cy="0"/>
+          <a:chOff x="0" y="0"/>
+          <a:chExt cx="0" cy="0"/>
+        </a:xfrm>
+      </p:grpSpPr>
+      <p:sp>
+        <p:nvSpPr>
+          <p:cNvPr id="3" name="コンテンツ プレースホルダー 2">
+            <a:extLst>
+              <a:ext uri="{FF2B5EF4-FFF2-40B4-BE49-F238E27FC236}">
+                <a16:creationId xmlns:a16="http://schemas.microsoft.com/office/drawing/2014/main" id="{D6372519-07AA-4FD0-976C-A5DFAF5FEBDA}"/>
+              </a:ext>
+            </a:extLst>
+          </p:cNvPr>
+          <p:cNvSpPr>
+            <a:spLocks noGrp="1"/>
+          </p:cNvSpPr>
+          <p:nvPr>
+            <p:ph idx="1"/>
+          </p:nvPr>
+        </p:nvSpPr>
+        <p:spPr>
+          <a:xfrm>
+            <a:off x="1010467" y="633455"/>
+            <a:ext cx="8670877" cy="6292764"/>
+          </a:xfrm>
+        </p:spPr>
+        <p:txBody>
+          <a:bodyPr>
+            <a:normAutofit/>
+          </a:bodyPr>
+          <a:lstStyle/>
+          <a:p>
+            <a:r>
+              <a:rPr lang="ja-JP" altLang="en-US" dirty="0">
+                <a:solidFill>
+                  <a:schemeClr val="bg1">
+                    <a:lumMod val="75000"/>
+                  </a:schemeClr>
+                </a:solidFill>
+              </a:rPr>
+              <a:t>ミックスジュース</a:t>
+            </a:r>
+            <a:endParaRPr kumimoji="1" lang="en-US" altLang="ja-JP" dirty="0">
+              <a:solidFill>
+                <a:schemeClr val="bg1">
+                  <a:lumMod val="75000"/>
+                </a:schemeClr>
+              </a:solidFill>
+            </a:endParaRPr>
+          </a:p>
+          <a:p>
+            <a:endParaRPr lang="en-US" altLang="ja-JP" dirty="0">
+              <a:solidFill>
+                <a:schemeClr val="bg1">
+                  <a:lumMod val="75000"/>
+                </a:schemeClr>
+              </a:solidFill>
+            </a:endParaRPr>
+          </a:p>
+          <a:p>
+            <a:endParaRPr lang="en-US" altLang="ja-JP" dirty="0">
+              <a:solidFill>
+                <a:schemeClr val="bg1">
+                  <a:lumMod val="75000"/>
+                </a:schemeClr>
+              </a:solidFill>
+            </a:endParaRPr>
+          </a:p>
+          <a:p>
+            <a:r>
+              <a:rPr lang="ja-JP" altLang="en-US" dirty="0">
+                <a:solidFill>
+                  <a:schemeClr val="bg1">
+                    <a:lumMod val="75000"/>
+                  </a:schemeClr>
+                </a:solidFill>
+              </a:rPr>
+              <a:t>果実園</a:t>
+            </a:r>
+            <a:endParaRPr kumimoji="1" lang="en-US" altLang="ja-JP" dirty="0">
+              <a:solidFill>
+                <a:schemeClr val="bg1">
+                  <a:lumMod val="75000"/>
+                </a:schemeClr>
+              </a:solidFill>
+            </a:endParaRPr>
+          </a:p>
+          <a:p>
+            <a:endParaRPr lang="en-US" altLang="ja-JP" dirty="0">
+              <a:solidFill>
+                <a:schemeClr val="bg1">
+                  <a:lumMod val="75000"/>
+                </a:schemeClr>
+              </a:solidFill>
+            </a:endParaRPr>
+          </a:p>
+          <a:p>
+            <a:endParaRPr lang="en-US" altLang="ja-JP" dirty="0">
+              <a:solidFill>
+                <a:schemeClr val="bg1">
+                  <a:lumMod val="75000"/>
+                </a:schemeClr>
+              </a:solidFill>
+            </a:endParaRPr>
+          </a:p>
+          <a:p>
+            <a:r>
+              <a:rPr kumimoji="1" lang="ja-JP" altLang="en-US" dirty="0">
+                <a:solidFill>
+                  <a:schemeClr val="bg1">
+                    <a:lumMod val="75000"/>
+                  </a:schemeClr>
+                </a:solidFill>
+              </a:rPr>
+              <a:t>フルーツバスケット</a:t>
+            </a:r>
+            <a:endParaRPr kumimoji="1" lang="en-US" altLang="ja-JP" dirty="0">
+              <a:solidFill>
+                <a:schemeClr val="bg1">
+                  <a:lumMod val="75000"/>
+                </a:schemeClr>
+              </a:solidFill>
+            </a:endParaRPr>
+          </a:p>
+          <a:p>
+            <a:endParaRPr lang="en-US" altLang="ja-JP" dirty="0"/>
+          </a:p>
+          <a:p>
+            <a:endParaRPr lang="en-US" altLang="ja-JP" dirty="0"/>
+          </a:p>
+          <a:p>
+            <a:r>
+              <a:rPr kumimoji="1" lang="ja-JP" altLang="en-US" dirty="0">
+                <a:solidFill>
+                  <a:schemeClr val="tx1"/>
+                </a:solidFill>
+              </a:rPr>
+              <a:t>フルーツサンド</a:t>
+            </a:r>
+          </a:p>
+        </p:txBody>
+      </p:sp>
+    </p:spTree>
+    <p:extLst>
+      <p:ext uri="{BB962C8B-B14F-4D97-AF65-F5344CB8AC3E}">
+        <p14:creationId xmlns:p14="http://schemas.microsoft.com/office/powerpoint/2010/main" val="3709637944"/>
+      </p:ext>
+    </p:extLst>
+  </p:cSld>
+  <p:clrMapOvr>
+    <a:masterClrMapping/>
+  </p:clrMapOvr>
+</p:sld>
+</file>
+
+<file path=ppt/slides/slide23.xml><?xml version="1.0" encoding="utf-8"?>
+<p:sld xmlns:a="http://schemas.openxmlformats.org/drawingml/2006/main" xmlns:r="http://schemas.openxmlformats.org/officeDocument/2006/relationships" xmlns:p="http://schemas.openxmlformats.org/presentationml/2006/main">
+  <p:cSld>
+    <p:spTree>
+      <p:nvGrpSpPr>
+        <p:cNvPr id="1" name=""/>
+        <p:cNvGrpSpPr/>
+        <p:nvPr/>
+      </p:nvGrpSpPr>
+      <p:grpSpPr>
+        <a:xfrm>
+          <a:off x="0" y="0"/>
+          <a:ext cx="0" cy="0"/>
+          <a:chOff x="0" y="0"/>
+          <a:chExt cx="0" cy="0"/>
+        </a:xfrm>
+      </p:grpSpPr>
+      <p:sp>
+        <p:nvSpPr>
+          <p:cNvPr id="2" name="タイトル 1"/>
+          <p:cNvSpPr>
+            <a:spLocks noGrp="1"/>
+          </p:cNvSpPr>
+          <p:nvPr>
+            <p:ph type="title"/>
+          </p:nvPr>
+        </p:nvSpPr>
+        <p:spPr>
+          <a:xfrm>
+            <a:off x="1010468" y="3049243"/>
+            <a:ext cx="8670876" cy="1461188"/>
+          </a:xfrm>
+        </p:spPr>
+        <p:txBody>
+          <a:bodyPr>
+            <a:normAutofit/>
+          </a:bodyPr>
+          <a:lstStyle/>
+          <a:p>
+            <a:pPr algn="ctr"/>
+            <a:r>
+              <a:rPr kumimoji="1" lang="ja-JP" altLang="en-US" sz="5400" dirty="0"/>
+              <a:t>まとめ</a:t>
+            </a:r>
+          </a:p>
+        </p:txBody>
+      </p:sp>
+    </p:spTree>
+    <p:extLst>
+      <p:ext uri="{BB962C8B-B14F-4D97-AF65-F5344CB8AC3E}">
+        <p14:creationId xmlns:p14="http://schemas.microsoft.com/office/powerpoint/2010/main" val="3913710703"/>
+      </p:ext>
+    </p:extLst>
+  </p:cSld>
+  <p:clrMapOvr>
+    <a:masterClrMapping/>
+  </p:clrMapOvr>
+</p:sld>
+</file>
+
+<file path=ppt/slides/slide24.xml><?xml version="1.0" encoding="utf-8"?>
+<p:sld xmlns:a="http://schemas.openxmlformats.org/drawingml/2006/main" xmlns:r="http://schemas.openxmlformats.org/officeDocument/2006/relationships" xmlns:p="http://schemas.openxmlformats.org/presentationml/2006/main">
+  <p:cSld>
+    <p:spTree>
+      <p:nvGrpSpPr>
+        <p:cNvPr id="1" name=""/>
+        <p:cNvGrpSpPr/>
+        <p:nvPr/>
+      </p:nvGrpSpPr>
+      <p:grpSpPr>
+        <a:xfrm>
+          <a:off x="0" y="0"/>
+          <a:ext cx="0" cy="0"/>
+          <a:chOff x="0" y="0"/>
+          <a:chExt cx="0" cy="0"/>
+        </a:xfrm>
+      </p:grpSpPr>
+      <p:sp>
+        <p:nvSpPr>
           <p:cNvPr id="2" name="タイトル 1"/>
           <p:cNvSpPr>
             <a:spLocks noGrp="1"/>
@@ -17303,7 +14847,11 @@
           <a:p>
             <a:pPr algn="ctr"/>
             <a:r>
-              <a:rPr kumimoji="1" lang="ja-JP" altLang="en-US" sz="5400"/>
+              <a:rPr kumimoji="1" lang="ja-JP" altLang="en-US" sz="5400" dirty="0">
+                <a:solidFill>
+                  <a:srgbClr val="FF0000"/>
+                </a:solidFill>
+              </a:rPr>
               <a:t>コミュニケーションの促進</a:t>
             </a:r>
           </a:p>
@@ -17319,13 +14867,72 @@
   <p:clrMapOvr>
     <a:masterClrMapping/>
   </p:clrMapOvr>
-  <p:timing>
-    <p:tnLst>
-      <p:par>
-        <p:cTn id="1" dur="indefinite" restart="never" nodeType="tmRoot"/>
-      </p:par>
-    </p:tnLst>
-  </p:timing>
+</p:sld>
+</file>
+
+<file path=ppt/slides/slide25.xml><?xml version="1.0" encoding="utf-8"?>
+<p:sld xmlns:a="http://schemas.openxmlformats.org/drawingml/2006/main" xmlns:r="http://schemas.openxmlformats.org/officeDocument/2006/relationships" xmlns:p="http://schemas.openxmlformats.org/presentationml/2006/main">
+  <p:cSld>
+    <p:spTree>
+      <p:nvGrpSpPr>
+        <p:cNvPr id="1" name=""/>
+        <p:cNvGrpSpPr/>
+        <p:nvPr/>
+      </p:nvGrpSpPr>
+      <p:grpSpPr>
+        <a:xfrm>
+          <a:off x="0" y="0"/>
+          <a:ext cx="0" cy="0"/>
+          <a:chOff x="0" y="0"/>
+          <a:chExt cx="0" cy="0"/>
+        </a:xfrm>
+      </p:grpSpPr>
+      <p:sp>
+        <p:nvSpPr>
+          <p:cNvPr id="2" name="タイトル 1">
+            <a:extLst>
+              <a:ext uri="{FF2B5EF4-FFF2-40B4-BE49-F238E27FC236}">
+                <a16:creationId xmlns:a16="http://schemas.microsoft.com/office/drawing/2014/main" id="{9E74C571-D5DC-474E-8E7E-2809BD27E20E}"/>
+              </a:ext>
+            </a:extLst>
+          </p:cNvPr>
+          <p:cNvSpPr>
+            <a:spLocks noGrp="1"/>
+          </p:cNvSpPr>
+          <p:nvPr>
+            <p:ph type="title"/>
+          </p:nvPr>
+        </p:nvSpPr>
+        <p:spPr>
+          <a:xfrm>
+            <a:off x="1010468" y="3049243"/>
+            <a:ext cx="8670876" cy="1461188"/>
+          </a:xfrm>
+        </p:spPr>
+        <p:txBody>
+          <a:bodyPr>
+            <a:normAutofit/>
+          </a:bodyPr>
+          <a:lstStyle/>
+          <a:p>
+            <a:pPr algn="ctr"/>
+            <a:r>
+              <a:rPr kumimoji="1" lang="ja-JP" altLang="en-US" sz="4400" dirty="0"/>
+              <a:t>ご清聴ありがとうございました</a:t>
+            </a:r>
+          </a:p>
+        </p:txBody>
+      </p:sp>
+    </p:spTree>
+    <p:extLst>
+      <p:ext uri="{BB962C8B-B14F-4D97-AF65-F5344CB8AC3E}">
+        <p14:creationId xmlns:p14="http://schemas.microsoft.com/office/powerpoint/2010/main" val="1329120481"/>
+      </p:ext>
+    </p:extLst>
+  </p:cSld>
+  <p:clrMapOvr>
+    <a:masterClrMapping/>
+  </p:clrMapOvr>
 </p:sld>
 </file>
 
@@ -17386,13 +14993,6 @@
   <p:clrMapOvr>
     <a:masterClrMapping/>
   </p:clrMapOvr>
-  <p:timing>
-    <p:tnLst>
-      <p:par>
-        <p:cTn id="1" dur="indefinite" restart="never" nodeType="tmRoot"/>
-      </p:par>
-    </p:tnLst>
-  </p:timing>
 </p:sld>
 </file>
 
@@ -17425,7 +15025,7 @@
         </p:nvSpPr>
         <p:spPr>
           <a:xfrm>
-            <a:off x="1215534" y="1232479"/>
+            <a:off x="1064696" y="3158119"/>
             <a:ext cx="9152353" cy="1243436"/>
           </a:xfrm>
         </p:spPr>
@@ -17437,15 +15037,15 @@
           <a:p>
             <a:pPr algn="ctr"/>
             <a:r>
-              <a:rPr kumimoji="1" lang="ja-JP" altLang="en-US" sz="4800" dirty="0" smtClean="0"/>
+              <a:rPr kumimoji="1" lang="ja-JP" altLang="en-US" sz="4800" dirty="0"/>
               <a:t>フルーツ</a:t>
             </a:r>
             <a:r>
-              <a:rPr kumimoji="1" lang="en-US" altLang="ja-JP" sz="4800" dirty="0" smtClean="0"/>
+              <a:rPr kumimoji="1" lang="en-US" altLang="ja-JP" sz="4800" dirty="0"/>
               <a:t> </a:t>
             </a:r>
             <a:r>
-              <a:rPr kumimoji="1" lang="ja-JP" altLang="en-US" sz="4800" dirty="0" smtClean="0">
+              <a:rPr kumimoji="1" lang="ja-JP" altLang="en-US" sz="4800" dirty="0">
                 <a:solidFill>
                   <a:srgbClr val="FF0000"/>
                 </a:solidFill>
@@ -17453,7 +15053,7 @@
               <a:t>✖</a:t>
             </a:r>
             <a:r>
-              <a:rPr kumimoji="1" lang="en-US" altLang="ja-JP" sz="4800" dirty="0" smtClean="0">
+              <a:rPr kumimoji="1" lang="en-US" altLang="ja-JP" sz="4800" dirty="0">
                 <a:solidFill>
                   <a:srgbClr val="FF0000"/>
                 </a:solidFill>
@@ -17461,10 +15061,9 @@
               <a:t> </a:t>
             </a:r>
             <a:r>
-              <a:rPr kumimoji="1" lang="ja-JP" altLang="en-US" sz="4800" dirty="0" smtClean="0"/>
+              <a:rPr kumimoji="1" lang="ja-JP" altLang="en-US" sz="4800" dirty="0"/>
               <a:t>コミュニケーション</a:t>
             </a:r>
-            <a:endParaRPr kumimoji="1" lang="ja-JP" altLang="en-US" sz="4800" dirty="0"/>
           </a:p>
         </p:txBody>
       </p:sp>
@@ -17507,8 +15106,8 @@
         </p:blipFill>
         <p:spPr>
           <a:xfrm>
-            <a:off x="3869202" y="2686587"/>
-            <a:ext cx="5021102" cy="4240042"/>
+            <a:off x="6710516" y="4525481"/>
+            <a:ext cx="2843465" cy="2401148"/>
           </a:xfrm>
           <a:prstGeom prst="rect">
             <a:avLst/>
@@ -17525,13 +15124,6 @@
   <p:clrMapOvr>
     <a:masterClrMapping/>
   </p:clrMapOvr>
-  <p:timing>
-    <p:tnLst>
-      <p:par>
-        <p:cTn id="1" dur="indefinite" restart="never" nodeType="tmRoot"/>
-      </p:par>
-    </p:tnLst>
-  </p:timing>
 </p:sld>
 </file>
 
@@ -17576,9 +15168,14 @@
           <a:p>
             <a:pPr algn="ctr"/>
             <a:r>
-              <a:rPr kumimoji="1" lang="ja-JP" altLang="en-US" sz="5400"/>
-              <a:t>グループワークを効率的に行えないのはなぜか？</a:t>
-            </a:r>
+              <a:rPr kumimoji="1" lang="ja-JP" altLang="en-US" sz="5400" dirty="0"/>
+              <a:t>グループワーク</a:t>
+            </a:r>
+            <a:r>
+              <a:rPr lang="ja-JP" altLang="en-US" sz="5400" dirty="0"/>
+              <a:t>で仕事がうまくいかない</a:t>
+            </a:r>
+            <a:endParaRPr kumimoji="1" lang="ja-JP" altLang="en-US" sz="5400" dirty="0"/>
           </a:p>
         </p:txBody>
       </p:sp>
@@ -17592,13 +15189,6 @@
   <p:clrMapOvr>
     <a:masterClrMapping/>
   </p:clrMapOvr>
-  <p:timing>
-    <p:tnLst>
-      <p:par>
-        <p:cTn id="1" dur="indefinite" restart="never" nodeType="tmRoot"/>
-      </p:par>
-    </p:tnLst>
-  </p:timing>
 </p:sld>
 </file>
 
@@ -17637,22 +15227,14 @@
         </p:spPr>
         <p:txBody>
           <a:bodyPr>
-            <a:normAutofit fontScale="90000"/>
+            <a:normAutofit/>
           </a:bodyPr>
           <a:lstStyle/>
           <a:p>
             <a:pPr algn="ctr"/>
             <a:r>
-              <a:rPr kumimoji="1" lang="ja-JP" altLang="en-US" sz="5400"/>
-              <a:t>初対面で「合わないな</a:t>
-            </a:r>
-            <a:r>
-              <a:rPr kumimoji="1" lang="en-US" altLang="ja-JP" sz="5400" dirty="0"/>
-              <a:t>…</a:t>
-            </a:r>
-            <a:r>
-              <a:rPr kumimoji="1" lang="ja-JP" altLang="en-US" sz="5400"/>
-              <a:t>」と思った人とのちに仲良くなった経験はありますか？</a:t>
+              <a:rPr kumimoji="1" lang="ja-JP" altLang="en-US" sz="5400" dirty="0"/>
+              <a:t>初対面で会話が弾まない</a:t>
             </a:r>
           </a:p>
         </p:txBody>
@@ -17667,13 +15249,6 @@
   <p:clrMapOvr>
     <a:masterClrMapping/>
   </p:clrMapOvr>
-  <p:timing>
-    <p:tnLst>
-      <p:par>
-        <p:cTn id="1" dur="indefinite" restart="never" nodeType="tmRoot"/>
-      </p:par>
-    </p:tnLst>
-  </p:timing>
 </p:sld>
 </file>
 
@@ -17712,38 +15287,28 @@
         </p:spPr>
         <p:txBody>
           <a:bodyPr>
-            <a:normAutofit fontScale="90000"/>
+            <a:normAutofit/>
           </a:bodyPr>
           <a:lstStyle/>
           <a:p>
             <a:pPr algn="ctr"/>
             <a:r>
-              <a:rPr lang="ja-JP" altLang="en-US" sz="5400"/>
-              <a:t>お互いのことを知る</a:t>
-            </a:r>
-            <a:r>
-              <a:rPr lang="en-US" altLang="ja-JP" sz="5400" dirty="0"/>
-              <a:t/>
-            </a:r>
-            <a:br>
-              <a:rPr lang="en-US" altLang="ja-JP" sz="5400" dirty="0"/>
-            </a:br>
-            <a:r>
-              <a:rPr lang="ja-JP" altLang="en-US" sz="5400"/>
-              <a:t>＝</a:t>
-            </a:r>
-            <a:r>
-              <a:rPr lang="en-US" altLang="ja-JP" sz="5400" dirty="0"/>
-              <a:t/>
-            </a:r>
-            <a:br>
-              <a:rPr lang="en-US" altLang="ja-JP" sz="5400" dirty="0"/>
-            </a:br>
-            <a:r>
-              <a:rPr lang="ja-JP" altLang="en-US" sz="5400"/>
-              <a:t>仕事の効率化</a:t>
-            </a:r>
-            <a:endParaRPr kumimoji="1" lang="ja-JP" altLang="en-US" sz="5400"/>
+              <a:rPr kumimoji="1" lang="ja-JP" altLang="en-US" sz="4000" dirty="0">
+                <a:solidFill>
+                  <a:srgbClr val="FF0000"/>
+                </a:solidFill>
+              </a:rPr>
+              <a:t>お互いのことを</a:t>
+            </a:r>
+            <a:r>
+              <a:rPr lang="ja-JP" altLang="en-US" sz="4000" dirty="0">
+                <a:solidFill>
+                  <a:srgbClr val="FF0000"/>
+                </a:solidFill>
+              </a:rPr>
+              <a:t>あまり知らない</a:t>
+            </a:r>
+            <a:endParaRPr kumimoji="1" lang="ja-JP" altLang="en-US" sz="4000" dirty="0"/>
           </a:p>
         </p:txBody>
       </p:sp>
@@ -17801,17 +15366,16 @@
           <a:p>
             <a:pPr algn="ctr"/>
             <a:r>
-              <a:rPr lang="ja-JP" altLang="en-US" sz="5400"/>
-              <a:t>交流の幅を広げやすくなる</a:t>
-            </a:r>
-            <a:endParaRPr kumimoji="1" lang="ja-JP" altLang="en-US" sz="5400"/>
+              <a:rPr kumimoji="1" lang="ja-JP" altLang="en-US" sz="5400"/>
+              <a:t>自分自身をフルーツで表現</a:t>
+            </a:r>
           </a:p>
         </p:txBody>
       </p:sp>
     </p:spTree>
     <p:extLst>
       <p:ext uri="{BB962C8B-B14F-4D97-AF65-F5344CB8AC3E}">
-        <p14:creationId xmlns:p14="http://schemas.microsoft.com/office/powerpoint/2010/main" val="2714208426"/>
+        <p14:creationId xmlns:p14="http://schemas.microsoft.com/office/powerpoint/2010/main" val="4223951586"/>
       </p:ext>
     </p:extLst>
   </p:cSld>
@@ -17840,38 +15404,96 @@
       </p:grpSpPr>
       <p:sp>
         <p:nvSpPr>
-          <p:cNvPr id="2" name="タイトル 1"/>
+          <p:cNvPr id="3" name="コンテンツ プレースホルダー 2">
+            <a:extLst>
+              <a:ext uri="{FF2B5EF4-FFF2-40B4-BE49-F238E27FC236}">
+                <a16:creationId xmlns:a16="http://schemas.microsoft.com/office/drawing/2014/main" id="{2DFCB7F6-076F-4B0A-81FB-FE1DCD4A9579}"/>
+              </a:ext>
+            </a:extLst>
+          </p:cNvPr>
           <p:cNvSpPr>
             <a:spLocks noGrp="1"/>
           </p:cNvSpPr>
           <p:nvPr>
-            <p:ph type="title"/>
+            <p:ph idx="1"/>
           </p:nvPr>
         </p:nvSpPr>
         <p:spPr>
           <a:xfrm>
-            <a:off x="1285875" y="3075346"/>
-            <a:ext cx="8670876" cy="1461188"/>
+            <a:off x="1285874" y="619433"/>
+            <a:ext cx="8670877" cy="6189526"/>
           </a:xfrm>
         </p:spPr>
         <p:txBody>
-          <a:bodyPr>
-            <a:normAutofit/>
-          </a:bodyPr>
-          <a:lstStyle/>
-          <a:p>
-            <a:pPr algn="ctr"/>
-            <a:r>
-              <a:rPr kumimoji="1" lang="ja-JP" altLang="en-US" sz="5400"/>
-              <a:t>自分自身をフルーツで表現</a:t>
-            </a:r>
+          <a:bodyPr/>
+          <a:lstStyle/>
+          <a:p>
+            <a:endParaRPr kumimoji="1" lang="en-US" altLang="ja-JP" dirty="0"/>
+          </a:p>
+          <a:p>
+            <a:pPr marL="0" indent="0">
+              <a:buNone/>
+            </a:pPr>
+            <a:endParaRPr kumimoji="1" lang="en-US" altLang="ja-JP" dirty="0"/>
+          </a:p>
+          <a:p>
+            <a:r>
+              <a:rPr kumimoji="1" lang="ja-JP" altLang="en-US" dirty="0"/>
+              <a:t>仕事の取組みやフォーマルな面</a:t>
+            </a:r>
+            <a:endParaRPr lang="en-US" altLang="ja-JP" dirty="0"/>
+          </a:p>
+          <a:p>
+            <a:pPr marL="0" indent="0">
+              <a:buNone/>
+            </a:pPr>
+            <a:r>
+              <a:rPr lang="ja-JP" altLang="en-US" dirty="0"/>
+              <a:t>　→フルーツの皮で表現</a:t>
+            </a:r>
+            <a:endParaRPr lang="en-US" altLang="ja-JP" dirty="0"/>
+          </a:p>
+          <a:p>
+            <a:pPr marL="0" indent="0">
+              <a:buNone/>
+            </a:pPr>
+            <a:endParaRPr lang="en-US" altLang="ja-JP" dirty="0"/>
+          </a:p>
+          <a:p>
+            <a:pPr marL="0" indent="0">
+              <a:buNone/>
+            </a:pPr>
+            <a:endParaRPr lang="en-US" altLang="ja-JP" dirty="0"/>
+          </a:p>
+          <a:p>
+            <a:pPr marL="0" indent="0">
+              <a:buNone/>
+            </a:pPr>
+            <a:endParaRPr lang="en-US" altLang="ja-JP" dirty="0"/>
+          </a:p>
+          <a:p>
+            <a:r>
+              <a:rPr lang="ja-JP" altLang="en-US" dirty="0"/>
+              <a:t>プライベートや趣味</a:t>
+            </a:r>
+            <a:endParaRPr lang="en-US" altLang="ja-JP" dirty="0"/>
+          </a:p>
+          <a:p>
+            <a:pPr marL="0" indent="0">
+              <a:buNone/>
+            </a:pPr>
+            <a:r>
+              <a:rPr lang="ja-JP" altLang="en-US" dirty="0"/>
+              <a:t>　→フルーツの実で表現</a:t>
+            </a:r>
+            <a:endParaRPr lang="en-US" altLang="ja-JP" dirty="0"/>
           </a:p>
         </p:txBody>
       </p:sp>
     </p:spTree>
     <p:extLst>
       <p:ext uri="{BB962C8B-B14F-4D97-AF65-F5344CB8AC3E}">
-        <p14:creationId xmlns:p14="http://schemas.microsoft.com/office/powerpoint/2010/main" val="4223951586"/>
+        <p14:creationId xmlns:p14="http://schemas.microsoft.com/office/powerpoint/2010/main" val="3192743266"/>
       </p:ext>
     </p:extLst>
   </p:cSld>
